--- a/docs/Matrix Factorization & LLM Compression.pptx
+++ b/docs/Matrix Factorization & LLM Compression.pptx
@@ -5,7 +5,7 @@
     <p:sldMasterId id="2147483648" r:id="rId1"/>
   </p:sldMasterIdLst>
   <p:notesMasterIdLst>
-    <p:notesMasterId r:id="rId15"/>
+    <p:notesMasterId r:id="rId19"/>
   </p:notesMasterIdLst>
   <p:sldIdLst>
     <p:sldId id="256" r:id="rId2"/>
@@ -20,12 +20,16 @@
     <p:sldId id="504" r:id="rId11"/>
     <p:sldId id="505" r:id="rId12"/>
     <p:sldId id="506" r:id="rId13"/>
-    <p:sldId id="478" r:id="rId14"/>
+    <p:sldId id="507" r:id="rId14"/>
+    <p:sldId id="508" r:id="rId15"/>
+    <p:sldId id="509" r:id="rId16"/>
+    <p:sldId id="510" r:id="rId17"/>
+    <p:sldId id="478" r:id="rId18"/>
   </p:sldIdLst>
   <p:sldSz cx="12192000" cy="6858000"/>
   <p:notesSz cx="6858000" cy="9144000"/>
   <p:custDataLst>
-    <p:tags r:id="rId16"/>
+    <p:tags r:id="rId20"/>
   </p:custDataLst>
   <p:defaultTextStyle>
     <a:defPPr>
@@ -717,7 +721,7 @@
           <a:p>
             <a:fld id="{3678B995-4818-4CC4-9904-7C51E69FE1E0}" type="datetimeFigureOut">
               <a:rPr lang="zh-CN" altLang="en-US" smtClean="0"/>
-              <a:t>2023/9/19</a:t>
+              <a:t>2023/10/22</a:t>
             </a:fld>
             <a:endParaRPr lang="zh-CN" altLang="en-US"/>
           </a:p>
@@ -1364,6 +1368,342 @@
           <a:bodyPr/>
           <a:lstStyle/>
           <a:p>
+            <a:endParaRPr lang="en-US" altLang="zh-CN" dirty="0"/>
+          </a:p>
+        </p:txBody>
+      </p:sp>
+      <p:sp>
+        <p:nvSpPr>
+          <p:cNvPr id="4" name="灯片编号占位符 3"/>
+          <p:cNvSpPr>
+            <a:spLocks noGrp="1"/>
+          </p:cNvSpPr>
+          <p:nvPr>
+            <p:ph type="sldNum" sz="quarter" idx="10"/>
+          </p:nvPr>
+        </p:nvSpPr>
+        <p:spPr/>
+        <p:txBody>
+          <a:bodyPr/>
+          <a:lstStyle/>
+          <a:p>
+            <a:fld id="{324D6F74-634D-4233-BDBC-8BE3983B5CCB}" type="slidenum">
+              <a:rPr lang="zh-CN" altLang="en-US" smtClean="0"/>
+              <a:t>13</a:t>
+            </a:fld>
+            <a:endParaRPr lang="zh-CN" altLang="en-US"/>
+          </a:p>
+        </p:txBody>
+      </p:sp>
+    </p:spTree>
+    <p:extLst>
+      <p:ext uri="{BB962C8B-B14F-4D97-AF65-F5344CB8AC3E}">
+        <p14:creationId xmlns:p14="http://schemas.microsoft.com/office/powerpoint/2010/main" val="3672188125"/>
+      </p:ext>
+    </p:extLst>
+  </p:cSld>
+  <p:clrMapOvr>
+    <a:masterClrMapping/>
+  </p:clrMapOvr>
+</p:notes>
+</file>
+
+<file path=ppt/notesSlides/notesSlide14.xml><?xml version="1.0" encoding="utf-8"?>
+<p:notes xmlns:a="http://schemas.openxmlformats.org/drawingml/2006/main" xmlns:r="http://schemas.openxmlformats.org/officeDocument/2006/relationships" xmlns:p="http://schemas.openxmlformats.org/presentationml/2006/main">
+  <p:cSld>
+    <p:spTree>
+      <p:nvGrpSpPr>
+        <p:cNvPr id="1" name=""/>
+        <p:cNvGrpSpPr/>
+        <p:nvPr/>
+      </p:nvGrpSpPr>
+      <p:grpSpPr>
+        <a:xfrm>
+          <a:off x="0" y="0"/>
+          <a:ext cx="0" cy="0"/>
+          <a:chOff x="0" y="0"/>
+          <a:chExt cx="0" cy="0"/>
+        </a:xfrm>
+      </p:grpSpPr>
+      <p:sp>
+        <p:nvSpPr>
+          <p:cNvPr id="2" name="幻灯片图像占位符 1"/>
+          <p:cNvSpPr>
+            <a:spLocks noGrp="1" noRot="1" noChangeAspect="1"/>
+          </p:cNvSpPr>
+          <p:nvPr>
+            <p:ph type="sldImg"/>
+          </p:nvPr>
+        </p:nvSpPr>
+        <p:spPr/>
+      </p:sp>
+      <p:sp>
+        <p:nvSpPr>
+          <p:cNvPr id="3" name="备注占位符 2"/>
+          <p:cNvSpPr>
+            <a:spLocks noGrp="1"/>
+          </p:cNvSpPr>
+          <p:nvPr>
+            <p:ph type="body" idx="1"/>
+          </p:nvPr>
+        </p:nvSpPr>
+        <p:spPr/>
+        <p:txBody>
+          <a:bodyPr/>
+          <a:lstStyle/>
+          <a:p>
+            <a:endParaRPr lang="en-US" altLang="zh-CN" dirty="0"/>
+          </a:p>
+        </p:txBody>
+      </p:sp>
+      <p:sp>
+        <p:nvSpPr>
+          <p:cNvPr id="4" name="灯片编号占位符 3"/>
+          <p:cNvSpPr>
+            <a:spLocks noGrp="1"/>
+          </p:cNvSpPr>
+          <p:nvPr>
+            <p:ph type="sldNum" sz="quarter" idx="10"/>
+          </p:nvPr>
+        </p:nvSpPr>
+        <p:spPr/>
+        <p:txBody>
+          <a:bodyPr/>
+          <a:lstStyle/>
+          <a:p>
+            <a:fld id="{324D6F74-634D-4233-BDBC-8BE3983B5CCB}" type="slidenum">
+              <a:rPr lang="zh-CN" altLang="en-US" smtClean="0"/>
+              <a:t>14</a:t>
+            </a:fld>
+            <a:endParaRPr lang="zh-CN" altLang="en-US"/>
+          </a:p>
+        </p:txBody>
+      </p:sp>
+    </p:spTree>
+    <p:extLst>
+      <p:ext uri="{BB962C8B-B14F-4D97-AF65-F5344CB8AC3E}">
+        <p14:creationId xmlns:p14="http://schemas.microsoft.com/office/powerpoint/2010/main" val="2440692260"/>
+      </p:ext>
+    </p:extLst>
+  </p:cSld>
+  <p:clrMapOvr>
+    <a:masterClrMapping/>
+  </p:clrMapOvr>
+</p:notes>
+</file>
+
+<file path=ppt/notesSlides/notesSlide15.xml><?xml version="1.0" encoding="utf-8"?>
+<p:notes xmlns:a="http://schemas.openxmlformats.org/drawingml/2006/main" xmlns:r="http://schemas.openxmlformats.org/officeDocument/2006/relationships" xmlns:p="http://schemas.openxmlformats.org/presentationml/2006/main">
+  <p:cSld>
+    <p:spTree>
+      <p:nvGrpSpPr>
+        <p:cNvPr id="1" name=""/>
+        <p:cNvGrpSpPr/>
+        <p:nvPr/>
+      </p:nvGrpSpPr>
+      <p:grpSpPr>
+        <a:xfrm>
+          <a:off x="0" y="0"/>
+          <a:ext cx="0" cy="0"/>
+          <a:chOff x="0" y="0"/>
+          <a:chExt cx="0" cy="0"/>
+        </a:xfrm>
+      </p:grpSpPr>
+      <p:sp>
+        <p:nvSpPr>
+          <p:cNvPr id="2" name="幻灯片图像占位符 1"/>
+          <p:cNvSpPr>
+            <a:spLocks noGrp="1" noRot="1" noChangeAspect="1"/>
+          </p:cNvSpPr>
+          <p:nvPr>
+            <p:ph type="sldImg"/>
+          </p:nvPr>
+        </p:nvSpPr>
+        <p:spPr/>
+      </p:sp>
+      <p:sp>
+        <p:nvSpPr>
+          <p:cNvPr id="3" name="备注占位符 2"/>
+          <p:cNvSpPr>
+            <a:spLocks noGrp="1"/>
+          </p:cNvSpPr>
+          <p:nvPr>
+            <p:ph type="body" idx="1"/>
+          </p:nvPr>
+        </p:nvSpPr>
+        <p:spPr/>
+        <p:txBody>
+          <a:bodyPr/>
+          <a:lstStyle/>
+          <a:p>
+            <a:endParaRPr lang="en-US" altLang="zh-CN" dirty="0"/>
+          </a:p>
+        </p:txBody>
+      </p:sp>
+      <p:sp>
+        <p:nvSpPr>
+          <p:cNvPr id="4" name="灯片编号占位符 3"/>
+          <p:cNvSpPr>
+            <a:spLocks noGrp="1"/>
+          </p:cNvSpPr>
+          <p:nvPr>
+            <p:ph type="sldNum" sz="quarter" idx="10"/>
+          </p:nvPr>
+        </p:nvSpPr>
+        <p:spPr/>
+        <p:txBody>
+          <a:bodyPr/>
+          <a:lstStyle/>
+          <a:p>
+            <a:fld id="{324D6F74-634D-4233-BDBC-8BE3983B5CCB}" type="slidenum">
+              <a:rPr lang="zh-CN" altLang="en-US" smtClean="0"/>
+              <a:t>15</a:t>
+            </a:fld>
+            <a:endParaRPr lang="zh-CN" altLang="en-US"/>
+          </a:p>
+        </p:txBody>
+      </p:sp>
+    </p:spTree>
+    <p:extLst>
+      <p:ext uri="{BB962C8B-B14F-4D97-AF65-F5344CB8AC3E}">
+        <p14:creationId xmlns:p14="http://schemas.microsoft.com/office/powerpoint/2010/main" val="366058530"/>
+      </p:ext>
+    </p:extLst>
+  </p:cSld>
+  <p:clrMapOvr>
+    <a:masterClrMapping/>
+  </p:clrMapOvr>
+</p:notes>
+</file>
+
+<file path=ppt/notesSlides/notesSlide16.xml><?xml version="1.0" encoding="utf-8"?>
+<p:notes xmlns:a="http://schemas.openxmlformats.org/drawingml/2006/main" xmlns:r="http://schemas.openxmlformats.org/officeDocument/2006/relationships" xmlns:p="http://schemas.openxmlformats.org/presentationml/2006/main">
+  <p:cSld>
+    <p:spTree>
+      <p:nvGrpSpPr>
+        <p:cNvPr id="1" name=""/>
+        <p:cNvGrpSpPr/>
+        <p:nvPr/>
+      </p:nvGrpSpPr>
+      <p:grpSpPr>
+        <a:xfrm>
+          <a:off x="0" y="0"/>
+          <a:ext cx="0" cy="0"/>
+          <a:chOff x="0" y="0"/>
+          <a:chExt cx="0" cy="0"/>
+        </a:xfrm>
+      </p:grpSpPr>
+      <p:sp>
+        <p:nvSpPr>
+          <p:cNvPr id="2" name="幻灯片图像占位符 1"/>
+          <p:cNvSpPr>
+            <a:spLocks noGrp="1" noRot="1" noChangeAspect="1"/>
+          </p:cNvSpPr>
+          <p:nvPr>
+            <p:ph type="sldImg"/>
+          </p:nvPr>
+        </p:nvSpPr>
+        <p:spPr/>
+      </p:sp>
+      <p:sp>
+        <p:nvSpPr>
+          <p:cNvPr id="3" name="备注占位符 2"/>
+          <p:cNvSpPr>
+            <a:spLocks noGrp="1"/>
+          </p:cNvSpPr>
+          <p:nvPr>
+            <p:ph type="body" idx="1"/>
+          </p:nvPr>
+        </p:nvSpPr>
+        <p:spPr/>
+        <p:txBody>
+          <a:bodyPr/>
+          <a:lstStyle/>
+          <a:p>
+            <a:endParaRPr lang="en-US" altLang="zh-CN" dirty="0"/>
+          </a:p>
+        </p:txBody>
+      </p:sp>
+      <p:sp>
+        <p:nvSpPr>
+          <p:cNvPr id="4" name="灯片编号占位符 3"/>
+          <p:cNvSpPr>
+            <a:spLocks noGrp="1"/>
+          </p:cNvSpPr>
+          <p:nvPr>
+            <p:ph type="sldNum" sz="quarter" idx="10"/>
+          </p:nvPr>
+        </p:nvSpPr>
+        <p:spPr/>
+        <p:txBody>
+          <a:bodyPr/>
+          <a:lstStyle/>
+          <a:p>
+            <a:fld id="{324D6F74-634D-4233-BDBC-8BE3983B5CCB}" type="slidenum">
+              <a:rPr lang="zh-CN" altLang="en-US" smtClean="0"/>
+              <a:t>16</a:t>
+            </a:fld>
+            <a:endParaRPr lang="zh-CN" altLang="en-US"/>
+          </a:p>
+        </p:txBody>
+      </p:sp>
+    </p:spTree>
+    <p:extLst>
+      <p:ext uri="{BB962C8B-B14F-4D97-AF65-F5344CB8AC3E}">
+        <p14:creationId xmlns:p14="http://schemas.microsoft.com/office/powerpoint/2010/main" val="647626009"/>
+      </p:ext>
+    </p:extLst>
+  </p:cSld>
+  <p:clrMapOvr>
+    <a:masterClrMapping/>
+  </p:clrMapOvr>
+</p:notes>
+</file>
+
+<file path=ppt/notesSlides/notesSlide17.xml><?xml version="1.0" encoding="utf-8"?>
+<p:notes xmlns:a="http://schemas.openxmlformats.org/drawingml/2006/main" xmlns:r="http://schemas.openxmlformats.org/officeDocument/2006/relationships" xmlns:p="http://schemas.openxmlformats.org/presentationml/2006/main">
+  <p:cSld>
+    <p:spTree>
+      <p:nvGrpSpPr>
+        <p:cNvPr id="1" name=""/>
+        <p:cNvGrpSpPr/>
+        <p:nvPr/>
+      </p:nvGrpSpPr>
+      <p:grpSpPr>
+        <a:xfrm>
+          <a:off x="0" y="0"/>
+          <a:ext cx="0" cy="0"/>
+          <a:chOff x="0" y="0"/>
+          <a:chExt cx="0" cy="0"/>
+        </a:xfrm>
+      </p:grpSpPr>
+      <p:sp>
+        <p:nvSpPr>
+          <p:cNvPr id="2" name="幻灯片图像占位符 1"/>
+          <p:cNvSpPr>
+            <a:spLocks noGrp="1" noRot="1" noChangeAspect="1"/>
+          </p:cNvSpPr>
+          <p:nvPr>
+            <p:ph type="sldImg"/>
+          </p:nvPr>
+        </p:nvSpPr>
+        <p:spPr/>
+      </p:sp>
+      <p:sp>
+        <p:nvSpPr>
+          <p:cNvPr id="3" name="备注占位符 2"/>
+          <p:cNvSpPr>
+            <a:spLocks noGrp="1"/>
+          </p:cNvSpPr>
+          <p:nvPr>
+            <p:ph type="body" idx="1"/>
+          </p:nvPr>
+        </p:nvSpPr>
+        <p:spPr/>
+        <p:txBody>
+          <a:bodyPr/>
+          <a:lstStyle/>
+          <a:p>
             <a:endParaRPr lang="zh-CN" altLang="en-US" dirty="0"/>
           </a:p>
         </p:txBody>
@@ -1385,7 +1725,7 @@
           <a:p>
             <a:fld id="{7DF969B2-FC8F-40E9-BEE9-914C18BA1C47}" type="slidenum">
               <a:rPr lang="zh-CN" altLang="en-US" smtClean="0"/>
-              <a:t>13</a:t>
+              <a:t>17</a:t>
             </a:fld>
             <a:endParaRPr lang="zh-CN" altLang="en-US"/>
           </a:p>
@@ -2205,7 +2545,7 @@
           <a:p>
             <a:fld id="{D997B5FA-0921-464F-AAE1-844C04324D75}" type="datetimeFigureOut">
               <a:rPr lang="zh-CN" altLang="en-US" smtClean="0"/>
-              <a:t>2023/9/19</a:t>
+              <a:t>2023/10/22</a:t>
             </a:fld>
             <a:endParaRPr lang="zh-CN" altLang="en-US"/>
           </a:p>
@@ -2381,7 +2721,7 @@
           <a:p>
             <a:fld id="{D997B5FA-0921-464F-AAE1-844C04324D75}" type="datetimeFigureOut">
               <a:rPr lang="zh-CN" altLang="en-US" smtClean="0"/>
-              <a:t>2023/9/19</a:t>
+              <a:t>2023/10/22</a:t>
             </a:fld>
             <a:endParaRPr lang="zh-CN" altLang="en-US"/>
           </a:p>
@@ -2567,7 +2907,7 @@
           <a:p>
             <a:fld id="{D997B5FA-0921-464F-AAE1-844C04324D75}" type="datetimeFigureOut">
               <a:rPr lang="zh-CN" altLang="en-US" smtClean="0"/>
-              <a:t>2023/9/19</a:t>
+              <a:t>2023/10/22</a:t>
             </a:fld>
             <a:endParaRPr lang="zh-CN" altLang="en-US"/>
           </a:p>
@@ -2781,7 +3121,7 @@
           <a:p>
             <a:fld id="{D997B5FA-0921-464F-AAE1-844C04324D75}" type="datetimeFigureOut">
               <a:rPr lang="zh-CN" altLang="en-US" smtClean="0"/>
-              <a:t>2023/9/19</a:t>
+              <a:t>2023/10/22</a:t>
             </a:fld>
             <a:endParaRPr lang="zh-CN" altLang="en-US"/>
           </a:p>
@@ -3034,7 +3374,7 @@
           <a:p>
             <a:fld id="{D997B5FA-0921-464F-AAE1-844C04324D75}" type="datetimeFigureOut">
               <a:rPr lang="zh-CN" altLang="en-US" smtClean="0"/>
-              <a:t>2023/9/19</a:t>
+              <a:t>2023/10/22</a:t>
             </a:fld>
             <a:endParaRPr lang="zh-CN" altLang="en-US"/>
           </a:p>
@@ -3271,7 +3611,7 @@
           <a:p>
             <a:fld id="{D997B5FA-0921-464F-AAE1-844C04324D75}" type="datetimeFigureOut">
               <a:rPr lang="zh-CN" altLang="en-US" smtClean="0"/>
-              <a:t>2023/9/19</a:t>
+              <a:t>2023/10/22</a:t>
             </a:fld>
             <a:endParaRPr lang="zh-CN" altLang="en-US"/>
           </a:p>
@@ -3643,7 +3983,7 @@
           <a:p>
             <a:fld id="{D997B5FA-0921-464F-AAE1-844C04324D75}" type="datetimeFigureOut">
               <a:rPr lang="zh-CN" altLang="en-US" smtClean="0"/>
-              <a:t>2023/9/19</a:t>
+              <a:t>2023/10/22</a:t>
             </a:fld>
             <a:endParaRPr lang="zh-CN" altLang="en-US"/>
           </a:p>
@@ -3768,7 +4108,7 @@
           <a:p>
             <a:fld id="{D997B5FA-0921-464F-AAE1-844C04324D75}" type="datetimeFigureOut">
               <a:rPr lang="zh-CN" altLang="en-US" smtClean="0"/>
-              <a:t>2023/9/19</a:t>
+              <a:t>2023/10/22</a:t>
             </a:fld>
             <a:endParaRPr lang="zh-CN" altLang="en-US"/>
           </a:p>
@@ -3871,7 +4211,7 @@
           <a:p>
             <a:fld id="{D997B5FA-0921-464F-AAE1-844C04324D75}" type="datetimeFigureOut">
               <a:rPr lang="zh-CN" altLang="en-US" smtClean="0"/>
-              <a:t>2023/9/19</a:t>
+              <a:t>2023/10/22</a:t>
             </a:fld>
             <a:endParaRPr lang="zh-CN" altLang="en-US"/>
           </a:p>
@@ -4154,7 +4494,7 @@
           <a:p>
             <a:fld id="{D997B5FA-0921-464F-AAE1-844C04324D75}" type="datetimeFigureOut">
               <a:rPr lang="zh-CN" altLang="en-US" smtClean="0"/>
-              <a:t>2023/9/19</a:t>
+              <a:t>2023/10/22</a:t>
             </a:fld>
             <a:endParaRPr lang="zh-CN" altLang="en-US"/>
           </a:p>
@@ -4414,7 +4754,7 @@
           <a:p>
             <a:fld id="{D997B5FA-0921-464F-AAE1-844C04324D75}" type="datetimeFigureOut">
               <a:rPr lang="zh-CN" altLang="en-US" smtClean="0"/>
-              <a:t>2023/9/19</a:t>
+              <a:t>2023/10/22</a:t>
             </a:fld>
             <a:endParaRPr lang="zh-CN" altLang="en-US"/>
           </a:p>
@@ -4633,7 +4973,7 @@
           <a:p>
             <a:fld id="{D997B5FA-0921-464F-AAE1-844C04324D75}" type="datetimeFigureOut">
               <a:rPr lang="zh-CN" altLang="en-US" smtClean="0"/>
-              <a:t>2023/9/19</a:t>
+              <a:t>2023/10/22</a:t>
             </a:fld>
             <a:endParaRPr lang="zh-CN" altLang="en-US"/>
           </a:p>
@@ -6507,7 +6847,7 @@
               <a:buChar char="•"/>
             </a:pPr>
             <a:r>
-              <a:rPr lang="en-US" altLang="zh-CN" sz="1200" dirty="0">
+              <a:rPr lang="en-US" altLang="zh-CN" sz="1200" b="1" dirty="0">
                 <a:latin typeface="Times New Roman" panose="02020603050405020304" pitchFamily="18" charset="0"/>
                 <a:ea typeface="思源黑体 CN Medium" panose="020B0600000000000000"/>
                 <a:cs typeface="Times New Roman" panose="02020603050405020304" pitchFamily="18" charset="0"/>
@@ -8047,7 +8387,7 @@
         <p:spPr>
           <a:xfrm>
             <a:off x="9206305" y="1122392"/>
-            <a:ext cx="2985695" cy="1866601"/>
+            <a:ext cx="2985695" cy="1612686"/>
           </a:xfrm>
           <a:prstGeom prst="rect">
             <a:avLst/>
@@ -8142,25 +8482,6 @@
               </a:rPr>
               <a:t>Apply it on the LLM baseline</a:t>
             </a:r>
-          </a:p>
-          <a:p>
-            <a:pPr marL="171450" indent="-171450" algn="just">
-              <a:lnSpc>
-                <a:spcPct val="150000"/>
-              </a:lnSpc>
-              <a:buFont typeface="Arial" panose="020B0604020202020204" pitchFamily="34" charset="0"/>
-              <a:buChar char="•"/>
-            </a:pPr>
-            <a:endParaRPr lang="en-US" altLang="zh-CN" sz="1100" b="1" dirty="0">
-              <a:solidFill>
-                <a:schemeClr val="bg1">
-                  <a:lumMod val="50000"/>
-                </a:schemeClr>
-              </a:solidFill>
-              <a:latin typeface="思源黑体 CN Heavy"/>
-              <a:ea typeface="思源黑体 CN Medium" panose="020B0600000000000000"/>
-              <a:cs typeface="Times New Roman" panose="02020603050405020304" pitchFamily="18" charset="0"/>
-            </a:endParaRPr>
           </a:p>
         </p:txBody>
       </p:sp>
@@ -8636,6 +8957,4027 @@
 </file>
 
 <file path=ppt/slides/slide13.xml><?xml version="1.0" encoding="utf-8"?>
+<p:sld xmlns:a="http://schemas.openxmlformats.org/drawingml/2006/main" xmlns:r="http://schemas.openxmlformats.org/officeDocument/2006/relationships" xmlns:p="http://schemas.openxmlformats.org/presentationml/2006/main">
+  <p:cSld>
+    <p:spTree>
+      <p:nvGrpSpPr>
+        <p:cNvPr id="1" name=""/>
+        <p:cNvGrpSpPr/>
+        <p:nvPr/>
+      </p:nvGrpSpPr>
+      <p:grpSpPr>
+        <a:xfrm>
+          <a:off x="0" y="0"/>
+          <a:ext cx="0" cy="0"/>
+          <a:chOff x="0" y="0"/>
+          <a:chExt cx="0" cy="0"/>
+        </a:xfrm>
+      </p:grpSpPr>
+      <p:sp>
+        <p:nvSpPr>
+          <p:cNvPr id="52" name="Pentagon 6_1">
+            <a:extLst>
+              <a:ext uri="{FF2B5EF4-FFF2-40B4-BE49-F238E27FC236}">
+                <a16:creationId xmlns:a16="http://schemas.microsoft.com/office/drawing/2014/main" id="{AF00C5AC-1046-411F-939E-89D5936C785B}"/>
+              </a:ext>
+            </a:extLst>
+          </p:cNvPr>
+          <p:cNvSpPr/>
+          <p:nvPr/>
+        </p:nvSpPr>
+        <p:spPr>
+          <a:xfrm>
+            <a:off x="-1" y="531656"/>
+            <a:ext cx="1926771" cy="701648"/>
+          </a:xfrm>
+          <a:prstGeom prst="homePlate">
+            <a:avLst/>
+          </a:prstGeom>
+          <a:solidFill>
+            <a:srgbClr val="FADE40"/>
+          </a:solidFill>
+          <a:ln>
+            <a:noFill/>
+          </a:ln>
+        </p:spPr>
+        <p:style>
+          <a:lnRef idx="2">
+            <a:schemeClr val="accent1">
+              <a:shade val="50000"/>
+            </a:schemeClr>
+          </a:lnRef>
+          <a:fillRef idx="1">
+            <a:schemeClr val="accent1"/>
+          </a:fillRef>
+          <a:effectRef idx="0">
+            <a:schemeClr val="accent1"/>
+          </a:effectRef>
+          <a:fontRef idx="minor">
+            <a:schemeClr val="lt1"/>
+          </a:fontRef>
+        </p:style>
+        <p:txBody>
+          <a:bodyPr rtlCol="0" anchor="ctr"/>
+          <a:lstStyle/>
+          <a:p>
+            <a:pPr algn="ctr"/>
+            <a:endParaRPr lang="zh-CN" altLang="en-US"/>
+          </a:p>
+        </p:txBody>
+      </p:sp>
+      <p:sp>
+        <p:nvSpPr>
+          <p:cNvPr id="53" name="文本框 52">
+            <a:extLst>
+              <a:ext uri="{FF2B5EF4-FFF2-40B4-BE49-F238E27FC236}">
+                <a16:creationId xmlns:a16="http://schemas.microsoft.com/office/drawing/2014/main" id="{8699EC9A-81A9-4AD6-9962-57AA5A2F4CD8}"/>
+              </a:ext>
+            </a:extLst>
+          </p:cNvPr>
+          <p:cNvSpPr txBox="1"/>
+          <p:nvPr/>
+        </p:nvSpPr>
+        <p:spPr>
+          <a:xfrm>
+            <a:off x="42821" y="642567"/>
+            <a:ext cx="1595479" cy="479825"/>
+          </a:xfrm>
+          <a:prstGeom prst="rect">
+            <a:avLst/>
+          </a:prstGeom>
+          <a:noFill/>
+        </p:spPr>
+        <p:txBody>
+          <a:bodyPr wrap="square" rtlCol="0">
+            <a:spAutoFit/>
+          </a:bodyPr>
+          <a:lstStyle/>
+          <a:p>
+            <a:pPr algn="dist"/>
+            <a:r>
+              <a:rPr lang="en-US" altLang="zh-CN" sz="2400" dirty="0">
+                <a:solidFill>
+                  <a:srgbClr val="C00000"/>
+                </a:solidFill>
+                <a:latin typeface="Times New Roman" panose="02020603050405020304" pitchFamily="18" charset="0"/>
+                <a:ea typeface="思源黑体 CN Medium" panose="020B0600000000000000" pitchFamily="34" charset="-122"/>
+                <a:cs typeface="Times New Roman" panose="02020603050405020304" pitchFamily="18" charset="0"/>
+                <a:sym typeface="Arial" panose="020B0604020202020204" pitchFamily="34" charset="0"/>
+              </a:rPr>
+              <a:t>CPU</a:t>
+            </a:r>
+            <a:r>
+              <a:rPr lang="zh-CN" altLang="en-US" sz="2400" dirty="0">
+                <a:solidFill>
+                  <a:srgbClr val="C00000"/>
+                </a:solidFill>
+                <a:latin typeface="Times New Roman" panose="02020603050405020304" pitchFamily="18" charset="0"/>
+                <a:ea typeface="思源黑体 CN Medium" panose="020B0600000000000000" pitchFamily="34" charset="-122"/>
+                <a:cs typeface="Times New Roman" panose="02020603050405020304" pitchFamily="18" charset="0"/>
+                <a:sym typeface="Arial" panose="020B0604020202020204" pitchFamily="34" charset="0"/>
+              </a:rPr>
+              <a:t>设计</a:t>
+            </a:r>
+          </a:p>
+        </p:txBody>
+      </p:sp>
+      <p:sp>
+        <p:nvSpPr>
+          <p:cNvPr id="5" name="Pentagon 6_1">
+            <a:extLst>
+              <a:ext uri="{FF2B5EF4-FFF2-40B4-BE49-F238E27FC236}">
+                <a16:creationId xmlns:a16="http://schemas.microsoft.com/office/drawing/2014/main" id="{B2DEA907-69CA-1F7C-0719-3B1C4B3D0485}"/>
+              </a:ext>
+            </a:extLst>
+          </p:cNvPr>
+          <p:cNvSpPr/>
+          <p:nvPr/>
+        </p:nvSpPr>
+        <p:spPr>
+          <a:xfrm>
+            <a:off x="-1" y="531656"/>
+            <a:ext cx="1926771" cy="701648"/>
+          </a:xfrm>
+          <a:prstGeom prst="homePlate">
+            <a:avLst/>
+          </a:prstGeom>
+          <a:solidFill>
+            <a:srgbClr val="FADE40"/>
+          </a:solidFill>
+          <a:ln>
+            <a:noFill/>
+          </a:ln>
+        </p:spPr>
+        <p:style>
+          <a:lnRef idx="2">
+            <a:schemeClr val="accent1">
+              <a:shade val="50000"/>
+            </a:schemeClr>
+          </a:lnRef>
+          <a:fillRef idx="1">
+            <a:schemeClr val="accent1"/>
+          </a:fillRef>
+          <a:effectRef idx="0">
+            <a:schemeClr val="accent1"/>
+          </a:effectRef>
+          <a:fontRef idx="minor">
+            <a:schemeClr val="lt1"/>
+          </a:fontRef>
+        </p:style>
+        <p:txBody>
+          <a:bodyPr rtlCol="0" anchor="ctr"/>
+          <a:lstStyle/>
+          <a:p>
+            <a:pPr algn="ctr"/>
+            <a:endParaRPr lang="zh-CN" altLang="en-US"/>
+          </a:p>
+        </p:txBody>
+      </p:sp>
+      <p:sp>
+        <p:nvSpPr>
+          <p:cNvPr id="6" name="文本框 5">
+            <a:extLst>
+              <a:ext uri="{FF2B5EF4-FFF2-40B4-BE49-F238E27FC236}">
+                <a16:creationId xmlns:a16="http://schemas.microsoft.com/office/drawing/2014/main" id="{EEA72AD3-AE04-AC91-8BBE-AEC989717A4D}"/>
+              </a:ext>
+            </a:extLst>
+          </p:cNvPr>
+          <p:cNvSpPr txBox="1"/>
+          <p:nvPr/>
+        </p:nvSpPr>
+        <p:spPr>
+          <a:xfrm>
+            <a:off x="42821" y="590091"/>
+            <a:ext cx="1595479" cy="584775"/>
+          </a:xfrm>
+          <a:prstGeom prst="rect">
+            <a:avLst/>
+          </a:prstGeom>
+          <a:noFill/>
+        </p:spPr>
+        <p:txBody>
+          <a:bodyPr wrap="square" rtlCol="0">
+            <a:spAutoFit/>
+          </a:bodyPr>
+          <a:lstStyle/>
+          <a:p>
+            <a:pPr algn="dist"/>
+            <a:r>
+              <a:rPr lang="en-US" altLang="zh-CN" sz="1600" b="1" dirty="0">
+                <a:solidFill>
+                  <a:srgbClr val="C00000"/>
+                </a:solidFill>
+                <a:latin typeface="Times New Roman" panose="02020603050405020304" pitchFamily="18" charset="0"/>
+                <a:ea typeface="思源黑体 CN Medium" panose="020B0600000000000000" pitchFamily="34" charset="-122"/>
+                <a:cs typeface="Times New Roman" panose="02020603050405020304" pitchFamily="18" charset="0"/>
+                <a:sym typeface="Arial" panose="020B0604020202020204" pitchFamily="34" charset="0"/>
+              </a:rPr>
+              <a:t>Compression</a:t>
+            </a:r>
+          </a:p>
+          <a:p>
+            <a:pPr algn="dist"/>
+            <a:r>
+              <a:rPr lang="en-US" altLang="zh-CN" sz="1600" b="1" dirty="0">
+                <a:solidFill>
+                  <a:srgbClr val="C00000"/>
+                </a:solidFill>
+                <a:latin typeface="Times New Roman" panose="02020603050405020304" pitchFamily="18" charset="0"/>
+                <a:ea typeface="思源黑体 CN Medium" panose="020B0600000000000000" pitchFamily="34" charset="-122"/>
+                <a:cs typeface="Times New Roman" panose="02020603050405020304" pitchFamily="18" charset="0"/>
+                <a:sym typeface="Arial" panose="020B0604020202020204" pitchFamily="34" charset="0"/>
+              </a:rPr>
+              <a:t>of LLMs</a:t>
+            </a:r>
+            <a:endParaRPr lang="zh-CN" altLang="en-US" sz="1600" b="1" dirty="0">
+              <a:solidFill>
+                <a:srgbClr val="C00000"/>
+              </a:solidFill>
+              <a:latin typeface="Times New Roman" panose="02020603050405020304" pitchFamily="18" charset="0"/>
+              <a:ea typeface="思源黑体 CN Medium" panose="020B0600000000000000" pitchFamily="34" charset="-122"/>
+              <a:cs typeface="Times New Roman" panose="02020603050405020304" pitchFamily="18" charset="0"/>
+              <a:sym typeface="Arial" panose="020B0604020202020204" pitchFamily="34" charset="0"/>
+            </a:endParaRPr>
+          </a:p>
+        </p:txBody>
+      </p:sp>
+      <p:graphicFrame>
+        <p:nvGraphicFramePr>
+          <p:cNvPr id="2" name="表格 1">
+            <a:extLst>
+              <a:ext uri="{FF2B5EF4-FFF2-40B4-BE49-F238E27FC236}">
+                <a16:creationId xmlns:a16="http://schemas.microsoft.com/office/drawing/2014/main" id="{082F8DD2-8E2C-3B85-379C-CB067F06E6BD}"/>
+              </a:ext>
+            </a:extLst>
+          </p:cNvPr>
+          <p:cNvGraphicFramePr>
+            <a:graphicFrameLocks noGrp="1"/>
+          </p:cNvGraphicFramePr>
+          <p:nvPr>
+            <p:extLst>
+              <p:ext uri="{D42A27DB-BD31-4B8C-83A1-F6EECF244321}">
+                <p14:modId xmlns:p14="http://schemas.microsoft.com/office/powerpoint/2010/main" val="4219228525"/>
+              </p:ext>
+            </p:extLst>
+          </p:nvPr>
+        </p:nvGraphicFramePr>
+        <p:xfrm>
+          <a:off x="1081469" y="1745780"/>
+          <a:ext cx="10029061" cy="4197823"/>
+        </p:xfrm>
+        <a:graphic>
+          <a:graphicData uri="http://schemas.openxmlformats.org/drawingml/2006/table">
+            <a:tbl>
+              <a:tblPr>
+                <a:tableStyleId>{5C22544A-7EE6-4342-B048-85BDC9FD1C3A}</a:tableStyleId>
+              </a:tblPr>
+              <a:tblGrid>
+                <a:gridCol w="1432723">
+                  <a:extLst>
+                    <a:ext uri="{9D8B030D-6E8A-4147-A177-3AD203B41FA5}">
+                      <a16:colId xmlns:a16="http://schemas.microsoft.com/office/drawing/2014/main" val="1731850980"/>
+                    </a:ext>
+                  </a:extLst>
+                </a:gridCol>
+                <a:gridCol w="1432723">
+                  <a:extLst>
+                    <a:ext uri="{9D8B030D-6E8A-4147-A177-3AD203B41FA5}">
+                      <a16:colId xmlns:a16="http://schemas.microsoft.com/office/drawing/2014/main" val="348257844"/>
+                    </a:ext>
+                  </a:extLst>
+                </a:gridCol>
+                <a:gridCol w="1432723">
+                  <a:extLst>
+                    <a:ext uri="{9D8B030D-6E8A-4147-A177-3AD203B41FA5}">
+                      <a16:colId xmlns:a16="http://schemas.microsoft.com/office/drawing/2014/main" val="1561192765"/>
+                    </a:ext>
+                  </a:extLst>
+                </a:gridCol>
+                <a:gridCol w="1432723">
+                  <a:extLst>
+                    <a:ext uri="{9D8B030D-6E8A-4147-A177-3AD203B41FA5}">
+                      <a16:colId xmlns:a16="http://schemas.microsoft.com/office/drawing/2014/main" val="1191218242"/>
+                    </a:ext>
+                  </a:extLst>
+                </a:gridCol>
+                <a:gridCol w="1432723">
+                  <a:extLst>
+                    <a:ext uri="{9D8B030D-6E8A-4147-A177-3AD203B41FA5}">
+                      <a16:colId xmlns:a16="http://schemas.microsoft.com/office/drawing/2014/main" val="1483446697"/>
+                    </a:ext>
+                  </a:extLst>
+                </a:gridCol>
+                <a:gridCol w="1432723">
+                  <a:extLst>
+                    <a:ext uri="{9D8B030D-6E8A-4147-A177-3AD203B41FA5}">
+                      <a16:colId xmlns:a16="http://schemas.microsoft.com/office/drawing/2014/main" val="3440635302"/>
+                    </a:ext>
+                  </a:extLst>
+                </a:gridCol>
+                <a:gridCol w="1432723">
+                  <a:extLst>
+                    <a:ext uri="{9D8B030D-6E8A-4147-A177-3AD203B41FA5}">
+                      <a16:colId xmlns:a16="http://schemas.microsoft.com/office/drawing/2014/main" val="3632904485"/>
+                    </a:ext>
+                  </a:extLst>
+                </a:gridCol>
+              </a:tblGrid>
+              <a:tr h="524728">
+                <a:tc rowSpan="2">
+                  <a:txBody>
+                    <a:bodyPr/>
+                    <a:lstStyle/>
+                    <a:p>
+                      <a:pPr algn="ctr" fontAlgn="ctr"/>
+                      <a:r>
+                        <a:rPr lang="en-US" sz="1100" b="1" u="none" strike="noStrike" dirty="0">
+                          <a:effectLst/>
+                        </a:rPr>
+                        <a:t>Methods</a:t>
+                      </a:r>
+                      <a:endParaRPr lang="en-US" sz="1100" b="1" i="0" u="none" strike="noStrike" dirty="0">
+                        <a:solidFill>
+                          <a:srgbClr val="000000"/>
+                        </a:solidFill>
+                        <a:effectLst/>
+                        <a:latin typeface="等线" panose="02010600030101010101" pitchFamily="2" charset="-122"/>
+                        <a:ea typeface="等线" panose="02010600030101010101" pitchFamily="2" charset="-122"/>
+                      </a:endParaRPr>
+                    </a:p>
+                  </a:txBody>
+                  <a:tcPr marL="6350" marR="6350" marT="6350" marB="0" anchor="ctr"/>
+                </a:tc>
+                <a:tc gridSpan="2">
+                  <a:txBody>
+                    <a:bodyPr/>
+                    <a:lstStyle/>
+                    <a:p>
+                      <a:pPr algn="ctr" fontAlgn="ctr"/>
+                      <a:r>
+                        <a:rPr lang="en-US" sz="1100" b="1" u="none" strike="noStrike" dirty="0">
+                          <a:effectLst/>
+                        </a:rPr>
+                        <a:t>Quantization</a:t>
+                      </a:r>
+                      <a:endParaRPr lang="en-US" sz="1100" b="1" i="0" u="none" strike="noStrike" dirty="0">
+                        <a:solidFill>
+                          <a:srgbClr val="000000"/>
+                        </a:solidFill>
+                        <a:effectLst/>
+                        <a:latin typeface="等线" panose="02010600030101010101" pitchFamily="2" charset="-122"/>
+                        <a:ea typeface="等线" panose="02010600030101010101" pitchFamily="2" charset="-122"/>
+                      </a:endParaRPr>
+                    </a:p>
+                  </a:txBody>
+                  <a:tcPr marL="6350" marR="6350" marT="6350" marB="0" anchor="ctr"/>
+                </a:tc>
+                <a:tc hMerge="1">
+                  <a:txBody>
+                    <a:bodyPr/>
+                    <a:lstStyle/>
+                    <a:p>
+                      <a:endParaRPr lang="zh-CN" altLang="en-US"/>
+                    </a:p>
+                  </a:txBody>
+                  <a:tcPr/>
+                </a:tc>
+                <a:tc>
+                  <a:txBody>
+                    <a:bodyPr/>
+                    <a:lstStyle/>
+                    <a:p>
+                      <a:pPr algn="ctr" fontAlgn="ctr"/>
+                      <a:r>
+                        <a:rPr lang="en-US" sz="1100" b="1" u="none" strike="noStrike" dirty="0">
+                          <a:effectLst/>
+                        </a:rPr>
+                        <a:t>Knowledge Distillation</a:t>
+                      </a:r>
+                      <a:endParaRPr lang="en-US" sz="1100" b="1" i="0" u="none" strike="noStrike" dirty="0">
+                        <a:solidFill>
+                          <a:srgbClr val="000000"/>
+                        </a:solidFill>
+                        <a:effectLst/>
+                        <a:latin typeface="等线" panose="02010600030101010101" pitchFamily="2" charset="-122"/>
+                        <a:ea typeface="等线" panose="02010600030101010101" pitchFamily="2" charset="-122"/>
+                      </a:endParaRPr>
+                    </a:p>
+                  </a:txBody>
+                  <a:tcPr marL="6350" marR="6350" marT="6350" marB="0" anchor="ctr"/>
+                </a:tc>
+                <a:tc gridSpan="2">
+                  <a:txBody>
+                    <a:bodyPr/>
+                    <a:lstStyle/>
+                    <a:p>
+                      <a:pPr algn="ctr" fontAlgn="ctr"/>
+                      <a:r>
+                        <a:rPr lang="en-US" sz="1100" b="1" u="none" strike="noStrike" dirty="0">
+                          <a:effectLst/>
+                        </a:rPr>
+                        <a:t>Pruning</a:t>
+                      </a:r>
+                      <a:endParaRPr lang="en-US" sz="1100" b="1" i="0" u="none" strike="noStrike" dirty="0">
+                        <a:solidFill>
+                          <a:srgbClr val="000000"/>
+                        </a:solidFill>
+                        <a:effectLst/>
+                        <a:latin typeface="等线" panose="02010600030101010101" pitchFamily="2" charset="-122"/>
+                        <a:ea typeface="等线" panose="02010600030101010101" pitchFamily="2" charset="-122"/>
+                      </a:endParaRPr>
+                    </a:p>
+                  </a:txBody>
+                  <a:tcPr marL="6350" marR="6350" marT="6350" marB="0" anchor="ctr"/>
+                </a:tc>
+                <a:tc hMerge="1">
+                  <a:txBody>
+                    <a:bodyPr/>
+                    <a:lstStyle/>
+                    <a:p>
+                      <a:endParaRPr lang="zh-CN" altLang="en-US"/>
+                    </a:p>
+                  </a:txBody>
+                  <a:tcPr/>
+                </a:tc>
+                <a:tc>
+                  <a:txBody>
+                    <a:bodyPr/>
+                    <a:lstStyle/>
+                    <a:p>
+                      <a:pPr algn="ctr" fontAlgn="ctr"/>
+                      <a:r>
+                        <a:rPr lang="en-US" sz="1100" b="1" u="none" strike="noStrike" dirty="0">
+                          <a:effectLst/>
+                        </a:rPr>
+                        <a:t>Low-rank approximation</a:t>
+                      </a:r>
+                      <a:endParaRPr lang="en-US" sz="1100" b="1" i="0" u="none" strike="noStrike" dirty="0">
+                        <a:solidFill>
+                          <a:srgbClr val="000000"/>
+                        </a:solidFill>
+                        <a:effectLst/>
+                        <a:latin typeface="等线" panose="02010600030101010101" pitchFamily="2" charset="-122"/>
+                        <a:ea typeface="等线" panose="02010600030101010101" pitchFamily="2" charset="-122"/>
+                      </a:endParaRPr>
+                    </a:p>
+                  </a:txBody>
+                  <a:tcPr marL="6350" marR="6350" marT="6350" marB="0" anchor="ctr"/>
+                </a:tc>
+                <a:extLst>
+                  <a:ext uri="{0D108BD9-81ED-4DB2-BD59-A6C34878D82A}">
+                    <a16:rowId xmlns:a16="http://schemas.microsoft.com/office/drawing/2014/main" val="3922282330"/>
+                  </a:ext>
+                </a:extLst>
+              </a:tr>
+              <a:tr h="524728">
+                <a:tc vMerge="1">
+                  <a:txBody>
+                    <a:bodyPr/>
+                    <a:lstStyle/>
+                    <a:p>
+                      <a:pPr algn="ctr" fontAlgn="ctr"/>
+                      <a:endParaRPr lang="zh-CN" altLang="en-US" sz="1100" b="1" i="0" u="none" strike="noStrike" dirty="0">
+                        <a:solidFill>
+                          <a:srgbClr val="000000"/>
+                        </a:solidFill>
+                        <a:effectLst/>
+                        <a:latin typeface="等线" panose="02010600030101010101" pitchFamily="2" charset="-122"/>
+                        <a:ea typeface="等线" panose="02010600030101010101" pitchFamily="2" charset="-122"/>
+                      </a:endParaRPr>
+                    </a:p>
+                  </a:txBody>
+                  <a:tcPr marL="6350" marR="6350" marT="6350" marB="0" anchor="ctr"/>
+                </a:tc>
+                <a:tc>
+                  <a:txBody>
+                    <a:bodyPr/>
+                    <a:lstStyle/>
+                    <a:p>
+                      <a:pPr algn="ctr" fontAlgn="ctr"/>
+                      <a:r>
+                        <a:rPr lang="en-US" sz="1100" u="none" strike="noStrike" dirty="0">
+                          <a:effectLst/>
+                          <a:latin typeface="Times New Roman" panose="02020603050405020304" pitchFamily="18" charset="0"/>
+                          <a:cs typeface="Times New Roman" panose="02020603050405020304" pitchFamily="18" charset="0"/>
+                        </a:rPr>
+                        <a:t>post training</a:t>
+                      </a:r>
+                      <a:endParaRPr lang="en-US" sz="1100" b="0" i="0" u="none" strike="noStrike" dirty="0">
+                        <a:solidFill>
+                          <a:srgbClr val="000000"/>
+                        </a:solidFill>
+                        <a:effectLst/>
+                        <a:latin typeface="Times New Roman" panose="02020603050405020304" pitchFamily="18" charset="0"/>
+                        <a:ea typeface="等线" panose="02010600030101010101" pitchFamily="2" charset="-122"/>
+                        <a:cs typeface="Times New Roman" panose="02020603050405020304" pitchFamily="18" charset="0"/>
+                      </a:endParaRPr>
+                    </a:p>
+                  </a:txBody>
+                  <a:tcPr marL="6350" marR="6350" marT="6350" marB="0" anchor="ctr"/>
+                </a:tc>
+                <a:tc>
+                  <a:txBody>
+                    <a:bodyPr/>
+                    <a:lstStyle/>
+                    <a:p>
+                      <a:pPr algn="ctr" fontAlgn="ctr"/>
+                      <a:r>
+                        <a:rPr lang="en-US" sz="1100" u="none" strike="noStrike" dirty="0">
+                          <a:effectLst/>
+                          <a:latin typeface="Times New Roman" panose="02020603050405020304" pitchFamily="18" charset="0"/>
+                          <a:cs typeface="Times New Roman" panose="02020603050405020304" pitchFamily="18" charset="0"/>
+                        </a:rPr>
+                        <a:t>quantize when training</a:t>
+                      </a:r>
+                      <a:endParaRPr lang="en-US" sz="1100" b="0" i="0" u="none" strike="noStrike" dirty="0">
+                        <a:solidFill>
+                          <a:srgbClr val="000000"/>
+                        </a:solidFill>
+                        <a:effectLst/>
+                        <a:latin typeface="Times New Roman" panose="02020603050405020304" pitchFamily="18" charset="0"/>
+                        <a:ea typeface="等线" panose="02010600030101010101" pitchFamily="2" charset="-122"/>
+                        <a:cs typeface="Times New Roman" panose="02020603050405020304" pitchFamily="18" charset="0"/>
+                      </a:endParaRPr>
+                    </a:p>
+                  </a:txBody>
+                  <a:tcPr marL="6350" marR="6350" marT="6350" marB="0" anchor="ctr"/>
+                </a:tc>
+                <a:tc>
+                  <a:txBody>
+                    <a:bodyPr/>
+                    <a:lstStyle/>
+                    <a:p>
+                      <a:pPr algn="ctr" fontAlgn="ctr"/>
+                      <a:r>
+                        <a:rPr lang="en-US" altLang="zh-CN" sz="1100" b="0" i="0" u="none" strike="noStrike" dirty="0">
+                          <a:solidFill>
+                            <a:srgbClr val="000000"/>
+                          </a:solidFill>
+                          <a:effectLst/>
+                          <a:latin typeface="Times New Roman" panose="02020603050405020304" pitchFamily="18" charset="0"/>
+                          <a:ea typeface="等线" panose="02010600030101010101" pitchFamily="2" charset="-122"/>
+                          <a:cs typeface="Times New Roman" panose="02020603050405020304" pitchFamily="18" charset="0"/>
+                        </a:rPr>
+                        <a:t>KD</a:t>
+                      </a:r>
+                      <a:endParaRPr lang="zh-CN" altLang="en-US" sz="1100" b="0" i="0" u="none" strike="noStrike" dirty="0">
+                        <a:solidFill>
+                          <a:srgbClr val="000000"/>
+                        </a:solidFill>
+                        <a:effectLst/>
+                        <a:latin typeface="Times New Roman" panose="02020603050405020304" pitchFamily="18" charset="0"/>
+                        <a:ea typeface="等线" panose="02010600030101010101" pitchFamily="2" charset="-122"/>
+                        <a:cs typeface="Times New Roman" panose="02020603050405020304" pitchFamily="18" charset="0"/>
+                      </a:endParaRPr>
+                    </a:p>
+                  </a:txBody>
+                  <a:tcPr marL="6350" marR="6350" marT="6350" marB="0" anchor="ctr"/>
+                </a:tc>
+                <a:tc>
+                  <a:txBody>
+                    <a:bodyPr/>
+                    <a:lstStyle/>
+                    <a:p>
+                      <a:pPr algn="ctr" fontAlgn="ctr"/>
+                      <a:r>
+                        <a:rPr lang="en-US" sz="1100" u="none" strike="noStrike" dirty="0">
+                          <a:effectLst/>
+                          <a:latin typeface="Times New Roman" panose="02020603050405020304" pitchFamily="18" charset="0"/>
+                          <a:cs typeface="Times New Roman" panose="02020603050405020304" pitchFamily="18" charset="0"/>
+                        </a:rPr>
+                        <a:t>structured</a:t>
+                      </a:r>
+                      <a:endParaRPr lang="en-US" sz="1100" b="0" i="0" u="none" strike="noStrike" dirty="0">
+                        <a:solidFill>
+                          <a:srgbClr val="000000"/>
+                        </a:solidFill>
+                        <a:effectLst/>
+                        <a:latin typeface="Times New Roman" panose="02020603050405020304" pitchFamily="18" charset="0"/>
+                        <a:ea typeface="等线" panose="02010600030101010101" pitchFamily="2" charset="-122"/>
+                        <a:cs typeface="Times New Roman" panose="02020603050405020304" pitchFamily="18" charset="0"/>
+                      </a:endParaRPr>
+                    </a:p>
+                  </a:txBody>
+                  <a:tcPr marL="6350" marR="6350" marT="6350" marB="0" anchor="ctr"/>
+                </a:tc>
+                <a:tc>
+                  <a:txBody>
+                    <a:bodyPr/>
+                    <a:lstStyle/>
+                    <a:p>
+                      <a:pPr algn="ctr" fontAlgn="ctr"/>
+                      <a:r>
+                        <a:rPr lang="en-US" sz="1100" u="none" strike="noStrike" dirty="0">
+                          <a:effectLst/>
+                          <a:latin typeface="Times New Roman" panose="02020603050405020304" pitchFamily="18" charset="0"/>
+                          <a:cs typeface="Times New Roman" panose="02020603050405020304" pitchFamily="18" charset="0"/>
+                        </a:rPr>
+                        <a:t>unstructured</a:t>
+                      </a:r>
+                      <a:endParaRPr lang="en-US" sz="1100" b="0" i="0" u="none" strike="noStrike" dirty="0">
+                        <a:solidFill>
+                          <a:srgbClr val="000000"/>
+                        </a:solidFill>
+                        <a:effectLst/>
+                        <a:latin typeface="Times New Roman" panose="02020603050405020304" pitchFamily="18" charset="0"/>
+                        <a:ea typeface="等线" panose="02010600030101010101" pitchFamily="2" charset="-122"/>
+                        <a:cs typeface="Times New Roman" panose="02020603050405020304" pitchFamily="18" charset="0"/>
+                      </a:endParaRPr>
+                    </a:p>
+                  </a:txBody>
+                  <a:tcPr marL="6350" marR="6350" marT="6350" marB="0" anchor="ctr"/>
+                </a:tc>
+                <a:tc>
+                  <a:txBody>
+                    <a:bodyPr/>
+                    <a:lstStyle/>
+                    <a:p>
+                      <a:pPr marL="0" marR="0" lvl="0" indent="0" algn="ctr" defTabSz="914400" rtl="0" eaLnBrk="1" fontAlgn="ctr" latinLnBrk="0" hangingPunct="1">
+                        <a:lnSpc>
+                          <a:spcPct val="100000"/>
+                        </a:lnSpc>
+                        <a:spcBef>
+                          <a:spcPts val="0"/>
+                        </a:spcBef>
+                        <a:spcAft>
+                          <a:spcPts val="0"/>
+                        </a:spcAft>
+                        <a:buClrTx/>
+                        <a:buSzTx/>
+                        <a:buFontTx/>
+                        <a:buNone/>
+                        <a:tabLst/>
+                        <a:defRPr/>
+                      </a:pPr>
+                      <a:r>
+                        <a:rPr lang="en-US" altLang="zh-CN" sz="1100" u="none" strike="noStrike" dirty="0">
+                          <a:effectLst/>
+                          <a:latin typeface="Times New Roman" panose="02020603050405020304" pitchFamily="18" charset="0"/>
+                          <a:cs typeface="Times New Roman" panose="02020603050405020304" pitchFamily="18" charset="0"/>
+                        </a:rPr>
+                        <a:t>unknown</a:t>
+                      </a:r>
+                      <a:endParaRPr lang="en-US" altLang="zh-CN" sz="1100" b="0" i="0" u="none" strike="noStrike" dirty="0">
+                        <a:solidFill>
+                          <a:srgbClr val="000000"/>
+                        </a:solidFill>
+                        <a:effectLst/>
+                        <a:latin typeface="Times New Roman" panose="02020603050405020304" pitchFamily="18" charset="0"/>
+                        <a:ea typeface="等线" panose="02010600030101010101" pitchFamily="2" charset="-122"/>
+                        <a:cs typeface="Times New Roman" panose="02020603050405020304" pitchFamily="18" charset="0"/>
+                      </a:endParaRPr>
+                    </a:p>
+                  </a:txBody>
+                  <a:tcPr marL="6350" marR="6350" marT="6350" marB="0" anchor="ctr"/>
+                </a:tc>
+                <a:extLst>
+                  <a:ext uri="{0D108BD9-81ED-4DB2-BD59-A6C34878D82A}">
+                    <a16:rowId xmlns:a16="http://schemas.microsoft.com/office/drawing/2014/main" val="1607029208"/>
+                  </a:ext>
+                </a:extLst>
+              </a:tr>
+              <a:tr h="524728">
+                <a:tc>
+                  <a:txBody>
+                    <a:bodyPr/>
+                    <a:lstStyle/>
+                    <a:p>
+                      <a:pPr algn="ctr" fontAlgn="ctr"/>
+                      <a:r>
+                        <a:rPr lang="en-US" sz="1100" b="1" u="none" strike="noStrike" dirty="0">
+                          <a:effectLst/>
+                        </a:rPr>
+                        <a:t>Paper</a:t>
+                      </a:r>
+                      <a:endParaRPr lang="en-US" sz="1100" b="1" i="0" u="none" strike="noStrike" dirty="0">
+                        <a:solidFill>
+                          <a:srgbClr val="000000"/>
+                        </a:solidFill>
+                        <a:effectLst/>
+                        <a:latin typeface="等线" panose="02010600030101010101" pitchFamily="2" charset="-122"/>
+                        <a:ea typeface="等线" panose="02010600030101010101" pitchFamily="2" charset="-122"/>
+                      </a:endParaRPr>
+                    </a:p>
+                  </a:txBody>
+                  <a:tcPr marL="6350" marR="6350" marT="6350" marB="0" anchor="ctr"/>
+                </a:tc>
+                <a:tc>
+                  <a:txBody>
+                    <a:bodyPr/>
+                    <a:lstStyle/>
+                    <a:p>
+                      <a:pPr algn="ctr" fontAlgn="ctr"/>
+                      <a:r>
+                        <a:rPr lang="en-US" sz="1100" u="none" strike="noStrike" dirty="0">
+                          <a:effectLst/>
+                          <a:latin typeface="Times New Roman" panose="02020603050405020304" pitchFamily="18" charset="0"/>
+                          <a:cs typeface="Times New Roman" panose="02020603050405020304" pitchFamily="18" charset="0"/>
+                        </a:rPr>
+                        <a:t>Widely used in industry</a:t>
+                      </a:r>
+                      <a:endParaRPr lang="en-US" sz="1100" b="0" i="0" u="none" strike="noStrike" dirty="0">
+                        <a:solidFill>
+                          <a:srgbClr val="000000"/>
+                        </a:solidFill>
+                        <a:effectLst/>
+                        <a:latin typeface="Times New Roman" panose="02020603050405020304" pitchFamily="18" charset="0"/>
+                        <a:ea typeface="等线" panose="02010600030101010101" pitchFamily="2" charset="-122"/>
+                        <a:cs typeface="Times New Roman" panose="02020603050405020304" pitchFamily="18" charset="0"/>
+                      </a:endParaRPr>
+                    </a:p>
+                  </a:txBody>
+                  <a:tcPr marL="6350" marR="6350" marT="6350" marB="0" anchor="ctr"/>
+                </a:tc>
+                <a:tc>
+                  <a:txBody>
+                    <a:bodyPr/>
+                    <a:lstStyle/>
+                    <a:p>
+                      <a:pPr algn="ctr" fontAlgn="ctr"/>
+                      <a:r>
+                        <a:rPr lang="en-US" sz="1100" u="none" strike="noStrike" dirty="0">
+                          <a:effectLst/>
+                          <a:latin typeface="Times New Roman" panose="02020603050405020304" pitchFamily="18" charset="0"/>
+                          <a:cs typeface="Times New Roman" panose="02020603050405020304" pitchFamily="18" charset="0"/>
+                        </a:rPr>
+                        <a:t>AWQ</a:t>
+                      </a:r>
+                    </a:p>
+                    <a:p>
+                      <a:pPr algn="ctr" fontAlgn="ctr"/>
+                      <a:r>
+                        <a:rPr lang="en-US" sz="800" b="0" i="0" u="none" strike="noStrike" dirty="0">
+                          <a:solidFill>
+                            <a:srgbClr val="000000"/>
+                          </a:solidFill>
+                          <a:effectLst/>
+                          <a:latin typeface="Times New Roman" panose="02020603050405020304" pitchFamily="18" charset="0"/>
+                          <a:ea typeface="等线" panose="02010600030101010101" pitchFamily="2" charset="-122"/>
+                          <a:cs typeface="Times New Roman" panose="02020603050405020304" pitchFamily="18" charset="0"/>
+                        </a:rPr>
+                        <a:t>(MIT, SJTU, THU)</a:t>
+                      </a:r>
+                    </a:p>
+                  </a:txBody>
+                  <a:tcPr marL="6350" marR="6350" marT="6350" marB="0" anchor="ctr"/>
+                </a:tc>
+                <a:tc>
+                  <a:txBody>
+                    <a:bodyPr/>
+                    <a:lstStyle/>
+                    <a:p>
+                      <a:pPr algn="ctr" fontAlgn="ctr"/>
+                      <a:r>
+                        <a:rPr lang="en-US" altLang="zh-CN" sz="1100" b="0" i="0" u="none" strike="noStrike" dirty="0">
+                          <a:solidFill>
+                            <a:srgbClr val="000000"/>
+                          </a:solidFill>
+                          <a:effectLst/>
+                          <a:latin typeface="Times New Roman" panose="02020603050405020304" pitchFamily="18" charset="0"/>
+                          <a:ea typeface="等线" panose="02010600030101010101" pitchFamily="2" charset="-122"/>
+                          <a:cs typeface="Times New Roman" panose="02020603050405020304" pitchFamily="18" charset="0"/>
+                        </a:rPr>
+                        <a:t>MINILLM</a:t>
+                      </a:r>
+                    </a:p>
+                    <a:p>
+                      <a:pPr marL="0" marR="0" lvl="0" indent="0" algn="ctr" defTabSz="914400" rtl="0" eaLnBrk="1" fontAlgn="ctr" latinLnBrk="0" hangingPunct="1">
+                        <a:lnSpc>
+                          <a:spcPct val="100000"/>
+                        </a:lnSpc>
+                        <a:spcBef>
+                          <a:spcPts val="0"/>
+                        </a:spcBef>
+                        <a:spcAft>
+                          <a:spcPts val="0"/>
+                        </a:spcAft>
+                        <a:buClrTx/>
+                        <a:buSzTx/>
+                        <a:buFontTx/>
+                        <a:buNone/>
+                        <a:tabLst/>
+                        <a:defRPr/>
+                      </a:pPr>
+                      <a:r>
+                        <a:rPr lang="en-US" altLang="zh-CN" sz="800" b="0" i="0" u="none" strike="noStrike" dirty="0">
+                          <a:solidFill>
+                            <a:srgbClr val="000000"/>
+                          </a:solidFill>
+                          <a:effectLst/>
+                          <a:latin typeface="Times New Roman" panose="02020603050405020304" pitchFamily="18" charset="0"/>
+                          <a:ea typeface="等线" panose="02010600030101010101" pitchFamily="2" charset="-122"/>
+                          <a:cs typeface="Times New Roman" panose="02020603050405020304" pitchFamily="18" charset="0"/>
+                        </a:rPr>
+                        <a:t>(</a:t>
+                      </a:r>
+                      <a:r>
+                        <a:rPr lang="en-US" altLang="zh-CN" sz="800" b="0" i="0" u="none" strike="noStrike" dirty="0" err="1">
+                          <a:solidFill>
+                            <a:srgbClr val="000000"/>
+                          </a:solidFill>
+                          <a:effectLst/>
+                          <a:latin typeface="Times New Roman" panose="02020603050405020304" pitchFamily="18" charset="0"/>
+                          <a:ea typeface="等线" panose="02010600030101010101" pitchFamily="2" charset="-122"/>
+                          <a:cs typeface="Times New Roman" panose="02020603050405020304" pitchFamily="18" charset="0"/>
+                        </a:rPr>
+                        <a:t>CoAI</a:t>
+                      </a:r>
+                      <a:r>
+                        <a:rPr lang="en-US" altLang="zh-CN" sz="800" b="0" i="0" u="none" strike="noStrike" dirty="0">
+                          <a:solidFill>
+                            <a:srgbClr val="000000"/>
+                          </a:solidFill>
+                          <a:effectLst/>
+                          <a:latin typeface="Times New Roman" panose="02020603050405020304" pitchFamily="18" charset="0"/>
+                          <a:ea typeface="等线" panose="02010600030101010101" pitchFamily="2" charset="-122"/>
+                          <a:cs typeface="Times New Roman" panose="02020603050405020304" pitchFamily="18" charset="0"/>
+                        </a:rPr>
+                        <a:t>, THU)</a:t>
+                      </a:r>
+                    </a:p>
+                  </a:txBody>
+                  <a:tcPr marL="6350" marR="6350" marT="6350" marB="0" anchor="ctr"/>
+                </a:tc>
+                <a:tc>
+                  <a:txBody>
+                    <a:bodyPr/>
+                    <a:lstStyle/>
+                    <a:p>
+                      <a:pPr algn="ctr" fontAlgn="ctr"/>
+                      <a:r>
+                        <a:rPr lang="en-US" altLang="zh-CN" sz="1100" b="0" i="0" u="none" strike="noStrike" dirty="0" err="1">
+                          <a:solidFill>
+                            <a:srgbClr val="000000"/>
+                          </a:solidFill>
+                          <a:effectLst/>
+                          <a:latin typeface="Times New Roman" panose="02020603050405020304" pitchFamily="18" charset="0"/>
+                          <a:ea typeface="等线" panose="02010600030101010101" pitchFamily="2" charset="-122"/>
+                          <a:cs typeface="Times New Roman" panose="02020603050405020304" pitchFamily="18" charset="0"/>
+                        </a:rPr>
+                        <a:t>LLMPruner</a:t>
+                      </a:r>
+                      <a:endParaRPr lang="en-US" altLang="zh-CN" sz="1100" b="0" i="0" u="none" strike="noStrike" dirty="0">
+                        <a:solidFill>
+                          <a:srgbClr val="000000"/>
+                        </a:solidFill>
+                        <a:effectLst/>
+                        <a:latin typeface="Times New Roman" panose="02020603050405020304" pitchFamily="18" charset="0"/>
+                        <a:ea typeface="等线" panose="02010600030101010101" pitchFamily="2" charset="-122"/>
+                        <a:cs typeface="Times New Roman" panose="02020603050405020304" pitchFamily="18" charset="0"/>
+                      </a:endParaRPr>
+                    </a:p>
+                    <a:p>
+                      <a:pPr algn="ctr" fontAlgn="ctr"/>
+                      <a:r>
+                        <a:rPr lang="en-US" altLang="zh-CN" sz="800" b="0" i="0" u="none" strike="noStrike" dirty="0">
+                          <a:solidFill>
+                            <a:srgbClr val="000000"/>
+                          </a:solidFill>
+                          <a:effectLst/>
+                          <a:latin typeface="Times New Roman" panose="02020603050405020304" pitchFamily="18" charset="0"/>
+                          <a:ea typeface="等线" panose="02010600030101010101" pitchFamily="2" charset="-122"/>
+                          <a:cs typeface="Times New Roman" panose="02020603050405020304" pitchFamily="18" charset="0"/>
+                        </a:rPr>
+                        <a:t>(NUS)</a:t>
+                      </a:r>
+                      <a:endParaRPr lang="zh-CN" altLang="en-US" sz="800" b="0" i="0" u="none" strike="noStrike" dirty="0">
+                        <a:solidFill>
+                          <a:srgbClr val="000000"/>
+                        </a:solidFill>
+                        <a:effectLst/>
+                        <a:latin typeface="Times New Roman" panose="02020603050405020304" pitchFamily="18" charset="0"/>
+                        <a:ea typeface="等线" panose="02010600030101010101" pitchFamily="2" charset="-122"/>
+                        <a:cs typeface="Times New Roman" panose="02020603050405020304" pitchFamily="18" charset="0"/>
+                      </a:endParaRPr>
+                    </a:p>
+                  </a:txBody>
+                  <a:tcPr marL="6350" marR="6350" marT="6350" marB="0" anchor="ctr"/>
+                </a:tc>
+                <a:tc>
+                  <a:txBody>
+                    <a:bodyPr/>
+                    <a:lstStyle/>
+                    <a:p>
+                      <a:pPr algn="ctr" fontAlgn="ctr"/>
+                      <a:r>
+                        <a:rPr lang="en-US" altLang="zh-CN" sz="1100" b="0" i="0" u="none" strike="noStrike" dirty="0" err="1">
+                          <a:solidFill>
+                            <a:srgbClr val="000000"/>
+                          </a:solidFill>
+                          <a:effectLst/>
+                          <a:latin typeface="Times New Roman" panose="02020603050405020304" pitchFamily="18" charset="0"/>
+                          <a:ea typeface="等线" panose="02010600030101010101" pitchFamily="2" charset="-122"/>
+                          <a:cs typeface="Times New Roman" panose="02020603050405020304" pitchFamily="18" charset="0"/>
+                        </a:rPr>
+                        <a:t>SparseGPT</a:t>
+                      </a:r>
+                      <a:endParaRPr lang="zh-CN" altLang="en-US" sz="1100" b="0" i="0" u="none" strike="noStrike" dirty="0">
+                        <a:solidFill>
+                          <a:srgbClr val="000000"/>
+                        </a:solidFill>
+                        <a:effectLst/>
+                        <a:latin typeface="Times New Roman" panose="02020603050405020304" pitchFamily="18" charset="0"/>
+                        <a:ea typeface="等线" panose="02010600030101010101" pitchFamily="2" charset="-122"/>
+                        <a:cs typeface="Times New Roman" panose="02020603050405020304" pitchFamily="18" charset="0"/>
+                      </a:endParaRPr>
+                    </a:p>
+                  </a:txBody>
+                  <a:tcPr marL="6350" marR="6350" marT="6350" marB="0" anchor="ctr"/>
+                </a:tc>
+                <a:tc>
+                  <a:txBody>
+                    <a:bodyPr/>
+                    <a:lstStyle/>
+                    <a:p>
+                      <a:pPr marL="0" marR="0" lvl="0" indent="0" algn="ctr" defTabSz="914400" rtl="0" eaLnBrk="1" fontAlgn="ctr" latinLnBrk="0" hangingPunct="1">
+                        <a:lnSpc>
+                          <a:spcPct val="100000"/>
+                        </a:lnSpc>
+                        <a:spcBef>
+                          <a:spcPts val="0"/>
+                        </a:spcBef>
+                        <a:spcAft>
+                          <a:spcPts val="0"/>
+                        </a:spcAft>
+                        <a:buClrTx/>
+                        <a:buSzTx/>
+                        <a:buFontTx/>
+                        <a:buNone/>
+                        <a:tabLst/>
+                        <a:defRPr/>
+                      </a:pPr>
+                      <a:r>
+                        <a:rPr lang="en-US" altLang="zh-CN" sz="1100" u="none" strike="noStrike" dirty="0">
+                          <a:effectLst/>
+                          <a:latin typeface="Times New Roman" panose="02020603050405020304" pitchFamily="18" charset="0"/>
+                          <a:cs typeface="Times New Roman" panose="02020603050405020304" pitchFamily="18" charset="0"/>
+                        </a:rPr>
+                        <a:t>unknown</a:t>
+                      </a:r>
+                      <a:endParaRPr lang="en-US" altLang="zh-CN" sz="1100" b="0" i="0" u="none" strike="noStrike" dirty="0">
+                        <a:solidFill>
+                          <a:srgbClr val="000000"/>
+                        </a:solidFill>
+                        <a:effectLst/>
+                        <a:latin typeface="Times New Roman" panose="02020603050405020304" pitchFamily="18" charset="0"/>
+                        <a:ea typeface="等线" panose="02010600030101010101" pitchFamily="2" charset="-122"/>
+                        <a:cs typeface="Times New Roman" panose="02020603050405020304" pitchFamily="18" charset="0"/>
+                      </a:endParaRPr>
+                    </a:p>
+                  </a:txBody>
+                  <a:tcPr marL="6350" marR="6350" marT="6350" marB="0" anchor="ctr"/>
+                </a:tc>
+                <a:extLst>
+                  <a:ext uri="{0D108BD9-81ED-4DB2-BD59-A6C34878D82A}">
+                    <a16:rowId xmlns:a16="http://schemas.microsoft.com/office/drawing/2014/main" val="2704564241"/>
+                  </a:ext>
+                </a:extLst>
+              </a:tr>
+              <a:tr h="524728">
+                <a:tc>
+                  <a:txBody>
+                    <a:bodyPr/>
+                    <a:lstStyle/>
+                    <a:p>
+                      <a:pPr algn="ctr" fontAlgn="ctr"/>
+                      <a:r>
+                        <a:rPr lang="en-US" sz="1100" b="1" u="none" strike="noStrike" dirty="0">
+                          <a:effectLst/>
+                        </a:rPr>
+                        <a:t>Compression ratio</a:t>
+                      </a:r>
+                      <a:endParaRPr lang="en-US" sz="1100" b="1" i="0" u="none" strike="noStrike" dirty="0">
+                        <a:solidFill>
+                          <a:srgbClr val="000000"/>
+                        </a:solidFill>
+                        <a:effectLst/>
+                        <a:latin typeface="等线" panose="02010600030101010101" pitchFamily="2" charset="-122"/>
+                        <a:ea typeface="等线" panose="02010600030101010101" pitchFamily="2" charset="-122"/>
+                      </a:endParaRPr>
+                    </a:p>
+                  </a:txBody>
+                  <a:tcPr marL="6350" marR="6350" marT="6350" marB="0" anchor="ctr"/>
+                </a:tc>
+                <a:tc>
+                  <a:txBody>
+                    <a:bodyPr/>
+                    <a:lstStyle/>
+                    <a:p>
+                      <a:pPr algn="ctr" fontAlgn="ctr"/>
+                      <a:r>
+                        <a:rPr lang="en-US" sz="1100" u="none" strike="noStrike" dirty="0">
+                          <a:effectLst/>
+                          <a:latin typeface="Times New Roman" panose="02020603050405020304" pitchFamily="18" charset="0"/>
+                          <a:cs typeface="Times New Roman" panose="02020603050405020304" pitchFamily="18" charset="0"/>
+                        </a:rPr>
+                        <a:t>50% </a:t>
+                      </a:r>
+                    </a:p>
+                    <a:p>
+                      <a:pPr algn="ctr" fontAlgn="ctr"/>
+                      <a:r>
+                        <a:rPr lang="en-US" sz="1100" u="none" strike="noStrike" dirty="0">
+                          <a:effectLst/>
+                          <a:latin typeface="Times New Roman" panose="02020603050405020304" pitchFamily="18" charset="0"/>
+                          <a:cs typeface="Times New Roman" panose="02020603050405020304" pitchFamily="18" charset="0"/>
+                        </a:rPr>
+                        <a:t>(fp32-&gt;fp16)</a:t>
+                      </a:r>
+                      <a:endParaRPr lang="en-US" sz="1100" b="0" i="0" u="none" strike="noStrike" dirty="0">
+                        <a:solidFill>
+                          <a:srgbClr val="000000"/>
+                        </a:solidFill>
+                        <a:effectLst/>
+                        <a:latin typeface="Times New Roman" panose="02020603050405020304" pitchFamily="18" charset="0"/>
+                        <a:ea typeface="等线" panose="02010600030101010101" pitchFamily="2" charset="-122"/>
+                        <a:cs typeface="Times New Roman" panose="02020603050405020304" pitchFamily="18" charset="0"/>
+                      </a:endParaRPr>
+                    </a:p>
+                  </a:txBody>
+                  <a:tcPr marL="6350" marR="6350" marT="6350" marB="0" anchor="ctr"/>
+                </a:tc>
+                <a:tc>
+                  <a:txBody>
+                    <a:bodyPr/>
+                    <a:lstStyle/>
+                    <a:p>
+                      <a:pPr algn="ctr" fontAlgn="ctr"/>
+                      <a:r>
+                        <a:rPr lang="en-US" sz="1100" u="none" strike="noStrike" dirty="0">
+                          <a:effectLst/>
+                          <a:latin typeface="Times New Roman" panose="02020603050405020304" pitchFamily="18" charset="0"/>
+                          <a:cs typeface="Times New Roman" panose="02020603050405020304" pitchFamily="18" charset="0"/>
+                        </a:rPr>
+                        <a:t>90% </a:t>
+                      </a:r>
+                    </a:p>
+                    <a:p>
+                      <a:pPr algn="ctr" fontAlgn="ctr"/>
+                      <a:r>
+                        <a:rPr lang="en-US" sz="1100" u="none" strike="noStrike" dirty="0">
+                          <a:effectLst/>
+                          <a:latin typeface="Times New Roman" panose="02020603050405020304" pitchFamily="18" charset="0"/>
+                          <a:cs typeface="Times New Roman" panose="02020603050405020304" pitchFamily="18" charset="0"/>
+                        </a:rPr>
+                        <a:t>(fp32-&gt;int3)</a:t>
+                      </a:r>
+                      <a:endParaRPr lang="en-US" sz="1100" b="0" i="0" u="none" strike="noStrike" dirty="0">
+                        <a:solidFill>
+                          <a:srgbClr val="000000"/>
+                        </a:solidFill>
+                        <a:effectLst/>
+                        <a:latin typeface="Times New Roman" panose="02020603050405020304" pitchFamily="18" charset="0"/>
+                        <a:ea typeface="等线" panose="02010600030101010101" pitchFamily="2" charset="-122"/>
+                        <a:cs typeface="Times New Roman" panose="02020603050405020304" pitchFamily="18" charset="0"/>
+                      </a:endParaRPr>
+                    </a:p>
+                  </a:txBody>
+                  <a:tcPr marL="6350" marR="6350" marT="6350" marB="0" anchor="ctr"/>
+                </a:tc>
+                <a:tc>
+                  <a:txBody>
+                    <a:bodyPr/>
+                    <a:lstStyle/>
+                    <a:p>
+                      <a:pPr algn="ctr" fontAlgn="ctr"/>
+                      <a:r>
+                        <a:rPr lang="en-US" altLang="zh-CN" sz="1100" b="0" i="0" u="none" strike="noStrike" dirty="0">
+                          <a:solidFill>
+                            <a:srgbClr val="000000"/>
+                          </a:solidFill>
+                          <a:effectLst/>
+                          <a:latin typeface="Times New Roman" panose="02020603050405020304" pitchFamily="18" charset="0"/>
+                          <a:ea typeface="等线" panose="02010600030101010101" pitchFamily="2" charset="-122"/>
+                          <a:cs typeface="Times New Roman" panose="02020603050405020304" pitchFamily="18" charset="0"/>
+                        </a:rPr>
+                        <a:t>50%</a:t>
+                      </a:r>
+                      <a:endParaRPr lang="zh-CN" altLang="en-US" sz="1100" b="0" i="0" u="none" strike="noStrike" dirty="0">
+                        <a:solidFill>
+                          <a:srgbClr val="000000"/>
+                        </a:solidFill>
+                        <a:effectLst/>
+                        <a:latin typeface="Times New Roman" panose="02020603050405020304" pitchFamily="18" charset="0"/>
+                        <a:ea typeface="等线" panose="02010600030101010101" pitchFamily="2" charset="-122"/>
+                        <a:cs typeface="Times New Roman" panose="02020603050405020304" pitchFamily="18" charset="0"/>
+                      </a:endParaRPr>
+                    </a:p>
+                  </a:txBody>
+                  <a:tcPr marL="6350" marR="6350" marT="6350" marB="0" anchor="ctr"/>
+                </a:tc>
+                <a:tc>
+                  <a:txBody>
+                    <a:bodyPr/>
+                    <a:lstStyle/>
+                    <a:p>
+                      <a:pPr algn="ctr" fontAlgn="ctr"/>
+                      <a:r>
+                        <a:rPr lang="en-US" altLang="zh-CN" sz="1100" b="0" i="0" u="none" strike="noStrike" dirty="0">
+                          <a:solidFill>
+                            <a:srgbClr val="000000"/>
+                          </a:solidFill>
+                          <a:effectLst/>
+                          <a:latin typeface="Times New Roman" panose="02020603050405020304" pitchFamily="18" charset="0"/>
+                          <a:ea typeface="等线" panose="02010600030101010101" pitchFamily="2" charset="-122"/>
+                          <a:cs typeface="Times New Roman" panose="02020603050405020304" pitchFamily="18" charset="0"/>
+                        </a:rPr>
+                        <a:t>20%</a:t>
+                      </a:r>
+                      <a:endParaRPr lang="zh-CN" altLang="en-US" sz="1100" b="0" i="0" u="none" strike="noStrike" dirty="0">
+                        <a:solidFill>
+                          <a:srgbClr val="000000"/>
+                        </a:solidFill>
+                        <a:effectLst/>
+                        <a:latin typeface="Times New Roman" panose="02020603050405020304" pitchFamily="18" charset="0"/>
+                        <a:ea typeface="等线" panose="02010600030101010101" pitchFamily="2" charset="-122"/>
+                        <a:cs typeface="Times New Roman" panose="02020603050405020304" pitchFamily="18" charset="0"/>
+                      </a:endParaRPr>
+                    </a:p>
+                  </a:txBody>
+                  <a:tcPr marL="6350" marR="6350" marT="6350" marB="0" anchor="ctr"/>
+                </a:tc>
+                <a:tc>
+                  <a:txBody>
+                    <a:bodyPr/>
+                    <a:lstStyle/>
+                    <a:p>
+                      <a:pPr algn="ctr" fontAlgn="ctr"/>
+                      <a:r>
+                        <a:rPr lang="en-US" altLang="zh-CN" sz="1100" b="0" i="0" u="none" strike="noStrike" dirty="0">
+                          <a:solidFill>
+                            <a:srgbClr val="000000"/>
+                          </a:solidFill>
+                          <a:effectLst/>
+                          <a:latin typeface="Times New Roman" panose="02020603050405020304" pitchFamily="18" charset="0"/>
+                          <a:ea typeface="等线" panose="02010600030101010101" pitchFamily="2" charset="-122"/>
+                          <a:cs typeface="Times New Roman" panose="02020603050405020304" pitchFamily="18" charset="0"/>
+                        </a:rPr>
+                        <a:t>50~60%</a:t>
+                      </a:r>
+                      <a:endParaRPr lang="zh-CN" altLang="en-US" sz="1100" b="0" i="0" u="none" strike="noStrike" dirty="0">
+                        <a:solidFill>
+                          <a:srgbClr val="000000"/>
+                        </a:solidFill>
+                        <a:effectLst/>
+                        <a:latin typeface="Times New Roman" panose="02020603050405020304" pitchFamily="18" charset="0"/>
+                        <a:ea typeface="等线" panose="02010600030101010101" pitchFamily="2" charset="-122"/>
+                        <a:cs typeface="Times New Roman" panose="02020603050405020304" pitchFamily="18" charset="0"/>
+                      </a:endParaRPr>
+                    </a:p>
+                  </a:txBody>
+                  <a:tcPr marL="6350" marR="6350" marT="6350" marB="0" anchor="ctr"/>
+                </a:tc>
+                <a:tc>
+                  <a:txBody>
+                    <a:bodyPr/>
+                    <a:lstStyle/>
+                    <a:p>
+                      <a:pPr algn="ctr" fontAlgn="ctr"/>
+                      <a:r>
+                        <a:rPr lang="en-US" sz="1100" u="none" strike="noStrike" dirty="0">
+                          <a:effectLst/>
+                          <a:latin typeface="Times New Roman" panose="02020603050405020304" pitchFamily="18" charset="0"/>
+                          <a:cs typeface="Times New Roman" panose="02020603050405020304" pitchFamily="18" charset="0"/>
+                        </a:rPr>
+                        <a:t>unknown</a:t>
+                      </a:r>
+                      <a:endParaRPr lang="en-US" sz="1100" b="0" i="0" u="none" strike="noStrike" dirty="0">
+                        <a:solidFill>
+                          <a:srgbClr val="000000"/>
+                        </a:solidFill>
+                        <a:effectLst/>
+                        <a:latin typeface="Times New Roman" panose="02020603050405020304" pitchFamily="18" charset="0"/>
+                        <a:ea typeface="等线" panose="02010600030101010101" pitchFamily="2" charset="-122"/>
+                        <a:cs typeface="Times New Roman" panose="02020603050405020304" pitchFamily="18" charset="0"/>
+                      </a:endParaRPr>
+                    </a:p>
+                  </a:txBody>
+                  <a:tcPr marL="6350" marR="6350" marT="6350" marB="0" anchor="ctr"/>
+                </a:tc>
+                <a:extLst>
+                  <a:ext uri="{0D108BD9-81ED-4DB2-BD59-A6C34878D82A}">
+                    <a16:rowId xmlns:a16="http://schemas.microsoft.com/office/drawing/2014/main" val="2902183221"/>
+                  </a:ext>
+                </a:extLst>
+              </a:tr>
+              <a:tr h="1049455">
+                <a:tc>
+                  <a:txBody>
+                    <a:bodyPr/>
+                    <a:lstStyle/>
+                    <a:p>
+                      <a:pPr algn="ctr" fontAlgn="ctr"/>
+                      <a:r>
+                        <a:rPr lang="en-US" sz="1100" b="1" u="none" strike="noStrike" dirty="0">
+                          <a:effectLst/>
+                        </a:rPr>
+                        <a:t>Speedup</a:t>
+                      </a:r>
+                      <a:endParaRPr lang="en-US" sz="1100" b="1" i="0" u="none" strike="noStrike" dirty="0">
+                        <a:solidFill>
+                          <a:srgbClr val="000000"/>
+                        </a:solidFill>
+                        <a:effectLst/>
+                        <a:latin typeface="等线" panose="02010600030101010101" pitchFamily="2" charset="-122"/>
+                        <a:ea typeface="等线" panose="02010600030101010101" pitchFamily="2" charset="-122"/>
+                      </a:endParaRPr>
+                    </a:p>
+                  </a:txBody>
+                  <a:tcPr marL="6350" marR="6350" marT="6350" marB="0" anchor="ctr"/>
+                </a:tc>
+                <a:tc>
+                  <a:txBody>
+                    <a:bodyPr/>
+                    <a:lstStyle/>
+                    <a:p>
+                      <a:pPr algn="ctr" fontAlgn="ctr"/>
+                      <a:r>
+                        <a:rPr lang="en-US" sz="1100" u="none" strike="noStrike" dirty="0">
+                          <a:effectLst/>
+                          <a:latin typeface="Times New Roman" panose="02020603050405020304" pitchFamily="18" charset="0"/>
+                          <a:cs typeface="Times New Roman" panose="02020603050405020304" pitchFamily="18" charset="0"/>
+                        </a:rPr>
+                        <a:t>Little more than 2x</a:t>
+                      </a:r>
+                    </a:p>
+                    <a:p>
+                      <a:pPr algn="ctr" fontAlgn="ctr"/>
+                      <a:r>
+                        <a:rPr lang="en-US" sz="1100" u="none" strike="noStrike" dirty="0">
+                          <a:effectLst/>
+                          <a:latin typeface="Times New Roman" panose="02020603050405020304" pitchFamily="18" charset="0"/>
+                          <a:cs typeface="Times New Roman" panose="02020603050405020304" pitchFamily="18" charset="0"/>
+                        </a:rPr>
+                        <a:t>(use fp16</a:t>
+                      </a:r>
+                      <a:r>
+                        <a:rPr lang="zh-CN" altLang="en-US" sz="1100" u="none" strike="noStrike" dirty="0">
+                          <a:effectLst/>
+                          <a:latin typeface="Times New Roman" panose="02020603050405020304" pitchFamily="18" charset="0"/>
+                          <a:cs typeface="Times New Roman" panose="02020603050405020304" pitchFamily="18" charset="0"/>
+                        </a:rPr>
+                        <a:t> </a:t>
+                      </a:r>
+                      <a:r>
+                        <a:rPr lang="en-US" altLang="zh-CN" sz="1100" u="none" strike="noStrike" dirty="0">
+                          <a:effectLst/>
+                          <a:latin typeface="Times New Roman" panose="02020603050405020304" pitchFamily="18" charset="0"/>
+                          <a:cs typeface="Times New Roman" panose="02020603050405020304" pitchFamily="18" charset="0"/>
+                        </a:rPr>
+                        <a:t>for</a:t>
+                      </a:r>
+                      <a:r>
+                        <a:rPr lang="zh-CN" altLang="en-US" sz="1100" u="none" strike="noStrike" dirty="0">
+                          <a:effectLst/>
+                          <a:latin typeface="Times New Roman" panose="02020603050405020304" pitchFamily="18" charset="0"/>
+                          <a:cs typeface="Times New Roman" panose="02020603050405020304" pitchFamily="18" charset="0"/>
+                        </a:rPr>
+                        <a:t> </a:t>
+                      </a:r>
+                      <a:r>
+                        <a:rPr lang="en-US" altLang="zh-CN" sz="1100" u="none" strike="noStrike" dirty="0">
+                          <a:effectLst/>
+                          <a:latin typeface="Times New Roman" panose="02020603050405020304" pitchFamily="18" charset="0"/>
+                          <a:cs typeface="Times New Roman" panose="02020603050405020304" pitchFamily="18" charset="0"/>
+                        </a:rPr>
+                        <a:t>inference</a:t>
+                      </a:r>
+                      <a:r>
+                        <a:rPr lang="en-US" sz="1100" u="none" strike="noStrike" dirty="0">
+                          <a:effectLst/>
+                          <a:latin typeface="Times New Roman" panose="02020603050405020304" pitchFamily="18" charset="0"/>
+                          <a:cs typeface="Times New Roman" panose="02020603050405020304" pitchFamily="18" charset="0"/>
+                        </a:rPr>
+                        <a:t>)</a:t>
+                      </a:r>
+                      <a:endParaRPr lang="en-US" sz="1100" b="0" i="0" u="none" strike="noStrike" dirty="0">
+                        <a:solidFill>
+                          <a:srgbClr val="000000"/>
+                        </a:solidFill>
+                        <a:effectLst/>
+                        <a:latin typeface="Times New Roman" panose="02020603050405020304" pitchFamily="18" charset="0"/>
+                        <a:ea typeface="等线" panose="02010600030101010101" pitchFamily="2" charset="-122"/>
+                        <a:cs typeface="Times New Roman" panose="02020603050405020304" pitchFamily="18" charset="0"/>
+                      </a:endParaRPr>
+                    </a:p>
+                  </a:txBody>
+                  <a:tcPr marL="6350" marR="6350" marT="6350" marB="0" anchor="ctr"/>
+                </a:tc>
+                <a:tc>
+                  <a:txBody>
+                    <a:bodyPr/>
+                    <a:lstStyle/>
+                    <a:p>
+                      <a:pPr algn="ctr" fontAlgn="ctr"/>
+                      <a:r>
+                        <a:rPr lang="en-US" sz="1100" u="none" strike="noStrike" dirty="0">
+                          <a:effectLst/>
+                          <a:latin typeface="Times New Roman" panose="02020603050405020304" pitchFamily="18" charset="0"/>
+                          <a:cs typeface="Times New Roman" panose="02020603050405020304" pitchFamily="18" charset="0"/>
+                        </a:rPr>
+                        <a:t>1.5x</a:t>
+                      </a:r>
+                    </a:p>
+                    <a:p>
+                      <a:pPr algn="ctr" fontAlgn="ctr"/>
+                      <a:r>
+                        <a:rPr lang="en-US" sz="1100" u="none" strike="noStrike" dirty="0">
+                          <a:effectLst/>
+                          <a:latin typeface="Times New Roman" panose="02020603050405020304" pitchFamily="18" charset="0"/>
+                          <a:cs typeface="Times New Roman" panose="02020603050405020304" pitchFamily="18" charset="0"/>
+                        </a:rPr>
+                        <a:t>(compared with fp16)</a:t>
+                      </a:r>
+                      <a:endParaRPr lang="en-US" sz="1100" b="0" i="0" u="none" strike="noStrike" dirty="0">
+                        <a:solidFill>
+                          <a:srgbClr val="000000"/>
+                        </a:solidFill>
+                        <a:effectLst/>
+                        <a:latin typeface="Times New Roman" panose="02020603050405020304" pitchFamily="18" charset="0"/>
+                        <a:ea typeface="等线" panose="02010600030101010101" pitchFamily="2" charset="-122"/>
+                        <a:cs typeface="Times New Roman" panose="02020603050405020304" pitchFamily="18" charset="0"/>
+                      </a:endParaRPr>
+                    </a:p>
+                  </a:txBody>
+                  <a:tcPr marL="6350" marR="6350" marT="6350" marB="0" anchor="ctr"/>
+                </a:tc>
+                <a:tc>
+                  <a:txBody>
+                    <a:bodyPr/>
+                    <a:lstStyle/>
+                    <a:p>
+                      <a:pPr algn="ctr" fontAlgn="ctr"/>
+                      <a:r>
+                        <a:rPr lang="en-US" altLang="zh-CN" sz="1100" b="0" i="0" u="none" strike="noStrike" dirty="0">
+                          <a:solidFill>
+                            <a:srgbClr val="000000"/>
+                          </a:solidFill>
+                          <a:effectLst/>
+                          <a:latin typeface="Times New Roman" panose="02020603050405020304" pitchFamily="18" charset="0"/>
+                          <a:ea typeface="等线" panose="02010600030101010101" pitchFamily="2" charset="-122"/>
+                          <a:cs typeface="Times New Roman" panose="02020603050405020304" pitchFamily="18" charset="0"/>
+                        </a:rPr>
+                        <a:t>Not mentioned</a:t>
+                      </a:r>
+                      <a:endParaRPr lang="zh-CN" altLang="en-US" sz="1100" b="0" i="0" u="none" strike="noStrike" dirty="0">
+                        <a:solidFill>
+                          <a:srgbClr val="000000"/>
+                        </a:solidFill>
+                        <a:effectLst/>
+                        <a:latin typeface="Times New Roman" panose="02020603050405020304" pitchFamily="18" charset="0"/>
+                        <a:ea typeface="等线" panose="02010600030101010101" pitchFamily="2" charset="-122"/>
+                        <a:cs typeface="Times New Roman" panose="02020603050405020304" pitchFamily="18" charset="0"/>
+                      </a:endParaRPr>
+                    </a:p>
+                  </a:txBody>
+                  <a:tcPr marL="6350" marR="6350" marT="6350" marB="0" anchor="ctr"/>
+                </a:tc>
+                <a:tc>
+                  <a:txBody>
+                    <a:bodyPr/>
+                    <a:lstStyle/>
+                    <a:p>
+                      <a:pPr algn="ctr" fontAlgn="ctr"/>
+                      <a:r>
+                        <a:rPr lang="en-US" altLang="zh-CN" sz="1100" b="0" i="0" u="none" strike="noStrike" dirty="0">
+                          <a:solidFill>
+                            <a:srgbClr val="000000"/>
+                          </a:solidFill>
+                          <a:effectLst/>
+                          <a:latin typeface="Times New Roman" panose="02020603050405020304" pitchFamily="18" charset="0"/>
+                          <a:ea typeface="等线" panose="02010600030101010101" pitchFamily="2" charset="-122"/>
+                          <a:cs typeface="Times New Roman" panose="02020603050405020304" pitchFamily="18" charset="0"/>
+                        </a:rPr>
+                        <a:t>Not mentioned</a:t>
+                      </a:r>
+                      <a:endParaRPr lang="zh-CN" altLang="en-US" sz="1100" b="0" i="0" u="none" strike="noStrike" dirty="0">
+                        <a:solidFill>
+                          <a:srgbClr val="000000"/>
+                        </a:solidFill>
+                        <a:effectLst/>
+                        <a:latin typeface="Times New Roman" panose="02020603050405020304" pitchFamily="18" charset="0"/>
+                        <a:ea typeface="等线" panose="02010600030101010101" pitchFamily="2" charset="-122"/>
+                        <a:cs typeface="Times New Roman" panose="02020603050405020304" pitchFamily="18" charset="0"/>
+                      </a:endParaRPr>
+                    </a:p>
+                  </a:txBody>
+                  <a:tcPr marL="6350" marR="6350" marT="6350" marB="0" anchor="ctr"/>
+                </a:tc>
+                <a:tc>
+                  <a:txBody>
+                    <a:bodyPr/>
+                    <a:lstStyle/>
+                    <a:p>
+                      <a:pPr algn="ctr" fontAlgn="ctr"/>
+                      <a:r>
+                        <a:rPr lang="en-US" altLang="zh-CN" sz="1100" b="0" i="0" u="none" strike="noStrike" dirty="0">
+                          <a:solidFill>
+                            <a:srgbClr val="000000"/>
+                          </a:solidFill>
+                          <a:effectLst/>
+                          <a:latin typeface="Times New Roman" panose="02020603050405020304" pitchFamily="18" charset="0"/>
+                          <a:ea typeface="等线" panose="02010600030101010101" pitchFamily="2" charset="-122"/>
+                          <a:cs typeface="Times New Roman" panose="02020603050405020304" pitchFamily="18" charset="0"/>
+                        </a:rPr>
+                        <a:t>Supports are essential from framework and hardware</a:t>
+                      </a:r>
+                      <a:endParaRPr lang="zh-CN" altLang="en-US" sz="1100" b="0" i="0" u="none" strike="noStrike" dirty="0">
+                        <a:solidFill>
+                          <a:srgbClr val="000000"/>
+                        </a:solidFill>
+                        <a:effectLst/>
+                        <a:latin typeface="Times New Roman" panose="02020603050405020304" pitchFamily="18" charset="0"/>
+                        <a:ea typeface="等线" panose="02010600030101010101" pitchFamily="2" charset="-122"/>
+                        <a:cs typeface="Times New Roman" panose="02020603050405020304" pitchFamily="18" charset="0"/>
+                      </a:endParaRPr>
+                    </a:p>
+                  </a:txBody>
+                  <a:tcPr marL="6350" marR="6350" marT="6350" marB="0" anchor="ctr"/>
+                </a:tc>
+                <a:tc>
+                  <a:txBody>
+                    <a:bodyPr/>
+                    <a:lstStyle/>
+                    <a:p>
+                      <a:pPr algn="ctr" fontAlgn="ctr"/>
+                      <a:r>
+                        <a:rPr lang="en-US" sz="1100" u="none" strike="noStrike" dirty="0">
+                          <a:effectLst/>
+                          <a:latin typeface="Times New Roman" panose="02020603050405020304" pitchFamily="18" charset="0"/>
+                          <a:cs typeface="Times New Roman" panose="02020603050405020304" pitchFamily="18" charset="0"/>
+                        </a:rPr>
+                        <a:t>unknown</a:t>
+                      </a:r>
+                      <a:endParaRPr lang="en-US" sz="1100" b="0" i="0" u="none" strike="noStrike" dirty="0">
+                        <a:solidFill>
+                          <a:srgbClr val="000000"/>
+                        </a:solidFill>
+                        <a:effectLst/>
+                        <a:latin typeface="Times New Roman" panose="02020603050405020304" pitchFamily="18" charset="0"/>
+                        <a:ea typeface="等线" panose="02010600030101010101" pitchFamily="2" charset="-122"/>
+                        <a:cs typeface="Times New Roman" panose="02020603050405020304" pitchFamily="18" charset="0"/>
+                      </a:endParaRPr>
+                    </a:p>
+                  </a:txBody>
+                  <a:tcPr marL="6350" marR="6350" marT="6350" marB="0" anchor="ctr"/>
+                </a:tc>
+                <a:extLst>
+                  <a:ext uri="{0D108BD9-81ED-4DB2-BD59-A6C34878D82A}">
+                    <a16:rowId xmlns:a16="http://schemas.microsoft.com/office/drawing/2014/main" val="214238783"/>
+                  </a:ext>
+                </a:extLst>
+              </a:tr>
+              <a:tr h="524728">
+                <a:tc>
+                  <a:txBody>
+                    <a:bodyPr/>
+                    <a:lstStyle/>
+                    <a:p>
+                      <a:pPr algn="ctr" fontAlgn="ctr"/>
+                      <a:r>
+                        <a:rPr lang="en-US" sz="1100" b="1" u="none" strike="noStrike" dirty="0">
+                          <a:effectLst/>
+                        </a:rPr>
+                        <a:t>Performance</a:t>
+                      </a:r>
+                      <a:endParaRPr lang="en-US" sz="1100" b="1" i="0" u="none" strike="noStrike" dirty="0">
+                        <a:solidFill>
+                          <a:srgbClr val="000000"/>
+                        </a:solidFill>
+                        <a:effectLst/>
+                        <a:latin typeface="等线" panose="02010600030101010101" pitchFamily="2" charset="-122"/>
+                        <a:ea typeface="等线" panose="02010600030101010101" pitchFamily="2" charset="-122"/>
+                      </a:endParaRPr>
+                    </a:p>
+                  </a:txBody>
+                  <a:tcPr marL="6350" marR="6350" marT="6350" marB="0" anchor="ctr"/>
+                </a:tc>
+                <a:tc>
+                  <a:txBody>
+                    <a:bodyPr/>
+                    <a:lstStyle/>
+                    <a:p>
+                      <a:pPr algn="ctr" fontAlgn="ctr"/>
+                      <a:r>
+                        <a:rPr lang="en-US" sz="1100" b="0" i="0" u="none" strike="noStrike" dirty="0">
+                          <a:solidFill>
+                            <a:srgbClr val="000000"/>
+                          </a:solidFill>
+                          <a:effectLst/>
+                          <a:latin typeface="Times New Roman" panose="02020603050405020304" pitchFamily="18" charset="0"/>
+                          <a:ea typeface="等线" panose="02010600030101010101" pitchFamily="2" charset="-122"/>
+                          <a:cs typeface="Times New Roman" panose="02020603050405020304" pitchFamily="18" charset="0"/>
+                        </a:rPr>
+                        <a:t>Little influence, </a:t>
+                      </a:r>
+                    </a:p>
+                    <a:p>
+                      <a:pPr algn="ctr" fontAlgn="ctr"/>
+                      <a:r>
+                        <a:rPr lang="en-US" sz="1100" b="0" i="0" u="none" strike="noStrike" dirty="0">
+                          <a:solidFill>
+                            <a:srgbClr val="000000"/>
+                          </a:solidFill>
+                          <a:effectLst/>
+                          <a:latin typeface="Times New Roman" panose="02020603050405020304" pitchFamily="18" charset="0"/>
+                          <a:ea typeface="等线" panose="02010600030101010101" pitchFamily="2" charset="-122"/>
+                          <a:cs typeface="Times New Roman" panose="02020603050405020304" pitchFamily="18" charset="0"/>
+                        </a:rPr>
+                        <a:t>can be ignored.</a:t>
+                      </a:r>
+                    </a:p>
+                  </a:txBody>
+                  <a:tcPr marL="6350" marR="6350" marT="6350" marB="0" anchor="ctr"/>
+                </a:tc>
+                <a:tc>
+                  <a:txBody>
+                    <a:bodyPr/>
+                    <a:lstStyle/>
+                    <a:p>
+                      <a:pPr algn="ctr" fontAlgn="ctr"/>
+                      <a:r>
+                        <a:rPr lang="en-US" altLang="zh-CN" sz="1100" b="0" i="0" u="none" strike="noStrike" dirty="0">
+                          <a:solidFill>
+                            <a:srgbClr val="000000"/>
+                          </a:solidFill>
+                          <a:effectLst/>
+                          <a:latin typeface="Times New Roman" panose="02020603050405020304" pitchFamily="18" charset="0"/>
+                          <a:ea typeface="等线" panose="02010600030101010101" pitchFamily="2" charset="-122"/>
+                          <a:cs typeface="Times New Roman" panose="02020603050405020304" pitchFamily="18" charset="0"/>
+                        </a:rPr>
+                        <a:t>Nearly the same as fp16 on PPL </a:t>
+                      </a:r>
+                      <a:endParaRPr lang="zh-CN" altLang="en-US" sz="1100" b="0" i="0" u="none" strike="noStrike" dirty="0">
+                        <a:solidFill>
+                          <a:srgbClr val="000000"/>
+                        </a:solidFill>
+                        <a:effectLst/>
+                        <a:latin typeface="Times New Roman" panose="02020603050405020304" pitchFamily="18" charset="0"/>
+                        <a:ea typeface="等线" panose="02010600030101010101" pitchFamily="2" charset="-122"/>
+                        <a:cs typeface="Times New Roman" panose="02020603050405020304" pitchFamily="18" charset="0"/>
+                      </a:endParaRPr>
+                    </a:p>
+                  </a:txBody>
+                  <a:tcPr marL="6350" marR="6350" marT="6350" marB="0" anchor="ctr"/>
+                </a:tc>
+                <a:tc>
+                  <a:txBody>
+                    <a:bodyPr/>
+                    <a:lstStyle/>
+                    <a:p>
+                      <a:pPr algn="ctr" fontAlgn="ctr"/>
+                      <a:r>
+                        <a:rPr lang="en-US" altLang="zh-CN" sz="1100" b="0" i="0" u="none" strike="noStrike" dirty="0">
+                          <a:solidFill>
+                            <a:srgbClr val="000000"/>
+                          </a:solidFill>
+                          <a:effectLst/>
+                          <a:latin typeface="Times New Roman" panose="02020603050405020304" pitchFamily="18" charset="0"/>
+                          <a:ea typeface="等线" panose="02010600030101010101" pitchFamily="2" charset="-122"/>
+                          <a:cs typeface="Times New Roman" panose="02020603050405020304" pitchFamily="18" charset="0"/>
+                        </a:rPr>
+                        <a:t>2~3 points drop of feedback from GPT4</a:t>
+                      </a:r>
+                      <a:endParaRPr lang="zh-CN" altLang="en-US" sz="1100" b="0" i="0" u="none" strike="noStrike" dirty="0">
+                        <a:solidFill>
+                          <a:srgbClr val="000000"/>
+                        </a:solidFill>
+                        <a:effectLst/>
+                        <a:latin typeface="Times New Roman" panose="02020603050405020304" pitchFamily="18" charset="0"/>
+                        <a:ea typeface="等线" panose="02010600030101010101" pitchFamily="2" charset="-122"/>
+                        <a:cs typeface="Times New Roman" panose="02020603050405020304" pitchFamily="18" charset="0"/>
+                      </a:endParaRPr>
+                    </a:p>
+                  </a:txBody>
+                  <a:tcPr marL="6350" marR="6350" marT="6350" marB="0" anchor="ctr"/>
+                </a:tc>
+                <a:tc>
+                  <a:txBody>
+                    <a:bodyPr/>
+                    <a:lstStyle/>
+                    <a:p>
+                      <a:pPr algn="ctr" fontAlgn="ctr"/>
+                      <a:r>
+                        <a:rPr lang="en-US" altLang="zh-CN" sz="1100" b="0" i="0" u="none" strike="noStrike" dirty="0">
+                          <a:solidFill>
+                            <a:srgbClr val="000000"/>
+                          </a:solidFill>
+                          <a:effectLst/>
+                          <a:latin typeface="Times New Roman" panose="02020603050405020304" pitchFamily="18" charset="0"/>
+                          <a:ea typeface="等线" panose="02010600030101010101" pitchFamily="2" charset="-122"/>
+                          <a:cs typeface="Times New Roman" panose="02020603050405020304" pitchFamily="18" charset="0"/>
+                        </a:rPr>
+                        <a:t>10% drop on </a:t>
+                      </a:r>
+                      <a:endParaRPr lang="zh-CN" altLang="en-US" sz="1100" b="0" i="0" u="none" strike="noStrike" dirty="0">
+                        <a:solidFill>
+                          <a:srgbClr val="000000"/>
+                        </a:solidFill>
+                        <a:effectLst/>
+                        <a:latin typeface="Times New Roman" panose="02020603050405020304" pitchFamily="18" charset="0"/>
+                        <a:ea typeface="等线" panose="02010600030101010101" pitchFamily="2" charset="-122"/>
+                        <a:cs typeface="Times New Roman" panose="02020603050405020304" pitchFamily="18" charset="0"/>
+                      </a:endParaRPr>
+                    </a:p>
+                  </a:txBody>
+                  <a:tcPr marL="6350" marR="6350" marT="6350" marB="0" anchor="ctr"/>
+                </a:tc>
+                <a:tc>
+                  <a:txBody>
+                    <a:bodyPr/>
+                    <a:lstStyle/>
+                    <a:p>
+                      <a:pPr algn="ctr" fontAlgn="ctr"/>
+                      <a:r>
+                        <a:rPr lang="en-US" altLang="zh-CN" sz="1100" b="0" i="0" u="none" strike="noStrike" dirty="0">
+                          <a:solidFill>
+                            <a:srgbClr val="000000"/>
+                          </a:solidFill>
+                          <a:effectLst/>
+                          <a:latin typeface="Times New Roman" panose="02020603050405020304" pitchFamily="18" charset="0"/>
+                          <a:ea typeface="等线" panose="02010600030101010101" pitchFamily="2" charset="-122"/>
+                          <a:cs typeface="Times New Roman" panose="02020603050405020304" pitchFamily="18" charset="0"/>
+                        </a:rPr>
+                        <a:t>Little drop on some few-shot tasks</a:t>
+                      </a:r>
+                      <a:endParaRPr lang="zh-CN" altLang="en-US" sz="1100" b="0" i="0" u="none" strike="noStrike" dirty="0">
+                        <a:solidFill>
+                          <a:srgbClr val="000000"/>
+                        </a:solidFill>
+                        <a:effectLst/>
+                        <a:latin typeface="Times New Roman" panose="02020603050405020304" pitchFamily="18" charset="0"/>
+                        <a:ea typeface="等线" panose="02010600030101010101" pitchFamily="2" charset="-122"/>
+                        <a:cs typeface="Times New Roman" panose="02020603050405020304" pitchFamily="18" charset="0"/>
+                      </a:endParaRPr>
+                    </a:p>
+                  </a:txBody>
+                  <a:tcPr marL="6350" marR="6350" marT="6350" marB="0" anchor="ctr"/>
+                </a:tc>
+                <a:tc>
+                  <a:txBody>
+                    <a:bodyPr/>
+                    <a:lstStyle/>
+                    <a:p>
+                      <a:pPr algn="ctr" fontAlgn="ctr"/>
+                      <a:r>
+                        <a:rPr lang="en-US" sz="1100" u="none" strike="noStrike" dirty="0">
+                          <a:effectLst/>
+                          <a:latin typeface="Times New Roman" panose="02020603050405020304" pitchFamily="18" charset="0"/>
+                          <a:cs typeface="Times New Roman" panose="02020603050405020304" pitchFamily="18" charset="0"/>
+                        </a:rPr>
+                        <a:t>unknown</a:t>
+                      </a:r>
+                      <a:endParaRPr lang="en-US" sz="1100" b="0" i="0" u="none" strike="noStrike" dirty="0">
+                        <a:solidFill>
+                          <a:srgbClr val="000000"/>
+                        </a:solidFill>
+                        <a:effectLst/>
+                        <a:latin typeface="Times New Roman" panose="02020603050405020304" pitchFamily="18" charset="0"/>
+                        <a:ea typeface="等线" panose="02010600030101010101" pitchFamily="2" charset="-122"/>
+                        <a:cs typeface="Times New Roman" panose="02020603050405020304" pitchFamily="18" charset="0"/>
+                      </a:endParaRPr>
+                    </a:p>
+                  </a:txBody>
+                  <a:tcPr marL="6350" marR="6350" marT="6350" marB="0" anchor="ctr"/>
+                </a:tc>
+                <a:extLst>
+                  <a:ext uri="{0D108BD9-81ED-4DB2-BD59-A6C34878D82A}">
+                    <a16:rowId xmlns:a16="http://schemas.microsoft.com/office/drawing/2014/main" val="197232267"/>
+                  </a:ext>
+                </a:extLst>
+              </a:tr>
+              <a:tr h="524728">
+                <a:tc>
+                  <a:txBody>
+                    <a:bodyPr/>
+                    <a:lstStyle/>
+                    <a:p>
+                      <a:pPr algn="ctr" fontAlgn="ctr"/>
+                      <a:r>
+                        <a:rPr lang="en-US" sz="1100" b="1" u="none" strike="noStrike" dirty="0">
+                          <a:effectLst/>
+                        </a:rPr>
+                        <a:t>Note</a:t>
+                      </a:r>
+                      <a:endParaRPr lang="en-US" sz="1100" b="1" i="0" u="none" strike="noStrike" dirty="0">
+                        <a:solidFill>
+                          <a:srgbClr val="000000"/>
+                        </a:solidFill>
+                        <a:effectLst/>
+                        <a:latin typeface="等线" panose="02010600030101010101" pitchFamily="2" charset="-122"/>
+                        <a:ea typeface="等线" panose="02010600030101010101" pitchFamily="2" charset="-122"/>
+                      </a:endParaRPr>
+                    </a:p>
+                  </a:txBody>
+                  <a:tcPr marL="6350" marR="6350" marT="6350" marB="0" anchor="ctr"/>
+                </a:tc>
+                <a:tc>
+                  <a:txBody>
+                    <a:bodyPr/>
+                    <a:lstStyle/>
+                    <a:p>
+                      <a:pPr algn="ctr" fontAlgn="ctr"/>
+                      <a:r>
+                        <a:rPr lang="en-US" sz="1100" u="none" strike="noStrike">
+                          <a:effectLst/>
+                          <a:latin typeface="Times New Roman" panose="02020603050405020304" pitchFamily="18" charset="0"/>
+                          <a:cs typeface="Times New Roman" panose="02020603050405020304" pitchFamily="18" charset="0"/>
+                        </a:rPr>
+                        <a:t>Widely used in industry</a:t>
+                      </a:r>
+                      <a:endParaRPr lang="en-US" sz="1100" b="0" i="0" u="none" strike="noStrike">
+                        <a:solidFill>
+                          <a:srgbClr val="000000"/>
+                        </a:solidFill>
+                        <a:effectLst/>
+                        <a:latin typeface="Times New Roman" panose="02020603050405020304" pitchFamily="18" charset="0"/>
+                        <a:ea typeface="等线" panose="02010600030101010101" pitchFamily="2" charset="-122"/>
+                        <a:cs typeface="Times New Roman" panose="02020603050405020304" pitchFamily="18" charset="0"/>
+                      </a:endParaRPr>
+                    </a:p>
+                  </a:txBody>
+                  <a:tcPr marL="6350" marR="6350" marT="6350" marB="0" anchor="ctr"/>
+                </a:tc>
+                <a:tc>
+                  <a:txBody>
+                    <a:bodyPr/>
+                    <a:lstStyle/>
+                    <a:p>
+                      <a:pPr algn="ctr" fontAlgn="ctr"/>
+                      <a:r>
+                        <a:rPr lang="en-US" altLang="zh-CN" sz="1100" b="0" i="0" u="none" strike="noStrike" dirty="0">
+                          <a:solidFill>
+                            <a:srgbClr val="000000"/>
+                          </a:solidFill>
+                          <a:effectLst/>
+                          <a:latin typeface="Times New Roman" panose="02020603050405020304" pitchFamily="18" charset="0"/>
+                          <a:ea typeface="等线" panose="02010600030101010101" pitchFamily="2" charset="-122"/>
+                          <a:cs typeface="Times New Roman" panose="02020603050405020304" pitchFamily="18" charset="0"/>
+                        </a:rPr>
+                        <a:t>Practical performance remains testing</a:t>
+                      </a:r>
+                      <a:endParaRPr lang="zh-CN" altLang="en-US" sz="1100" b="0" i="0" u="none" strike="noStrike" dirty="0">
+                        <a:solidFill>
+                          <a:srgbClr val="000000"/>
+                        </a:solidFill>
+                        <a:effectLst/>
+                        <a:latin typeface="Times New Roman" panose="02020603050405020304" pitchFamily="18" charset="0"/>
+                        <a:ea typeface="等线" panose="02010600030101010101" pitchFamily="2" charset="-122"/>
+                        <a:cs typeface="Times New Roman" panose="02020603050405020304" pitchFamily="18" charset="0"/>
+                      </a:endParaRPr>
+                    </a:p>
+                  </a:txBody>
+                  <a:tcPr marL="6350" marR="6350" marT="6350" marB="0" anchor="ctr"/>
+                </a:tc>
+                <a:tc>
+                  <a:txBody>
+                    <a:bodyPr/>
+                    <a:lstStyle/>
+                    <a:p>
+                      <a:pPr algn="ctr" fontAlgn="ctr"/>
+                      <a:endParaRPr lang="zh-CN" altLang="en-US" sz="1100" b="0" i="0" u="none" strike="noStrike" dirty="0">
+                        <a:solidFill>
+                          <a:srgbClr val="000000"/>
+                        </a:solidFill>
+                        <a:effectLst/>
+                        <a:latin typeface="Times New Roman" panose="02020603050405020304" pitchFamily="18" charset="0"/>
+                        <a:ea typeface="等线" panose="02010600030101010101" pitchFamily="2" charset="-122"/>
+                        <a:cs typeface="Times New Roman" panose="02020603050405020304" pitchFamily="18" charset="0"/>
+                      </a:endParaRPr>
+                    </a:p>
+                  </a:txBody>
+                  <a:tcPr marL="6350" marR="6350" marT="6350" marB="0" anchor="ctr"/>
+                </a:tc>
+                <a:tc>
+                  <a:txBody>
+                    <a:bodyPr/>
+                    <a:lstStyle/>
+                    <a:p>
+                      <a:pPr algn="ctr" fontAlgn="ctr"/>
+                      <a:r>
+                        <a:rPr lang="en-US" altLang="zh-CN" sz="1100" b="0" i="0" u="none" strike="noStrike" dirty="0">
+                          <a:solidFill>
+                            <a:srgbClr val="000000"/>
+                          </a:solidFill>
+                          <a:effectLst/>
+                          <a:latin typeface="Times New Roman" panose="02020603050405020304" pitchFamily="18" charset="0"/>
+                          <a:ea typeface="等线" panose="02010600030101010101" pitchFamily="2" charset="-122"/>
+                          <a:cs typeface="Times New Roman" panose="02020603050405020304" pitchFamily="18" charset="0"/>
+                        </a:rPr>
+                        <a:t>Inexpertly obtain increase on some tasks</a:t>
+                      </a:r>
+                      <a:endParaRPr lang="zh-CN" altLang="en-US" sz="1100" b="0" i="0" u="none" strike="noStrike" dirty="0">
+                        <a:solidFill>
+                          <a:srgbClr val="000000"/>
+                        </a:solidFill>
+                        <a:effectLst/>
+                        <a:latin typeface="Times New Roman" panose="02020603050405020304" pitchFamily="18" charset="0"/>
+                        <a:ea typeface="等线" panose="02010600030101010101" pitchFamily="2" charset="-122"/>
+                        <a:cs typeface="Times New Roman" panose="02020603050405020304" pitchFamily="18" charset="0"/>
+                      </a:endParaRPr>
+                    </a:p>
+                  </a:txBody>
+                  <a:tcPr marL="6350" marR="6350" marT="6350" marB="0" anchor="ctr"/>
+                </a:tc>
+                <a:tc>
+                  <a:txBody>
+                    <a:bodyPr/>
+                    <a:lstStyle/>
+                    <a:p>
+                      <a:pPr algn="ctr" fontAlgn="ctr"/>
+                      <a:endParaRPr lang="zh-CN" altLang="en-US" sz="1100" b="0" i="0" u="none" strike="noStrike">
+                        <a:solidFill>
+                          <a:srgbClr val="000000"/>
+                        </a:solidFill>
+                        <a:effectLst/>
+                        <a:latin typeface="Times New Roman" panose="02020603050405020304" pitchFamily="18" charset="0"/>
+                        <a:ea typeface="等线" panose="02010600030101010101" pitchFamily="2" charset="-122"/>
+                        <a:cs typeface="Times New Roman" panose="02020603050405020304" pitchFamily="18" charset="0"/>
+                      </a:endParaRPr>
+                    </a:p>
+                  </a:txBody>
+                  <a:tcPr marL="6350" marR="6350" marT="6350" marB="0" anchor="ctr"/>
+                </a:tc>
+                <a:tc>
+                  <a:txBody>
+                    <a:bodyPr/>
+                    <a:lstStyle/>
+                    <a:p>
+                      <a:pPr algn="ctr" fontAlgn="ctr"/>
+                      <a:r>
+                        <a:rPr lang="en-US" sz="1100" u="none" strike="noStrike" dirty="0">
+                          <a:effectLst/>
+                          <a:latin typeface="Times New Roman" panose="02020603050405020304" pitchFamily="18" charset="0"/>
+                          <a:cs typeface="Times New Roman" panose="02020603050405020304" pitchFamily="18" charset="0"/>
+                        </a:rPr>
+                        <a:t>unknown</a:t>
+                      </a:r>
+                      <a:endParaRPr lang="en-US" sz="1100" b="0" i="0" u="none" strike="noStrike" dirty="0">
+                        <a:solidFill>
+                          <a:srgbClr val="000000"/>
+                        </a:solidFill>
+                        <a:effectLst/>
+                        <a:latin typeface="Times New Roman" panose="02020603050405020304" pitchFamily="18" charset="0"/>
+                        <a:ea typeface="等线" panose="02010600030101010101" pitchFamily="2" charset="-122"/>
+                        <a:cs typeface="Times New Roman" panose="02020603050405020304" pitchFamily="18" charset="0"/>
+                      </a:endParaRPr>
+                    </a:p>
+                  </a:txBody>
+                  <a:tcPr marL="6350" marR="6350" marT="6350" marB="0" anchor="ctr"/>
+                </a:tc>
+                <a:extLst>
+                  <a:ext uri="{0D108BD9-81ED-4DB2-BD59-A6C34878D82A}">
+                    <a16:rowId xmlns:a16="http://schemas.microsoft.com/office/drawing/2014/main" val="2992260467"/>
+                  </a:ext>
+                </a:extLst>
+              </a:tr>
+            </a:tbl>
+          </a:graphicData>
+        </a:graphic>
+      </p:graphicFrame>
+    </p:spTree>
+    <p:extLst>
+      <p:ext uri="{BB962C8B-B14F-4D97-AF65-F5344CB8AC3E}">
+        <p14:creationId xmlns:p14="http://schemas.microsoft.com/office/powerpoint/2010/main" val="1029882396"/>
+      </p:ext>
+    </p:extLst>
+  </p:cSld>
+  <p:clrMapOvr>
+    <a:masterClrMapping/>
+  </p:clrMapOvr>
+  <mc:AlternateContent xmlns:mc="http://schemas.openxmlformats.org/markup-compatibility/2006" xmlns:p14="http://schemas.microsoft.com/office/powerpoint/2010/main">
+    <mc:Choice Requires="p14">
+      <p:transition p14:dur="10" advTm="7188"/>
+    </mc:Choice>
+    <mc:Fallback xmlns="">
+      <p:transition advTm="7188"/>
+    </mc:Fallback>
+  </mc:AlternateContent>
+</p:sld>
+</file>
+
+<file path=ppt/slides/slide14.xml><?xml version="1.0" encoding="utf-8"?>
+<p:sld xmlns:a="http://schemas.openxmlformats.org/drawingml/2006/main" xmlns:r="http://schemas.openxmlformats.org/officeDocument/2006/relationships" xmlns:p="http://schemas.openxmlformats.org/presentationml/2006/main">
+  <p:cSld>
+    <p:spTree>
+      <p:nvGrpSpPr>
+        <p:cNvPr id="1" name=""/>
+        <p:cNvGrpSpPr/>
+        <p:nvPr/>
+      </p:nvGrpSpPr>
+      <p:grpSpPr>
+        <a:xfrm>
+          <a:off x="0" y="0"/>
+          <a:ext cx="0" cy="0"/>
+          <a:chOff x="0" y="0"/>
+          <a:chExt cx="0" cy="0"/>
+        </a:xfrm>
+      </p:grpSpPr>
+      <p:sp>
+        <p:nvSpPr>
+          <p:cNvPr id="52" name="Pentagon 6_1">
+            <a:extLst>
+              <a:ext uri="{FF2B5EF4-FFF2-40B4-BE49-F238E27FC236}">
+                <a16:creationId xmlns:a16="http://schemas.microsoft.com/office/drawing/2014/main" id="{AF00C5AC-1046-411F-939E-89D5936C785B}"/>
+              </a:ext>
+            </a:extLst>
+          </p:cNvPr>
+          <p:cNvSpPr/>
+          <p:nvPr/>
+        </p:nvSpPr>
+        <p:spPr>
+          <a:xfrm>
+            <a:off x="-1" y="531656"/>
+            <a:ext cx="1926771" cy="701648"/>
+          </a:xfrm>
+          <a:prstGeom prst="homePlate">
+            <a:avLst/>
+          </a:prstGeom>
+          <a:solidFill>
+            <a:srgbClr val="FADE40"/>
+          </a:solidFill>
+          <a:ln>
+            <a:noFill/>
+          </a:ln>
+        </p:spPr>
+        <p:style>
+          <a:lnRef idx="2">
+            <a:schemeClr val="accent1">
+              <a:shade val="50000"/>
+            </a:schemeClr>
+          </a:lnRef>
+          <a:fillRef idx="1">
+            <a:schemeClr val="accent1"/>
+          </a:fillRef>
+          <a:effectRef idx="0">
+            <a:schemeClr val="accent1"/>
+          </a:effectRef>
+          <a:fontRef idx="minor">
+            <a:schemeClr val="lt1"/>
+          </a:fontRef>
+        </p:style>
+        <p:txBody>
+          <a:bodyPr rtlCol="0" anchor="ctr"/>
+          <a:lstStyle/>
+          <a:p>
+            <a:pPr algn="ctr"/>
+            <a:endParaRPr lang="zh-CN" altLang="en-US"/>
+          </a:p>
+        </p:txBody>
+      </p:sp>
+      <p:sp>
+        <p:nvSpPr>
+          <p:cNvPr id="53" name="文本框 52">
+            <a:extLst>
+              <a:ext uri="{FF2B5EF4-FFF2-40B4-BE49-F238E27FC236}">
+                <a16:creationId xmlns:a16="http://schemas.microsoft.com/office/drawing/2014/main" id="{8699EC9A-81A9-4AD6-9962-57AA5A2F4CD8}"/>
+              </a:ext>
+            </a:extLst>
+          </p:cNvPr>
+          <p:cNvSpPr txBox="1"/>
+          <p:nvPr/>
+        </p:nvSpPr>
+        <p:spPr>
+          <a:xfrm>
+            <a:off x="42821" y="642567"/>
+            <a:ext cx="1595479" cy="479825"/>
+          </a:xfrm>
+          <a:prstGeom prst="rect">
+            <a:avLst/>
+          </a:prstGeom>
+          <a:noFill/>
+        </p:spPr>
+        <p:txBody>
+          <a:bodyPr wrap="square" rtlCol="0">
+            <a:spAutoFit/>
+          </a:bodyPr>
+          <a:lstStyle/>
+          <a:p>
+            <a:pPr algn="dist"/>
+            <a:r>
+              <a:rPr lang="en-US" altLang="zh-CN" sz="2400" dirty="0">
+                <a:solidFill>
+                  <a:srgbClr val="C00000"/>
+                </a:solidFill>
+                <a:latin typeface="Times New Roman" panose="02020603050405020304" pitchFamily="18" charset="0"/>
+                <a:ea typeface="思源黑体 CN Medium" panose="020B0600000000000000" pitchFamily="34" charset="-122"/>
+                <a:cs typeface="Times New Roman" panose="02020603050405020304" pitchFamily="18" charset="0"/>
+                <a:sym typeface="Arial" panose="020B0604020202020204" pitchFamily="34" charset="0"/>
+              </a:rPr>
+              <a:t>CPU</a:t>
+            </a:r>
+            <a:r>
+              <a:rPr lang="zh-CN" altLang="en-US" sz="2400" dirty="0">
+                <a:solidFill>
+                  <a:srgbClr val="C00000"/>
+                </a:solidFill>
+                <a:latin typeface="Times New Roman" panose="02020603050405020304" pitchFamily="18" charset="0"/>
+                <a:ea typeface="思源黑体 CN Medium" panose="020B0600000000000000" pitchFamily="34" charset="-122"/>
+                <a:cs typeface="Times New Roman" panose="02020603050405020304" pitchFamily="18" charset="0"/>
+                <a:sym typeface="Arial" panose="020B0604020202020204" pitchFamily="34" charset="0"/>
+              </a:rPr>
+              <a:t>设计</a:t>
+            </a:r>
+          </a:p>
+        </p:txBody>
+      </p:sp>
+      <p:sp>
+        <p:nvSpPr>
+          <p:cNvPr id="5" name="Pentagon 6_1">
+            <a:extLst>
+              <a:ext uri="{FF2B5EF4-FFF2-40B4-BE49-F238E27FC236}">
+                <a16:creationId xmlns:a16="http://schemas.microsoft.com/office/drawing/2014/main" id="{B2DEA907-69CA-1F7C-0719-3B1C4B3D0485}"/>
+              </a:ext>
+            </a:extLst>
+          </p:cNvPr>
+          <p:cNvSpPr/>
+          <p:nvPr/>
+        </p:nvSpPr>
+        <p:spPr>
+          <a:xfrm>
+            <a:off x="-1" y="531656"/>
+            <a:ext cx="1926771" cy="701648"/>
+          </a:xfrm>
+          <a:prstGeom prst="homePlate">
+            <a:avLst/>
+          </a:prstGeom>
+          <a:solidFill>
+            <a:srgbClr val="FADE40"/>
+          </a:solidFill>
+          <a:ln>
+            <a:noFill/>
+          </a:ln>
+        </p:spPr>
+        <p:style>
+          <a:lnRef idx="2">
+            <a:schemeClr val="accent1">
+              <a:shade val="50000"/>
+            </a:schemeClr>
+          </a:lnRef>
+          <a:fillRef idx="1">
+            <a:schemeClr val="accent1"/>
+          </a:fillRef>
+          <a:effectRef idx="0">
+            <a:schemeClr val="accent1"/>
+          </a:effectRef>
+          <a:fontRef idx="minor">
+            <a:schemeClr val="lt1"/>
+          </a:fontRef>
+        </p:style>
+        <p:txBody>
+          <a:bodyPr rtlCol="0" anchor="ctr"/>
+          <a:lstStyle/>
+          <a:p>
+            <a:pPr algn="ctr"/>
+            <a:endParaRPr lang="zh-CN" altLang="en-US"/>
+          </a:p>
+        </p:txBody>
+      </p:sp>
+      <p:sp>
+        <p:nvSpPr>
+          <p:cNvPr id="6" name="文本框 5">
+            <a:extLst>
+              <a:ext uri="{FF2B5EF4-FFF2-40B4-BE49-F238E27FC236}">
+                <a16:creationId xmlns:a16="http://schemas.microsoft.com/office/drawing/2014/main" id="{EEA72AD3-AE04-AC91-8BBE-AEC989717A4D}"/>
+              </a:ext>
+            </a:extLst>
+          </p:cNvPr>
+          <p:cNvSpPr txBox="1"/>
+          <p:nvPr/>
+        </p:nvSpPr>
+        <p:spPr>
+          <a:xfrm>
+            <a:off x="42821" y="590091"/>
+            <a:ext cx="1595479" cy="584775"/>
+          </a:xfrm>
+          <a:prstGeom prst="rect">
+            <a:avLst/>
+          </a:prstGeom>
+          <a:noFill/>
+        </p:spPr>
+        <p:txBody>
+          <a:bodyPr wrap="square" rtlCol="0">
+            <a:spAutoFit/>
+          </a:bodyPr>
+          <a:lstStyle/>
+          <a:p>
+            <a:pPr algn="dist"/>
+            <a:r>
+              <a:rPr lang="en-US" altLang="zh-CN" sz="1600" b="1" dirty="0">
+                <a:solidFill>
+                  <a:srgbClr val="C00000"/>
+                </a:solidFill>
+                <a:latin typeface="Times New Roman" panose="02020603050405020304" pitchFamily="18" charset="0"/>
+                <a:ea typeface="思源黑体 CN Medium" panose="020B0600000000000000" pitchFamily="34" charset="-122"/>
+                <a:cs typeface="Times New Roman" panose="02020603050405020304" pitchFamily="18" charset="0"/>
+                <a:sym typeface="Arial" panose="020B0604020202020204" pitchFamily="34" charset="0"/>
+              </a:rPr>
+              <a:t>Compression</a:t>
+            </a:r>
+          </a:p>
+          <a:p>
+            <a:pPr algn="dist"/>
+            <a:r>
+              <a:rPr lang="en-US" altLang="zh-CN" sz="1600" b="1" dirty="0">
+                <a:solidFill>
+                  <a:srgbClr val="C00000"/>
+                </a:solidFill>
+                <a:latin typeface="Times New Roman" panose="02020603050405020304" pitchFamily="18" charset="0"/>
+                <a:ea typeface="思源黑体 CN Medium" panose="020B0600000000000000" pitchFamily="34" charset="-122"/>
+                <a:cs typeface="Times New Roman" panose="02020603050405020304" pitchFamily="18" charset="0"/>
+                <a:sym typeface="Arial" panose="020B0604020202020204" pitchFamily="34" charset="0"/>
+              </a:rPr>
+              <a:t>of LLMs</a:t>
+            </a:r>
+            <a:endParaRPr lang="zh-CN" altLang="en-US" sz="1600" b="1" dirty="0">
+              <a:solidFill>
+                <a:srgbClr val="C00000"/>
+              </a:solidFill>
+              <a:latin typeface="Times New Roman" panose="02020603050405020304" pitchFamily="18" charset="0"/>
+              <a:ea typeface="思源黑体 CN Medium" panose="020B0600000000000000" pitchFamily="34" charset="-122"/>
+              <a:cs typeface="Times New Roman" panose="02020603050405020304" pitchFamily="18" charset="0"/>
+              <a:sym typeface="Arial" panose="020B0604020202020204" pitchFamily="34" charset="0"/>
+            </a:endParaRPr>
+          </a:p>
+        </p:txBody>
+      </p:sp>
+      <p:sp>
+        <p:nvSpPr>
+          <p:cNvPr id="4" name="文本框 3">
+            <a:extLst>
+              <a:ext uri="{FF2B5EF4-FFF2-40B4-BE49-F238E27FC236}">
+                <a16:creationId xmlns:a16="http://schemas.microsoft.com/office/drawing/2014/main" id="{94F0B87A-0FB2-E908-C7F1-E170024FAAD8}"/>
+              </a:ext>
+            </a:extLst>
+          </p:cNvPr>
+          <p:cNvSpPr txBox="1"/>
+          <p:nvPr/>
+        </p:nvSpPr>
+        <p:spPr>
+          <a:xfrm>
+            <a:off x="823197" y="1531296"/>
+            <a:ext cx="4946783" cy="3752437"/>
+          </a:xfrm>
+          <a:prstGeom prst="rect">
+            <a:avLst/>
+          </a:prstGeom>
+          <a:noFill/>
+        </p:spPr>
+        <p:txBody>
+          <a:bodyPr wrap="square" rtlCol="0">
+            <a:spAutoFit/>
+          </a:bodyPr>
+          <a:lstStyle/>
+          <a:p>
+            <a:pPr algn="just">
+              <a:lnSpc>
+                <a:spcPct val="150000"/>
+              </a:lnSpc>
+            </a:pPr>
+            <a:r>
+              <a:rPr lang="en-US" altLang="zh-CN" sz="1600" b="1" dirty="0">
+                <a:solidFill>
+                  <a:srgbClr val="263C88"/>
+                </a:solidFill>
+                <a:latin typeface="思源黑体 CN Heavy"/>
+                <a:ea typeface="思源黑体 CN Medium" panose="020B0600000000000000"/>
+                <a:cs typeface="Times New Roman" panose="02020603050405020304" pitchFamily="18" charset="0"/>
+              </a:rPr>
+              <a:t>Suitable metrics</a:t>
+            </a:r>
+            <a:endParaRPr lang="en-US" altLang="zh-CN" sz="1200" b="1" dirty="0">
+              <a:solidFill>
+                <a:srgbClr val="263C88"/>
+              </a:solidFill>
+              <a:latin typeface="思源黑体 CN Heavy"/>
+              <a:ea typeface="思源黑体 CN Medium" panose="020B0600000000000000"/>
+              <a:cs typeface="Times New Roman" panose="02020603050405020304" pitchFamily="18" charset="0"/>
+            </a:endParaRPr>
+          </a:p>
+          <a:p>
+            <a:pPr marL="342900" indent="-342900" algn="just">
+              <a:lnSpc>
+                <a:spcPct val="150000"/>
+              </a:lnSpc>
+              <a:buFont typeface="Arial" panose="020B0604020202020204" pitchFamily="34" charset="0"/>
+              <a:buChar char="•"/>
+            </a:pPr>
+            <a:r>
+              <a:rPr lang="en-US" altLang="zh-CN" sz="1200" dirty="0">
+                <a:latin typeface="Times New Roman" panose="02020603050405020304" pitchFamily="18" charset="0"/>
+                <a:ea typeface="思源黑体 CN Medium" panose="020B0600000000000000"/>
+                <a:cs typeface="Times New Roman" panose="02020603050405020304" pitchFamily="18" charset="0"/>
+              </a:rPr>
+              <a:t>How to evaluate the performance:</a:t>
+            </a:r>
+          </a:p>
+          <a:p>
+            <a:pPr marL="628650" lvl="1" indent="-171450" algn="just">
+              <a:lnSpc>
+                <a:spcPct val="150000"/>
+              </a:lnSpc>
+              <a:buFont typeface="Arial" panose="020B0604020202020204" pitchFamily="34" charset="0"/>
+              <a:buChar char="•"/>
+            </a:pPr>
+            <a:r>
+              <a:rPr lang="en-US" altLang="zh-CN" sz="1200" dirty="0">
+                <a:latin typeface="Times New Roman" panose="02020603050405020304" pitchFamily="18" charset="0"/>
+                <a:ea typeface="思源黑体 CN Medium" panose="020B0600000000000000"/>
+                <a:cs typeface="Times New Roman" panose="02020603050405020304" pitchFamily="18" charset="0"/>
+              </a:rPr>
+              <a:t>Many works claim that they achieved high compression ratios with little increase in PPL.</a:t>
+            </a:r>
+          </a:p>
+          <a:p>
+            <a:pPr marL="628650" lvl="1" indent="-171450" algn="just">
+              <a:lnSpc>
+                <a:spcPct val="150000"/>
+              </a:lnSpc>
+              <a:buFont typeface="Arial" panose="020B0604020202020204" pitchFamily="34" charset="0"/>
+              <a:buChar char="•"/>
+            </a:pPr>
+            <a:r>
+              <a:rPr lang="en-US" altLang="zh-CN" sz="1200" dirty="0">
+                <a:latin typeface="Times New Roman" panose="02020603050405020304" pitchFamily="18" charset="0"/>
+                <a:ea typeface="思源黑体 CN Medium" panose="020B0600000000000000"/>
+                <a:cs typeface="Times New Roman" panose="02020603050405020304" pitchFamily="18" charset="0"/>
+              </a:rPr>
+              <a:t>Is that sensible? In fact, what we concerned about is the ability of LLMs like QA, </a:t>
+            </a:r>
+            <a:r>
+              <a:rPr lang="en-US" altLang="zh-CN" sz="1200" dirty="0" err="1">
+                <a:latin typeface="Times New Roman" panose="02020603050405020304" pitchFamily="18" charset="0"/>
+                <a:ea typeface="思源黑体 CN Medium" panose="020B0600000000000000"/>
+                <a:cs typeface="Times New Roman" panose="02020603050405020304" pitchFamily="18" charset="0"/>
+              </a:rPr>
+              <a:t>CoT</a:t>
+            </a:r>
+            <a:r>
+              <a:rPr lang="en-US" altLang="zh-CN" sz="1200" dirty="0">
+                <a:latin typeface="Times New Roman" panose="02020603050405020304" pitchFamily="18" charset="0"/>
+                <a:ea typeface="思源黑体 CN Medium" panose="020B0600000000000000"/>
+                <a:cs typeface="Times New Roman" panose="02020603050405020304" pitchFamily="18" charset="0"/>
+              </a:rPr>
+              <a:t>, NLU for long text, etc.</a:t>
+            </a:r>
+          </a:p>
+          <a:p>
+            <a:pPr lvl="1" algn="just">
+              <a:lnSpc>
+                <a:spcPct val="150000"/>
+              </a:lnSpc>
+            </a:pPr>
+            <a:endParaRPr lang="en-US" altLang="zh-CN" sz="1200" dirty="0">
+              <a:latin typeface="Times New Roman" panose="02020603050405020304" pitchFamily="18" charset="0"/>
+              <a:ea typeface="思源黑体 CN Medium" panose="020B0600000000000000"/>
+              <a:cs typeface="Times New Roman" panose="02020603050405020304" pitchFamily="18" charset="0"/>
+            </a:endParaRPr>
+          </a:p>
+          <a:p>
+            <a:pPr marL="342900" indent="-342900" algn="just">
+              <a:lnSpc>
+                <a:spcPct val="150000"/>
+              </a:lnSpc>
+              <a:buFont typeface="Arial" panose="020B0604020202020204" pitchFamily="34" charset="0"/>
+              <a:buChar char="•"/>
+            </a:pPr>
+            <a:r>
+              <a:rPr lang="en-US" altLang="zh-CN" sz="1200" dirty="0">
+                <a:latin typeface="Times New Roman" panose="02020603050405020304" pitchFamily="18" charset="0"/>
+                <a:ea typeface="思源黑体 CN Medium" panose="020B0600000000000000"/>
+                <a:cs typeface="Times New Roman" panose="02020603050405020304" pitchFamily="18" charset="0"/>
+              </a:rPr>
+              <a:t>A recent work from University of Texas at Austin and Apple proposed a Knowledge intensive benchmark and find:</a:t>
+            </a:r>
+          </a:p>
+          <a:p>
+            <a:pPr marL="628650" lvl="1" indent="-171450" algn="just">
+              <a:lnSpc>
+                <a:spcPct val="150000"/>
+              </a:lnSpc>
+              <a:buFont typeface="Arial" panose="020B0604020202020204" pitchFamily="34" charset="0"/>
+              <a:buChar char="•"/>
+            </a:pPr>
+            <a:r>
+              <a:rPr lang="en-US" altLang="zh-CN" sz="1200" dirty="0">
+                <a:latin typeface="Times New Roman" panose="02020603050405020304" pitchFamily="18" charset="0"/>
+                <a:ea typeface="思源黑体 CN Medium" panose="020B0600000000000000"/>
+                <a:cs typeface="Times New Roman" panose="02020603050405020304" pitchFamily="18" charset="0"/>
+              </a:rPr>
+              <a:t>Despite negligible changes in perplexity, pruning can cause failing in knowledge-intensive task.</a:t>
+            </a:r>
+          </a:p>
+          <a:p>
+            <a:pPr marL="628650" lvl="1" indent="-171450" algn="just">
+              <a:lnSpc>
+                <a:spcPct val="150000"/>
+              </a:lnSpc>
+              <a:buFont typeface="Arial" panose="020B0604020202020204" pitchFamily="34" charset="0"/>
+              <a:buChar char="•"/>
+            </a:pPr>
+            <a:r>
+              <a:rPr lang="en-US" altLang="zh-CN" sz="1200" dirty="0">
+                <a:latin typeface="Times New Roman" panose="02020603050405020304" pitchFamily="18" charset="0"/>
+                <a:ea typeface="思源黑体 CN Medium" panose="020B0600000000000000"/>
+                <a:cs typeface="Times New Roman" panose="02020603050405020304" pitchFamily="18" charset="0"/>
+              </a:rPr>
+              <a:t>Current quantization methods are more successful in perpetuating performance in comparison to </a:t>
+            </a:r>
+            <a:r>
+              <a:rPr lang="en-US" altLang="zh-CN" sz="1200" dirty="0" err="1">
+                <a:latin typeface="Times New Roman" panose="02020603050405020304" pitchFamily="18" charset="0"/>
+                <a:ea typeface="思源黑体 CN Medium" panose="020B0600000000000000"/>
+                <a:cs typeface="Times New Roman" panose="02020603050405020304" pitchFamily="18" charset="0"/>
+              </a:rPr>
+              <a:t>SoTA</a:t>
+            </a:r>
+            <a:r>
+              <a:rPr lang="en-US" altLang="zh-CN" sz="1200" dirty="0">
+                <a:latin typeface="Times New Roman" panose="02020603050405020304" pitchFamily="18" charset="0"/>
+                <a:ea typeface="思源黑体 CN Medium" panose="020B0600000000000000"/>
+                <a:cs typeface="Times New Roman" panose="02020603050405020304" pitchFamily="18" charset="0"/>
+              </a:rPr>
+              <a:t> LLM pruning methods.</a:t>
+            </a:r>
+          </a:p>
+        </p:txBody>
+      </p:sp>
+      <p:pic>
+        <p:nvPicPr>
+          <p:cNvPr id="13" name="图片 12" descr="图片包含 应用程序&#10;&#10;描述已自动生成">
+            <a:extLst>
+              <a:ext uri="{FF2B5EF4-FFF2-40B4-BE49-F238E27FC236}">
+                <a16:creationId xmlns:a16="http://schemas.microsoft.com/office/drawing/2014/main" id="{7AF13CC5-5B03-1230-6DC3-42796CEB8F75}"/>
+              </a:ext>
+            </a:extLst>
+          </p:cNvPr>
+          <p:cNvPicPr>
+            <a:picLocks noChangeAspect="1"/>
+          </p:cNvPicPr>
+          <p:nvPr/>
+        </p:nvPicPr>
+        <p:blipFill>
+          <a:blip r:embed="rId3" cstate="print">
+            <a:extLst>
+              <a:ext uri="{28A0092B-C50C-407E-A947-70E740481C1C}">
+                <a14:useLocalDpi xmlns:a14="http://schemas.microsoft.com/office/drawing/2010/main" val="0"/>
+              </a:ext>
+            </a:extLst>
+          </a:blip>
+          <a:stretch>
+            <a:fillRect/>
+          </a:stretch>
+        </p:blipFill>
+        <p:spPr>
+          <a:xfrm>
+            <a:off x="6096000" y="1923035"/>
+            <a:ext cx="6057452" cy="3594240"/>
+          </a:xfrm>
+          <a:prstGeom prst="rect">
+            <a:avLst/>
+          </a:prstGeom>
+        </p:spPr>
+      </p:pic>
+      <p:sp>
+        <p:nvSpPr>
+          <p:cNvPr id="14" name="文本框 13">
+            <a:extLst>
+              <a:ext uri="{FF2B5EF4-FFF2-40B4-BE49-F238E27FC236}">
+                <a16:creationId xmlns:a16="http://schemas.microsoft.com/office/drawing/2014/main" id="{EF450C90-C102-CE96-4F05-7684B28CDDE5}"/>
+              </a:ext>
+            </a:extLst>
+          </p:cNvPr>
+          <p:cNvSpPr txBox="1"/>
+          <p:nvPr/>
+        </p:nvSpPr>
+        <p:spPr>
+          <a:xfrm>
+            <a:off x="840559" y="6524182"/>
+            <a:ext cx="9353550" cy="246221"/>
+          </a:xfrm>
+          <a:prstGeom prst="rect">
+            <a:avLst/>
+          </a:prstGeom>
+          <a:noFill/>
+        </p:spPr>
+        <p:txBody>
+          <a:bodyPr wrap="square" rtlCol="0">
+            <a:spAutoFit/>
+          </a:bodyPr>
+          <a:lstStyle/>
+          <a:p>
+            <a:r>
+              <a:rPr lang="en-US" altLang="zh-CN" sz="1000" i="0" dirty="0">
+                <a:solidFill>
+                  <a:srgbClr val="000000"/>
+                </a:solidFill>
+                <a:effectLst/>
+                <a:latin typeface="Lucida Grande"/>
+                <a:hlinkClick r:id="rId4"/>
+              </a:rPr>
+              <a:t>Compressing LLMs: The Truth is Rarely Pure and Never Simple</a:t>
+            </a:r>
+            <a:endParaRPr lang="en-US" altLang="zh-CN" sz="1000" i="0" dirty="0">
+              <a:solidFill>
+                <a:srgbClr val="000000"/>
+              </a:solidFill>
+              <a:effectLst/>
+              <a:latin typeface="Lucida Grande"/>
+            </a:endParaRPr>
+          </a:p>
+        </p:txBody>
+      </p:sp>
+    </p:spTree>
+    <p:extLst>
+      <p:ext uri="{BB962C8B-B14F-4D97-AF65-F5344CB8AC3E}">
+        <p14:creationId xmlns:p14="http://schemas.microsoft.com/office/powerpoint/2010/main" val="1046890574"/>
+      </p:ext>
+    </p:extLst>
+  </p:cSld>
+  <p:clrMapOvr>
+    <a:masterClrMapping/>
+  </p:clrMapOvr>
+  <mc:AlternateContent xmlns:mc="http://schemas.openxmlformats.org/markup-compatibility/2006" xmlns:p14="http://schemas.microsoft.com/office/powerpoint/2010/main">
+    <mc:Choice Requires="p14">
+      <p:transition p14:dur="10" advTm="7188"/>
+    </mc:Choice>
+    <mc:Fallback xmlns="">
+      <p:transition advTm="7188"/>
+    </mc:Fallback>
+  </mc:AlternateContent>
+</p:sld>
+</file>
+
+<file path=ppt/slides/slide15.xml><?xml version="1.0" encoding="utf-8"?>
+<p:sld xmlns:a="http://schemas.openxmlformats.org/drawingml/2006/main" xmlns:r="http://schemas.openxmlformats.org/officeDocument/2006/relationships" xmlns:p="http://schemas.openxmlformats.org/presentationml/2006/main">
+  <p:cSld>
+    <p:spTree>
+      <p:nvGrpSpPr>
+        <p:cNvPr id="1" name=""/>
+        <p:cNvGrpSpPr/>
+        <p:nvPr/>
+      </p:nvGrpSpPr>
+      <p:grpSpPr>
+        <a:xfrm>
+          <a:off x="0" y="0"/>
+          <a:ext cx="0" cy="0"/>
+          <a:chOff x="0" y="0"/>
+          <a:chExt cx="0" cy="0"/>
+        </a:xfrm>
+      </p:grpSpPr>
+      <p:sp>
+        <p:nvSpPr>
+          <p:cNvPr id="52" name="Pentagon 6_1">
+            <a:extLst>
+              <a:ext uri="{FF2B5EF4-FFF2-40B4-BE49-F238E27FC236}">
+                <a16:creationId xmlns:a16="http://schemas.microsoft.com/office/drawing/2014/main" id="{AF00C5AC-1046-411F-939E-89D5936C785B}"/>
+              </a:ext>
+            </a:extLst>
+          </p:cNvPr>
+          <p:cNvSpPr/>
+          <p:nvPr/>
+        </p:nvSpPr>
+        <p:spPr>
+          <a:xfrm>
+            <a:off x="-1" y="531656"/>
+            <a:ext cx="1926771" cy="701648"/>
+          </a:xfrm>
+          <a:prstGeom prst="homePlate">
+            <a:avLst/>
+          </a:prstGeom>
+          <a:solidFill>
+            <a:srgbClr val="FADE40"/>
+          </a:solidFill>
+          <a:ln>
+            <a:noFill/>
+          </a:ln>
+        </p:spPr>
+        <p:style>
+          <a:lnRef idx="2">
+            <a:schemeClr val="accent1">
+              <a:shade val="50000"/>
+            </a:schemeClr>
+          </a:lnRef>
+          <a:fillRef idx="1">
+            <a:schemeClr val="accent1"/>
+          </a:fillRef>
+          <a:effectRef idx="0">
+            <a:schemeClr val="accent1"/>
+          </a:effectRef>
+          <a:fontRef idx="minor">
+            <a:schemeClr val="lt1"/>
+          </a:fontRef>
+        </p:style>
+        <p:txBody>
+          <a:bodyPr rtlCol="0" anchor="ctr"/>
+          <a:lstStyle/>
+          <a:p>
+            <a:pPr algn="ctr"/>
+            <a:endParaRPr lang="zh-CN" altLang="en-US"/>
+          </a:p>
+        </p:txBody>
+      </p:sp>
+      <p:sp>
+        <p:nvSpPr>
+          <p:cNvPr id="53" name="文本框 52">
+            <a:extLst>
+              <a:ext uri="{FF2B5EF4-FFF2-40B4-BE49-F238E27FC236}">
+                <a16:creationId xmlns:a16="http://schemas.microsoft.com/office/drawing/2014/main" id="{8699EC9A-81A9-4AD6-9962-57AA5A2F4CD8}"/>
+              </a:ext>
+            </a:extLst>
+          </p:cNvPr>
+          <p:cNvSpPr txBox="1"/>
+          <p:nvPr/>
+        </p:nvSpPr>
+        <p:spPr>
+          <a:xfrm>
+            <a:off x="42821" y="642567"/>
+            <a:ext cx="1595479" cy="479825"/>
+          </a:xfrm>
+          <a:prstGeom prst="rect">
+            <a:avLst/>
+          </a:prstGeom>
+          <a:noFill/>
+        </p:spPr>
+        <p:txBody>
+          <a:bodyPr wrap="square" rtlCol="0">
+            <a:spAutoFit/>
+          </a:bodyPr>
+          <a:lstStyle/>
+          <a:p>
+            <a:pPr algn="dist"/>
+            <a:r>
+              <a:rPr lang="en-US" altLang="zh-CN" sz="2400" dirty="0">
+                <a:solidFill>
+                  <a:srgbClr val="C00000"/>
+                </a:solidFill>
+                <a:latin typeface="Times New Roman" panose="02020603050405020304" pitchFamily="18" charset="0"/>
+                <a:ea typeface="思源黑体 CN Medium" panose="020B0600000000000000" pitchFamily="34" charset="-122"/>
+                <a:cs typeface="Times New Roman" panose="02020603050405020304" pitchFamily="18" charset="0"/>
+                <a:sym typeface="Arial" panose="020B0604020202020204" pitchFamily="34" charset="0"/>
+              </a:rPr>
+              <a:t>CPU</a:t>
+            </a:r>
+            <a:r>
+              <a:rPr lang="zh-CN" altLang="en-US" sz="2400" dirty="0">
+                <a:solidFill>
+                  <a:srgbClr val="C00000"/>
+                </a:solidFill>
+                <a:latin typeface="Times New Roman" panose="02020603050405020304" pitchFamily="18" charset="0"/>
+                <a:ea typeface="思源黑体 CN Medium" panose="020B0600000000000000" pitchFamily="34" charset="-122"/>
+                <a:cs typeface="Times New Roman" panose="02020603050405020304" pitchFamily="18" charset="0"/>
+                <a:sym typeface="Arial" panose="020B0604020202020204" pitchFamily="34" charset="0"/>
+              </a:rPr>
+              <a:t>设计</a:t>
+            </a:r>
+          </a:p>
+        </p:txBody>
+      </p:sp>
+      <p:sp>
+        <p:nvSpPr>
+          <p:cNvPr id="5" name="Pentagon 6_1">
+            <a:extLst>
+              <a:ext uri="{FF2B5EF4-FFF2-40B4-BE49-F238E27FC236}">
+                <a16:creationId xmlns:a16="http://schemas.microsoft.com/office/drawing/2014/main" id="{B2DEA907-69CA-1F7C-0719-3B1C4B3D0485}"/>
+              </a:ext>
+            </a:extLst>
+          </p:cNvPr>
+          <p:cNvSpPr/>
+          <p:nvPr/>
+        </p:nvSpPr>
+        <p:spPr>
+          <a:xfrm>
+            <a:off x="-1" y="531656"/>
+            <a:ext cx="1926771" cy="701648"/>
+          </a:xfrm>
+          <a:prstGeom prst="homePlate">
+            <a:avLst/>
+          </a:prstGeom>
+          <a:solidFill>
+            <a:srgbClr val="FADE40"/>
+          </a:solidFill>
+          <a:ln>
+            <a:noFill/>
+          </a:ln>
+        </p:spPr>
+        <p:style>
+          <a:lnRef idx="2">
+            <a:schemeClr val="accent1">
+              <a:shade val="50000"/>
+            </a:schemeClr>
+          </a:lnRef>
+          <a:fillRef idx="1">
+            <a:schemeClr val="accent1"/>
+          </a:fillRef>
+          <a:effectRef idx="0">
+            <a:schemeClr val="accent1"/>
+          </a:effectRef>
+          <a:fontRef idx="minor">
+            <a:schemeClr val="lt1"/>
+          </a:fontRef>
+        </p:style>
+        <p:txBody>
+          <a:bodyPr rtlCol="0" anchor="ctr"/>
+          <a:lstStyle/>
+          <a:p>
+            <a:pPr algn="ctr"/>
+            <a:endParaRPr lang="zh-CN" altLang="en-US"/>
+          </a:p>
+        </p:txBody>
+      </p:sp>
+      <p:sp>
+        <p:nvSpPr>
+          <p:cNvPr id="6" name="文本框 5">
+            <a:extLst>
+              <a:ext uri="{FF2B5EF4-FFF2-40B4-BE49-F238E27FC236}">
+                <a16:creationId xmlns:a16="http://schemas.microsoft.com/office/drawing/2014/main" id="{EEA72AD3-AE04-AC91-8BBE-AEC989717A4D}"/>
+              </a:ext>
+            </a:extLst>
+          </p:cNvPr>
+          <p:cNvSpPr txBox="1"/>
+          <p:nvPr/>
+        </p:nvSpPr>
+        <p:spPr>
+          <a:xfrm>
+            <a:off x="42821" y="590091"/>
+            <a:ext cx="1595479" cy="584775"/>
+          </a:xfrm>
+          <a:prstGeom prst="rect">
+            <a:avLst/>
+          </a:prstGeom>
+          <a:noFill/>
+        </p:spPr>
+        <p:txBody>
+          <a:bodyPr wrap="square" rtlCol="0">
+            <a:spAutoFit/>
+          </a:bodyPr>
+          <a:lstStyle/>
+          <a:p>
+            <a:pPr algn="dist"/>
+            <a:r>
+              <a:rPr lang="en-US" altLang="zh-CN" sz="1600" b="1" dirty="0">
+                <a:solidFill>
+                  <a:srgbClr val="C00000"/>
+                </a:solidFill>
+                <a:latin typeface="Times New Roman" panose="02020603050405020304" pitchFamily="18" charset="0"/>
+                <a:ea typeface="思源黑体 CN Medium" panose="020B0600000000000000" pitchFamily="34" charset="-122"/>
+                <a:cs typeface="Times New Roman" panose="02020603050405020304" pitchFamily="18" charset="0"/>
+                <a:sym typeface="Arial" panose="020B0604020202020204" pitchFamily="34" charset="0"/>
+              </a:rPr>
+              <a:t>Compression</a:t>
+            </a:r>
+          </a:p>
+          <a:p>
+            <a:pPr algn="dist"/>
+            <a:r>
+              <a:rPr lang="en-US" altLang="zh-CN" sz="1600" b="1" dirty="0">
+                <a:solidFill>
+                  <a:srgbClr val="C00000"/>
+                </a:solidFill>
+                <a:latin typeface="Times New Roman" panose="02020603050405020304" pitchFamily="18" charset="0"/>
+                <a:ea typeface="思源黑体 CN Medium" panose="020B0600000000000000" pitchFamily="34" charset="-122"/>
+                <a:cs typeface="Times New Roman" panose="02020603050405020304" pitchFamily="18" charset="0"/>
+                <a:sym typeface="Arial" panose="020B0604020202020204" pitchFamily="34" charset="0"/>
+              </a:rPr>
+              <a:t>of LLMs</a:t>
+            </a:r>
+            <a:endParaRPr lang="zh-CN" altLang="en-US" sz="1600" b="1" dirty="0">
+              <a:solidFill>
+                <a:srgbClr val="C00000"/>
+              </a:solidFill>
+              <a:latin typeface="Times New Roman" panose="02020603050405020304" pitchFamily="18" charset="0"/>
+              <a:ea typeface="思源黑体 CN Medium" panose="020B0600000000000000" pitchFamily="34" charset="-122"/>
+              <a:cs typeface="Times New Roman" panose="02020603050405020304" pitchFamily="18" charset="0"/>
+              <a:sym typeface="Arial" panose="020B0604020202020204" pitchFamily="34" charset="0"/>
+            </a:endParaRPr>
+          </a:p>
+        </p:txBody>
+      </p:sp>
+      <p:sp>
+        <p:nvSpPr>
+          <p:cNvPr id="4" name="文本框 3">
+            <a:extLst>
+              <a:ext uri="{FF2B5EF4-FFF2-40B4-BE49-F238E27FC236}">
+                <a16:creationId xmlns:a16="http://schemas.microsoft.com/office/drawing/2014/main" id="{94F0B87A-0FB2-E908-C7F1-E170024FAAD8}"/>
+              </a:ext>
+            </a:extLst>
+          </p:cNvPr>
+          <p:cNvSpPr txBox="1"/>
+          <p:nvPr/>
+        </p:nvSpPr>
+        <p:spPr>
+          <a:xfrm>
+            <a:off x="840559" y="1531296"/>
+            <a:ext cx="5255440" cy="4860433"/>
+          </a:xfrm>
+          <a:prstGeom prst="rect">
+            <a:avLst/>
+          </a:prstGeom>
+          <a:noFill/>
+        </p:spPr>
+        <p:txBody>
+          <a:bodyPr wrap="square" rtlCol="0">
+            <a:spAutoFit/>
+          </a:bodyPr>
+          <a:lstStyle/>
+          <a:p>
+            <a:pPr algn="just">
+              <a:lnSpc>
+                <a:spcPct val="150000"/>
+              </a:lnSpc>
+            </a:pPr>
+            <a:r>
+              <a:rPr lang="en-US" altLang="zh-CN" sz="1600" b="1" dirty="0">
+                <a:solidFill>
+                  <a:srgbClr val="263C88"/>
+                </a:solidFill>
+                <a:latin typeface="思源黑体 CN Heavy"/>
+                <a:ea typeface="思源黑体 CN Medium" panose="020B0600000000000000"/>
+                <a:cs typeface="Times New Roman" panose="02020603050405020304" pitchFamily="18" charset="0"/>
+              </a:rPr>
+              <a:t>Advantages of low-rank approximation</a:t>
+            </a:r>
+            <a:endParaRPr lang="en-US" altLang="zh-CN" sz="1200" b="1" dirty="0">
+              <a:solidFill>
+                <a:srgbClr val="263C88"/>
+              </a:solidFill>
+              <a:latin typeface="思源黑体 CN Heavy"/>
+              <a:ea typeface="思源黑体 CN Medium" panose="020B0600000000000000"/>
+              <a:cs typeface="Times New Roman" panose="02020603050405020304" pitchFamily="18" charset="0"/>
+            </a:endParaRPr>
+          </a:p>
+          <a:p>
+            <a:pPr marL="342900" indent="-342900" algn="just">
+              <a:lnSpc>
+                <a:spcPct val="150000"/>
+              </a:lnSpc>
+              <a:buFont typeface="Arial" panose="020B0604020202020204" pitchFamily="34" charset="0"/>
+              <a:buChar char="•"/>
+            </a:pPr>
+            <a:r>
+              <a:rPr lang="en-US" altLang="zh-CN" sz="1200" dirty="0">
+                <a:latin typeface="Times New Roman" panose="02020603050405020304" pitchFamily="18" charset="0"/>
+                <a:ea typeface="思源黑体 CN Medium" panose="020B0600000000000000"/>
+                <a:cs typeface="Times New Roman" panose="02020603050405020304" pitchFamily="18" charset="0"/>
+              </a:rPr>
+              <a:t>Has been proved to work in PEFT: LoRA.</a:t>
+            </a:r>
+          </a:p>
+          <a:p>
+            <a:pPr marL="342900" indent="-342900" algn="just">
+              <a:lnSpc>
+                <a:spcPct val="150000"/>
+              </a:lnSpc>
+              <a:buFont typeface="Arial" panose="020B0604020202020204" pitchFamily="34" charset="0"/>
+              <a:buChar char="•"/>
+            </a:pPr>
+            <a:endParaRPr lang="en-US" altLang="zh-CN" sz="1200" dirty="0">
+              <a:latin typeface="Times New Roman" panose="02020603050405020304" pitchFamily="18" charset="0"/>
+              <a:ea typeface="思源黑体 CN Medium" panose="020B0600000000000000"/>
+              <a:cs typeface="Times New Roman" panose="02020603050405020304" pitchFamily="18" charset="0"/>
+            </a:endParaRPr>
+          </a:p>
+          <a:p>
+            <a:pPr marL="342900" indent="-342900" algn="just">
+              <a:lnSpc>
+                <a:spcPct val="150000"/>
+              </a:lnSpc>
+              <a:buFont typeface="Arial" panose="020B0604020202020204" pitchFamily="34" charset="0"/>
+              <a:buChar char="•"/>
+            </a:pPr>
+            <a:r>
+              <a:rPr lang="en-US" altLang="zh-CN" sz="1200" dirty="0">
+                <a:latin typeface="Times New Roman" panose="02020603050405020304" pitchFamily="18" charset="0"/>
+                <a:ea typeface="思源黑体 CN Medium" panose="020B0600000000000000"/>
+                <a:cs typeface="Times New Roman" panose="02020603050405020304" pitchFamily="18" charset="0"/>
+              </a:rPr>
+              <a:t>Theoretically, features are approximately presented instead of being discarded, aligning with the well working methods like quantization and UP. </a:t>
+            </a:r>
+          </a:p>
+          <a:p>
+            <a:pPr marL="342900" indent="-342900" algn="just">
+              <a:lnSpc>
+                <a:spcPct val="150000"/>
+              </a:lnSpc>
+              <a:buFont typeface="Arial" panose="020B0604020202020204" pitchFamily="34" charset="0"/>
+              <a:buChar char="•"/>
+            </a:pPr>
+            <a:endParaRPr lang="en-US" altLang="zh-CN" sz="1200" dirty="0">
+              <a:latin typeface="Times New Roman" panose="02020603050405020304" pitchFamily="18" charset="0"/>
+              <a:ea typeface="思源黑体 CN Medium" panose="020B0600000000000000"/>
+              <a:cs typeface="Times New Roman" panose="02020603050405020304" pitchFamily="18" charset="0"/>
+            </a:endParaRPr>
+          </a:p>
+          <a:p>
+            <a:pPr marL="342900" indent="-342900" algn="just">
+              <a:lnSpc>
+                <a:spcPct val="150000"/>
+              </a:lnSpc>
+              <a:buFont typeface="Arial" panose="020B0604020202020204" pitchFamily="34" charset="0"/>
+              <a:buChar char="•"/>
+            </a:pPr>
+            <a:r>
+              <a:rPr lang="en-US" altLang="zh-CN" sz="1200" dirty="0">
+                <a:latin typeface="Times New Roman" panose="02020603050405020304" pitchFamily="18" charset="0"/>
+                <a:ea typeface="思源黑体 CN Medium" panose="020B0600000000000000"/>
+                <a:cs typeface="Times New Roman" panose="02020603050405020304" pitchFamily="18" charset="0"/>
+              </a:rPr>
+              <a:t>More general compared with KD, which is sensitive to hyperparameter choices and training tricks.</a:t>
+            </a:r>
+          </a:p>
+          <a:p>
+            <a:pPr marL="342900" indent="-342900" algn="just">
+              <a:lnSpc>
+                <a:spcPct val="150000"/>
+              </a:lnSpc>
+              <a:buFont typeface="Arial" panose="020B0604020202020204" pitchFamily="34" charset="0"/>
+              <a:buChar char="•"/>
+            </a:pPr>
+            <a:endParaRPr lang="en-US" altLang="zh-CN" sz="1200" b="1" dirty="0">
+              <a:latin typeface="Times New Roman" panose="02020603050405020304" pitchFamily="18" charset="0"/>
+              <a:ea typeface="思源黑体 CN Medium" panose="020B0600000000000000"/>
+              <a:cs typeface="Times New Roman" panose="02020603050405020304" pitchFamily="18" charset="0"/>
+            </a:endParaRPr>
+          </a:p>
+          <a:p>
+            <a:pPr marL="342900" indent="-342900" algn="just">
+              <a:lnSpc>
+                <a:spcPct val="150000"/>
+              </a:lnSpc>
+              <a:buFont typeface="Arial" panose="020B0604020202020204" pitchFamily="34" charset="0"/>
+              <a:buChar char="•"/>
+            </a:pPr>
+            <a:r>
+              <a:rPr lang="en-US" altLang="zh-CN" sz="1200" dirty="0">
+                <a:latin typeface="Times New Roman" panose="02020603050405020304" pitchFamily="18" charset="0"/>
+                <a:ea typeface="思源黑体 CN Medium" panose="020B0600000000000000"/>
+                <a:cs typeface="Times New Roman" panose="02020603050405020304" pitchFamily="18" charset="0"/>
+              </a:rPr>
+              <a:t>Overcome the</a:t>
+            </a:r>
+            <a:r>
+              <a:rPr lang="zh-CN" altLang="en-US" sz="1200" dirty="0">
+                <a:latin typeface="Times New Roman" panose="02020603050405020304" pitchFamily="18" charset="0"/>
+                <a:ea typeface="思源黑体 CN Medium" panose="020B0600000000000000"/>
+                <a:cs typeface="Times New Roman" panose="02020603050405020304" pitchFamily="18" charset="0"/>
+              </a:rPr>
+              <a:t> </a:t>
+            </a:r>
+            <a:r>
+              <a:rPr lang="en-US" altLang="zh-CN" sz="1200" dirty="0">
+                <a:latin typeface="Times New Roman" panose="02020603050405020304" pitchFamily="18" charset="0"/>
+                <a:ea typeface="思源黑体 CN Medium" panose="020B0600000000000000"/>
+                <a:cs typeface="Times New Roman" panose="02020603050405020304" pitchFamily="18" charset="0"/>
+              </a:rPr>
+              <a:t>weakness of UP: supports from framework and hardware.</a:t>
+            </a:r>
+          </a:p>
+          <a:p>
+            <a:pPr marL="342900" indent="-342900" algn="just">
+              <a:lnSpc>
+                <a:spcPct val="150000"/>
+              </a:lnSpc>
+              <a:buFont typeface="Arial" panose="020B0604020202020204" pitchFamily="34" charset="0"/>
+              <a:buChar char="•"/>
+            </a:pPr>
+            <a:endParaRPr lang="en-US" altLang="zh-CN" sz="1200" dirty="0">
+              <a:latin typeface="Times New Roman" panose="02020603050405020304" pitchFamily="18" charset="0"/>
+              <a:ea typeface="思源黑体 CN Medium" panose="020B0600000000000000"/>
+              <a:cs typeface="Times New Roman" panose="02020603050405020304" pitchFamily="18" charset="0"/>
+            </a:endParaRPr>
+          </a:p>
+          <a:p>
+            <a:pPr marL="342900" indent="-342900" algn="just">
+              <a:lnSpc>
+                <a:spcPct val="150000"/>
+              </a:lnSpc>
+              <a:buFont typeface="Arial" panose="020B0604020202020204" pitchFamily="34" charset="0"/>
+              <a:buChar char="•"/>
+            </a:pPr>
+            <a:r>
+              <a:rPr lang="en-US" altLang="zh-CN" sz="1200" dirty="0">
+                <a:latin typeface="Times New Roman" panose="02020603050405020304" pitchFamily="18" charset="0"/>
+                <a:ea typeface="思源黑体 CN Medium" panose="020B0600000000000000"/>
+                <a:cs typeface="Times New Roman" panose="02020603050405020304" pitchFamily="18" charset="0"/>
+              </a:rPr>
+              <a:t>When doing further clips that are lower than int4, quantization meets a significant drop in performance. It is also not quite practically useful because most devices do not support int4, so it will only benefit memory and IO costs.</a:t>
+            </a:r>
+          </a:p>
+          <a:p>
+            <a:pPr marL="342900" indent="-342900" algn="just">
+              <a:lnSpc>
+                <a:spcPct val="150000"/>
+              </a:lnSpc>
+              <a:buFont typeface="Arial" panose="020B0604020202020204" pitchFamily="34" charset="0"/>
+              <a:buChar char="•"/>
+            </a:pPr>
+            <a:endParaRPr lang="en-US" altLang="zh-CN" sz="1200" dirty="0">
+              <a:latin typeface="Times New Roman" panose="02020603050405020304" pitchFamily="18" charset="0"/>
+              <a:ea typeface="思源黑体 CN Medium" panose="020B0600000000000000"/>
+              <a:cs typeface="Times New Roman" panose="02020603050405020304" pitchFamily="18" charset="0"/>
+            </a:endParaRPr>
+          </a:p>
+          <a:p>
+            <a:pPr marL="342900" indent="-342900" algn="just">
+              <a:lnSpc>
+                <a:spcPct val="150000"/>
+              </a:lnSpc>
+              <a:buFont typeface="Arial" panose="020B0604020202020204" pitchFamily="34" charset="0"/>
+              <a:buChar char="•"/>
+            </a:pPr>
+            <a:r>
+              <a:rPr lang="en-US" altLang="zh-CN" sz="1200" dirty="0">
+                <a:latin typeface="Times New Roman" panose="02020603050405020304" pitchFamily="18" charset="0"/>
+                <a:ea typeface="思源黑体 CN Medium" panose="020B0600000000000000"/>
+                <a:cs typeface="Times New Roman" panose="02020603050405020304" pitchFamily="18" charset="0"/>
+              </a:rPr>
+              <a:t>Comparing with medium models (&lt;1B), the large one may care less about those noise produced after  approximation.</a:t>
+            </a:r>
+          </a:p>
+        </p:txBody>
+      </p:sp>
+      <p:pic>
+        <p:nvPicPr>
+          <p:cNvPr id="2" name="图片 1" descr="猫站在雪地里摆拍&#10;&#10;中度可信度描述已自动生成">
+            <a:extLst>
+              <a:ext uri="{FF2B5EF4-FFF2-40B4-BE49-F238E27FC236}">
+                <a16:creationId xmlns:a16="http://schemas.microsoft.com/office/drawing/2014/main" id="{387D369D-2BE3-5FC7-C5C4-D248D7C04F24}"/>
+              </a:ext>
+            </a:extLst>
+          </p:cNvPr>
+          <p:cNvPicPr>
+            <a:picLocks noChangeAspect="1"/>
+          </p:cNvPicPr>
+          <p:nvPr/>
+        </p:nvPicPr>
+        <p:blipFill>
+          <a:blip r:embed="rId3" cstate="print">
+            <a:extLst>
+              <a:ext uri="{28A0092B-C50C-407E-A947-70E740481C1C}">
+                <a14:useLocalDpi xmlns:a14="http://schemas.microsoft.com/office/drawing/2010/main" val="0"/>
+              </a:ext>
+            </a:extLst>
+          </a:blip>
+          <a:stretch>
+            <a:fillRect/>
+          </a:stretch>
+        </p:blipFill>
+        <p:spPr>
+          <a:xfrm>
+            <a:off x="8530056" y="80093"/>
+            <a:ext cx="1626245" cy="1626245"/>
+          </a:xfrm>
+          <a:prstGeom prst="rect">
+            <a:avLst/>
+          </a:prstGeom>
+        </p:spPr>
+      </p:pic>
+      <p:pic>
+        <p:nvPicPr>
+          <p:cNvPr id="3" name="图片 2" descr="卡通人物&#10;&#10;低可信度描述已自动生成">
+            <a:extLst>
+              <a:ext uri="{FF2B5EF4-FFF2-40B4-BE49-F238E27FC236}">
+                <a16:creationId xmlns:a16="http://schemas.microsoft.com/office/drawing/2014/main" id="{4AB799B2-C999-1CAA-A98D-FBB1274AFC51}"/>
+              </a:ext>
+            </a:extLst>
+          </p:cNvPr>
+          <p:cNvPicPr>
+            <a:picLocks noChangeAspect="1"/>
+          </p:cNvPicPr>
+          <p:nvPr/>
+        </p:nvPicPr>
+        <p:blipFill>
+          <a:blip r:embed="rId4" cstate="print">
+            <a:extLst>
+              <a:ext uri="{28A0092B-C50C-407E-A947-70E740481C1C}">
+                <a14:useLocalDpi xmlns:a14="http://schemas.microsoft.com/office/drawing/2010/main" val="0"/>
+              </a:ext>
+            </a:extLst>
+          </a:blip>
+          <a:stretch>
+            <a:fillRect/>
+          </a:stretch>
+        </p:blipFill>
+        <p:spPr>
+          <a:xfrm>
+            <a:off x="8530057" y="1976473"/>
+            <a:ext cx="1626244" cy="1626244"/>
+          </a:xfrm>
+          <a:prstGeom prst="rect">
+            <a:avLst/>
+          </a:prstGeom>
+        </p:spPr>
+      </p:pic>
+      <p:pic>
+        <p:nvPicPr>
+          <p:cNvPr id="7" name="图片 6" descr="白猫&#10;&#10;描述已自动生成">
+            <a:extLst>
+              <a:ext uri="{FF2B5EF4-FFF2-40B4-BE49-F238E27FC236}">
+                <a16:creationId xmlns:a16="http://schemas.microsoft.com/office/drawing/2014/main" id="{E2DD6997-18F6-5C53-91BC-6A5A10980FE5}"/>
+              </a:ext>
+            </a:extLst>
+          </p:cNvPr>
+          <p:cNvPicPr>
+            <a:picLocks noChangeAspect="1"/>
+          </p:cNvPicPr>
+          <p:nvPr/>
+        </p:nvPicPr>
+        <p:blipFill>
+          <a:blip r:embed="rId5" cstate="print">
+            <a:extLst>
+              <a:ext uri="{28A0092B-C50C-407E-A947-70E740481C1C}">
+                <a14:useLocalDpi xmlns:a14="http://schemas.microsoft.com/office/drawing/2010/main" val="0"/>
+              </a:ext>
+            </a:extLst>
+          </a:blip>
+          <a:stretch>
+            <a:fillRect/>
+          </a:stretch>
+        </p:blipFill>
+        <p:spPr>
+          <a:xfrm>
+            <a:off x="6394045" y="2986267"/>
+            <a:ext cx="1626243" cy="1626243"/>
+          </a:xfrm>
+          <a:prstGeom prst="rect">
+            <a:avLst/>
+          </a:prstGeom>
+        </p:spPr>
+      </p:pic>
+      <p:pic>
+        <p:nvPicPr>
+          <p:cNvPr id="8" name="图片 7" descr="白猫&#10;&#10;描述已自动生成">
+            <a:extLst>
+              <a:ext uri="{FF2B5EF4-FFF2-40B4-BE49-F238E27FC236}">
+                <a16:creationId xmlns:a16="http://schemas.microsoft.com/office/drawing/2014/main" id="{F5478AD7-E9B3-B527-EC02-A04E8E44B64B}"/>
+              </a:ext>
+            </a:extLst>
+          </p:cNvPr>
+          <p:cNvPicPr>
+            <a:picLocks noChangeAspect="1"/>
+          </p:cNvPicPr>
+          <p:nvPr/>
+        </p:nvPicPr>
+        <p:blipFill rotWithShape="1">
+          <a:blip r:embed="rId6" cstate="print">
+            <a:extLst>
+              <a:ext uri="{28A0092B-C50C-407E-A947-70E740481C1C}">
+                <a14:useLocalDpi xmlns:a14="http://schemas.microsoft.com/office/drawing/2010/main" val="0"/>
+              </a:ext>
+            </a:extLst>
+          </a:blip>
+          <a:srcRect l="15599" t="13154" r="24008" b="26453"/>
+          <a:stretch/>
+        </p:blipFill>
+        <p:spPr>
+          <a:xfrm>
+            <a:off x="8876814" y="3872852"/>
+            <a:ext cx="932730" cy="932729"/>
+          </a:xfrm>
+          <a:prstGeom prst="rect">
+            <a:avLst/>
+          </a:prstGeom>
+        </p:spPr>
+      </p:pic>
+      <p:pic>
+        <p:nvPicPr>
+          <p:cNvPr id="10" name="图片 9" descr="穿粉色衣服的猫&#10;&#10;低可信度描述已自动生成">
+            <a:extLst>
+              <a:ext uri="{FF2B5EF4-FFF2-40B4-BE49-F238E27FC236}">
+                <a16:creationId xmlns:a16="http://schemas.microsoft.com/office/drawing/2014/main" id="{69028C20-CFF0-5DA7-14C0-C5F52EADC39E}"/>
+              </a:ext>
+            </a:extLst>
+          </p:cNvPr>
+          <p:cNvPicPr>
+            <a:picLocks noChangeAspect="1"/>
+          </p:cNvPicPr>
+          <p:nvPr/>
+        </p:nvPicPr>
+        <p:blipFill>
+          <a:blip r:embed="rId7" cstate="print">
+            <a:extLst>
+              <a:ext uri="{28A0092B-C50C-407E-A947-70E740481C1C}">
+                <a14:useLocalDpi xmlns:a14="http://schemas.microsoft.com/office/drawing/2010/main" val="0"/>
+              </a:ext>
+            </a:extLst>
+          </a:blip>
+          <a:stretch>
+            <a:fillRect/>
+          </a:stretch>
+        </p:blipFill>
+        <p:spPr>
+          <a:xfrm>
+            <a:off x="8530057" y="5168310"/>
+            <a:ext cx="1626244" cy="1626244"/>
+          </a:xfrm>
+          <a:prstGeom prst="rect">
+            <a:avLst/>
+          </a:prstGeom>
+        </p:spPr>
+      </p:pic>
+      <p:pic>
+        <p:nvPicPr>
+          <p:cNvPr id="12" name="图片 11" descr="形状&#10;&#10;低可信度描述已自动生成">
+            <a:extLst>
+              <a:ext uri="{FF2B5EF4-FFF2-40B4-BE49-F238E27FC236}">
+                <a16:creationId xmlns:a16="http://schemas.microsoft.com/office/drawing/2014/main" id="{B13CC8C8-EC40-6870-A268-FDE3B2A42220}"/>
+              </a:ext>
+            </a:extLst>
+          </p:cNvPr>
+          <p:cNvPicPr>
+            <a:picLocks noChangeAspect="1"/>
+          </p:cNvPicPr>
+          <p:nvPr/>
+        </p:nvPicPr>
+        <p:blipFill>
+          <a:blip r:embed="rId8" cstate="print">
+            <a:extLst>
+              <a:ext uri="{28A0092B-C50C-407E-A947-70E740481C1C}">
+                <a14:useLocalDpi xmlns:a14="http://schemas.microsoft.com/office/drawing/2010/main" val="0"/>
+              </a:ext>
+            </a:extLst>
+          </a:blip>
+          <a:stretch>
+            <a:fillRect/>
+          </a:stretch>
+        </p:blipFill>
+        <p:spPr>
+          <a:xfrm>
+            <a:off x="8334056" y="5176649"/>
+            <a:ext cx="203523" cy="1628179"/>
+          </a:xfrm>
+          <a:prstGeom prst="rect">
+            <a:avLst/>
+          </a:prstGeom>
+        </p:spPr>
+      </p:pic>
+      <p:pic>
+        <p:nvPicPr>
+          <p:cNvPr id="14" name="图片 13" descr="绿色的叶子&#10;&#10;低可信度描述已自动生成">
+            <a:extLst>
+              <a:ext uri="{FF2B5EF4-FFF2-40B4-BE49-F238E27FC236}">
+                <a16:creationId xmlns:a16="http://schemas.microsoft.com/office/drawing/2014/main" id="{393061D3-05AA-465F-B763-2515591E6104}"/>
+              </a:ext>
+            </a:extLst>
+          </p:cNvPr>
+          <p:cNvPicPr>
+            <a:picLocks noChangeAspect="1"/>
+          </p:cNvPicPr>
+          <p:nvPr/>
+        </p:nvPicPr>
+        <p:blipFill>
+          <a:blip r:embed="rId9" cstate="print">
+            <a:extLst>
+              <a:ext uri="{28A0092B-C50C-407E-A947-70E740481C1C}">
+                <a14:useLocalDpi xmlns:a14="http://schemas.microsoft.com/office/drawing/2010/main" val="0"/>
+              </a:ext>
+            </a:extLst>
+          </a:blip>
+          <a:stretch>
+            <a:fillRect/>
+          </a:stretch>
+        </p:blipFill>
+        <p:spPr>
+          <a:xfrm>
+            <a:off x="8537579" y="4963185"/>
+            <a:ext cx="1618722" cy="202340"/>
+          </a:xfrm>
+          <a:prstGeom prst="rect">
+            <a:avLst/>
+          </a:prstGeom>
+        </p:spPr>
+      </p:pic>
+      <p:sp>
+        <p:nvSpPr>
+          <p:cNvPr id="16" name="文本框 15">
+            <a:extLst>
+              <a:ext uri="{FF2B5EF4-FFF2-40B4-BE49-F238E27FC236}">
+                <a16:creationId xmlns:a16="http://schemas.microsoft.com/office/drawing/2014/main" id="{020088E9-CB55-4CF0-BEE7-2F94D210E174}"/>
+              </a:ext>
+            </a:extLst>
+          </p:cNvPr>
+          <p:cNvSpPr txBox="1"/>
+          <p:nvPr/>
+        </p:nvSpPr>
+        <p:spPr>
+          <a:xfrm>
+            <a:off x="10388278" y="751673"/>
+            <a:ext cx="910827" cy="261610"/>
+          </a:xfrm>
+          <a:prstGeom prst="rect">
+            <a:avLst/>
+          </a:prstGeom>
+          <a:noFill/>
+        </p:spPr>
+        <p:txBody>
+          <a:bodyPr wrap="none" rtlCol="0">
+            <a:spAutoFit/>
+          </a:bodyPr>
+          <a:lstStyle/>
+          <a:p>
+            <a:r>
+              <a:rPr lang="en-US" altLang="zh-CN" sz="1100" dirty="0">
+                <a:latin typeface="Times New Roman" panose="02020603050405020304" pitchFamily="18" charset="0"/>
+                <a:cs typeface="Times New Roman" panose="02020603050405020304" pitchFamily="18" charset="0"/>
+              </a:rPr>
+              <a:t>Quantization</a:t>
+            </a:r>
+            <a:endParaRPr lang="zh-CN" altLang="en-US" sz="1100" dirty="0">
+              <a:latin typeface="Times New Roman" panose="02020603050405020304" pitchFamily="18" charset="0"/>
+              <a:cs typeface="Times New Roman" panose="02020603050405020304" pitchFamily="18" charset="0"/>
+            </a:endParaRPr>
+          </a:p>
+        </p:txBody>
+      </p:sp>
+      <p:sp>
+        <p:nvSpPr>
+          <p:cNvPr id="17" name="文本框 16">
+            <a:extLst>
+              <a:ext uri="{FF2B5EF4-FFF2-40B4-BE49-F238E27FC236}">
+                <a16:creationId xmlns:a16="http://schemas.microsoft.com/office/drawing/2014/main" id="{3EEF3A93-68E5-21AB-14D3-8F1B80A8180B}"/>
+              </a:ext>
+            </a:extLst>
+          </p:cNvPr>
+          <p:cNvSpPr txBox="1"/>
+          <p:nvPr/>
+        </p:nvSpPr>
+        <p:spPr>
+          <a:xfrm>
+            <a:off x="10388277" y="2651095"/>
+            <a:ext cx="1399742" cy="261610"/>
+          </a:xfrm>
+          <a:prstGeom prst="rect">
+            <a:avLst/>
+          </a:prstGeom>
+          <a:noFill/>
+        </p:spPr>
+        <p:txBody>
+          <a:bodyPr wrap="none" rtlCol="0">
+            <a:spAutoFit/>
+          </a:bodyPr>
+          <a:lstStyle/>
+          <a:p>
+            <a:r>
+              <a:rPr lang="en-US" altLang="zh-CN" sz="1100" dirty="0">
+                <a:latin typeface="Times New Roman" panose="02020603050405020304" pitchFamily="18" charset="0"/>
+                <a:cs typeface="Times New Roman" panose="02020603050405020304" pitchFamily="18" charset="0"/>
+              </a:rPr>
+              <a:t>Unstructured Pruning</a:t>
+            </a:r>
+            <a:endParaRPr lang="zh-CN" altLang="en-US" sz="1100" dirty="0">
+              <a:latin typeface="Times New Roman" panose="02020603050405020304" pitchFamily="18" charset="0"/>
+              <a:cs typeface="Times New Roman" panose="02020603050405020304" pitchFamily="18" charset="0"/>
+            </a:endParaRPr>
+          </a:p>
+        </p:txBody>
+      </p:sp>
+      <p:sp>
+        <p:nvSpPr>
+          <p:cNvPr id="18" name="文本框 17">
+            <a:extLst>
+              <a:ext uri="{FF2B5EF4-FFF2-40B4-BE49-F238E27FC236}">
+                <a16:creationId xmlns:a16="http://schemas.microsoft.com/office/drawing/2014/main" id="{3E1A15D9-F09D-45BF-7F6F-3507E3D80C5C}"/>
+              </a:ext>
+            </a:extLst>
+          </p:cNvPr>
+          <p:cNvSpPr txBox="1"/>
+          <p:nvPr/>
+        </p:nvSpPr>
+        <p:spPr>
+          <a:xfrm>
+            <a:off x="10376789" y="4103621"/>
+            <a:ext cx="1635384" cy="261610"/>
+          </a:xfrm>
+          <a:prstGeom prst="rect">
+            <a:avLst/>
+          </a:prstGeom>
+          <a:noFill/>
+        </p:spPr>
+        <p:txBody>
+          <a:bodyPr wrap="none" rtlCol="0">
+            <a:spAutoFit/>
+          </a:bodyPr>
+          <a:lstStyle/>
+          <a:p>
+            <a:r>
+              <a:rPr lang="en-US" altLang="zh-CN" sz="1100" dirty="0">
+                <a:latin typeface="Times New Roman" panose="02020603050405020304" pitchFamily="18" charset="0"/>
+                <a:cs typeface="Times New Roman" panose="02020603050405020304" pitchFamily="18" charset="0"/>
+              </a:rPr>
+              <a:t>Structured Pruning &amp; KD</a:t>
+            </a:r>
+            <a:endParaRPr lang="zh-CN" altLang="en-US" sz="1100" dirty="0">
+              <a:latin typeface="Times New Roman" panose="02020603050405020304" pitchFamily="18" charset="0"/>
+              <a:cs typeface="Times New Roman" panose="02020603050405020304" pitchFamily="18" charset="0"/>
+            </a:endParaRPr>
+          </a:p>
+        </p:txBody>
+      </p:sp>
+      <p:sp>
+        <p:nvSpPr>
+          <p:cNvPr id="19" name="文本框 18">
+            <a:extLst>
+              <a:ext uri="{FF2B5EF4-FFF2-40B4-BE49-F238E27FC236}">
+                <a16:creationId xmlns:a16="http://schemas.microsoft.com/office/drawing/2014/main" id="{4EA0E838-5323-B968-CA02-C67A52A10588}"/>
+              </a:ext>
+            </a:extLst>
+          </p:cNvPr>
+          <p:cNvSpPr txBox="1"/>
+          <p:nvPr/>
+        </p:nvSpPr>
+        <p:spPr>
+          <a:xfrm>
+            <a:off x="10376789" y="5791825"/>
+            <a:ext cx="1635384" cy="261610"/>
+          </a:xfrm>
+          <a:prstGeom prst="rect">
+            <a:avLst/>
+          </a:prstGeom>
+          <a:noFill/>
+        </p:spPr>
+        <p:txBody>
+          <a:bodyPr wrap="none" rtlCol="0">
+            <a:spAutoFit/>
+          </a:bodyPr>
+          <a:lstStyle/>
+          <a:p>
+            <a:r>
+              <a:rPr lang="en-US" altLang="zh-CN" sz="1100" dirty="0">
+                <a:latin typeface="Times New Roman" panose="02020603050405020304" pitchFamily="18" charset="0"/>
+                <a:cs typeface="Times New Roman" panose="02020603050405020304" pitchFamily="18" charset="0"/>
+              </a:rPr>
+              <a:t>Low-rank Approximation</a:t>
+            </a:r>
+            <a:endParaRPr lang="zh-CN" altLang="en-US" sz="1100" dirty="0">
+              <a:latin typeface="Times New Roman" panose="02020603050405020304" pitchFamily="18" charset="0"/>
+              <a:cs typeface="Times New Roman" panose="02020603050405020304" pitchFamily="18" charset="0"/>
+            </a:endParaRPr>
+          </a:p>
+        </p:txBody>
+      </p:sp>
+      <p:sp>
+        <p:nvSpPr>
+          <p:cNvPr id="20" name="左大括号 19">
+            <a:extLst>
+              <a:ext uri="{FF2B5EF4-FFF2-40B4-BE49-F238E27FC236}">
+                <a16:creationId xmlns:a16="http://schemas.microsoft.com/office/drawing/2014/main" id="{2AF3CC27-0B66-EE77-B406-3065DA90B1F9}"/>
+              </a:ext>
+            </a:extLst>
+          </p:cNvPr>
+          <p:cNvSpPr/>
+          <p:nvPr/>
+        </p:nvSpPr>
+        <p:spPr>
+          <a:xfrm rot="16200000">
+            <a:off x="7114512" y="3896483"/>
+            <a:ext cx="185308" cy="1626243"/>
+          </a:xfrm>
+          <a:prstGeom prst="leftBrace">
+            <a:avLst/>
+          </a:prstGeom>
+        </p:spPr>
+        <p:style>
+          <a:lnRef idx="1">
+            <a:schemeClr val="accent1"/>
+          </a:lnRef>
+          <a:fillRef idx="0">
+            <a:schemeClr val="accent1"/>
+          </a:fillRef>
+          <a:effectRef idx="0">
+            <a:schemeClr val="accent1"/>
+          </a:effectRef>
+          <a:fontRef idx="minor">
+            <a:schemeClr val="tx1"/>
+          </a:fontRef>
+        </p:style>
+        <p:txBody>
+          <a:bodyPr rtlCol="0" anchor="ctr"/>
+          <a:lstStyle/>
+          <a:p>
+            <a:pPr algn="ctr"/>
+            <a:endParaRPr lang="zh-CN" altLang="en-US" dirty="0"/>
+          </a:p>
+        </p:txBody>
+      </p:sp>
+      <p:sp>
+        <p:nvSpPr>
+          <p:cNvPr id="21" name="文本框 20">
+            <a:extLst>
+              <a:ext uri="{FF2B5EF4-FFF2-40B4-BE49-F238E27FC236}">
+                <a16:creationId xmlns:a16="http://schemas.microsoft.com/office/drawing/2014/main" id="{7B72B674-255A-B866-2770-3E095F560061}"/>
+              </a:ext>
+            </a:extLst>
+          </p:cNvPr>
+          <p:cNvSpPr txBox="1"/>
+          <p:nvPr/>
+        </p:nvSpPr>
+        <p:spPr>
+          <a:xfrm>
+            <a:off x="6973769" y="4735620"/>
+            <a:ext cx="466794" cy="261610"/>
+          </a:xfrm>
+          <a:prstGeom prst="rect">
+            <a:avLst/>
+          </a:prstGeom>
+          <a:noFill/>
+        </p:spPr>
+        <p:txBody>
+          <a:bodyPr wrap="none" rtlCol="0">
+            <a:spAutoFit/>
+          </a:bodyPr>
+          <a:lstStyle/>
+          <a:p>
+            <a:r>
+              <a:rPr lang="en-US" altLang="zh-CN" sz="1050" b="1" dirty="0">
+                <a:latin typeface="Times New Roman" panose="02020603050405020304" pitchFamily="18" charset="0"/>
+                <a:cs typeface="Times New Roman" panose="02020603050405020304" pitchFamily="18" charset="0"/>
+              </a:rPr>
+              <a:t>1024</a:t>
+            </a:r>
+            <a:endParaRPr lang="zh-CN" altLang="en-US" sz="1050" b="1" dirty="0">
+              <a:latin typeface="Times New Roman" panose="02020603050405020304" pitchFamily="18" charset="0"/>
+              <a:cs typeface="Times New Roman" panose="02020603050405020304" pitchFamily="18" charset="0"/>
+            </a:endParaRPr>
+          </a:p>
+        </p:txBody>
+      </p:sp>
+      <p:sp>
+        <p:nvSpPr>
+          <p:cNvPr id="22" name="左大括号 21">
+            <a:extLst>
+              <a:ext uri="{FF2B5EF4-FFF2-40B4-BE49-F238E27FC236}">
+                <a16:creationId xmlns:a16="http://schemas.microsoft.com/office/drawing/2014/main" id="{D7E8A6FD-B95F-C2FD-11A7-D8E3ED37B17C}"/>
+              </a:ext>
+            </a:extLst>
+          </p:cNvPr>
+          <p:cNvSpPr/>
+          <p:nvPr/>
+        </p:nvSpPr>
+        <p:spPr>
+          <a:xfrm rot="5400000">
+            <a:off x="9242009" y="3327686"/>
+            <a:ext cx="202340" cy="932729"/>
+          </a:xfrm>
+          <a:prstGeom prst="leftBrace">
+            <a:avLst/>
+          </a:prstGeom>
+        </p:spPr>
+        <p:style>
+          <a:lnRef idx="1">
+            <a:schemeClr val="accent1"/>
+          </a:lnRef>
+          <a:fillRef idx="0">
+            <a:schemeClr val="accent1"/>
+          </a:fillRef>
+          <a:effectRef idx="0">
+            <a:schemeClr val="accent1"/>
+          </a:effectRef>
+          <a:fontRef idx="minor">
+            <a:schemeClr val="tx1"/>
+          </a:fontRef>
+        </p:style>
+        <p:txBody>
+          <a:bodyPr rtlCol="0" anchor="ctr"/>
+          <a:lstStyle/>
+          <a:p>
+            <a:pPr algn="ctr"/>
+            <a:endParaRPr lang="zh-CN" altLang="en-US" dirty="0"/>
+          </a:p>
+        </p:txBody>
+      </p:sp>
+      <p:sp>
+        <p:nvSpPr>
+          <p:cNvPr id="23" name="文本框 22">
+            <a:extLst>
+              <a:ext uri="{FF2B5EF4-FFF2-40B4-BE49-F238E27FC236}">
+                <a16:creationId xmlns:a16="http://schemas.microsoft.com/office/drawing/2014/main" id="{2E46CCEE-EA67-B0DB-24E5-7421D035CA9B}"/>
+              </a:ext>
+            </a:extLst>
+          </p:cNvPr>
+          <p:cNvSpPr txBox="1"/>
+          <p:nvPr/>
+        </p:nvSpPr>
+        <p:spPr>
+          <a:xfrm>
+            <a:off x="9149856" y="3498379"/>
+            <a:ext cx="386644" cy="253916"/>
+          </a:xfrm>
+          <a:prstGeom prst="rect">
+            <a:avLst/>
+          </a:prstGeom>
+          <a:noFill/>
+        </p:spPr>
+        <p:txBody>
+          <a:bodyPr wrap="none" rtlCol="0">
+            <a:spAutoFit/>
+          </a:bodyPr>
+          <a:lstStyle/>
+          <a:p>
+            <a:r>
+              <a:rPr lang="en-US" altLang="zh-CN" sz="1050" b="1" dirty="0">
+                <a:latin typeface="Times New Roman" panose="02020603050405020304" pitchFamily="18" charset="0"/>
+                <a:cs typeface="Times New Roman" panose="02020603050405020304" pitchFamily="18" charset="0"/>
+              </a:rPr>
+              <a:t>512</a:t>
+            </a:r>
+            <a:endParaRPr lang="zh-CN" altLang="en-US" sz="1050" b="1" dirty="0">
+              <a:latin typeface="Times New Roman" panose="02020603050405020304" pitchFamily="18" charset="0"/>
+              <a:cs typeface="Times New Roman" panose="02020603050405020304" pitchFamily="18" charset="0"/>
+            </a:endParaRPr>
+          </a:p>
+        </p:txBody>
+      </p:sp>
+      <p:sp>
+        <p:nvSpPr>
+          <p:cNvPr id="24" name="文本框 23">
+            <a:extLst>
+              <a:ext uri="{FF2B5EF4-FFF2-40B4-BE49-F238E27FC236}">
+                <a16:creationId xmlns:a16="http://schemas.microsoft.com/office/drawing/2014/main" id="{576F053B-FEED-AAB6-9C6F-796DB11928EF}"/>
+              </a:ext>
+            </a:extLst>
+          </p:cNvPr>
+          <p:cNvSpPr txBox="1"/>
+          <p:nvPr/>
+        </p:nvSpPr>
+        <p:spPr>
+          <a:xfrm>
+            <a:off x="6267645" y="2496045"/>
+            <a:ext cx="2045753" cy="430887"/>
+          </a:xfrm>
+          <a:prstGeom prst="rect">
+            <a:avLst/>
+          </a:prstGeom>
+          <a:noFill/>
+        </p:spPr>
+        <p:txBody>
+          <a:bodyPr wrap="none" rtlCol="0">
+            <a:spAutoFit/>
+          </a:bodyPr>
+          <a:lstStyle/>
+          <a:p>
+            <a:r>
+              <a:rPr lang="en-US" altLang="zh-CN" sz="1100" dirty="0">
+                <a:solidFill>
+                  <a:srgbClr val="C00000"/>
+                </a:solidFill>
+                <a:latin typeface="Times New Roman" panose="02020603050405020304" pitchFamily="18" charset="0"/>
+                <a:cs typeface="Times New Roman" panose="02020603050405020304" pitchFamily="18" charset="0"/>
+              </a:rPr>
+              <a:t>How to remain more knowledge:</a:t>
+            </a:r>
+          </a:p>
+          <a:p>
+            <a:r>
+              <a:rPr lang="en-US" altLang="zh-CN" sz="1100" dirty="0">
+                <a:solidFill>
+                  <a:srgbClr val="C00000"/>
+                </a:solidFill>
+                <a:latin typeface="Times New Roman" panose="02020603050405020304" pitchFamily="18" charset="0"/>
+                <a:cs typeface="Times New Roman" panose="02020603050405020304" pitchFamily="18" charset="0"/>
+              </a:rPr>
+              <a:t>llama, “C”, clouds, mountains</a:t>
+            </a:r>
+            <a:endParaRPr lang="zh-CN" altLang="en-US" sz="1100" dirty="0">
+              <a:solidFill>
+                <a:srgbClr val="C00000"/>
+              </a:solidFill>
+              <a:latin typeface="Times New Roman" panose="02020603050405020304" pitchFamily="18" charset="0"/>
+              <a:cs typeface="Times New Roman" panose="02020603050405020304" pitchFamily="18" charset="0"/>
+            </a:endParaRPr>
+          </a:p>
+        </p:txBody>
+      </p:sp>
+      <p:sp>
+        <p:nvSpPr>
+          <p:cNvPr id="25" name="文本框 24">
+            <a:extLst>
+              <a:ext uri="{FF2B5EF4-FFF2-40B4-BE49-F238E27FC236}">
+                <a16:creationId xmlns:a16="http://schemas.microsoft.com/office/drawing/2014/main" id="{948494E2-F6ED-FAA4-52EB-5EC4A138ED81}"/>
+              </a:ext>
+            </a:extLst>
+          </p:cNvPr>
+          <p:cNvSpPr txBox="1"/>
+          <p:nvPr/>
+        </p:nvSpPr>
+        <p:spPr>
+          <a:xfrm>
+            <a:off x="840559" y="6524182"/>
+            <a:ext cx="9353550" cy="246221"/>
+          </a:xfrm>
+          <a:prstGeom prst="rect">
+            <a:avLst/>
+          </a:prstGeom>
+          <a:noFill/>
+        </p:spPr>
+        <p:txBody>
+          <a:bodyPr wrap="square" rtlCol="0">
+            <a:spAutoFit/>
+          </a:bodyPr>
+          <a:lstStyle/>
+          <a:p>
+            <a:r>
+              <a:rPr lang="en-US" altLang="zh-CN" sz="1000" i="0" dirty="0">
+                <a:solidFill>
+                  <a:srgbClr val="000000"/>
+                </a:solidFill>
+                <a:effectLst/>
+                <a:latin typeface="Lucida Grande"/>
+                <a:hlinkClick r:id="rId10"/>
+              </a:rPr>
+              <a:t>Compress, Then Prompt: Improving Accuracy-Efficiency Trade-off of LLM Inference with Transferable Prompt</a:t>
+            </a:r>
+            <a:endParaRPr lang="en-US" altLang="zh-CN" sz="1000" i="0" dirty="0">
+              <a:solidFill>
+                <a:srgbClr val="000000"/>
+              </a:solidFill>
+              <a:effectLst/>
+              <a:latin typeface="Lucida Grande"/>
+            </a:endParaRPr>
+          </a:p>
+        </p:txBody>
+      </p:sp>
+    </p:spTree>
+    <p:extLst>
+      <p:ext uri="{BB962C8B-B14F-4D97-AF65-F5344CB8AC3E}">
+        <p14:creationId xmlns:p14="http://schemas.microsoft.com/office/powerpoint/2010/main" val="3925161878"/>
+      </p:ext>
+    </p:extLst>
+  </p:cSld>
+  <p:clrMapOvr>
+    <a:masterClrMapping/>
+  </p:clrMapOvr>
+  <mc:AlternateContent xmlns:mc="http://schemas.openxmlformats.org/markup-compatibility/2006" xmlns:p14="http://schemas.microsoft.com/office/powerpoint/2010/main">
+    <mc:Choice Requires="p14">
+      <p:transition p14:dur="10" advTm="7188"/>
+    </mc:Choice>
+    <mc:Fallback xmlns="">
+      <p:transition advTm="7188"/>
+    </mc:Fallback>
+  </mc:AlternateContent>
+</p:sld>
+</file>
+
+<file path=ppt/slides/slide16.xml><?xml version="1.0" encoding="utf-8"?>
+<p:sld xmlns:a="http://schemas.openxmlformats.org/drawingml/2006/main" xmlns:r="http://schemas.openxmlformats.org/officeDocument/2006/relationships" xmlns:p="http://schemas.openxmlformats.org/presentationml/2006/main">
+  <p:cSld>
+    <p:spTree>
+      <p:nvGrpSpPr>
+        <p:cNvPr id="1" name=""/>
+        <p:cNvGrpSpPr/>
+        <p:nvPr/>
+      </p:nvGrpSpPr>
+      <p:grpSpPr>
+        <a:xfrm>
+          <a:off x="0" y="0"/>
+          <a:ext cx="0" cy="0"/>
+          <a:chOff x="0" y="0"/>
+          <a:chExt cx="0" cy="0"/>
+        </a:xfrm>
+      </p:grpSpPr>
+      <p:sp>
+        <p:nvSpPr>
+          <p:cNvPr id="52" name="Pentagon 6_1">
+            <a:extLst>
+              <a:ext uri="{FF2B5EF4-FFF2-40B4-BE49-F238E27FC236}">
+                <a16:creationId xmlns:a16="http://schemas.microsoft.com/office/drawing/2014/main" id="{AF00C5AC-1046-411F-939E-89D5936C785B}"/>
+              </a:ext>
+            </a:extLst>
+          </p:cNvPr>
+          <p:cNvSpPr/>
+          <p:nvPr/>
+        </p:nvSpPr>
+        <p:spPr>
+          <a:xfrm>
+            <a:off x="-1" y="531656"/>
+            <a:ext cx="1926771" cy="701648"/>
+          </a:xfrm>
+          <a:prstGeom prst="homePlate">
+            <a:avLst/>
+          </a:prstGeom>
+          <a:solidFill>
+            <a:srgbClr val="FADE40"/>
+          </a:solidFill>
+          <a:ln>
+            <a:noFill/>
+          </a:ln>
+        </p:spPr>
+        <p:style>
+          <a:lnRef idx="2">
+            <a:schemeClr val="accent1">
+              <a:shade val="50000"/>
+            </a:schemeClr>
+          </a:lnRef>
+          <a:fillRef idx="1">
+            <a:schemeClr val="accent1"/>
+          </a:fillRef>
+          <a:effectRef idx="0">
+            <a:schemeClr val="accent1"/>
+          </a:effectRef>
+          <a:fontRef idx="minor">
+            <a:schemeClr val="lt1"/>
+          </a:fontRef>
+        </p:style>
+        <p:txBody>
+          <a:bodyPr rtlCol="0" anchor="ctr"/>
+          <a:lstStyle/>
+          <a:p>
+            <a:pPr algn="ctr"/>
+            <a:endParaRPr lang="zh-CN" altLang="en-US"/>
+          </a:p>
+        </p:txBody>
+      </p:sp>
+      <p:sp>
+        <p:nvSpPr>
+          <p:cNvPr id="53" name="文本框 52">
+            <a:extLst>
+              <a:ext uri="{FF2B5EF4-FFF2-40B4-BE49-F238E27FC236}">
+                <a16:creationId xmlns:a16="http://schemas.microsoft.com/office/drawing/2014/main" id="{8699EC9A-81A9-4AD6-9962-57AA5A2F4CD8}"/>
+              </a:ext>
+            </a:extLst>
+          </p:cNvPr>
+          <p:cNvSpPr txBox="1"/>
+          <p:nvPr/>
+        </p:nvSpPr>
+        <p:spPr>
+          <a:xfrm>
+            <a:off x="42821" y="642567"/>
+            <a:ext cx="1595479" cy="479825"/>
+          </a:xfrm>
+          <a:prstGeom prst="rect">
+            <a:avLst/>
+          </a:prstGeom>
+          <a:noFill/>
+        </p:spPr>
+        <p:txBody>
+          <a:bodyPr wrap="square" rtlCol="0">
+            <a:spAutoFit/>
+          </a:bodyPr>
+          <a:lstStyle/>
+          <a:p>
+            <a:pPr algn="dist"/>
+            <a:r>
+              <a:rPr lang="en-US" altLang="zh-CN" sz="2400" dirty="0">
+                <a:solidFill>
+                  <a:srgbClr val="C00000"/>
+                </a:solidFill>
+                <a:latin typeface="Times New Roman" panose="02020603050405020304" pitchFamily="18" charset="0"/>
+                <a:ea typeface="思源黑体 CN Medium" panose="020B0600000000000000" pitchFamily="34" charset="-122"/>
+                <a:cs typeface="Times New Roman" panose="02020603050405020304" pitchFamily="18" charset="0"/>
+                <a:sym typeface="Arial" panose="020B0604020202020204" pitchFamily="34" charset="0"/>
+              </a:rPr>
+              <a:t>CPU</a:t>
+            </a:r>
+            <a:r>
+              <a:rPr lang="zh-CN" altLang="en-US" sz="2400" dirty="0">
+                <a:solidFill>
+                  <a:srgbClr val="C00000"/>
+                </a:solidFill>
+                <a:latin typeface="Times New Roman" panose="02020603050405020304" pitchFamily="18" charset="0"/>
+                <a:ea typeface="思源黑体 CN Medium" panose="020B0600000000000000" pitchFamily="34" charset="-122"/>
+                <a:cs typeface="Times New Roman" panose="02020603050405020304" pitchFamily="18" charset="0"/>
+                <a:sym typeface="Arial" panose="020B0604020202020204" pitchFamily="34" charset="0"/>
+              </a:rPr>
+              <a:t>设计</a:t>
+            </a:r>
+          </a:p>
+        </p:txBody>
+      </p:sp>
+      <p:sp>
+        <p:nvSpPr>
+          <p:cNvPr id="5" name="Pentagon 6_1">
+            <a:extLst>
+              <a:ext uri="{FF2B5EF4-FFF2-40B4-BE49-F238E27FC236}">
+                <a16:creationId xmlns:a16="http://schemas.microsoft.com/office/drawing/2014/main" id="{B2DEA907-69CA-1F7C-0719-3B1C4B3D0485}"/>
+              </a:ext>
+            </a:extLst>
+          </p:cNvPr>
+          <p:cNvSpPr/>
+          <p:nvPr/>
+        </p:nvSpPr>
+        <p:spPr>
+          <a:xfrm>
+            <a:off x="-1" y="531656"/>
+            <a:ext cx="1926771" cy="701648"/>
+          </a:xfrm>
+          <a:prstGeom prst="homePlate">
+            <a:avLst/>
+          </a:prstGeom>
+          <a:solidFill>
+            <a:srgbClr val="FADE40"/>
+          </a:solidFill>
+          <a:ln>
+            <a:noFill/>
+          </a:ln>
+        </p:spPr>
+        <p:style>
+          <a:lnRef idx="2">
+            <a:schemeClr val="accent1">
+              <a:shade val="50000"/>
+            </a:schemeClr>
+          </a:lnRef>
+          <a:fillRef idx="1">
+            <a:schemeClr val="accent1"/>
+          </a:fillRef>
+          <a:effectRef idx="0">
+            <a:schemeClr val="accent1"/>
+          </a:effectRef>
+          <a:fontRef idx="minor">
+            <a:schemeClr val="lt1"/>
+          </a:fontRef>
+        </p:style>
+        <p:txBody>
+          <a:bodyPr rtlCol="0" anchor="ctr"/>
+          <a:lstStyle/>
+          <a:p>
+            <a:pPr algn="ctr"/>
+            <a:endParaRPr lang="zh-CN" altLang="en-US"/>
+          </a:p>
+        </p:txBody>
+      </p:sp>
+      <p:sp>
+        <p:nvSpPr>
+          <p:cNvPr id="6" name="文本框 5">
+            <a:extLst>
+              <a:ext uri="{FF2B5EF4-FFF2-40B4-BE49-F238E27FC236}">
+                <a16:creationId xmlns:a16="http://schemas.microsoft.com/office/drawing/2014/main" id="{EEA72AD3-AE04-AC91-8BBE-AEC989717A4D}"/>
+              </a:ext>
+            </a:extLst>
+          </p:cNvPr>
+          <p:cNvSpPr txBox="1"/>
+          <p:nvPr/>
+        </p:nvSpPr>
+        <p:spPr>
+          <a:xfrm>
+            <a:off x="42821" y="590091"/>
+            <a:ext cx="1595479" cy="584775"/>
+          </a:xfrm>
+          <a:prstGeom prst="rect">
+            <a:avLst/>
+          </a:prstGeom>
+          <a:noFill/>
+        </p:spPr>
+        <p:txBody>
+          <a:bodyPr wrap="square" rtlCol="0">
+            <a:spAutoFit/>
+          </a:bodyPr>
+          <a:lstStyle/>
+          <a:p>
+            <a:pPr algn="dist"/>
+            <a:r>
+              <a:rPr lang="en-US" altLang="zh-CN" sz="1600" b="1" dirty="0">
+                <a:solidFill>
+                  <a:srgbClr val="C00000"/>
+                </a:solidFill>
+                <a:latin typeface="Times New Roman" panose="02020603050405020304" pitchFamily="18" charset="0"/>
+                <a:ea typeface="思源黑体 CN Medium" panose="020B0600000000000000" pitchFamily="34" charset="-122"/>
+                <a:cs typeface="Times New Roman" panose="02020603050405020304" pitchFamily="18" charset="0"/>
+                <a:sym typeface="Arial" panose="020B0604020202020204" pitchFamily="34" charset="0"/>
+              </a:rPr>
+              <a:t>Matrix</a:t>
+            </a:r>
+          </a:p>
+          <a:p>
+            <a:pPr algn="dist"/>
+            <a:r>
+              <a:rPr lang="en-US" altLang="zh-CN" sz="1600" b="1" dirty="0">
+                <a:solidFill>
+                  <a:srgbClr val="C00000"/>
+                </a:solidFill>
+                <a:latin typeface="Times New Roman" panose="02020603050405020304" pitchFamily="18" charset="0"/>
+                <a:ea typeface="思源黑体 CN Medium" panose="020B0600000000000000" pitchFamily="34" charset="-122"/>
+                <a:cs typeface="Times New Roman" panose="02020603050405020304" pitchFamily="18" charset="0"/>
+                <a:sym typeface="Arial" panose="020B0604020202020204" pitchFamily="34" charset="0"/>
+              </a:rPr>
+              <a:t>Features</a:t>
+            </a:r>
+          </a:p>
+        </p:txBody>
+      </p:sp>
+      <p:sp>
+        <p:nvSpPr>
+          <p:cNvPr id="4" name="文本框 3">
+            <a:extLst>
+              <a:ext uri="{FF2B5EF4-FFF2-40B4-BE49-F238E27FC236}">
+                <a16:creationId xmlns:a16="http://schemas.microsoft.com/office/drawing/2014/main" id="{94F0B87A-0FB2-E908-C7F1-E170024FAAD8}"/>
+              </a:ext>
+            </a:extLst>
+          </p:cNvPr>
+          <p:cNvSpPr txBox="1"/>
+          <p:nvPr/>
+        </p:nvSpPr>
+        <p:spPr>
+          <a:xfrm>
+            <a:off x="840559" y="1531296"/>
+            <a:ext cx="5255440" cy="1536446"/>
+          </a:xfrm>
+          <a:prstGeom prst="rect">
+            <a:avLst/>
+          </a:prstGeom>
+          <a:noFill/>
+        </p:spPr>
+        <p:txBody>
+          <a:bodyPr wrap="square" rtlCol="0">
+            <a:spAutoFit/>
+          </a:bodyPr>
+          <a:lstStyle/>
+          <a:p>
+            <a:pPr algn="just">
+              <a:lnSpc>
+                <a:spcPct val="150000"/>
+              </a:lnSpc>
+            </a:pPr>
+            <a:r>
+              <a:rPr lang="en-US" altLang="zh-CN" sz="1600" b="1" dirty="0">
+                <a:solidFill>
+                  <a:srgbClr val="263C88"/>
+                </a:solidFill>
+                <a:latin typeface="思源黑体 CN Heavy"/>
+                <a:ea typeface="思源黑体 CN Medium" panose="020B0600000000000000"/>
+                <a:cs typeface="Times New Roman" panose="02020603050405020304" pitchFamily="18" charset="0"/>
+              </a:rPr>
+              <a:t>Advantages of low-rank approximation</a:t>
+            </a:r>
+            <a:endParaRPr lang="en-US" altLang="zh-CN" sz="1200" b="1" dirty="0">
+              <a:solidFill>
+                <a:srgbClr val="263C88"/>
+              </a:solidFill>
+              <a:latin typeface="思源黑体 CN Heavy"/>
+              <a:ea typeface="思源黑体 CN Medium" panose="020B0600000000000000"/>
+              <a:cs typeface="Times New Roman" panose="02020603050405020304" pitchFamily="18" charset="0"/>
+            </a:endParaRPr>
+          </a:p>
+          <a:p>
+            <a:pPr marL="342900" indent="-342900" algn="just">
+              <a:lnSpc>
+                <a:spcPct val="150000"/>
+              </a:lnSpc>
+              <a:buFont typeface="Arial" panose="020B0604020202020204" pitchFamily="34" charset="0"/>
+              <a:buChar char="•"/>
+            </a:pPr>
+            <a:r>
+              <a:rPr lang="en-US" altLang="zh-CN" sz="1200" dirty="0">
+                <a:latin typeface="Times New Roman" panose="02020603050405020304" pitchFamily="18" charset="0"/>
+                <a:ea typeface="思源黑体 CN Medium" panose="020B0600000000000000"/>
+                <a:cs typeface="Times New Roman" panose="02020603050405020304" pitchFamily="18" charset="0"/>
+              </a:rPr>
+              <a:t>Has been proved to work in PEFT: LoRA.</a:t>
+            </a:r>
+          </a:p>
+          <a:p>
+            <a:pPr marL="342900" indent="-342900" algn="just">
+              <a:lnSpc>
+                <a:spcPct val="150000"/>
+              </a:lnSpc>
+              <a:buFont typeface="Arial" panose="020B0604020202020204" pitchFamily="34" charset="0"/>
+              <a:buChar char="•"/>
+            </a:pPr>
+            <a:endParaRPr lang="en-US" altLang="zh-CN" sz="1200" dirty="0">
+              <a:latin typeface="Times New Roman" panose="02020603050405020304" pitchFamily="18" charset="0"/>
+              <a:ea typeface="思源黑体 CN Medium" panose="020B0600000000000000"/>
+              <a:cs typeface="Times New Roman" panose="02020603050405020304" pitchFamily="18" charset="0"/>
+            </a:endParaRPr>
+          </a:p>
+          <a:p>
+            <a:pPr marL="342900" indent="-342900" algn="just">
+              <a:lnSpc>
+                <a:spcPct val="150000"/>
+              </a:lnSpc>
+              <a:buFont typeface="Arial" panose="020B0604020202020204" pitchFamily="34" charset="0"/>
+              <a:buChar char="•"/>
+            </a:pPr>
+            <a:r>
+              <a:rPr lang="en-US" altLang="zh-CN" sz="1200" dirty="0">
+                <a:latin typeface="Times New Roman" panose="02020603050405020304" pitchFamily="18" charset="0"/>
+                <a:ea typeface="思源黑体 CN Medium" panose="020B0600000000000000"/>
+                <a:cs typeface="Times New Roman" panose="02020603050405020304" pitchFamily="18" charset="0"/>
+              </a:rPr>
+              <a:t>Theoretically, features are approximately presented instead of being discarded, aligning with the well working methods like quantization and UP. </a:t>
+            </a:r>
+          </a:p>
+        </p:txBody>
+      </p:sp>
+    </p:spTree>
+    <p:extLst>
+      <p:ext uri="{BB962C8B-B14F-4D97-AF65-F5344CB8AC3E}">
+        <p14:creationId xmlns:p14="http://schemas.microsoft.com/office/powerpoint/2010/main" val="174918000"/>
+      </p:ext>
+    </p:extLst>
+  </p:cSld>
+  <p:clrMapOvr>
+    <a:masterClrMapping/>
+  </p:clrMapOvr>
+  <mc:AlternateContent xmlns:mc="http://schemas.openxmlformats.org/markup-compatibility/2006" xmlns:p14="http://schemas.microsoft.com/office/powerpoint/2010/main">
+    <mc:Choice Requires="p14">
+      <p:transition p14:dur="10" advTm="7188"/>
+    </mc:Choice>
+    <mc:Fallback xmlns="">
+      <p:transition advTm="7188"/>
+    </mc:Fallback>
+  </mc:AlternateContent>
+</p:sld>
+</file>
+
+<file path=ppt/slides/slide17.xml><?xml version="1.0" encoding="utf-8"?>
 <p:sld xmlns:a="http://schemas.openxmlformats.org/drawingml/2006/main" xmlns:r="http://schemas.openxmlformats.org/officeDocument/2006/relationships" xmlns:p="http://schemas.openxmlformats.org/presentationml/2006/main">
   <p:cSld>
     <p:spTree>
@@ -12488,20 +16830,12 @@
                   <a:buChar char="•"/>
                 </a:pPr>
                 <a:r>
-                  <a:rPr lang="en-US" altLang="zh-CN" sz="1200">
-                    <a:latin typeface="Times New Roman" panose="02020603050405020304" pitchFamily="18" charset="0"/>
-                    <a:ea typeface="思源黑体 CN Medium" panose="020B0600000000000000"/>
-                    <a:cs typeface="Times New Roman" panose="02020603050405020304" pitchFamily="18" charset="0"/>
-                  </a:rPr>
-                  <a:t>Replace </a:t>
-                </a:r>
-                <a:r>
                   <a:rPr lang="en-US" altLang="zh-CN" sz="1200" dirty="0">
                     <a:latin typeface="Times New Roman" panose="02020603050405020304" pitchFamily="18" charset="0"/>
                     <a:ea typeface="思源黑体 CN Medium" panose="020B0600000000000000"/>
                     <a:cs typeface="Times New Roman" panose="02020603050405020304" pitchFamily="18" charset="0"/>
                   </a:rPr>
-                  <a:t>weight matrices with sums of Kronecker products.</a:t>
+                  <a:t>Replace weight matrices with sums of Kronecker products.</a:t>
                 </a:r>
               </a:p>
               <a:p>

--- a/docs/Matrix Factorization & LLM Compression.pptx
+++ b/docs/Matrix Factorization & LLM Compression.pptx
@@ -5,7 +5,7 @@
     <p:sldMasterId id="2147483648" r:id="rId1"/>
   </p:sldMasterIdLst>
   <p:notesMasterIdLst>
-    <p:notesMasterId r:id="rId19"/>
+    <p:notesMasterId r:id="rId20"/>
   </p:notesMasterIdLst>
   <p:sldIdLst>
     <p:sldId id="256" r:id="rId2"/>
@@ -24,12 +24,13 @@
     <p:sldId id="508" r:id="rId15"/>
     <p:sldId id="509" r:id="rId16"/>
     <p:sldId id="510" r:id="rId17"/>
-    <p:sldId id="478" r:id="rId18"/>
+    <p:sldId id="511" r:id="rId18"/>
+    <p:sldId id="478" r:id="rId19"/>
   </p:sldIdLst>
   <p:sldSz cx="12192000" cy="6858000"/>
   <p:notesSz cx="6858000" cy="9144000"/>
   <p:custDataLst>
-    <p:tags r:id="rId20"/>
+    <p:tags r:id="rId21"/>
   </p:custDataLst>
   <p:defaultTextStyle>
     <a:defPPr>
@@ -721,7 +722,7 @@
           <a:p>
             <a:fld id="{3678B995-4818-4CC4-9904-7C51E69FE1E0}" type="datetimeFigureOut">
               <a:rPr lang="zh-CN" altLang="en-US" smtClean="0"/>
-              <a:t>2023/10/22</a:t>
+              <a:t>2023/10/23</a:t>
             </a:fld>
             <a:endParaRPr lang="zh-CN" altLang="en-US"/>
           </a:p>
@@ -1704,6 +1705,90 @@
           <a:bodyPr/>
           <a:lstStyle/>
           <a:p>
+            <a:endParaRPr lang="en-US" altLang="zh-CN" dirty="0"/>
+          </a:p>
+        </p:txBody>
+      </p:sp>
+      <p:sp>
+        <p:nvSpPr>
+          <p:cNvPr id="4" name="灯片编号占位符 3"/>
+          <p:cNvSpPr>
+            <a:spLocks noGrp="1"/>
+          </p:cNvSpPr>
+          <p:nvPr>
+            <p:ph type="sldNum" sz="quarter" idx="10"/>
+          </p:nvPr>
+        </p:nvSpPr>
+        <p:spPr/>
+        <p:txBody>
+          <a:bodyPr/>
+          <a:lstStyle/>
+          <a:p>
+            <a:fld id="{324D6F74-634D-4233-BDBC-8BE3983B5CCB}" type="slidenum">
+              <a:rPr lang="zh-CN" altLang="en-US" smtClean="0"/>
+              <a:t>17</a:t>
+            </a:fld>
+            <a:endParaRPr lang="zh-CN" altLang="en-US"/>
+          </a:p>
+        </p:txBody>
+      </p:sp>
+    </p:spTree>
+    <p:extLst>
+      <p:ext uri="{BB962C8B-B14F-4D97-AF65-F5344CB8AC3E}">
+        <p14:creationId xmlns:p14="http://schemas.microsoft.com/office/powerpoint/2010/main" val="217460307"/>
+      </p:ext>
+    </p:extLst>
+  </p:cSld>
+  <p:clrMapOvr>
+    <a:masterClrMapping/>
+  </p:clrMapOvr>
+</p:notes>
+</file>
+
+<file path=ppt/notesSlides/notesSlide18.xml><?xml version="1.0" encoding="utf-8"?>
+<p:notes xmlns:a="http://schemas.openxmlformats.org/drawingml/2006/main" xmlns:r="http://schemas.openxmlformats.org/officeDocument/2006/relationships" xmlns:p="http://schemas.openxmlformats.org/presentationml/2006/main">
+  <p:cSld>
+    <p:spTree>
+      <p:nvGrpSpPr>
+        <p:cNvPr id="1" name=""/>
+        <p:cNvGrpSpPr/>
+        <p:nvPr/>
+      </p:nvGrpSpPr>
+      <p:grpSpPr>
+        <a:xfrm>
+          <a:off x="0" y="0"/>
+          <a:ext cx="0" cy="0"/>
+          <a:chOff x="0" y="0"/>
+          <a:chExt cx="0" cy="0"/>
+        </a:xfrm>
+      </p:grpSpPr>
+      <p:sp>
+        <p:nvSpPr>
+          <p:cNvPr id="2" name="幻灯片图像占位符 1"/>
+          <p:cNvSpPr>
+            <a:spLocks noGrp="1" noRot="1" noChangeAspect="1"/>
+          </p:cNvSpPr>
+          <p:nvPr>
+            <p:ph type="sldImg"/>
+          </p:nvPr>
+        </p:nvSpPr>
+        <p:spPr/>
+      </p:sp>
+      <p:sp>
+        <p:nvSpPr>
+          <p:cNvPr id="3" name="备注占位符 2"/>
+          <p:cNvSpPr>
+            <a:spLocks noGrp="1"/>
+          </p:cNvSpPr>
+          <p:nvPr>
+            <p:ph type="body" idx="1"/>
+          </p:nvPr>
+        </p:nvSpPr>
+        <p:spPr/>
+        <p:txBody>
+          <a:bodyPr/>
+          <a:lstStyle/>
+          <a:p>
             <a:endParaRPr lang="zh-CN" altLang="en-US" dirty="0"/>
           </a:p>
         </p:txBody>
@@ -1725,7 +1810,7 @@
           <a:p>
             <a:fld id="{7DF969B2-FC8F-40E9-BEE9-914C18BA1C47}" type="slidenum">
               <a:rPr lang="zh-CN" altLang="en-US" smtClean="0"/>
-              <a:t>17</a:t>
+              <a:t>18</a:t>
             </a:fld>
             <a:endParaRPr lang="zh-CN" altLang="en-US"/>
           </a:p>
@@ -2545,7 +2630,7 @@
           <a:p>
             <a:fld id="{D997B5FA-0921-464F-AAE1-844C04324D75}" type="datetimeFigureOut">
               <a:rPr lang="zh-CN" altLang="en-US" smtClean="0"/>
-              <a:t>2023/10/22</a:t>
+              <a:t>2023/10/23</a:t>
             </a:fld>
             <a:endParaRPr lang="zh-CN" altLang="en-US"/>
           </a:p>
@@ -2721,7 +2806,7 @@
           <a:p>
             <a:fld id="{D997B5FA-0921-464F-AAE1-844C04324D75}" type="datetimeFigureOut">
               <a:rPr lang="zh-CN" altLang="en-US" smtClean="0"/>
-              <a:t>2023/10/22</a:t>
+              <a:t>2023/10/23</a:t>
             </a:fld>
             <a:endParaRPr lang="zh-CN" altLang="en-US"/>
           </a:p>
@@ -2907,7 +2992,7 @@
           <a:p>
             <a:fld id="{D997B5FA-0921-464F-AAE1-844C04324D75}" type="datetimeFigureOut">
               <a:rPr lang="zh-CN" altLang="en-US" smtClean="0"/>
-              <a:t>2023/10/22</a:t>
+              <a:t>2023/10/23</a:t>
             </a:fld>
             <a:endParaRPr lang="zh-CN" altLang="en-US"/>
           </a:p>
@@ -3121,7 +3206,7 @@
           <a:p>
             <a:fld id="{D997B5FA-0921-464F-AAE1-844C04324D75}" type="datetimeFigureOut">
               <a:rPr lang="zh-CN" altLang="en-US" smtClean="0"/>
-              <a:t>2023/10/22</a:t>
+              <a:t>2023/10/23</a:t>
             </a:fld>
             <a:endParaRPr lang="zh-CN" altLang="en-US"/>
           </a:p>
@@ -3374,7 +3459,7 @@
           <a:p>
             <a:fld id="{D997B5FA-0921-464F-AAE1-844C04324D75}" type="datetimeFigureOut">
               <a:rPr lang="zh-CN" altLang="en-US" smtClean="0"/>
-              <a:t>2023/10/22</a:t>
+              <a:t>2023/10/23</a:t>
             </a:fld>
             <a:endParaRPr lang="zh-CN" altLang="en-US"/>
           </a:p>
@@ -3611,7 +3696,7 @@
           <a:p>
             <a:fld id="{D997B5FA-0921-464F-AAE1-844C04324D75}" type="datetimeFigureOut">
               <a:rPr lang="zh-CN" altLang="en-US" smtClean="0"/>
-              <a:t>2023/10/22</a:t>
+              <a:t>2023/10/23</a:t>
             </a:fld>
             <a:endParaRPr lang="zh-CN" altLang="en-US"/>
           </a:p>
@@ -3983,7 +4068,7 @@
           <a:p>
             <a:fld id="{D997B5FA-0921-464F-AAE1-844C04324D75}" type="datetimeFigureOut">
               <a:rPr lang="zh-CN" altLang="en-US" smtClean="0"/>
-              <a:t>2023/10/22</a:t>
+              <a:t>2023/10/23</a:t>
             </a:fld>
             <a:endParaRPr lang="zh-CN" altLang="en-US"/>
           </a:p>
@@ -4108,7 +4193,7 @@
           <a:p>
             <a:fld id="{D997B5FA-0921-464F-AAE1-844C04324D75}" type="datetimeFigureOut">
               <a:rPr lang="zh-CN" altLang="en-US" smtClean="0"/>
-              <a:t>2023/10/22</a:t>
+              <a:t>2023/10/23</a:t>
             </a:fld>
             <a:endParaRPr lang="zh-CN" altLang="en-US"/>
           </a:p>
@@ -4211,7 +4296,7 @@
           <a:p>
             <a:fld id="{D997B5FA-0921-464F-AAE1-844C04324D75}" type="datetimeFigureOut">
               <a:rPr lang="zh-CN" altLang="en-US" smtClean="0"/>
-              <a:t>2023/10/22</a:t>
+              <a:t>2023/10/23</a:t>
             </a:fld>
             <a:endParaRPr lang="zh-CN" altLang="en-US"/>
           </a:p>
@@ -4494,7 +4579,7 @@
           <a:p>
             <a:fld id="{D997B5FA-0921-464F-AAE1-844C04324D75}" type="datetimeFigureOut">
               <a:rPr lang="zh-CN" altLang="en-US" smtClean="0"/>
-              <a:t>2023/10/22</a:t>
+              <a:t>2023/10/23</a:t>
             </a:fld>
             <a:endParaRPr lang="zh-CN" altLang="en-US"/>
           </a:p>
@@ -4754,7 +4839,7 @@
           <a:p>
             <a:fld id="{D997B5FA-0921-464F-AAE1-844C04324D75}" type="datetimeFigureOut">
               <a:rPr lang="zh-CN" altLang="en-US" smtClean="0"/>
-              <a:t>2023/10/22</a:t>
+              <a:t>2023/10/23</a:t>
             </a:fld>
             <a:endParaRPr lang="zh-CN" altLang="en-US"/>
           </a:p>
@@ -4973,7 +5058,7 @@
           <a:p>
             <a:fld id="{D997B5FA-0921-464F-AAE1-844C04324D75}" type="datetimeFigureOut">
               <a:rPr lang="zh-CN" altLang="en-US" smtClean="0"/>
-              <a:t>2023/10/22</a:t>
+              <a:t>2023/10/23</a:t>
             </a:fld>
             <a:endParaRPr lang="zh-CN" altLang="en-US"/>
           </a:p>
@@ -9216,14 +9301,14 @@
           <p:nvPr>
             <p:extLst>
               <p:ext uri="{D42A27DB-BD31-4B8C-83A1-F6EECF244321}">
-                <p14:modId xmlns:p14="http://schemas.microsoft.com/office/powerpoint/2010/main" val="4219228525"/>
+                <p14:modId xmlns:p14="http://schemas.microsoft.com/office/powerpoint/2010/main" val="2459453589"/>
               </p:ext>
             </p:extLst>
           </p:nvPr>
         </p:nvGraphicFramePr>
         <p:xfrm>
           <a:off x="1081469" y="1745780"/>
-          <a:ext cx="10029061" cy="4197823"/>
+          <a:ext cx="10029061" cy="4441227"/>
         </p:xfrm>
         <a:graphic>
           <a:graphicData uri="http://schemas.openxmlformats.org/drawingml/2006/table">
@@ -9290,14 +9375,17 @@
                     <a:p>
                       <a:pPr algn="ctr" fontAlgn="ctr"/>
                       <a:r>
-                        <a:rPr lang="en-US" sz="1100" b="1" u="none" strike="noStrike" dirty="0">
+                        <a:rPr lang="en-US" sz="1400" b="1" u="none" strike="noStrike" dirty="0">
+                          <a:solidFill>
+                            <a:srgbClr val="263C88"/>
+                          </a:solidFill>
                           <a:effectLst/>
                         </a:rPr>
                         <a:t>Methods</a:t>
                       </a:r>
-                      <a:endParaRPr lang="en-US" sz="1100" b="1" i="0" u="none" strike="noStrike" dirty="0">
+                      <a:endParaRPr lang="en-US" sz="1400" b="1" i="0" u="none" strike="noStrike" dirty="0">
                         <a:solidFill>
-                          <a:srgbClr val="000000"/>
+                          <a:srgbClr val="263C88"/>
                         </a:solidFill>
                         <a:effectLst/>
                         <a:latin typeface="等线" panose="02010600030101010101" pitchFamily="2" charset="-122"/>
@@ -9314,14 +9402,17 @@
                     <a:p>
                       <a:pPr algn="ctr" fontAlgn="ctr"/>
                       <a:r>
-                        <a:rPr lang="en-US" sz="1100" b="1" u="none" strike="noStrike" dirty="0">
+                        <a:rPr lang="en-US" sz="1400" b="1" u="none" strike="noStrike" dirty="0">
+                          <a:solidFill>
+                            <a:srgbClr val="C00000"/>
+                          </a:solidFill>
                           <a:effectLst/>
                         </a:rPr>
                         <a:t>Quantization</a:t>
                       </a:r>
-                      <a:endParaRPr lang="en-US" sz="1100" b="1" i="0" u="none" strike="noStrike" dirty="0">
+                      <a:endParaRPr lang="en-US" sz="1400" b="1" i="0" u="none" strike="noStrike" dirty="0">
                         <a:solidFill>
-                          <a:srgbClr val="000000"/>
+                          <a:srgbClr val="C00000"/>
                         </a:solidFill>
                         <a:effectLst/>
                         <a:latin typeface="等线" panose="02010600030101010101" pitchFamily="2" charset="-122"/>
@@ -9348,14 +9439,17 @@
                     <a:p>
                       <a:pPr algn="ctr" fontAlgn="ctr"/>
                       <a:r>
-                        <a:rPr lang="en-US" sz="1100" b="1" u="none" strike="noStrike" dirty="0">
+                        <a:rPr lang="en-US" sz="1400" b="1" u="none" strike="noStrike" dirty="0">
+                          <a:solidFill>
+                            <a:srgbClr val="C00000"/>
+                          </a:solidFill>
                           <a:effectLst/>
                         </a:rPr>
                         <a:t>Knowledge Distillation</a:t>
                       </a:r>
-                      <a:endParaRPr lang="en-US" sz="1100" b="1" i="0" u="none" strike="noStrike" dirty="0">
+                      <a:endParaRPr lang="en-US" sz="1400" b="1" i="0" u="none" strike="noStrike" dirty="0">
                         <a:solidFill>
-                          <a:srgbClr val="000000"/>
+                          <a:srgbClr val="C00000"/>
                         </a:solidFill>
                         <a:effectLst/>
                         <a:latin typeface="等线" panose="02010600030101010101" pitchFamily="2" charset="-122"/>
@@ -9372,14 +9466,17 @@
                     <a:p>
                       <a:pPr algn="ctr" fontAlgn="ctr"/>
                       <a:r>
-                        <a:rPr lang="en-US" sz="1100" b="1" u="none" strike="noStrike" dirty="0">
+                        <a:rPr lang="en-US" sz="1400" b="1" u="none" strike="noStrike" dirty="0">
+                          <a:solidFill>
+                            <a:srgbClr val="C00000"/>
+                          </a:solidFill>
                           <a:effectLst/>
                         </a:rPr>
                         <a:t>Pruning</a:t>
                       </a:r>
-                      <a:endParaRPr lang="en-US" sz="1100" b="1" i="0" u="none" strike="noStrike" dirty="0">
+                      <a:endParaRPr lang="en-US" sz="1400" b="1" i="0" u="none" strike="noStrike" dirty="0">
                         <a:solidFill>
-                          <a:srgbClr val="000000"/>
+                          <a:srgbClr val="C00000"/>
                         </a:solidFill>
                         <a:effectLst/>
                         <a:latin typeface="等线" panose="02010600030101010101" pitchFamily="2" charset="-122"/>
@@ -9406,14 +9503,17 @@
                     <a:p>
                       <a:pPr algn="ctr" fontAlgn="ctr"/>
                       <a:r>
-                        <a:rPr lang="en-US" sz="1100" b="1" u="none" strike="noStrike" dirty="0">
+                        <a:rPr lang="en-US" sz="1400" b="1" u="none" strike="noStrike" dirty="0">
+                          <a:solidFill>
+                            <a:srgbClr val="C00000"/>
+                          </a:solidFill>
                           <a:effectLst/>
                         </a:rPr>
                         <a:t>Low-rank approximation</a:t>
                       </a:r>
-                      <a:endParaRPr lang="en-US" sz="1100" b="1" i="0" u="none" strike="noStrike" dirty="0">
+                      <a:endParaRPr lang="en-US" sz="1400" b="1" i="0" u="none" strike="noStrike" dirty="0">
                         <a:solidFill>
-                          <a:srgbClr val="000000"/>
+                          <a:srgbClr val="C00000"/>
                         </a:solidFill>
                         <a:effectLst/>
                         <a:latin typeface="等线" panose="02010600030101010101" pitchFamily="2" charset="-122"/>
@@ -9455,14 +9555,14 @@
                     <a:p>
                       <a:pPr algn="ctr" fontAlgn="ctr"/>
                       <a:r>
-                        <a:rPr lang="en-US" sz="1100" u="none" strike="noStrike" dirty="0">
+                        <a:rPr lang="en-US" sz="1400" u="none" strike="noStrike" dirty="0">
                           <a:effectLst/>
                           <a:latin typeface="Times New Roman" panose="02020603050405020304" pitchFamily="18" charset="0"/>
                           <a:cs typeface="Times New Roman" panose="02020603050405020304" pitchFamily="18" charset="0"/>
                         </a:rPr>
                         <a:t>post training</a:t>
                       </a:r>
-                      <a:endParaRPr lang="en-US" sz="1100" b="0" i="0" u="none" strike="noStrike" dirty="0">
+                      <a:endParaRPr lang="en-US" sz="1400" b="0" i="0" u="none" strike="noStrike" dirty="0">
                         <a:solidFill>
                           <a:srgbClr val="000000"/>
                         </a:solidFill>
@@ -9482,14 +9582,14 @@
                     <a:p>
                       <a:pPr algn="ctr" fontAlgn="ctr"/>
                       <a:r>
-                        <a:rPr lang="en-US" sz="1100" u="none" strike="noStrike" dirty="0">
+                        <a:rPr lang="en-US" sz="1400" u="none" strike="noStrike" dirty="0">
                           <a:effectLst/>
                           <a:latin typeface="Times New Roman" panose="02020603050405020304" pitchFamily="18" charset="0"/>
                           <a:cs typeface="Times New Roman" panose="02020603050405020304" pitchFamily="18" charset="0"/>
                         </a:rPr>
                         <a:t>quantize when training</a:t>
                       </a:r>
-                      <a:endParaRPr lang="en-US" sz="1100" b="0" i="0" u="none" strike="noStrike" dirty="0">
+                      <a:endParaRPr lang="en-US" sz="1400" b="0" i="0" u="none" strike="noStrike" dirty="0">
                         <a:solidFill>
                           <a:srgbClr val="000000"/>
                         </a:solidFill>
@@ -9509,7 +9609,7 @@
                     <a:p>
                       <a:pPr algn="ctr" fontAlgn="ctr"/>
                       <a:r>
-                        <a:rPr lang="en-US" altLang="zh-CN" sz="1100" b="0" i="0" u="none" strike="noStrike" dirty="0">
+                        <a:rPr lang="en-US" altLang="zh-CN" sz="1400" b="0" i="0" u="none" strike="noStrike" dirty="0">
                           <a:solidFill>
                             <a:srgbClr val="000000"/>
                           </a:solidFill>
@@ -9520,7 +9620,7 @@
                         </a:rPr>
                         <a:t>KD</a:t>
                       </a:r>
-                      <a:endParaRPr lang="zh-CN" altLang="en-US" sz="1100" b="0" i="0" u="none" strike="noStrike" dirty="0">
+                      <a:endParaRPr lang="zh-CN" altLang="en-US" sz="1400" b="0" i="0" u="none" strike="noStrike" dirty="0">
                         <a:solidFill>
                           <a:srgbClr val="000000"/>
                         </a:solidFill>
@@ -9540,14 +9640,14 @@
                     <a:p>
                       <a:pPr algn="ctr" fontAlgn="ctr"/>
                       <a:r>
-                        <a:rPr lang="en-US" sz="1100" u="none" strike="noStrike" dirty="0">
+                        <a:rPr lang="en-US" sz="1400" u="none" strike="noStrike" dirty="0">
                           <a:effectLst/>
                           <a:latin typeface="Times New Roman" panose="02020603050405020304" pitchFamily="18" charset="0"/>
                           <a:cs typeface="Times New Roman" panose="02020603050405020304" pitchFamily="18" charset="0"/>
                         </a:rPr>
                         <a:t>structured</a:t>
                       </a:r>
-                      <a:endParaRPr lang="en-US" sz="1100" b="0" i="0" u="none" strike="noStrike" dirty="0">
+                      <a:endParaRPr lang="en-US" sz="1400" b="0" i="0" u="none" strike="noStrike" dirty="0">
                         <a:solidFill>
                           <a:srgbClr val="000000"/>
                         </a:solidFill>
@@ -9567,14 +9667,14 @@
                     <a:p>
                       <a:pPr algn="ctr" fontAlgn="ctr"/>
                       <a:r>
-                        <a:rPr lang="en-US" sz="1100" u="none" strike="noStrike" dirty="0">
+                        <a:rPr lang="en-US" sz="1400" u="none" strike="noStrike" dirty="0">
                           <a:effectLst/>
                           <a:latin typeface="Times New Roman" panose="02020603050405020304" pitchFamily="18" charset="0"/>
                           <a:cs typeface="Times New Roman" panose="02020603050405020304" pitchFamily="18" charset="0"/>
                         </a:rPr>
                         <a:t>unstructured</a:t>
                       </a:r>
-                      <a:endParaRPr lang="en-US" sz="1100" b="0" i="0" u="none" strike="noStrike" dirty="0">
+                      <a:endParaRPr lang="en-US" sz="1400" b="0" i="0" u="none" strike="noStrike" dirty="0">
                         <a:solidFill>
                           <a:srgbClr val="000000"/>
                         </a:solidFill>
@@ -9610,14 +9710,14 @@
                         <a:defRPr/>
                       </a:pPr>
                       <a:r>
-                        <a:rPr lang="en-US" altLang="zh-CN" sz="1100" u="none" strike="noStrike" dirty="0">
+                        <a:rPr lang="en-US" altLang="zh-CN" sz="1400" u="none" strike="noStrike" dirty="0">
                           <a:effectLst/>
                           <a:latin typeface="Times New Roman" panose="02020603050405020304" pitchFamily="18" charset="0"/>
                           <a:cs typeface="Times New Roman" panose="02020603050405020304" pitchFamily="18" charset="0"/>
                         </a:rPr>
                         <a:t>unknown</a:t>
                       </a:r>
-                      <a:endParaRPr lang="en-US" altLang="zh-CN" sz="1100" b="0" i="0" u="none" strike="noStrike" dirty="0">
+                      <a:endParaRPr lang="en-US" altLang="zh-CN" sz="1400" b="0" i="0" u="none" strike="noStrike" dirty="0">
                         <a:solidFill>
                           <a:srgbClr val="000000"/>
                         </a:solidFill>
@@ -9644,14 +9744,17 @@
                     <a:p>
                       <a:pPr algn="ctr" fontAlgn="ctr"/>
                       <a:r>
-                        <a:rPr lang="en-US" sz="1100" b="1" u="none" strike="noStrike" dirty="0">
+                        <a:rPr lang="en-US" sz="1400" b="1" u="none" strike="noStrike" dirty="0">
+                          <a:solidFill>
+                            <a:srgbClr val="263C88"/>
+                          </a:solidFill>
                           <a:effectLst/>
                         </a:rPr>
                         <a:t>Paper</a:t>
                       </a:r>
-                      <a:endParaRPr lang="en-US" sz="1100" b="1" i="0" u="none" strike="noStrike" dirty="0">
+                      <a:endParaRPr lang="en-US" sz="1400" b="1" i="0" u="none" strike="noStrike" dirty="0">
                         <a:solidFill>
-                          <a:srgbClr val="000000"/>
+                          <a:srgbClr val="263C88"/>
                         </a:solidFill>
                         <a:effectLst/>
                         <a:latin typeface="等线" panose="02010600030101010101" pitchFamily="2" charset="-122"/>
@@ -9668,14 +9771,14 @@
                     <a:p>
                       <a:pPr algn="ctr" fontAlgn="ctr"/>
                       <a:r>
-                        <a:rPr lang="en-US" sz="1100" u="none" strike="noStrike" dirty="0">
+                        <a:rPr lang="en-US" sz="1400" u="none" strike="noStrike" dirty="0">
                           <a:effectLst/>
                           <a:latin typeface="Times New Roman" panose="02020603050405020304" pitchFamily="18" charset="0"/>
                           <a:cs typeface="Times New Roman" panose="02020603050405020304" pitchFamily="18" charset="0"/>
                         </a:rPr>
                         <a:t>Widely used in industry</a:t>
                       </a:r>
-                      <a:endParaRPr lang="en-US" sz="1100" b="0" i="0" u="none" strike="noStrike" dirty="0">
+                      <a:endParaRPr lang="en-US" sz="1400" b="0" i="0" u="none" strike="noStrike" dirty="0">
                         <a:solidFill>
                           <a:srgbClr val="000000"/>
                         </a:solidFill>
@@ -9695,7 +9798,7 @@
                     <a:p>
                       <a:pPr algn="ctr" fontAlgn="ctr"/>
                       <a:r>
-                        <a:rPr lang="en-US" sz="1100" u="none" strike="noStrike" dirty="0">
+                        <a:rPr lang="en-US" sz="1400" u="none" strike="noStrike" dirty="0">
                           <a:effectLst/>
                           <a:latin typeface="Times New Roman" panose="02020603050405020304" pitchFamily="18" charset="0"/>
                           <a:cs typeface="Times New Roman" panose="02020603050405020304" pitchFamily="18" charset="0"/>
@@ -9706,7 +9809,7 @@
                     <a:p>
                       <a:pPr algn="ctr" fontAlgn="ctr"/>
                       <a:r>
-                        <a:rPr lang="en-US" sz="800" b="0" i="0" u="none" strike="noStrike" dirty="0">
+                        <a:rPr lang="en-US" sz="1000" b="0" i="0" u="none" strike="noStrike" dirty="0">
                           <a:solidFill>
                             <a:srgbClr val="000000"/>
                           </a:solidFill>
@@ -9728,7 +9831,7 @@
                     <a:p>
                       <a:pPr algn="ctr" fontAlgn="ctr"/>
                       <a:r>
-                        <a:rPr lang="en-US" altLang="zh-CN" sz="1100" b="0" i="0" u="none" strike="noStrike" dirty="0">
+                        <a:rPr lang="en-US" altLang="zh-CN" sz="1400" b="0" i="0" u="none" strike="noStrike" dirty="0">
                           <a:solidFill>
                             <a:srgbClr val="000000"/>
                           </a:solidFill>
@@ -9759,7 +9862,7 @@
                         <a:defRPr/>
                       </a:pPr>
                       <a:r>
-                        <a:rPr lang="en-US" altLang="zh-CN" sz="800" b="0" i="0" u="none" strike="noStrike" dirty="0">
+                        <a:rPr lang="en-US" altLang="zh-CN" sz="1000" b="0" i="0" u="none" strike="noStrike" dirty="0">
                           <a:solidFill>
                             <a:srgbClr val="000000"/>
                           </a:solidFill>
@@ -9771,7 +9874,7 @@
                         <a:t>(</a:t>
                       </a:r>
                       <a:r>
-                        <a:rPr lang="en-US" altLang="zh-CN" sz="800" b="0" i="0" u="none" strike="noStrike" dirty="0" err="1">
+                        <a:rPr lang="en-US" altLang="zh-CN" sz="1000" b="0" i="0" u="none" strike="noStrike" dirty="0" err="1">
                           <a:solidFill>
                             <a:srgbClr val="000000"/>
                           </a:solidFill>
@@ -9783,7 +9886,7 @@
                         <a:t>CoAI</a:t>
                       </a:r>
                       <a:r>
-                        <a:rPr lang="en-US" altLang="zh-CN" sz="800" b="0" i="0" u="none" strike="noStrike" dirty="0">
+                        <a:rPr lang="en-US" altLang="zh-CN" sz="1000" b="0" i="0" u="none" strike="noStrike" dirty="0">
                           <a:solidFill>
                             <a:srgbClr val="000000"/>
                           </a:solidFill>
@@ -9805,7 +9908,7 @@
                     <a:p>
                       <a:pPr algn="ctr" fontAlgn="ctr"/>
                       <a:r>
-                        <a:rPr lang="en-US" altLang="zh-CN" sz="1100" b="0" i="0" u="none" strike="noStrike" dirty="0" err="1">
+                        <a:rPr lang="en-US" altLang="zh-CN" sz="1400" b="0" i="0" u="none" strike="noStrike" dirty="0" err="1">
                           <a:solidFill>
                             <a:srgbClr val="000000"/>
                           </a:solidFill>
@@ -9816,7 +9919,7 @@
                         </a:rPr>
                         <a:t>LLMPruner</a:t>
                       </a:r>
-                      <a:endParaRPr lang="en-US" altLang="zh-CN" sz="1100" b="0" i="0" u="none" strike="noStrike" dirty="0">
+                      <a:endParaRPr lang="en-US" altLang="zh-CN" sz="1400" b="0" i="0" u="none" strike="noStrike" dirty="0">
                         <a:solidFill>
                           <a:srgbClr val="000000"/>
                         </a:solidFill>
@@ -9829,7 +9932,7 @@
                     <a:p>
                       <a:pPr algn="ctr" fontAlgn="ctr"/>
                       <a:r>
-                        <a:rPr lang="en-US" altLang="zh-CN" sz="800" b="0" i="0" u="none" strike="noStrike" dirty="0">
+                        <a:rPr lang="en-US" altLang="zh-CN" sz="1000" b="0" i="0" u="none" strike="noStrike" dirty="0">
                           <a:solidFill>
                             <a:srgbClr val="000000"/>
                           </a:solidFill>
@@ -9840,7 +9943,7 @@
                         </a:rPr>
                         <a:t>(NUS)</a:t>
                       </a:r>
-                      <a:endParaRPr lang="zh-CN" altLang="en-US" sz="800" b="0" i="0" u="none" strike="noStrike" dirty="0">
+                      <a:endParaRPr lang="zh-CN" altLang="en-US" sz="1000" b="0" i="0" u="none" strike="noStrike" dirty="0">
                         <a:solidFill>
                           <a:srgbClr val="000000"/>
                         </a:solidFill>
@@ -9860,7 +9963,7 @@
                     <a:p>
                       <a:pPr algn="ctr" fontAlgn="ctr"/>
                       <a:r>
-                        <a:rPr lang="en-US" altLang="zh-CN" sz="1100" b="0" i="0" u="none" strike="noStrike" dirty="0" err="1">
+                        <a:rPr lang="en-US" altLang="zh-CN" sz="1400" b="0" i="0" u="none" strike="noStrike" dirty="0" err="1">
                           <a:solidFill>
                             <a:srgbClr val="000000"/>
                           </a:solidFill>
@@ -9871,7 +9974,7 @@
                         </a:rPr>
                         <a:t>SparseGPT</a:t>
                       </a:r>
-                      <a:endParaRPr lang="zh-CN" altLang="en-US" sz="1100" b="0" i="0" u="none" strike="noStrike" dirty="0">
+                      <a:endParaRPr lang="zh-CN" altLang="en-US" sz="1400" b="0" i="0" u="none" strike="noStrike" dirty="0">
                         <a:solidFill>
                           <a:srgbClr val="000000"/>
                         </a:solidFill>
@@ -9907,14 +10010,14 @@
                         <a:defRPr/>
                       </a:pPr>
                       <a:r>
-                        <a:rPr lang="en-US" altLang="zh-CN" sz="1100" u="none" strike="noStrike" dirty="0">
+                        <a:rPr lang="en-US" altLang="zh-CN" sz="1400" u="none" strike="noStrike" dirty="0">
                           <a:effectLst/>
                           <a:latin typeface="Times New Roman" panose="02020603050405020304" pitchFamily="18" charset="0"/>
                           <a:cs typeface="Times New Roman" panose="02020603050405020304" pitchFamily="18" charset="0"/>
                         </a:rPr>
                         <a:t>unknown</a:t>
                       </a:r>
-                      <a:endParaRPr lang="en-US" altLang="zh-CN" sz="1100" b="0" i="0" u="none" strike="noStrike" dirty="0">
+                      <a:endParaRPr lang="en-US" altLang="zh-CN" sz="1400" b="0" i="0" u="none" strike="noStrike" dirty="0">
                         <a:solidFill>
                           <a:srgbClr val="000000"/>
                         </a:solidFill>
@@ -9941,14 +10044,17 @@
                     <a:p>
                       <a:pPr algn="ctr" fontAlgn="ctr"/>
                       <a:r>
-                        <a:rPr lang="en-US" sz="1100" b="1" u="none" strike="noStrike" dirty="0">
+                        <a:rPr lang="en-US" sz="1400" b="1" u="none" strike="noStrike" dirty="0">
+                          <a:solidFill>
+                            <a:srgbClr val="263C88"/>
+                          </a:solidFill>
                           <a:effectLst/>
                         </a:rPr>
                         <a:t>Compression ratio</a:t>
                       </a:r>
-                      <a:endParaRPr lang="en-US" sz="1100" b="1" i="0" u="none" strike="noStrike" dirty="0">
+                      <a:endParaRPr lang="en-US" sz="1400" b="1" i="0" u="none" strike="noStrike" dirty="0">
                         <a:solidFill>
-                          <a:srgbClr val="000000"/>
+                          <a:srgbClr val="263C88"/>
                         </a:solidFill>
                         <a:effectLst/>
                         <a:latin typeface="等线" panose="02010600030101010101" pitchFamily="2" charset="-122"/>
@@ -9965,7 +10071,7 @@
                     <a:p>
                       <a:pPr algn="ctr" fontAlgn="ctr"/>
                       <a:r>
-                        <a:rPr lang="en-US" sz="1100" u="none" strike="noStrike" dirty="0">
+                        <a:rPr lang="en-US" sz="1400" u="none" strike="noStrike" dirty="0">
                           <a:effectLst/>
                           <a:latin typeface="Times New Roman" panose="02020603050405020304" pitchFamily="18" charset="0"/>
                           <a:cs typeface="Times New Roman" panose="02020603050405020304" pitchFamily="18" charset="0"/>
@@ -9976,14 +10082,14 @@
                     <a:p>
                       <a:pPr algn="ctr" fontAlgn="ctr"/>
                       <a:r>
-                        <a:rPr lang="en-US" sz="1100" u="none" strike="noStrike" dirty="0">
+                        <a:rPr lang="en-US" sz="1400" u="none" strike="noStrike" dirty="0">
                           <a:effectLst/>
                           <a:latin typeface="Times New Roman" panose="02020603050405020304" pitchFamily="18" charset="0"/>
                           <a:cs typeface="Times New Roman" panose="02020603050405020304" pitchFamily="18" charset="0"/>
                         </a:rPr>
                         <a:t>(fp32-&gt;fp16)</a:t>
                       </a:r>
-                      <a:endParaRPr lang="en-US" sz="1100" b="0" i="0" u="none" strike="noStrike" dirty="0">
+                      <a:endParaRPr lang="en-US" sz="1400" b="0" i="0" u="none" strike="noStrike" dirty="0">
                         <a:solidFill>
                           <a:srgbClr val="000000"/>
                         </a:solidFill>
@@ -10003,7 +10109,7 @@
                     <a:p>
                       <a:pPr algn="ctr" fontAlgn="ctr"/>
                       <a:r>
-                        <a:rPr lang="en-US" sz="1100" u="none" strike="noStrike" dirty="0">
+                        <a:rPr lang="en-US" sz="1400" u="none" strike="noStrike" dirty="0">
                           <a:effectLst/>
                           <a:latin typeface="Times New Roman" panose="02020603050405020304" pitchFamily="18" charset="0"/>
                           <a:cs typeface="Times New Roman" panose="02020603050405020304" pitchFamily="18" charset="0"/>
@@ -10014,14 +10120,14 @@
                     <a:p>
                       <a:pPr algn="ctr" fontAlgn="ctr"/>
                       <a:r>
-                        <a:rPr lang="en-US" sz="1100" u="none" strike="noStrike" dirty="0">
+                        <a:rPr lang="en-US" sz="1400" u="none" strike="noStrike" dirty="0">
                           <a:effectLst/>
                           <a:latin typeface="Times New Roman" panose="02020603050405020304" pitchFamily="18" charset="0"/>
                           <a:cs typeface="Times New Roman" panose="02020603050405020304" pitchFamily="18" charset="0"/>
                         </a:rPr>
                         <a:t>(fp32-&gt;int3)</a:t>
                       </a:r>
-                      <a:endParaRPr lang="en-US" sz="1100" b="0" i="0" u="none" strike="noStrike" dirty="0">
+                      <a:endParaRPr lang="en-US" sz="1400" b="0" i="0" u="none" strike="noStrike" dirty="0">
                         <a:solidFill>
                           <a:srgbClr val="000000"/>
                         </a:solidFill>
@@ -10041,7 +10147,7 @@
                     <a:p>
                       <a:pPr algn="ctr" fontAlgn="ctr"/>
                       <a:r>
-                        <a:rPr lang="en-US" altLang="zh-CN" sz="1100" b="0" i="0" u="none" strike="noStrike" dirty="0">
+                        <a:rPr lang="en-US" altLang="zh-CN" sz="1400" b="0" i="0" u="none" strike="noStrike" dirty="0">
                           <a:solidFill>
                             <a:srgbClr val="000000"/>
                           </a:solidFill>
@@ -10052,7 +10158,7 @@
                         </a:rPr>
                         <a:t>50%</a:t>
                       </a:r>
-                      <a:endParaRPr lang="zh-CN" altLang="en-US" sz="1100" b="0" i="0" u="none" strike="noStrike" dirty="0">
+                      <a:endParaRPr lang="zh-CN" altLang="en-US" sz="1400" b="0" i="0" u="none" strike="noStrike" dirty="0">
                         <a:solidFill>
                           <a:srgbClr val="000000"/>
                         </a:solidFill>
@@ -10072,7 +10178,7 @@
                     <a:p>
                       <a:pPr algn="ctr" fontAlgn="ctr"/>
                       <a:r>
-                        <a:rPr lang="en-US" altLang="zh-CN" sz="1100" b="0" i="0" u="none" strike="noStrike" dirty="0">
+                        <a:rPr lang="en-US" altLang="zh-CN" sz="1400" b="0" i="0" u="none" strike="noStrike" dirty="0">
                           <a:solidFill>
                             <a:srgbClr val="000000"/>
                           </a:solidFill>
@@ -10083,7 +10189,7 @@
                         </a:rPr>
                         <a:t>20%</a:t>
                       </a:r>
-                      <a:endParaRPr lang="zh-CN" altLang="en-US" sz="1100" b="0" i="0" u="none" strike="noStrike" dirty="0">
+                      <a:endParaRPr lang="zh-CN" altLang="en-US" sz="1400" b="0" i="0" u="none" strike="noStrike" dirty="0">
                         <a:solidFill>
                           <a:srgbClr val="000000"/>
                         </a:solidFill>
@@ -10103,7 +10209,7 @@
                     <a:p>
                       <a:pPr algn="ctr" fontAlgn="ctr"/>
                       <a:r>
-                        <a:rPr lang="en-US" altLang="zh-CN" sz="1100" b="0" i="0" u="none" strike="noStrike" dirty="0">
+                        <a:rPr lang="en-US" altLang="zh-CN" sz="1400" b="0" i="0" u="none" strike="noStrike" dirty="0">
                           <a:solidFill>
                             <a:srgbClr val="000000"/>
                           </a:solidFill>
@@ -10114,7 +10220,7 @@
                         </a:rPr>
                         <a:t>50~60%</a:t>
                       </a:r>
-                      <a:endParaRPr lang="zh-CN" altLang="en-US" sz="1100" b="0" i="0" u="none" strike="noStrike" dirty="0">
+                      <a:endParaRPr lang="zh-CN" altLang="en-US" sz="1400" b="0" i="0" u="none" strike="noStrike" dirty="0">
                         <a:solidFill>
                           <a:srgbClr val="000000"/>
                         </a:solidFill>
@@ -10134,14 +10240,14 @@
                     <a:p>
                       <a:pPr algn="ctr" fontAlgn="ctr"/>
                       <a:r>
-                        <a:rPr lang="en-US" sz="1100" u="none" strike="noStrike" dirty="0">
+                        <a:rPr lang="en-US" sz="1400" u="none" strike="noStrike" dirty="0">
                           <a:effectLst/>
                           <a:latin typeface="Times New Roman" panose="02020603050405020304" pitchFamily="18" charset="0"/>
                           <a:cs typeface="Times New Roman" panose="02020603050405020304" pitchFamily="18" charset="0"/>
                         </a:rPr>
                         <a:t>unknown</a:t>
                       </a:r>
-                      <a:endParaRPr lang="en-US" sz="1100" b="0" i="0" u="none" strike="noStrike" dirty="0">
+                      <a:endParaRPr lang="en-US" sz="1400" b="0" i="0" u="none" strike="noStrike" dirty="0">
                         <a:solidFill>
                           <a:srgbClr val="000000"/>
                         </a:solidFill>
@@ -10168,14 +10274,17 @@
                     <a:p>
                       <a:pPr algn="ctr" fontAlgn="ctr"/>
                       <a:r>
-                        <a:rPr lang="en-US" sz="1100" b="1" u="none" strike="noStrike" dirty="0">
+                        <a:rPr lang="en-US" sz="1400" b="1" u="none" strike="noStrike" dirty="0">
+                          <a:solidFill>
+                            <a:srgbClr val="263C88"/>
+                          </a:solidFill>
                           <a:effectLst/>
                         </a:rPr>
                         <a:t>Speedup</a:t>
                       </a:r>
-                      <a:endParaRPr lang="en-US" sz="1100" b="1" i="0" u="none" strike="noStrike" dirty="0">
+                      <a:endParaRPr lang="en-US" sz="1400" b="1" i="0" u="none" strike="noStrike" dirty="0">
                         <a:solidFill>
-                          <a:srgbClr val="000000"/>
+                          <a:srgbClr val="263C88"/>
                         </a:solidFill>
                         <a:effectLst/>
                         <a:latin typeface="等线" panose="02010600030101010101" pitchFamily="2" charset="-122"/>
@@ -10192,7 +10301,7 @@
                     <a:p>
                       <a:pPr algn="ctr" fontAlgn="ctr"/>
                       <a:r>
-                        <a:rPr lang="en-US" sz="1100" u="none" strike="noStrike" dirty="0">
+                        <a:rPr lang="en-US" sz="1400" u="none" strike="noStrike" dirty="0">
                           <a:effectLst/>
                           <a:latin typeface="Times New Roman" panose="02020603050405020304" pitchFamily="18" charset="0"/>
                           <a:cs typeface="Times New Roman" panose="02020603050405020304" pitchFamily="18" charset="0"/>
@@ -10203,7 +10312,7 @@
                     <a:p>
                       <a:pPr algn="ctr" fontAlgn="ctr"/>
                       <a:r>
-                        <a:rPr lang="en-US" sz="1100" u="none" strike="noStrike" dirty="0">
+                        <a:rPr lang="en-US" sz="1400" u="none" strike="noStrike" dirty="0">
                           <a:effectLst/>
                           <a:latin typeface="Times New Roman" panose="02020603050405020304" pitchFamily="18" charset="0"/>
                           <a:cs typeface="Times New Roman" panose="02020603050405020304" pitchFamily="18" charset="0"/>
@@ -10211,7 +10320,7 @@
                         <a:t>(use fp16</a:t>
                       </a:r>
                       <a:r>
-                        <a:rPr lang="zh-CN" altLang="en-US" sz="1100" u="none" strike="noStrike" dirty="0">
+                        <a:rPr lang="zh-CN" altLang="en-US" sz="1400" u="none" strike="noStrike" dirty="0">
                           <a:effectLst/>
                           <a:latin typeface="Times New Roman" panose="02020603050405020304" pitchFamily="18" charset="0"/>
                           <a:cs typeface="Times New Roman" panose="02020603050405020304" pitchFamily="18" charset="0"/>
@@ -10219,7 +10328,7 @@
                         <a:t> </a:t>
                       </a:r>
                       <a:r>
-                        <a:rPr lang="en-US" altLang="zh-CN" sz="1100" u="none" strike="noStrike" dirty="0">
+                        <a:rPr lang="en-US" altLang="zh-CN" sz="1400" u="none" strike="noStrike" dirty="0">
                           <a:effectLst/>
                           <a:latin typeface="Times New Roman" panose="02020603050405020304" pitchFamily="18" charset="0"/>
                           <a:cs typeface="Times New Roman" panose="02020603050405020304" pitchFamily="18" charset="0"/>
@@ -10227,7 +10336,7 @@
                         <a:t>for</a:t>
                       </a:r>
                       <a:r>
-                        <a:rPr lang="zh-CN" altLang="en-US" sz="1100" u="none" strike="noStrike" dirty="0">
+                        <a:rPr lang="zh-CN" altLang="en-US" sz="1400" u="none" strike="noStrike" dirty="0">
                           <a:effectLst/>
                           <a:latin typeface="Times New Roman" panose="02020603050405020304" pitchFamily="18" charset="0"/>
                           <a:cs typeface="Times New Roman" panose="02020603050405020304" pitchFamily="18" charset="0"/>
@@ -10235,7 +10344,7 @@
                         <a:t> </a:t>
                       </a:r>
                       <a:r>
-                        <a:rPr lang="en-US" altLang="zh-CN" sz="1100" u="none" strike="noStrike" dirty="0">
+                        <a:rPr lang="en-US" altLang="zh-CN" sz="1400" u="none" strike="noStrike" dirty="0">
                           <a:effectLst/>
                           <a:latin typeface="Times New Roman" panose="02020603050405020304" pitchFamily="18" charset="0"/>
                           <a:cs typeface="Times New Roman" panose="02020603050405020304" pitchFamily="18" charset="0"/>
@@ -10243,14 +10352,14 @@
                         <a:t>inference</a:t>
                       </a:r>
                       <a:r>
-                        <a:rPr lang="en-US" sz="1100" u="none" strike="noStrike" dirty="0">
+                        <a:rPr lang="en-US" sz="1400" u="none" strike="noStrike" dirty="0">
                           <a:effectLst/>
                           <a:latin typeface="Times New Roman" panose="02020603050405020304" pitchFamily="18" charset="0"/>
                           <a:cs typeface="Times New Roman" panose="02020603050405020304" pitchFamily="18" charset="0"/>
                         </a:rPr>
                         <a:t>)</a:t>
                       </a:r>
-                      <a:endParaRPr lang="en-US" sz="1100" b="0" i="0" u="none" strike="noStrike" dirty="0">
+                      <a:endParaRPr lang="en-US" sz="1400" b="0" i="0" u="none" strike="noStrike" dirty="0">
                         <a:solidFill>
                           <a:srgbClr val="000000"/>
                         </a:solidFill>
@@ -10270,7 +10379,7 @@
                     <a:p>
                       <a:pPr algn="ctr" fontAlgn="ctr"/>
                       <a:r>
-                        <a:rPr lang="en-US" sz="1100" u="none" strike="noStrike" dirty="0">
+                        <a:rPr lang="en-US" sz="1400" u="none" strike="noStrike" dirty="0">
                           <a:effectLst/>
                           <a:latin typeface="Times New Roman" panose="02020603050405020304" pitchFamily="18" charset="0"/>
                           <a:cs typeface="Times New Roman" panose="02020603050405020304" pitchFamily="18" charset="0"/>
@@ -10281,14 +10390,14 @@
                     <a:p>
                       <a:pPr algn="ctr" fontAlgn="ctr"/>
                       <a:r>
-                        <a:rPr lang="en-US" sz="1100" u="none" strike="noStrike" dirty="0">
+                        <a:rPr lang="en-US" sz="1400" u="none" strike="noStrike" dirty="0">
                           <a:effectLst/>
                           <a:latin typeface="Times New Roman" panose="02020603050405020304" pitchFamily="18" charset="0"/>
                           <a:cs typeface="Times New Roman" panose="02020603050405020304" pitchFamily="18" charset="0"/>
                         </a:rPr>
                         <a:t>(compared with fp16)</a:t>
                       </a:r>
-                      <a:endParaRPr lang="en-US" sz="1100" b="0" i="0" u="none" strike="noStrike" dirty="0">
+                      <a:endParaRPr lang="en-US" sz="1400" b="0" i="0" u="none" strike="noStrike" dirty="0">
                         <a:solidFill>
                           <a:srgbClr val="000000"/>
                         </a:solidFill>
@@ -10308,7 +10417,7 @@
                     <a:p>
                       <a:pPr algn="ctr" fontAlgn="ctr"/>
                       <a:r>
-                        <a:rPr lang="en-US" altLang="zh-CN" sz="1100" b="0" i="0" u="none" strike="noStrike" dirty="0">
+                        <a:rPr lang="en-US" altLang="zh-CN" sz="1400" b="0" i="0" u="none" strike="noStrike" dirty="0">
                           <a:solidFill>
                             <a:srgbClr val="000000"/>
                           </a:solidFill>
@@ -10319,7 +10428,7 @@
                         </a:rPr>
                         <a:t>Not mentioned</a:t>
                       </a:r>
-                      <a:endParaRPr lang="zh-CN" altLang="en-US" sz="1100" b="0" i="0" u="none" strike="noStrike" dirty="0">
+                      <a:endParaRPr lang="zh-CN" altLang="en-US" sz="1400" b="0" i="0" u="none" strike="noStrike" dirty="0">
                         <a:solidFill>
                           <a:srgbClr val="000000"/>
                         </a:solidFill>
@@ -10339,7 +10448,7 @@
                     <a:p>
                       <a:pPr algn="ctr" fontAlgn="ctr"/>
                       <a:r>
-                        <a:rPr lang="en-US" altLang="zh-CN" sz="1100" b="0" i="0" u="none" strike="noStrike" dirty="0">
+                        <a:rPr lang="en-US" altLang="zh-CN" sz="1400" b="0" i="0" u="none" strike="noStrike" dirty="0">
                           <a:solidFill>
                             <a:srgbClr val="000000"/>
                           </a:solidFill>
@@ -10350,7 +10459,7 @@
                         </a:rPr>
                         <a:t>Not mentioned</a:t>
                       </a:r>
-                      <a:endParaRPr lang="zh-CN" altLang="en-US" sz="1100" b="0" i="0" u="none" strike="noStrike" dirty="0">
+                      <a:endParaRPr lang="zh-CN" altLang="en-US" sz="1400" b="0" i="0" u="none" strike="noStrike" dirty="0">
                         <a:solidFill>
                           <a:srgbClr val="000000"/>
                         </a:solidFill>
@@ -10370,7 +10479,7 @@
                     <a:p>
                       <a:pPr algn="ctr" fontAlgn="ctr"/>
                       <a:r>
-                        <a:rPr lang="en-US" altLang="zh-CN" sz="1100" b="0" i="0" u="none" strike="noStrike" dirty="0">
+                        <a:rPr lang="en-US" altLang="zh-CN" sz="1400" b="0" i="0" u="none" strike="noStrike" dirty="0">
                           <a:solidFill>
                             <a:srgbClr val="000000"/>
                           </a:solidFill>
@@ -10381,7 +10490,7 @@
                         </a:rPr>
                         <a:t>Supports are essential from framework and hardware</a:t>
                       </a:r>
-                      <a:endParaRPr lang="zh-CN" altLang="en-US" sz="1100" b="0" i="0" u="none" strike="noStrike" dirty="0">
+                      <a:endParaRPr lang="zh-CN" altLang="en-US" sz="1400" b="0" i="0" u="none" strike="noStrike" dirty="0">
                         <a:solidFill>
                           <a:srgbClr val="000000"/>
                         </a:solidFill>
@@ -10401,14 +10510,14 @@
                     <a:p>
                       <a:pPr algn="ctr" fontAlgn="ctr"/>
                       <a:r>
-                        <a:rPr lang="en-US" sz="1100" u="none" strike="noStrike" dirty="0">
+                        <a:rPr lang="en-US" sz="1400" u="none" strike="noStrike" dirty="0">
                           <a:effectLst/>
                           <a:latin typeface="Times New Roman" panose="02020603050405020304" pitchFamily="18" charset="0"/>
                           <a:cs typeface="Times New Roman" panose="02020603050405020304" pitchFamily="18" charset="0"/>
                         </a:rPr>
                         <a:t>unknown</a:t>
                       </a:r>
-                      <a:endParaRPr lang="en-US" sz="1100" b="0" i="0" u="none" strike="noStrike" dirty="0">
+                      <a:endParaRPr lang="en-US" sz="1400" b="0" i="0" u="none" strike="noStrike" dirty="0">
                         <a:solidFill>
                           <a:srgbClr val="000000"/>
                         </a:solidFill>
@@ -10435,14 +10544,17 @@
                     <a:p>
                       <a:pPr algn="ctr" fontAlgn="ctr"/>
                       <a:r>
-                        <a:rPr lang="en-US" sz="1100" b="1" u="none" strike="noStrike" dirty="0">
+                        <a:rPr lang="en-US" sz="1400" b="1" u="none" strike="noStrike" dirty="0">
+                          <a:solidFill>
+                            <a:srgbClr val="263C88"/>
+                          </a:solidFill>
                           <a:effectLst/>
                         </a:rPr>
                         <a:t>Performance</a:t>
                       </a:r>
-                      <a:endParaRPr lang="en-US" sz="1100" b="1" i="0" u="none" strike="noStrike" dirty="0">
+                      <a:endParaRPr lang="en-US" sz="1400" b="1" i="0" u="none" strike="noStrike" dirty="0">
                         <a:solidFill>
-                          <a:srgbClr val="000000"/>
+                          <a:srgbClr val="263C88"/>
                         </a:solidFill>
                         <a:effectLst/>
                         <a:latin typeface="等线" panose="02010600030101010101" pitchFamily="2" charset="-122"/>
@@ -10459,7 +10571,7 @@
                     <a:p>
                       <a:pPr algn="ctr" fontAlgn="ctr"/>
                       <a:r>
-                        <a:rPr lang="en-US" sz="1100" b="0" i="0" u="none" strike="noStrike" dirty="0">
+                        <a:rPr lang="en-US" sz="1400" b="0" i="0" u="none" strike="noStrike" dirty="0">
                           <a:solidFill>
                             <a:srgbClr val="000000"/>
                           </a:solidFill>
@@ -10474,7 +10586,7 @@
                     <a:p>
                       <a:pPr algn="ctr" fontAlgn="ctr"/>
                       <a:r>
-                        <a:rPr lang="en-US" sz="1100" b="0" i="0" u="none" strike="noStrike" dirty="0">
+                        <a:rPr lang="en-US" sz="1400" b="0" i="0" u="none" strike="noStrike" dirty="0">
                           <a:solidFill>
                             <a:srgbClr val="000000"/>
                           </a:solidFill>
@@ -10496,7 +10608,7 @@
                     <a:p>
                       <a:pPr algn="ctr" fontAlgn="ctr"/>
                       <a:r>
-                        <a:rPr lang="en-US" altLang="zh-CN" sz="1100" b="0" i="0" u="none" strike="noStrike" dirty="0">
+                        <a:rPr lang="en-US" altLang="zh-CN" sz="1400" b="0" i="0" u="none" strike="noStrike" dirty="0">
                           <a:solidFill>
                             <a:srgbClr val="000000"/>
                           </a:solidFill>
@@ -10507,7 +10619,7 @@
                         </a:rPr>
                         <a:t>Nearly the same as fp16 on PPL </a:t>
                       </a:r>
-                      <a:endParaRPr lang="zh-CN" altLang="en-US" sz="1100" b="0" i="0" u="none" strike="noStrike" dirty="0">
+                      <a:endParaRPr lang="zh-CN" altLang="en-US" sz="1400" b="0" i="0" u="none" strike="noStrike" dirty="0">
                         <a:solidFill>
                           <a:srgbClr val="000000"/>
                         </a:solidFill>
@@ -10527,7 +10639,7 @@
                     <a:p>
                       <a:pPr algn="ctr" fontAlgn="ctr"/>
                       <a:r>
-                        <a:rPr lang="en-US" altLang="zh-CN" sz="1100" b="0" i="0" u="none" strike="noStrike" dirty="0">
+                        <a:rPr lang="en-US" altLang="zh-CN" sz="1400" b="0" i="0" u="none" strike="noStrike" dirty="0">
                           <a:solidFill>
                             <a:srgbClr val="000000"/>
                           </a:solidFill>
@@ -10538,7 +10650,7 @@
                         </a:rPr>
                         <a:t>2~3 points drop of feedback from GPT4</a:t>
                       </a:r>
-                      <a:endParaRPr lang="zh-CN" altLang="en-US" sz="1100" b="0" i="0" u="none" strike="noStrike" dirty="0">
+                      <a:endParaRPr lang="zh-CN" altLang="en-US" sz="1400" b="0" i="0" u="none" strike="noStrike" dirty="0">
                         <a:solidFill>
                           <a:srgbClr val="000000"/>
                         </a:solidFill>
@@ -10558,7 +10670,7 @@
                     <a:p>
                       <a:pPr algn="ctr" fontAlgn="ctr"/>
                       <a:r>
-                        <a:rPr lang="en-US" altLang="zh-CN" sz="1100" b="0" i="0" u="none" strike="noStrike" dirty="0">
+                        <a:rPr lang="en-US" altLang="zh-CN" sz="1400" b="0" i="0" u="none" strike="noStrike" dirty="0">
                           <a:solidFill>
                             <a:srgbClr val="000000"/>
                           </a:solidFill>
@@ -10569,7 +10681,7 @@
                         </a:rPr>
                         <a:t>10% drop on </a:t>
                       </a:r>
-                      <a:endParaRPr lang="zh-CN" altLang="en-US" sz="1100" b="0" i="0" u="none" strike="noStrike" dirty="0">
+                      <a:endParaRPr lang="zh-CN" altLang="en-US" sz="1400" b="0" i="0" u="none" strike="noStrike" dirty="0">
                         <a:solidFill>
                           <a:srgbClr val="000000"/>
                         </a:solidFill>
@@ -10589,7 +10701,7 @@
                     <a:p>
                       <a:pPr algn="ctr" fontAlgn="ctr"/>
                       <a:r>
-                        <a:rPr lang="en-US" altLang="zh-CN" sz="1100" b="0" i="0" u="none" strike="noStrike" dirty="0">
+                        <a:rPr lang="en-US" altLang="zh-CN" sz="1400" b="0" i="0" u="none" strike="noStrike" dirty="0">
                           <a:solidFill>
                             <a:srgbClr val="000000"/>
                           </a:solidFill>
@@ -10600,7 +10712,7 @@
                         </a:rPr>
                         <a:t>Little drop on some few-shot tasks</a:t>
                       </a:r>
-                      <a:endParaRPr lang="zh-CN" altLang="en-US" sz="1100" b="0" i="0" u="none" strike="noStrike" dirty="0">
+                      <a:endParaRPr lang="zh-CN" altLang="en-US" sz="1400" b="0" i="0" u="none" strike="noStrike" dirty="0">
                         <a:solidFill>
                           <a:srgbClr val="000000"/>
                         </a:solidFill>
@@ -10620,14 +10732,14 @@
                     <a:p>
                       <a:pPr algn="ctr" fontAlgn="ctr"/>
                       <a:r>
-                        <a:rPr lang="en-US" sz="1100" u="none" strike="noStrike" dirty="0">
+                        <a:rPr lang="en-US" sz="1400" u="none" strike="noStrike" dirty="0">
                           <a:effectLst/>
                           <a:latin typeface="Times New Roman" panose="02020603050405020304" pitchFamily="18" charset="0"/>
                           <a:cs typeface="Times New Roman" panose="02020603050405020304" pitchFamily="18" charset="0"/>
                         </a:rPr>
                         <a:t>unknown</a:t>
                       </a:r>
-                      <a:endParaRPr lang="en-US" sz="1100" b="0" i="0" u="none" strike="noStrike" dirty="0">
+                      <a:endParaRPr lang="en-US" sz="1400" b="0" i="0" u="none" strike="noStrike" dirty="0">
                         <a:solidFill>
                           <a:srgbClr val="000000"/>
                         </a:solidFill>
@@ -10654,14 +10766,17 @@
                     <a:p>
                       <a:pPr algn="ctr" fontAlgn="ctr"/>
                       <a:r>
-                        <a:rPr lang="en-US" sz="1100" b="1" u="none" strike="noStrike" dirty="0">
+                        <a:rPr lang="en-US" sz="1400" b="1" u="none" strike="noStrike" dirty="0">
+                          <a:solidFill>
+                            <a:srgbClr val="263C88"/>
+                          </a:solidFill>
                           <a:effectLst/>
                         </a:rPr>
                         <a:t>Note</a:t>
                       </a:r>
-                      <a:endParaRPr lang="en-US" sz="1100" b="1" i="0" u="none" strike="noStrike" dirty="0">
+                      <a:endParaRPr lang="en-US" sz="1400" b="1" i="0" u="none" strike="noStrike" dirty="0">
                         <a:solidFill>
-                          <a:srgbClr val="000000"/>
+                          <a:srgbClr val="263C88"/>
                         </a:solidFill>
                         <a:effectLst/>
                         <a:latin typeface="等线" panose="02010600030101010101" pitchFamily="2" charset="-122"/>
@@ -10678,14 +10793,14 @@
                     <a:p>
                       <a:pPr algn="ctr" fontAlgn="ctr"/>
                       <a:r>
-                        <a:rPr lang="en-US" sz="1100" u="none" strike="noStrike">
+                        <a:rPr lang="en-US" sz="1400" u="none" strike="noStrike">
                           <a:effectLst/>
                           <a:latin typeface="Times New Roman" panose="02020603050405020304" pitchFamily="18" charset="0"/>
                           <a:cs typeface="Times New Roman" panose="02020603050405020304" pitchFamily="18" charset="0"/>
                         </a:rPr>
                         <a:t>Widely used in industry</a:t>
                       </a:r>
-                      <a:endParaRPr lang="en-US" sz="1100" b="0" i="0" u="none" strike="noStrike">
+                      <a:endParaRPr lang="en-US" sz="1400" b="0" i="0" u="none" strike="noStrike">
                         <a:solidFill>
                           <a:srgbClr val="000000"/>
                         </a:solidFill>
@@ -10705,7 +10820,7 @@
                     <a:p>
                       <a:pPr algn="ctr" fontAlgn="ctr"/>
                       <a:r>
-                        <a:rPr lang="en-US" altLang="zh-CN" sz="1100" b="0" i="0" u="none" strike="noStrike" dirty="0">
+                        <a:rPr lang="en-US" altLang="zh-CN" sz="1400" b="0" i="0" u="none" strike="noStrike" dirty="0">
                           <a:solidFill>
                             <a:srgbClr val="000000"/>
                           </a:solidFill>
@@ -10716,7 +10831,7 @@
                         </a:rPr>
                         <a:t>Practical performance remains testing</a:t>
                       </a:r>
-                      <a:endParaRPr lang="zh-CN" altLang="en-US" sz="1100" b="0" i="0" u="none" strike="noStrike" dirty="0">
+                      <a:endParaRPr lang="zh-CN" altLang="en-US" sz="1400" b="0" i="0" u="none" strike="noStrike" dirty="0">
                         <a:solidFill>
                           <a:srgbClr val="000000"/>
                         </a:solidFill>
@@ -10735,7 +10850,7 @@
                     <a:lstStyle/>
                     <a:p>
                       <a:pPr algn="ctr" fontAlgn="ctr"/>
-                      <a:endParaRPr lang="zh-CN" altLang="en-US" sz="1100" b="0" i="0" u="none" strike="noStrike" dirty="0">
+                      <a:endParaRPr lang="zh-CN" altLang="en-US" sz="1400" b="0" i="0" u="none" strike="noStrike" dirty="0">
                         <a:solidFill>
                           <a:srgbClr val="000000"/>
                         </a:solidFill>
@@ -10755,7 +10870,7 @@
                     <a:p>
                       <a:pPr algn="ctr" fontAlgn="ctr"/>
                       <a:r>
-                        <a:rPr lang="en-US" altLang="zh-CN" sz="1100" b="0" i="0" u="none" strike="noStrike" dirty="0">
+                        <a:rPr lang="en-US" altLang="zh-CN" sz="1400" b="0" i="0" u="none" strike="noStrike" dirty="0">
                           <a:solidFill>
                             <a:srgbClr val="000000"/>
                           </a:solidFill>
@@ -10766,7 +10881,7 @@
                         </a:rPr>
                         <a:t>Inexpertly obtain increase on some tasks</a:t>
                       </a:r>
-                      <a:endParaRPr lang="zh-CN" altLang="en-US" sz="1100" b="0" i="0" u="none" strike="noStrike" dirty="0">
+                      <a:endParaRPr lang="zh-CN" altLang="en-US" sz="1400" b="0" i="0" u="none" strike="noStrike" dirty="0">
                         <a:solidFill>
                           <a:srgbClr val="000000"/>
                         </a:solidFill>
@@ -10785,7 +10900,7 @@
                     <a:lstStyle/>
                     <a:p>
                       <a:pPr algn="ctr" fontAlgn="ctr"/>
-                      <a:endParaRPr lang="zh-CN" altLang="en-US" sz="1100" b="0" i="0" u="none" strike="noStrike">
+                      <a:endParaRPr lang="zh-CN" altLang="en-US" sz="1400" b="0" i="0" u="none" strike="noStrike" dirty="0">
                         <a:solidFill>
                           <a:srgbClr val="000000"/>
                         </a:solidFill>
@@ -10805,14 +10920,14 @@
                     <a:p>
                       <a:pPr algn="ctr" fontAlgn="ctr"/>
                       <a:r>
-                        <a:rPr lang="en-US" sz="1100" u="none" strike="noStrike" dirty="0">
+                        <a:rPr lang="en-US" sz="1400" u="none" strike="noStrike" dirty="0">
                           <a:effectLst/>
                           <a:latin typeface="Times New Roman" panose="02020603050405020304" pitchFamily="18" charset="0"/>
                           <a:cs typeface="Times New Roman" panose="02020603050405020304" pitchFamily="18" charset="0"/>
                         </a:rPr>
                         <a:t>unknown</a:t>
                       </a:r>
-                      <a:endParaRPr lang="en-US" sz="1100" b="0" i="0" u="none" strike="noStrike" dirty="0">
+                      <a:endParaRPr lang="en-US" sz="1400" b="0" i="0" u="none" strike="noStrike" dirty="0">
                         <a:solidFill>
                           <a:srgbClr val="000000"/>
                         </a:solidFill>
@@ -11116,7 +11231,7 @@
         <p:spPr>
           <a:xfrm>
             <a:off x="823197" y="1531296"/>
-            <a:ext cx="4946783" cy="3752437"/>
+            <a:ext cx="4946783" cy="4670317"/>
           </a:xfrm>
           <a:prstGeom prst="rect">
             <a:avLst/>
@@ -11135,7 +11250,7 @@
               </a:lnSpc>
             </a:pPr>
             <a:r>
-              <a:rPr lang="en-US" altLang="zh-CN" sz="1600" b="1" dirty="0">
+              <a:rPr lang="en-US" altLang="zh-CN" b="1" dirty="0">
                 <a:solidFill>
                   <a:srgbClr val="263C88"/>
                 </a:solidFill>
@@ -11145,7 +11260,7 @@
               </a:rPr>
               <a:t>Suitable metrics</a:t>
             </a:r>
-            <a:endParaRPr lang="en-US" altLang="zh-CN" sz="1200" b="1" dirty="0">
+            <a:endParaRPr lang="en-US" altLang="zh-CN" sz="1400" b="1" dirty="0">
               <a:solidFill>
                 <a:srgbClr val="263C88"/>
               </a:solidFill>
@@ -11163,7 +11278,7 @@
               <a:buChar char="•"/>
             </a:pPr>
             <a:r>
-              <a:rPr lang="en-US" altLang="zh-CN" sz="1200" dirty="0">
+              <a:rPr lang="en-US" altLang="zh-CN" sz="1400" dirty="0">
                 <a:latin typeface="Times New Roman" panose="02020603050405020304" pitchFamily="18" charset="0"/>
                 <a:ea typeface="思源黑体 CN Medium" panose="020B0600000000000000"/>
                 <a:cs typeface="Times New Roman" panose="02020603050405020304" pitchFamily="18" charset="0"/>
@@ -11180,7 +11295,7 @@
               <a:buChar char="•"/>
             </a:pPr>
             <a:r>
-              <a:rPr lang="en-US" altLang="zh-CN" sz="1200" dirty="0">
+              <a:rPr lang="en-US" altLang="zh-CN" sz="1400" dirty="0">
                 <a:latin typeface="Times New Roman" panose="02020603050405020304" pitchFamily="18" charset="0"/>
                 <a:ea typeface="思源黑体 CN Medium" panose="020B0600000000000000"/>
                 <a:cs typeface="Times New Roman" panose="02020603050405020304" pitchFamily="18" charset="0"/>
@@ -11197,7 +11312,7 @@
               <a:buChar char="•"/>
             </a:pPr>
             <a:r>
-              <a:rPr lang="en-US" altLang="zh-CN" sz="1200" dirty="0">
+              <a:rPr lang="en-US" altLang="zh-CN" sz="1400" dirty="0">
                 <a:latin typeface="Times New Roman" panose="02020603050405020304" pitchFamily="18" charset="0"/>
                 <a:ea typeface="思源黑体 CN Medium" panose="020B0600000000000000"/>
                 <a:cs typeface="Times New Roman" panose="02020603050405020304" pitchFamily="18" charset="0"/>
@@ -11205,7 +11320,7 @@
               <a:t>Is that sensible? In fact, what we concerned about is the ability of LLMs like QA, </a:t>
             </a:r>
             <a:r>
-              <a:rPr lang="en-US" altLang="zh-CN" sz="1200" dirty="0" err="1">
+              <a:rPr lang="en-US" altLang="zh-CN" sz="1400" dirty="0" err="1">
                 <a:latin typeface="Times New Roman" panose="02020603050405020304" pitchFamily="18" charset="0"/>
                 <a:ea typeface="思源黑体 CN Medium" panose="020B0600000000000000"/>
                 <a:cs typeface="Times New Roman" panose="02020603050405020304" pitchFamily="18" charset="0"/>
@@ -11213,7 +11328,7 @@
               <a:t>CoT</a:t>
             </a:r>
             <a:r>
-              <a:rPr lang="en-US" altLang="zh-CN" sz="1200" dirty="0">
+              <a:rPr lang="en-US" altLang="zh-CN" sz="1400" dirty="0">
                 <a:latin typeface="Times New Roman" panose="02020603050405020304" pitchFamily="18" charset="0"/>
                 <a:ea typeface="思源黑体 CN Medium" panose="020B0600000000000000"/>
                 <a:cs typeface="Times New Roman" panose="02020603050405020304" pitchFamily="18" charset="0"/>
@@ -11227,7 +11342,7 @@
                 <a:spcPct val="150000"/>
               </a:lnSpc>
             </a:pPr>
-            <a:endParaRPr lang="en-US" altLang="zh-CN" sz="1200" dirty="0">
+            <a:endParaRPr lang="en-US" altLang="zh-CN" sz="1400" dirty="0">
               <a:latin typeface="Times New Roman" panose="02020603050405020304" pitchFamily="18" charset="0"/>
               <a:ea typeface="思源黑体 CN Medium" panose="020B0600000000000000"/>
               <a:cs typeface="Times New Roman" panose="02020603050405020304" pitchFamily="18" charset="0"/>
@@ -11242,7 +11357,7 @@
               <a:buChar char="•"/>
             </a:pPr>
             <a:r>
-              <a:rPr lang="en-US" altLang="zh-CN" sz="1200" dirty="0">
+              <a:rPr lang="en-US" altLang="zh-CN" sz="1400" dirty="0">
                 <a:latin typeface="Times New Roman" panose="02020603050405020304" pitchFamily="18" charset="0"/>
                 <a:ea typeface="思源黑体 CN Medium" panose="020B0600000000000000"/>
                 <a:cs typeface="Times New Roman" panose="02020603050405020304" pitchFamily="18" charset="0"/>
@@ -11259,7 +11374,7 @@
               <a:buChar char="•"/>
             </a:pPr>
             <a:r>
-              <a:rPr lang="en-US" altLang="zh-CN" sz="1200" dirty="0">
+              <a:rPr lang="en-US" altLang="zh-CN" sz="1400" dirty="0">
                 <a:latin typeface="Times New Roman" panose="02020603050405020304" pitchFamily="18" charset="0"/>
                 <a:ea typeface="思源黑体 CN Medium" panose="020B0600000000000000"/>
                 <a:cs typeface="Times New Roman" panose="02020603050405020304" pitchFamily="18" charset="0"/>
@@ -11276,7 +11391,7 @@
               <a:buChar char="•"/>
             </a:pPr>
             <a:r>
-              <a:rPr lang="en-US" altLang="zh-CN" sz="1200" dirty="0">
+              <a:rPr lang="en-US" altLang="zh-CN" sz="1400" dirty="0">
                 <a:latin typeface="Times New Roman" panose="02020603050405020304" pitchFamily="18" charset="0"/>
                 <a:ea typeface="思源黑体 CN Medium" panose="020B0600000000000000"/>
                 <a:cs typeface="Times New Roman" panose="02020603050405020304" pitchFamily="18" charset="0"/>
@@ -11284,7 +11399,7 @@
               <a:t>Current quantization methods are more successful in perpetuating performance in comparison to </a:t>
             </a:r>
             <a:r>
-              <a:rPr lang="en-US" altLang="zh-CN" sz="1200" dirty="0" err="1">
+              <a:rPr lang="en-US" altLang="zh-CN" sz="1400" dirty="0" err="1">
                 <a:latin typeface="Times New Roman" panose="02020603050405020304" pitchFamily="18" charset="0"/>
                 <a:ea typeface="思源黑体 CN Medium" panose="020B0600000000000000"/>
                 <a:cs typeface="Times New Roman" panose="02020603050405020304" pitchFamily="18" charset="0"/>
@@ -11292,7 +11407,7 @@
               <a:t>SoTA</a:t>
             </a:r>
             <a:r>
-              <a:rPr lang="en-US" altLang="zh-CN" sz="1200" dirty="0">
+              <a:rPr lang="en-US" altLang="zh-CN" sz="1400" dirty="0">
                 <a:latin typeface="Times New Roman" panose="02020603050405020304" pitchFamily="18" charset="0"/>
                 <a:ea typeface="思源黑体 CN Medium" panose="020B0600000000000000"/>
                 <a:cs typeface="Times New Roman" panose="02020603050405020304" pitchFamily="18" charset="0"/>
@@ -11668,7 +11783,7 @@
         <p:spPr>
           <a:xfrm>
             <a:off x="840559" y="1531296"/>
-            <a:ext cx="5255440" cy="4860433"/>
+            <a:ext cx="5255440" cy="4993483"/>
           </a:xfrm>
           <a:prstGeom prst="rect">
             <a:avLst/>
@@ -11687,7 +11802,7 @@
               </a:lnSpc>
             </a:pPr>
             <a:r>
-              <a:rPr lang="en-US" altLang="zh-CN" sz="1600" b="1" dirty="0">
+              <a:rPr lang="en-US" altLang="zh-CN" b="1" dirty="0">
                 <a:solidFill>
                   <a:srgbClr val="263C88"/>
                 </a:solidFill>
@@ -11697,7 +11812,7 @@
               </a:rPr>
               <a:t>Advantages of low-rank approximation</a:t>
             </a:r>
-            <a:endParaRPr lang="en-US" altLang="zh-CN" sz="1200" b="1" dirty="0">
+            <a:endParaRPr lang="en-US" altLang="zh-CN" sz="1400" b="1" dirty="0">
               <a:solidFill>
                 <a:srgbClr val="263C88"/>
               </a:solidFill>
@@ -11715,12 +11830,44 @@
               <a:buChar char="•"/>
             </a:pPr>
             <a:r>
-              <a:rPr lang="en-US" altLang="zh-CN" sz="1200" dirty="0">
-                <a:latin typeface="Times New Roman" panose="02020603050405020304" pitchFamily="18" charset="0"/>
-                <a:ea typeface="思源黑体 CN Medium" panose="020B0600000000000000"/>
-                <a:cs typeface="Times New Roman" panose="02020603050405020304" pitchFamily="18" charset="0"/>
-              </a:rPr>
-              <a:t>Has been proved to work in PEFT: LoRA.</a:t>
+              <a:rPr lang="en-US" altLang="zh-CN" sz="1400" dirty="0">
+                <a:latin typeface="Times New Roman" panose="02020603050405020304" pitchFamily="18" charset="0"/>
+                <a:ea typeface="思源黑体 CN Medium" panose="020B0600000000000000"/>
+                <a:cs typeface="Times New Roman" panose="02020603050405020304" pitchFamily="18" charset="0"/>
+              </a:rPr>
+              <a:t>Has been proved to </a:t>
+            </a:r>
+            <a:r>
+              <a:rPr lang="en-US" altLang="zh-CN" sz="1400" b="1" dirty="0">
+                <a:latin typeface="Times New Roman" panose="02020603050405020304" pitchFamily="18" charset="0"/>
+                <a:ea typeface="思源黑体 CN Medium" panose="020B0600000000000000"/>
+                <a:cs typeface="Times New Roman" panose="02020603050405020304" pitchFamily="18" charset="0"/>
+              </a:rPr>
+              <a:t>work in PEFT</a:t>
+            </a:r>
+            <a:r>
+              <a:rPr lang="en-US" altLang="zh-CN" sz="1400" dirty="0">
+                <a:latin typeface="Times New Roman" panose="02020603050405020304" pitchFamily="18" charset="0"/>
+                <a:ea typeface="思源黑体 CN Medium" panose="020B0600000000000000"/>
+                <a:cs typeface="Times New Roman" panose="02020603050405020304" pitchFamily="18" charset="0"/>
+              </a:rPr>
+              <a:t>: </a:t>
+            </a:r>
+            <a:r>
+              <a:rPr lang="en-US" altLang="zh-CN" sz="1400" dirty="0" err="1">
+                <a:latin typeface="Times New Roman" panose="02020603050405020304" pitchFamily="18" charset="0"/>
+                <a:ea typeface="思源黑体 CN Medium" panose="020B0600000000000000"/>
+                <a:cs typeface="Times New Roman" panose="02020603050405020304" pitchFamily="18" charset="0"/>
+              </a:rPr>
+              <a:t>LoRA</a:t>
+            </a:r>
+            <a:r>
+              <a:rPr lang="en-US" altLang="zh-CN" sz="1400" dirty="0">
+                <a:latin typeface="Times New Roman" panose="02020603050405020304" pitchFamily="18" charset="0"/>
+                <a:ea typeface="思源黑体 CN Medium" panose="020B0600000000000000"/>
+                <a:cs typeface="Times New Roman" panose="02020603050405020304" pitchFamily="18" charset="0"/>
+              </a:rPr>
+              <a:t>.</a:t>
             </a:r>
           </a:p>
           <a:p>
@@ -11731,11 +11878,30 @@
               <a:buFont typeface="Arial" panose="020B0604020202020204" pitchFamily="34" charset="0"/>
               <a:buChar char="•"/>
             </a:pPr>
-            <a:endParaRPr lang="en-US" altLang="zh-CN" sz="1200" dirty="0">
-              <a:latin typeface="Times New Roman" panose="02020603050405020304" pitchFamily="18" charset="0"/>
-              <a:ea typeface="思源黑体 CN Medium" panose="020B0600000000000000"/>
-              <a:cs typeface="Times New Roman" panose="02020603050405020304" pitchFamily="18" charset="0"/>
-            </a:endParaRPr>
+            <a:r>
+              <a:rPr lang="en-US" altLang="zh-CN" sz="1400" dirty="0">
+                <a:latin typeface="Times New Roman" panose="02020603050405020304" pitchFamily="18" charset="0"/>
+                <a:ea typeface="思源黑体 CN Medium" panose="020B0600000000000000"/>
+                <a:cs typeface="Times New Roman" panose="02020603050405020304" pitchFamily="18" charset="0"/>
+              </a:rPr>
+              <a:t>Theoretically, features are approximately presented instead of being </a:t>
+            </a:r>
+            <a:r>
+              <a:rPr lang="en-US" altLang="zh-CN" sz="1400" b="1" dirty="0">
+                <a:latin typeface="Times New Roman" panose="02020603050405020304" pitchFamily="18" charset="0"/>
+                <a:ea typeface="思源黑体 CN Medium" panose="020B0600000000000000"/>
+                <a:cs typeface="Times New Roman" panose="02020603050405020304" pitchFamily="18" charset="0"/>
+              </a:rPr>
+              <a:t>discarded</a:t>
+            </a:r>
+            <a:r>
+              <a:rPr lang="en-US" altLang="zh-CN" sz="1400" dirty="0">
+                <a:latin typeface="Times New Roman" panose="02020603050405020304" pitchFamily="18" charset="0"/>
+                <a:ea typeface="思源黑体 CN Medium" panose="020B0600000000000000"/>
+                <a:cs typeface="Times New Roman" panose="02020603050405020304" pitchFamily="18" charset="0"/>
+              </a:rPr>
+              <a:t>, aligning with the well working methods like quantization and UP. </a:t>
+            </a:r>
           </a:p>
           <a:p>
             <a:pPr marL="342900" indent="-342900" algn="just">
@@ -11746,13 +11912,34 @@
               <a:buChar char="•"/>
             </a:pPr>
             <a:r>
-              <a:rPr lang="en-US" altLang="zh-CN" sz="1200" dirty="0">
-                <a:latin typeface="Times New Roman" panose="02020603050405020304" pitchFamily="18" charset="0"/>
-                <a:ea typeface="思源黑体 CN Medium" panose="020B0600000000000000"/>
-                <a:cs typeface="Times New Roman" panose="02020603050405020304" pitchFamily="18" charset="0"/>
-              </a:rPr>
-              <a:t>Theoretically, features are approximately presented instead of being discarded, aligning with the well working methods like quantization and UP. </a:t>
-            </a:r>
+              <a:rPr lang="en-US" altLang="zh-CN" sz="1400" dirty="0">
+                <a:latin typeface="Times New Roman" panose="02020603050405020304" pitchFamily="18" charset="0"/>
+                <a:ea typeface="思源黑体 CN Medium" panose="020B0600000000000000"/>
+                <a:cs typeface="Times New Roman" panose="02020603050405020304" pitchFamily="18" charset="0"/>
+              </a:rPr>
+              <a:t>More </a:t>
+            </a:r>
+            <a:r>
+              <a:rPr lang="en-US" altLang="zh-CN" sz="1400" b="1" dirty="0">
+                <a:latin typeface="Times New Roman" panose="02020603050405020304" pitchFamily="18" charset="0"/>
+                <a:ea typeface="思源黑体 CN Medium" panose="020B0600000000000000"/>
+                <a:cs typeface="Times New Roman" panose="02020603050405020304" pitchFamily="18" charset="0"/>
+              </a:rPr>
+              <a:t>general</a:t>
+            </a:r>
+            <a:r>
+              <a:rPr lang="en-US" altLang="zh-CN" sz="1400" dirty="0">
+                <a:latin typeface="Times New Roman" panose="02020603050405020304" pitchFamily="18" charset="0"/>
+                <a:ea typeface="思源黑体 CN Medium" panose="020B0600000000000000"/>
+                <a:cs typeface="Times New Roman" panose="02020603050405020304" pitchFamily="18" charset="0"/>
+              </a:rPr>
+              <a:t> compared with KD, which is sensitive to hyperparameter choices and training tricks.</a:t>
+            </a:r>
+            <a:endParaRPr lang="en-US" altLang="zh-CN" sz="1400" b="1" dirty="0">
+              <a:latin typeface="Times New Roman" panose="02020603050405020304" pitchFamily="18" charset="0"/>
+              <a:ea typeface="思源黑体 CN Medium" panose="020B0600000000000000"/>
+              <a:cs typeface="Times New Roman" panose="02020603050405020304" pitchFamily="18" charset="0"/>
+            </a:endParaRPr>
           </a:p>
           <a:p>
             <a:pPr marL="342900" indent="-342900" algn="just">
@@ -11762,11 +11949,30 @@
               <a:buFont typeface="Arial" panose="020B0604020202020204" pitchFamily="34" charset="0"/>
               <a:buChar char="•"/>
             </a:pPr>
-            <a:endParaRPr lang="en-US" altLang="zh-CN" sz="1200" dirty="0">
-              <a:latin typeface="Times New Roman" panose="02020603050405020304" pitchFamily="18" charset="0"/>
-              <a:ea typeface="思源黑体 CN Medium" panose="020B0600000000000000"/>
-              <a:cs typeface="Times New Roman" panose="02020603050405020304" pitchFamily="18" charset="0"/>
-            </a:endParaRPr>
+            <a:r>
+              <a:rPr lang="en-US" altLang="zh-CN" sz="1400" dirty="0">
+                <a:latin typeface="Times New Roman" panose="02020603050405020304" pitchFamily="18" charset="0"/>
+                <a:ea typeface="思源黑体 CN Medium" panose="020B0600000000000000"/>
+                <a:cs typeface="Times New Roman" panose="02020603050405020304" pitchFamily="18" charset="0"/>
+              </a:rPr>
+              <a:t>Overcome the</a:t>
+            </a:r>
+            <a:r>
+              <a:rPr lang="zh-CN" altLang="en-US" sz="1400" dirty="0">
+                <a:latin typeface="Times New Roman" panose="02020603050405020304" pitchFamily="18" charset="0"/>
+                <a:ea typeface="思源黑体 CN Medium" panose="020B0600000000000000"/>
+                <a:cs typeface="Times New Roman" panose="02020603050405020304" pitchFamily="18" charset="0"/>
+              </a:rPr>
+              <a:t> </a:t>
+            </a:r>
+            <a:r>
+              <a:rPr lang="en-US" altLang="zh-CN" sz="1400" dirty="0">
+                <a:latin typeface="Times New Roman" panose="02020603050405020304" pitchFamily="18" charset="0"/>
+                <a:ea typeface="思源黑体 CN Medium" panose="020B0600000000000000"/>
+                <a:cs typeface="Times New Roman" panose="02020603050405020304" pitchFamily="18" charset="0"/>
+              </a:rPr>
+              <a:t>weakness of UP: supports from framework and hardware.</a:t>
+            </a:r>
           </a:p>
           <a:p>
             <a:pPr marL="342900" indent="-342900" algn="just">
@@ -11777,12 +11983,12 @@
               <a:buChar char="•"/>
             </a:pPr>
             <a:r>
-              <a:rPr lang="en-US" altLang="zh-CN" sz="1200" dirty="0">
-                <a:latin typeface="Times New Roman" panose="02020603050405020304" pitchFamily="18" charset="0"/>
-                <a:ea typeface="思源黑体 CN Medium" panose="020B0600000000000000"/>
-                <a:cs typeface="Times New Roman" panose="02020603050405020304" pitchFamily="18" charset="0"/>
-              </a:rPr>
-              <a:t>More general compared with KD, which is sensitive to hyperparameter choices and training tricks.</a:t>
+              <a:rPr lang="en-US" altLang="zh-CN" sz="1400" dirty="0">
+                <a:latin typeface="Times New Roman" panose="02020603050405020304" pitchFamily="18" charset="0"/>
+                <a:ea typeface="思源黑体 CN Medium" panose="020B0600000000000000"/>
+                <a:cs typeface="Times New Roman" panose="02020603050405020304" pitchFamily="18" charset="0"/>
+              </a:rPr>
+              <a:t>When doing further clips that are lower than int4, quantization meets a significant drop in performance. It is also not quite practically useful because most devices do not support int4, so it will only benefit memory and IO costs.</a:t>
             </a:r>
           </a:p>
           <a:p>
@@ -11793,100 +11999,8 @@
               <a:buFont typeface="Arial" panose="020B0604020202020204" pitchFamily="34" charset="0"/>
               <a:buChar char="•"/>
             </a:pPr>
-            <a:endParaRPr lang="en-US" altLang="zh-CN" sz="1200" b="1" dirty="0">
-              <a:latin typeface="Times New Roman" panose="02020603050405020304" pitchFamily="18" charset="0"/>
-              <a:ea typeface="思源黑体 CN Medium" panose="020B0600000000000000"/>
-              <a:cs typeface="Times New Roman" panose="02020603050405020304" pitchFamily="18" charset="0"/>
-            </a:endParaRPr>
-          </a:p>
-          <a:p>
-            <a:pPr marL="342900" indent="-342900" algn="just">
-              <a:lnSpc>
-                <a:spcPct val="150000"/>
-              </a:lnSpc>
-              <a:buFont typeface="Arial" panose="020B0604020202020204" pitchFamily="34" charset="0"/>
-              <a:buChar char="•"/>
-            </a:pPr>
-            <a:r>
-              <a:rPr lang="en-US" altLang="zh-CN" sz="1200" dirty="0">
-                <a:latin typeface="Times New Roman" panose="02020603050405020304" pitchFamily="18" charset="0"/>
-                <a:ea typeface="思源黑体 CN Medium" panose="020B0600000000000000"/>
-                <a:cs typeface="Times New Roman" panose="02020603050405020304" pitchFamily="18" charset="0"/>
-              </a:rPr>
-              <a:t>Overcome the</a:t>
-            </a:r>
-            <a:r>
-              <a:rPr lang="zh-CN" altLang="en-US" sz="1200" dirty="0">
-                <a:latin typeface="Times New Roman" panose="02020603050405020304" pitchFamily="18" charset="0"/>
-                <a:ea typeface="思源黑体 CN Medium" panose="020B0600000000000000"/>
-                <a:cs typeface="Times New Roman" panose="02020603050405020304" pitchFamily="18" charset="0"/>
-              </a:rPr>
-              <a:t> </a:t>
-            </a:r>
-            <a:r>
-              <a:rPr lang="en-US" altLang="zh-CN" sz="1200" dirty="0">
-                <a:latin typeface="Times New Roman" panose="02020603050405020304" pitchFamily="18" charset="0"/>
-                <a:ea typeface="思源黑体 CN Medium" panose="020B0600000000000000"/>
-                <a:cs typeface="Times New Roman" panose="02020603050405020304" pitchFamily="18" charset="0"/>
-              </a:rPr>
-              <a:t>weakness of UP: supports from framework and hardware.</a:t>
-            </a:r>
-          </a:p>
-          <a:p>
-            <a:pPr marL="342900" indent="-342900" algn="just">
-              <a:lnSpc>
-                <a:spcPct val="150000"/>
-              </a:lnSpc>
-              <a:buFont typeface="Arial" panose="020B0604020202020204" pitchFamily="34" charset="0"/>
-              <a:buChar char="•"/>
-            </a:pPr>
-            <a:endParaRPr lang="en-US" altLang="zh-CN" sz="1200" dirty="0">
-              <a:latin typeface="Times New Roman" panose="02020603050405020304" pitchFamily="18" charset="0"/>
-              <a:ea typeface="思源黑体 CN Medium" panose="020B0600000000000000"/>
-              <a:cs typeface="Times New Roman" panose="02020603050405020304" pitchFamily="18" charset="0"/>
-            </a:endParaRPr>
-          </a:p>
-          <a:p>
-            <a:pPr marL="342900" indent="-342900" algn="just">
-              <a:lnSpc>
-                <a:spcPct val="150000"/>
-              </a:lnSpc>
-              <a:buFont typeface="Arial" panose="020B0604020202020204" pitchFamily="34" charset="0"/>
-              <a:buChar char="•"/>
-            </a:pPr>
-            <a:r>
-              <a:rPr lang="en-US" altLang="zh-CN" sz="1200" dirty="0">
-                <a:latin typeface="Times New Roman" panose="02020603050405020304" pitchFamily="18" charset="0"/>
-                <a:ea typeface="思源黑体 CN Medium" panose="020B0600000000000000"/>
-                <a:cs typeface="Times New Roman" panose="02020603050405020304" pitchFamily="18" charset="0"/>
-              </a:rPr>
-              <a:t>When doing further clips that are lower than int4, quantization meets a significant drop in performance. It is also not quite practically useful because most devices do not support int4, so it will only benefit memory and IO costs.</a:t>
-            </a:r>
-          </a:p>
-          <a:p>
-            <a:pPr marL="342900" indent="-342900" algn="just">
-              <a:lnSpc>
-                <a:spcPct val="150000"/>
-              </a:lnSpc>
-              <a:buFont typeface="Arial" panose="020B0604020202020204" pitchFamily="34" charset="0"/>
-              <a:buChar char="•"/>
-            </a:pPr>
-            <a:endParaRPr lang="en-US" altLang="zh-CN" sz="1200" dirty="0">
-              <a:latin typeface="Times New Roman" panose="02020603050405020304" pitchFamily="18" charset="0"/>
-              <a:ea typeface="思源黑体 CN Medium" panose="020B0600000000000000"/>
-              <a:cs typeface="Times New Roman" panose="02020603050405020304" pitchFamily="18" charset="0"/>
-            </a:endParaRPr>
-          </a:p>
-          <a:p>
-            <a:pPr marL="342900" indent="-342900" algn="just">
-              <a:lnSpc>
-                <a:spcPct val="150000"/>
-              </a:lnSpc>
-              <a:buFont typeface="Arial" panose="020B0604020202020204" pitchFamily="34" charset="0"/>
-              <a:buChar char="•"/>
-            </a:pPr>
-            <a:r>
-              <a:rPr lang="en-US" altLang="zh-CN" sz="1200" dirty="0">
+            <a:r>
+              <a:rPr lang="en-US" altLang="zh-CN" sz="1400" dirty="0">
                 <a:latin typeface="Times New Roman" panose="02020603050405020304" pitchFamily="18" charset="0"/>
                 <a:ea typeface="思源黑体 CN Medium" panose="020B0600000000000000"/>
                 <a:cs typeface="Times New Roman" panose="02020603050405020304" pitchFamily="18" charset="0"/>
@@ -12868,7 +12982,7 @@
         <p:spPr>
           <a:xfrm>
             <a:off x="840559" y="1531296"/>
-            <a:ext cx="5255440" cy="1536446"/>
+            <a:ext cx="5255440" cy="2731325"/>
           </a:xfrm>
           <a:prstGeom prst="rect">
             <a:avLst/>
@@ -12887,7 +13001,7 @@
               </a:lnSpc>
             </a:pPr>
             <a:r>
-              <a:rPr lang="en-US" altLang="zh-CN" sz="1600" b="1" dirty="0">
+              <a:rPr lang="en-US" altLang="zh-CN" b="1" dirty="0">
                 <a:solidFill>
                   <a:srgbClr val="263C88"/>
                 </a:solidFill>
@@ -12895,9 +13009,9 @@
                 <a:ea typeface="思源黑体 CN Medium" panose="020B0600000000000000"/>
                 <a:cs typeface="Times New Roman" panose="02020603050405020304" pitchFamily="18" charset="0"/>
               </a:rPr>
-              <a:t>Advantages of low-rank approximation</a:t>
-            </a:r>
-            <a:endParaRPr lang="en-US" altLang="zh-CN" sz="1200" b="1" dirty="0">
+              <a:t>Features of LLM</a:t>
+            </a:r>
+            <a:endParaRPr lang="en-US" altLang="zh-CN" sz="1400" b="1" dirty="0">
               <a:solidFill>
                 <a:srgbClr val="263C88"/>
               </a:solidFill>
@@ -12915,12 +13029,12 @@
               <a:buChar char="•"/>
             </a:pPr>
             <a:r>
-              <a:rPr lang="en-US" altLang="zh-CN" sz="1200" dirty="0">
-                <a:latin typeface="Times New Roman" panose="02020603050405020304" pitchFamily="18" charset="0"/>
-                <a:ea typeface="思源黑体 CN Medium" panose="020B0600000000000000"/>
-                <a:cs typeface="Times New Roman" panose="02020603050405020304" pitchFamily="18" charset="0"/>
-              </a:rPr>
-              <a:t>Has been proved to work in PEFT: LoRA.</a:t>
+              <a:rPr lang="en-US" altLang="zh-CN" sz="1400" dirty="0">
+                <a:latin typeface="Times New Roman" panose="02020603050405020304" pitchFamily="18" charset="0"/>
+                <a:ea typeface="思源黑体 CN Medium" panose="020B0600000000000000"/>
+                <a:cs typeface="Times New Roman" panose="02020603050405020304" pitchFamily="18" charset="0"/>
+              </a:rPr>
+              <a:t>Features are different in QKV matrices and FFN matrices.</a:t>
             </a:r>
           </a:p>
           <a:p>
@@ -12931,7 +13045,7 @@
               <a:buFont typeface="Arial" panose="020B0604020202020204" pitchFamily="34" charset="0"/>
               <a:buChar char="•"/>
             </a:pPr>
-            <a:endParaRPr lang="en-US" altLang="zh-CN" sz="1200" dirty="0">
+            <a:endParaRPr lang="en-US" altLang="zh-CN" sz="1400" dirty="0">
               <a:latin typeface="Times New Roman" panose="02020603050405020304" pitchFamily="18" charset="0"/>
               <a:ea typeface="思源黑体 CN Medium" panose="020B0600000000000000"/>
               <a:cs typeface="Times New Roman" panose="02020603050405020304" pitchFamily="18" charset="0"/>
@@ -12946,12 +13060,74 @@
               <a:buChar char="•"/>
             </a:pPr>
             <a:r>
-              <a:rPr lang="en-US" altLang="zh-CN" sz="1200" dirty="0">
-                <a:latin typeface="Times New Roman" panose="02020603050405020304" pitchFamily="18" charset="0"/>
-                <a:ea typeface="思源黑体 CN Medium" panose="020B0600000000000000"/>
-                <a:cs typeface="Times New Roman" panose="02020603050405020304" pitchFamily="18" charset="0"/>
-              </a:rPr>
-              <a:t>Theoretically, features are approximately presented instead of being discarded, aligning with the well working methods like quantization and UP. </a:t>
+              <a:rPr lang="en-US" altLang="zh-CN" sz="1400" dirty="0">
+                <a:latin typeface="Times New Roman" panose="02020603050405020304" pitchFamily="18" charset="0"/>
+                <a:ea typeface="思源黑体 CN Medium" panose="020B0600000000000000"/>
+                <a:cs typeface="Times New Roman" panose="02020603050405020304" pitchFamily="18" charset="0"/>
+              </a:rPr>
+              <a:t>Singular values are not centralized. </a:t>
+            </a:r>
+          </a:p>
+          <a:p>
+            <a:pPr marL="342900" indent="-342900" algn="just">
+              <a:lnSpc>
+                <a:spcPct val="150000"/>
+              </a:lnSpc>
+              <a:buFont typeface="Arial" panose="020B0604020202020204" pitchFamily="34" charset="0"/>
+              <a:buChar char="•"/>
+            </a:pPr>
+            <a:endParaRPr lang="en-US" altLang="zh-CN" sz="1400" dirty="0">
+              <a:latin typeface="Times New Roman" panose="02020603050405020304" pitchFamily="18" charset="0"/>
+              <a:ea typeface="思源黑体 CN Medium" panose="020B0600000000000000"/>
+              <a:cs typeface="Times New Roman" panose="02020603050405020304" pitchFamily="18" charset="0"/>
+            </a:endParaRPr>
+          </a:p>
+          <a:p>
+            <a:pPr marL="342900" indent="-342900" algn="just">
+              <a:lnSpc>
+                <a:spcPct val="150000"/>
+              </a:lnSpc>
+              <a:buFont typeface="Arial" panose="020B0604020202020204" pitchFamily="34" charset="0"/>
+              <a:buChar char="•"/>
+            </a:pPr>
+            <a:r>
+              <a:rPr lang="en-US" altLang="zh-CN" sz="1400" dirty="0">
+                <a:latin typeface="Times New Roman" panose="02020603050405020304" pitchFamily="18" charset="0"/>
+                <a:ea typeface="思源黑体 CN Medium" panose="020B0600000000000000"/>
+                <a:cs typeface="Times New Roman" panose="02020603050405020304" pitchFamily="18" charset="0"/>
+              </a:rPr>
+              <a:t>Vanilla SVD causes significant error of reconstruction.</a:t>
+            </a:r>
+          </a:p>
+          <a:p>
+            <a:pPr marL="342900" indent="-342900" algn="just">
+              <a:lnSpc>
+                <a:spcPct val="150000"/>
+              </a:lnSpc>
+              <a:buFont typeface="Arial" panose="020B0604020202020204" pitchFamily="34" charset="0"/>
+              <a:buChar char="•"/>
+            </a:pPr>
+            <a:endParaRPr lang="en-US" altLang="zh-CN" sz="1400" dirty="0">
+              <a:latin typeface="Times New Roman" panose="02020603050405020304" pitchFamily="18" charset="0"/>
+              <a:ea typeface="思源黑体 CN Medium" panose="020B0600000000000000"/>
+              <a:cs typeface="Times New Roman" panose="02020603050405020304" pitchFamily="18" charset="0"/>
+            </a:endParaRPr>
+          </a:p>
+          <a:p>
+            <a:pPr marL="342900" indent="-342900" algn="just">
+              <a:lnSpc>
+                <a:spcPct val="150000"/>
+              </a:lnSpc>
+              <a:buFont typeface="Arial" panose="020B0604020202020204" pitchFamily="34" charset="0"/>
+              <a:buChar char="•"/>
+            </a:pPr>
+            <a:r>
+              <a:rPr lang="en-US" altLang="zh-CN" sz="1400" dirty="0">
+                <a:latin typeface="Times New Roman" panose="02020603050405020304" pitchFamily="18" charset="0"/>
+                <a:ea typeface="思源黑体 CN Medium" panose="020B0600000000000000"/>
+                <a:cs typeface="Times New Roman" panose="02020603050405020304" pitchFamily="18" charset="0"/>
+              </a:rPr>
+              <a:t>Most weights are in -0.02 ~ +0.02.</a:t>
             </a:r>
           </a:p>
         </p:txBody>
@@ -12978,6 +13154,710 @@
 </file>
 
 <file path=ppt/slides/slide17.xml><?xml version="1.0" encoding="utf-8"?>
+<p:sld xmlns:a="http://schemas.openxmlformats.org/drawingml/2006/main" xmlns:r="http://schemas.openxmlformats.org/officeDocument/2006/relationships" xmlns:p="http://schemas.openxmlformats.org/presentationml/2006/main">
+  <p:cSld>
+    <p:spTree>
+      <p:nvGrpSpPr>
+        <p:cNvPr id="1" name=""/>
+        <p:cNvGrpSpPr/>
+        <p:nvPr/>
+      </p:nvGrpSpPr>
+      <p:grpSpPr>
+        <a:xfrm>
+          <a:off x="0" y="0"/>
+          <a:ext cx="0" cy="0"/>
+          <a:chOff x="0" y="0"/>
+          <a:chExt cx="0" cy="0"/>
+        </a:xfrm>
+      </p:grpSpPr>
+      <p:sp>
+        <p:nvSpPr>
+          <p:cNvPr id="52" name="Pentagon 6_1">
+            <a:extLst>
+              <a:ext uri="{FF2B5EF4-FFF2-40B4-BE49-F238E27FC236}">
+                <a16:creationId xmlns:a16="http://schemas.microsoft.com/office/drawing/2014/main" id="{AF00C5AC-1046-411F-939E-89D5936C785B}"/>
+              </a:ext>
+            </a:extLst>
+          </p:cNvPr>
+          <p:cNvSpPr/>
+          <p:nvPr/>
+        </p:nvSpPr>
+        <p:spPr>
+          <a:xfrm>
+            <a:off x="-1" y="531656"/>
+            <a:ext cx="1926771" cy="701648"/>
+          </a:xfrm>
+          <a:prstGeom prst="homePlate">
+            <a:avLst/>
+          </a:prstGeom>
+          <a:solidFill>
+            <a:srgbClr val="FADE40"/>
+          </a:solidFill>
+          <a:ln>
+            <a:noFill/>
+          </a:ln>
+        </p:spPr>
+        <p:style>
+          <a:lnRef idx="2">
+            <a:schemeClr val="accent1">
+              <a:shade val="50000"/>
+            </a:schemeClr>
+          </a:lnRef>
+          <a:fillRef idx="1">
+            <a:schemeClr val="accent1"/>
+          </a:fillRef>
+          <a:effectRef idx="0">
+            <a:schemeClr val="accent1"/>
+          </a:effectRef>
+          <a:fontRef idx="minor">
+            <a:schemeClr val="lt1"/>
+          </a:fontRef>
+        </p:style>
+        <p:txBody>
+          <a:bodyPr rtlCol="0" anchor="ctr"/>
+          <a:lstStyle/>
+          <a:p>
+            <a:pPr algn="ctr"/>
+            <a:endParaRPr lang="zh-CN" altLang="en-US"/>
+          </a:p>
+        </p:txBody>
+      </p:sp>
+      <p:sp>
+        <p:nvSpPr>
+          <p:cNvPr id="53" name="文本框 52">
+            <a:extLst>
+              <a:ext uri="{FF2B5EF4-FFF2-40B4-BE49-F238E27FC236}">
+                <a16:creationId xmlns:a16="http://schemas.microsoft.com/office/drawing/2014/main" id="{8699EC9A-81A9-4AD6-9962-57AA5A2F4CD8}"/>
+              </a:ext>
+            </a:extLst>
+          </p:cNvPr>
+          <p:cNvSpPr txBox="1"/>
+          <p:nvPr/>
+        </p:nvSpPr>
+        <p:spPr>
+          <a:xfrm>
+            <a:off x="42821" y="642567"/>
+            <a:ext cx="1595479" cy="479825"/>
+          </a:xfrm>
+          <a:prstGeom prst="rect">
+            <a:avLst/>
+          </a:prstGeom>
+          <a:noFill/>
+        </p:spPr>
+        <p:txBody>
+          <a:bodyPr wrap="square" rtlCol="0">
+            <a:spAutoFit/>
+          </a:bodyPr>
+          <a:lstStyle/>
+          <a:p>
+            <a:pPr algn="dist"/>
+            <a:r>
+              <a:rPr lang="en-US" altLang="zh-CN" sz="2400" dirty="0">
+                <a:solidFill>
+                  <a:srgbClr val="C00000"/>
+                </a:solidFill>
+                <a:latin typeface="Times New Roman" panose="02020603050405020304" pitchFamily="18" charset="0"/>
+                <a:ea typeface="思源黑体 CN Medium" panose="020B0600000000000000" pitchFamily="34" charset="-122"/>
+                <a:cs typeface="Times New Roman" panose="02020603050405020304" pitchFamily="18" charset="0"/>
+                <a:sym typeface="Arial" panose="020B0604020202020204" pitchFamily="34" charset="0"/>
+              </a:rPr>
+              <a:t>CPU</a:t>
+            </a:r>
+            <a:r>
+              <a:rPr lang="zh-CN" altLang="en-US" sz="2400" dirty="0">
+                <a:solidFill>
+                  <a:srgbClr val="C00000"/>
+                </a:solidFill>
+                <a:latin typeface="Times New Roman" panose="02020603050405020304" pitchFamily="18" charset="0"/>
+                <a:ea typeface="思源黑体 CN Medium" panose="020B0600000000000000" pitchFamily="34" charset="-122"/>
+                <a:cs typeface="Times New Roman" panose="02020603050405020304" pitchFamily="18" charset="0"/>
+                <a:sym typeface="Arial" panose="020B0604020202020204" pitchFamily="34" charset="0"/>
+              </a:rPr>
+              <a:t>设计</a:t>
+            </a:r>
+          </a:p>
+        </p:txBody>
+      </p:sp>
+      <p:sp>
+        <p:nvSpPr>
+          <p:cNvPr id="5" name="Pentagon 6_1">
+            <a:extLst>
+              <a:ext uri="{FF2B5EF4-FFF2-40B4-BE49-F238E27FC236}">
+                <a16:creationId xmlns:a16="http://schemas.microsoft.com/office/drawing/2014/main" id="{B2DEA907-69CA-1F7C-0719-3B1C4B3D0485}"/>
+              </a:ext>
+            </a:extLst>
+          </p:cNvPr>
+          <p:cNvSpPr/>
+          <p:nvPr/>
+        </p:nvSpPr>
+        <p:spPr>
+          <a:xfrm>
+            <a:off x="-5788" y="531656"/>
+            <a:ext cx="1926771" cy="701648"/>
+          </a:xfrm>
+          <a:prstGeom prst="homePlate">
+            <a:avLst/>
+          </a:prstGeom>
+          <a:solidFill>
+            <a:srgbClr val="FADE40"/>
+          </a:solidFill>
+          <a:ln>
+            <a:noFill/>
+          </a:ln>
+        </p:spPr>
+        <p:style>
+          <a:lnRef idx="2">
+            <a:schemeClr val="accent1">
+              <a:shade val="50000"/>
+            </a:schemeClr>
+          </a:lnRef>
+          <a:fillRef idx="1">
+            <a:schemeClr val="accent1"/>
+          </a:fillRef>
+          <a:effectRef idx="0">
+            <a:schemeClr val="accent1"/>
+          </a:effectRef>
+          <a:fontRef idx="minor">
+            <a:schemeClr val="lt1"/>
+          </a:fontRef>
+        </p:style>
+        <p:txBody>
+          <a:bodyPr rtlCol="0" anchor="ctr"/>
+          <a:lstStyle/>
+          <a:p>
+            <a:pPr algn="ctr"/>
+            <a:endParaRPr lang="zh-CN" altLang="en-US"/>
+          </a:p>
+        </p:txBody>
+      </p:sp>
+      <p:sp>
+        <p:nvSpPr>
+          <p:cNvPr id="6" name="文本框 5">
+            <a:extLst>
+              <a:ext uri="{FF2B5EF4-FFF2-40B4-BE49-F238E27FC236}">
+                <a16:creationId xmlns:a16="http://schemas.microsoft.com/office/drawing/2014/main" id="{EEA72AD3-AE04-AC91-8BBE-AEC989717A4D}"/>
+              </a:ext>
+            </a:extLst>
+          </p:cNvPr>
+          <p:cNvSpPr txBox="1"/>
+          <p:nvPr/>
+        </p:nvSpPr>
+        <p:spPr>
+          <a:xfrm>
+            <a:off x="42821" y="713202"/>
+            <a:ext cx="1595479" cy="338554"/>
+          </a:xfrm>
+          <a:prstGeom prst="rect">
+            <a:avLst/>
+          </a:prstGeom>
+          <a:noFill/>
+        </p:spPr>
+        <p:txBody>
+          <a:bodyPr wrap="square" rtlCol="0">
+            <a:spAutoFit/>
+          </a:bodyPr>
+          <a:lstStyle/>
+          <a:p>
+            <a:pPr algn="dist"/>
+            <a:r>
+              <a:rPr lang="en-US" altLang="zh-CN" sz="1600" b="1" dirty="0">
+                <a:solidFill>
+                  <a:srgbClr val="C00000"/>
+                </a:solidFill>
+                <a:latin typeface="Times New Roman" panose="02020603050405020304" pitchFamily="18" charset="0"/>
+                <a:ea typeface="思源黑体 CN Medium" panose="020B0600000000000000" pitchFamily="34" charset="-122"/>
+                <a:cs typeface="Times New Roman" panose="02020603050405020304" pitchFamily="18" charset="0"/>
+                <a:sym typeface="Arial" panose="020B0604020202020204" pitchFamily="34" charset="0"/>
+              </a:rPr>
+              <a:t>Next Step</a:t>
+            </a:r>
+          </a:p>
+        </p:txBody>
+      </p:sp>
+      <p:sp>
+        <p:nvSpPr>
+          <p:cNvPr id="4" name="文本框 3">
+            <a:extLst>
+              <a:ext uri="{FF2B5EF4-FFF2-40B4-BE49-F238E27FC236}">
+                <a16:creationId xmlns:a16="http://schemas.microsoft.com/office/drawing/2014/main" id="{94F0B87A-0FB2-E908-C7F1-E170024FAAD8}"/>
+              </a:ext>
+            </a:extLst>
+          </p:cNvPr>
+          <p:cNvSpPr txBox="1"/>
+          <p:nvPr/>
+        </p:nvSpPr>
+        <p:spPr>
+          <a:xfrm>
+            <a:off x="840558" y="1531296"/>
+            <a:ext cx="5255440" cy="2408160"/>
+          </a:xfrm>
+          <a:prstGeom prst="rect">
+            <a:avLst/>
+          </a:prstGeom>
+          <a:noFill/>
+        </p:spPr>
+        <p:txBody>
+          <a:bodyPr wrap="square" rtlCol="0">
+            <a:spAutoFit/>
+          </a:bodyPr>
+          <a:lstStyle/>
+          <a:p>
+            <a:pPr algn="just">
+              <a:lnSpc>
+                <a:spcPct val="150000"/>
+              </a:lnSpc>
+            </a:pPr>
+            <a:r>
+              <a:rPr lang="en-US" altLang="zh-CN" b="1" dirty="0">
+                <a:solidFill>
+                  <a:srgbClr val="263C88"/>
+                </a:solidFill>
+                <a:latin typeface="思源黑体 CN Heavy"/>
+                <a:ea typeface="思源黑体 CN Medium" panose="020B0600000000000000"/>
+                <a:cs typeface="Times New Roman" panose="02020603050405020304" pitchFamily="18" charset="0"/>
+              </a:rPr>
+              <a:t>Profile feature maps after activation</a:t>
+            </a:r>
+            <a:endParaRPr lang="en-US" altLang="zh-CN" sz="1400" b="1" dirty="0">
+              <a:solidFill>
+                <a:srgbClr val="263C88"/>
+              </a:solidFill>
+              <a:latin typeface="思源黑体 CN Heavy"/>
+              <a:ea typeface="思源黑体 CN Medium" panose="020B0600000000000000"/>
+              <a:cs typeface="Times New Roman" panose="02020603050405020304" pitchFamily="18" charset="0"/>
+            </a:endParaRPr>
+          </a:p>
+          <a:p>
+            <a:pPr marL="342900" indent="-342900" algn="just">
+              <a:lnSpc>
+                <a:spcPct val="150000"/>
+              </a:lnSpc>
+              <a:buFont typeface="Arial" panose="020B0604020202020204" pitchFamily="34" charset="0"/>
+              <a:buChar char="•"/>
+            </a:pPr>
+            <a:r>
+              <a:rPr lang="en-US" altLang="zh-CN" sz="1400" dirty="0">
+                <a:latin typeface="Times New Roman" panose="02020603050405020304" pitchFamily="18" charset="0"/>
+                <a:ea typeface="思源黑体 CN Medium" panose="020B0600000000000000"/>
+                <a:cs typeface="Times New Roman" panose="02020603050405020304" pitchFamily="18" charset="0"/>
+              </a:rPr>
+              <a:t>Measure how</a:t>
+            </a:r>
+            <a:r>
+              <a:rPr lang="zh-CN" altLang="en-US" sz="1400" dirty="0">
+                <a:latin typeface="Times New Roman" panose="02020603050405020304" pitchFamily="18" charset="0"/>
+                <a:ea typeface="思源黑体 CN Medium" panose="020B0600000000000000"/>
+                <a:cs typeface="Times New Roman" panose="02020603050405020304" pitchFamily="18" charset="0"/>
+              </a:rPr>
+              <a:t> </a:t>
+            </a:r>
+            <a:r>
+              <a:rPr lang="en-US" altLang="zh-CN" sz="1400" dirty="0">
+                <a:latin typeface="Times New Roman" panose="02020603050405020304" pitchFamily="18" charset="0"/>
+                <a:ea typeface="思源黑体 CN Medium" panose="020B0600000000000000"/>
+                <a:cs typeface="Times New Roman" panose="02020603050405020304" pitchFamily="18" charset="0"/>
+              </a:rPr>
+              <a:t>much</a:t>
+            </a:r>
+            <a:r>
+              <a:rPr lang="zh-CN" altLang="en-US" sz="1400" dirty="0">
+                <a:latin typeface="Times New Roman" panose="02020603050405020304" pitchFamily="18" charset="0"/>
+                <a:ea typeface="思源黑体 CN Medium" panose="020B0600000000000000"/>
+                <a:cs typeface="Times New Roman" panose="02020603050405020304" pitchFamily="18" charset="0"/>
+              </a:rPr>
+              <a:t> </a:t>
+            </a:r>
+            <a:r>
+              <a:rPr lang="en-US" altLang="zh-CN" sz="1400" dirty="0">
+                <a:latin typeface="Times New Roman" panose="02020603050405020304" pitchFamily="18" charset="0"/>
+                <a:ea typeface="思源黑体 CN Medium" panose="020B0600000000000000"/>
+                <a:cs typeface="Times New Roman" panose="02020603050405020304" pitchFamily="18" charset="0"/>
+              </a:rPr>
+              <a:t>the</a:t>
+            </a:r>
+            <a:r>
+              <a:rPr lang="zh-CN" altLang="en-US" sz="1400" dirty="0">
+                <a:latin typeface="Times New Roman" panose="02020603050405020304" pitchFamily="18" charset="0"/>
+                <a:ea typeface="思源黑体 CN Medium" panose="020B0600000000000000"/>
+                <a:cs typeface="Times New Roman" panose="02020603050405020304" pitchFamily="18" charset="0"/>
+              </a:rPr>
+              <a:t> </a:t>
+            </a:r>
+            <a:r>
+              <a:rPr lang="en-US" altLang="zh-CN" sz="1400" dirty="0">
+                <a:latin typeface="Times New Roman" panose="02020603050405020304" pitchFamily="18" charset="0"/>
+                <a:ea typeface="思源黑体 CN Medium" panose="020B0600000000000000"/>
+                <a:cs typeface="Times New Roman" panose="02020603050405020304" pitchFamily="18" charset="0"/>
+              </a:rPr>
+              <a:t>approximate presentation has caused on the output hidden states. How the error accumulates through the forward flow.</a:t>
+            </a:r>
+          </a:p>
+          <a:p>
+            <a:pPr marL="342900" indent="-342900" algn="just">
+              <a:lnSpc>
+                <a:spcPct val="150000"/>
+              </a:lnSpc>
+              <a:buFont typeface="Arial" panose="020B0604020202020204" pitchFamily="34" charset="0"/>
+              <a:buChar char="•"/>
+            </a:pPr>
+            <a:endParaRPr lang="en-US" altLang="zh-CN" sz="1400" dirty="0">
+              <a:latin typeface="Times New Roman" panose="02020603050405020304" pitchFamily="18" charset="0"/>
+              <a:ea typeface="思源黑体 CN Medium" panose="020B0600000000000000"/>
+              <a:cs typeface="Times New Roman" panose="02020603050405020304" pitchFamily="18" charset="0"/>
+            </a:endParaRPr>
+          </a:p>
+          <a:p>
+            <a:pPr marL="342900" indent="-342900" algn="just">
+              <a:lnSpc>
+                <a:spcPct val="150000"/>
+              </a:lnSpc>
+              <a:buFont typeface="Arial" panose="020B0604020202020204" pitchFamily="34" charset="0"/>
+              <a:buChar char="•"/>
+            </a:pPr>
+            <a:r>
+              <a:rPr lang="en-US" altLang="zh-CN" sz="1400" dirty="0">
+                <a:latin typeface="Times New Roman" panose="02020603050405020304" pitchFamily="18" charset="0"/>
+                <a:ea typeface="思源黑体 CN Medium" panose="020B0600000000000000"/>
+                <a:cs typeface="Times New Roman" panose="02020603050405020304" pitchFamily="18" charset="0"/>
+              </a:rPr>
+              <a:t>Measure how many neurons are important in the feature maps. (Inspired by AWQ)   </a:t>
+            </a:r>
+          </a:p>
+        </p:txBody>
+      </p:sp>
+      <p:pic>
+        <p:nvPicPr>
+          <p:cNvPr id="7" name="图片 6" descr="图表, 折线图&#10;&#10;描述已自动生成">
+            <a:extLst>
+              <a:ext uri="{FF2B5EF4-FFF2-40B4-BE49-F238E27FC236}">
+                <a16:creationId xmlns:a16="http://schemas.microsoft.com/office/drawing/2014/main" id="{B3CB3583-BAAB-1EB2-4E4E-30CB0223FA1D}"/>
+              </a:ext>
+            </a:extLst>
+          </p:cNvPr>
+          <p:cNvPicPr>
+            <a:picLocks noChangeAspect="1"/>
+          </p:cNvPicPr>
+          <p:nvPr/>
+        </p:nvPicPr>
+        <p:blipFill>
+          <a:blip r:embed="rId3">
+            <a:extLst>
+              <a:ext uri="{28A0092B-C50C-407E-A947-70E740481C1C}">
+                <a14:useLocalDpi xmlns:a14="http://schemas.microsoft.com/office/drawing/2010/main" val="0"/>
+              </a:ext>
+            </a:extLst>
+          </a:blip>
+          <a:stretch>
+            <a:fillRect/>
+          </a:stretch>
+        </p:blipFill>
+        <p:spPr>
+          <a:xfrm>
+            <a:off x="6696658" y="1908673"/>
+            <a:ext cx="5328244" cy="4064171"/>
+          </a:xfrm>
+          <a:prstGeom prst="rect">
+            <a:avLst/>
+          </a:prstGeom>
+        </p:spPr>
+      </p:pic>
+      <p:cxnSp>
+        <p:nvCxnSpPr>
+          <p:cNvPr id="9" name="直接连接符 8">
+            <a:extLst>
+              <a:ext uri="{FF2B5EF4-FFF2-40B4-BE49-F238E27FC236}">
+                <a16:creationId xmlns:a16="http://schemas.microsoft.com/office/drawing/2014/main" id="{3F128316-65FB-E226-8CE0-8AFA0A1822F0}"/>
+              </a:ext>
+            </a:extLst>
+          </p:cNvPr>
+          <p:cNvCxnSpPr/>
+          <p:nvPr/>
+        </p:nvCxnSpPr>
+        <p:spPr>
+          <a:xfrm>
+            <a:off x="9216390" y="3788358"/>
+            <a:ext cx="0" cy="262890"/>
+          </a:xfrm>
+          <a:prstGeom prst="line">
+            <a:avLst/>
+          </a:prstGeom>
+          <a:ln w="28575">
+            <a:solidFill>
+              <a:srgbClr val="92D050"/>
+            </a:solidFill>
+          </a:ln>
+        </p:spPr>
+        <p:style>
+          <a:lnRef idx="1">
+            <a:schemeClr val="accent1"/>
+          </a:lnRef>
+          <a:fillRef idx="0">
+            <a:schemeClr val="accent1"/>
+          </a:fillRef>
+          <a:effectRef idx="0">
+            <a:schemeClr val="accent1"/>
+          </a:effectRef>
+          <a:fontRef idx="minor">
+            <a:schemeClr val="tx1"/>
+          </a:fontRef>
+        </p:style>
+      </p:cxnSp>
+      <p:cxnSp>
+        <p:nvCxnSpPr>
+          <p:cNvPr id="10" name="直接连接符 9">
+            <a:extLst>
+              <a:ext uri="{FF2B5EF4-FFF2-40B4-BE49-F238E27FC236}">
+                <a16:creationId xmlns:a16="http://schemas.microsoft.com/office/drawing/2014/main" id="{D65D599B-0A55-E110-F629-818612D23F99}"/>
+              </a:ext>
+            </a:extLst>
+          </p:cNvPr>
+          <p:cNvCxnSpPr/>
+          <p:nvPr/>
+        </p:nvCxnSpPr>
+        <p:spPr>
+          <a:xfrm>
+            <a:off x="9917430" y="3525468"/>
+            <a:ext cx="0" cy="262890"/>
+          </a:xfrm>
+          <a:prstGeom prst="line">
+            <a:avLst/>
+          </a:prstGeom>
+          <a:ln w="28575">
+            <a:solidFill>
+              <a:srgbClr val="92D050"/>
+            </a:solidFill>
+          </a:ln>
+        </p:spPr>
+        <p:style>
+          <a:lnRef idx="1">
+            <a:schemeClr val="accent1"/>
+          </a:lnRef>
+          <a:fillRef idx="0">
+            <a:schemeClr val="accent1"/>
+          </a:fillRef>
+          <a:effectRef idx="0">
+            <a:schemeClr val="accent1"/>
+          </a:effectRef>
+          <a:fontRef idx="minor">
+            <a:schemeClr val="tx1"/>
+          </a:fontRef>
+        </p:style>
+      </p:cxnSp>
+      <p:cxnSp>
+        <p:nvCxnSpPr>
+          <p:cNvPr id="11" name="直接连接符 10">
+            <a:extLst>
+              <a:ext uri="{FF2B5EF4-FFF2-40B4-BE49-F238E27FC236}">
+                <a16:creationId xmlns:a16="http://schemas.microsoft.com/office/drawing/2014/main" id="{27F9D380-59A5-0CBE-82C2-3023667C8494}"/>
+              </a:ext>
+            </a:extLst>
+          </p:cNvPr>
+          <p:cNvCxnSpPr/>
+          <p:nvPr/>
+        </p:nvCxnSpPr>
+        <p:spPr>
+          <a:xfrm>
+            <a:off x="10081260" y="3394023"/>
+            <a:ext cx="0" cy="262890"/>
+          </a:xfrm>
+          <a:prstGeom prst="line">
+            <a:avLst/>
+          </a:prstGeom>
+          <a:ln w="28575">
+            <a:solidFill>
+              <a:srgbClr val="C00000"/>
+            </a:solidFill>
+          </a:ln>
+        </p:spPr>
+        <p:style>
+          <a:lnRef idx="1">
+            <a:schemeClr val="accent1"/>
+          </a:lnRef>
+          <a:fillRef idx="0">
+            <a:schemeClr val="accent1"/>
+          </a:fillRef>
+          <a:effectRef idx="0">
+            <a:schemeClr val="accent1"/>
+          </a:effectRef>
+          <a:fontRef idx="minor">
+            <a:schemeClr val="tx1"/>
+          </a:fontRef>
+        </p:style>
+      </p:cxnSp>
+      <p:cxnSp>
+        <p:nvCxnSpPr>
+          <p:cNvPr id="12" name="直接连接符 11">
+            <a:extLst>
+              <a:ext uri="{FF2B5EF4-FFF2-40B4-BE49-F238E27FC236}">
+                <a16:creationId xmlns:a16="http://schemas.microsoft.com/office/drawing/2014/main" id="{EB5E99B1-EC6E-5327-A83C-5D06D2D05FFA}"/>
+              </a:ext>
+            </a:extLst>
+          </p:cNvPr>
+          <p:cNvCxnSpPr/>
+          <p:nvPr/>
+        </p:nvCxnSpPr>
+        <p:spPr>
+          <a:xfrm>
+            <a:off x="9063990" y="3802911"/>
+            <a:ext cx="0" cy="262890"/>
+          </a:xfrm>
+          <a:prstGeom prst="line">
+            <a:avLst/>
+          </a:prstGeom>
+          <a:ln w="28575">
+            <a:solidFill>
+              <a:srgbClr val="C00000"/>
+            </a:solidFill>
+          </a:ln>
+        </p:spPr>
+        <p:style>
+          <a:lnRef idx="1">
+            <a:schemeClr val="accent1"/>
+          </a:lnRef>
+          <a:fillRef idx="0">
+            <a:schemeClr val="accent1"/>
+          </a:fillRef>
+          <a:effectRef idx="0">
+            <a:schemeClr val="accent1"/>
+          </a:effectRef>
+          <a:fontRef idx="minor">
+            <a:schemeClr val="tx1"/>
+          </a:fontRef>
+        </p:style>
+      </p:cxnSp>
+      <p:sp>
+        <p:nvSpPr>
+          <p:cNvPr id="13" name="文本框 12">
+            <a:extLst>
+              <a:ext uri="{FF2B5EF4-FFF2-40B4-BE49-F238E27FC236}">
+                <a16:creationId xmlns:a16="http://schemas.microsoft.com/office/drawing/2014/main" id="{7A7E6D24-82BC-8139-E78D-1DF91952E305}"/>
+              </a:ext>
+            </a:extLst>
+          </p:cNvPr>
+          <p:cNvSpPr txBox="1"/>
+          <p:nvPr/>
+        </p:nvSpPr>
+        <p:spPr>
+          <a:xfrm>
+            <a:off x="840558" y="4442055"/>
+            <a:ext cx="5255440" cy="1438664"/>
+          </a:xfrm>
+          <a:prstGeom prst="rect">
+            <a:avLst/>
+          </a:prstGeom>
+          <a:noFill/>
+        </p:spPr>
+        <p:txBody>
+          <a:bodyPr wrap="square" rtlCol="0">
+            <a:spAutoFit/>
+          </a:bodyPr>
+          <a:lstStyle/>
+          <a:p>
+            <a:pPr algn="just">
+              <a:lnSpc>
+                <a:spcPct val="150000"/>
+              </a:lnSpc>
+            </a:pPr>
+            <a:r>
+              <a:rPr lang="en-US" altLang="zh-CN" b="1" dirty="0">
+                <a:solidFill>
+                  <a:srgbClr val="263C88"/>
+                </a:solidFill>
+                <a:latin typeface="思源黑体 CN Heavy"/>
+                <a:ea typeface="思源黑体 CN Medium" panose="020B0600000000000000"/>
+                <a:cs typeface="Times New Roman" panose="02020603050405020304" pitchFamily="18" charset="0"/>
+              </a:rPr>
+              <a:t>Test FWSVD on Llama2</a:t>
+            </a:r>
+            <a:endParaRPr lang="en-US" altLang="zh-CN" sz="1400" b="1" dirty="0">
+              <a:solidFill>
+                <a:srgbClr val="263C88"/>
+              </a:solidFill>
+              <a:latin typeface="思源黑体 CN Heavy"/>
+              <a:ea typeface="思源黑体 CN Medium" panose="020B0600000000000000"/>
+              <a:cs typeface="Times New Roman" panose="02020603050405020304" pitchFamily="18" charset="0"/>
+            </a:endParaRPr>
+          </a:p>
+          <a:p>
+            <a:pPr marL="342900" indent="-342900" algn="just">
+              <a:lnSpc>
+                <a:spcPct val="150000"/>
+              </a:lnSpc>
+              <a:buFont typeface="Arial" panose="020B0604020202020204" pitchFamily="34" charset="0"/>
+              <a:buChar char="•"/>
+            </a:pPr>
+            <a:r>
+              <a:rPr lang="en-US" altLang="zh-CN" sz="1400" dirty="0">
+                <a:latin typeface="Times New Roman" panose="02020603050405020304" pitchFamily="18" charset="0"/>
+                <a:ea typeface="思源黑体 CN Medium" panose="020B0600000000000000"/>
+                <a:cs typeface="Times New Roman" panose="02020603050405020304" pitchFamily="18" charset="0"/>
+              </a:rPr>
+              <a:t>Run some task on llama2 and set it as a baseline</a:t>
+            </a:r>
+          </a:p>
+          <a:p>
+            <a:pPr marL="800100" lvl="1" indent="-342900" algn="just">
+              <a:lnSpc>
+                <a:spcPct val="150000"/>
+              </a:lnSpc>
+              <a:buFont typeface="Arial" panose="020B0604020202020204" pitchFamily="34" charset="0"/>
+              <a:buChar char="•"/>
+            </a:pPr>
+            <a:r>
+              <a:rPr lang="en-US" altLang="zh-CN" sz="1400" dirty="0">
+                <a:latin typeface="Times New Roman" panose="02020603050405020304" pitchFamily="18" charset="0"/>
+                <a:ea typeface="思源黑体 CN Medium" panose="020B0600000000000000"/>
+                <a:cs typeface="Times New Roman" panose="02020603050405020304" pitchFamily="18" charset="0"/>
+              </a:rPr>
+              <a:t>MMLU</a:t>
+            </a:r>
+          </a:p>
+          <a:p>
+            <a:pPr marL="800100" lvl="1" indent="-342900" algn="just">
+              <a:lnSpc>
+                <a:spcPct val="150000"/>
+              </a:lnSpc>
+              <a:buFont typeface="Arial" panose="020B0604020202020204" pitchFamily="34" charset="0"/>
+              <a:buChar char="•"/>
+            </a:pPr>
+            <a:r>
+              <a:rPr lang="en-US" altLang="zh-CN" sz="1400" dirty="0" err="1">
+                <a:latin typeface="Times New Roman" panose="02020603050405020304" pitchFamily="18" charset="0"/>
+                <a:ea typeface="思源黑体 CN Medium" panose="020B0600000000000000"/>
+                <a:cs typeface="Times New Roman" panose="02020603050405020304" pitchFamily="18" charset="0"/>
+              </a:rPr>
+              <a:t>FreebaseQA</a:t>
+            </a:r>
+            <a:endParaRPr lang="en-US" altLang="zh-CN" sz="1400" dirty="0">
+              <a:latin typeface="Times New Roman" panose="02020603050405020304" pitchFamily="18" charset="0"/>
+              <a:ea typeface="思源黑体 CN Medium" panose="020B0600000000000000"/>
+              <a:cs typeface="Times New Roman" panose="02020603050405020304" pitchFamily="18" charset="0"/>
+            </a:endParaRPr>
+          </a:p>
+        </p:txBody>
+      </p:sp>
+    </p:spTree>
+    <p:extLst>
+      <p:ext uri="{BB962C8B-B14F-4D97-AF65-F5344CB8AC3E}">
+        <p14:creationId xmlns:p14="http://schemas.microsoft.com/office/powerpoint/2010/main" val="3442632649"/>
+      </p:ext>
+    </p:extLst>
+  </p:cSld>
+  <p:clrMapOvr>
+    <a:masterClrMapping/>
+  </p:clrMapOvr>
+  <mc:AlternateContent xmlns:mc="http://schemas.openxmlformats.org/markup-compatibility/2006" xmlns:p14="http://schemas.microsoft.com/office/powerpoint/2010/main">
+    <mc:Choice Requires="p14">
+      <p:transition p14:dur="10" advTm="7188"/>
+    </mc:Choice>
+    <mc:Fallback xmlns="">
+      <p:transition advTm="7188"/>
+    </mc:Fallback>
+  </mc:AlternateContent>
+</p:sld>
+</file>
+
+<file path=ppt/slides/slide18.xml><?xml version="1.0" encoding="utf-8"?>
 <p:sld xmlns:a="http://schemas.openxmlformats.org/drawingml/2006/main" xmlns:r="http://schemas.openxmlformats.org/officeDocument/2006/relationships" xmlns:p="http://schemas.openxmlformats.org/presentationml/2006/main">
   <p:cSld>
     <p:spTree>

--- a/docs/Matrix Factorization & LLM Compression.pptx
+++ b/docs/Matrix Factorization & LLM Compression.pptx
@@ -5,7 +5,7 @@
     <p:sldMasterId id="2147483648" r:id="rId1"/>
   </p:sldMasterIdLst>
   <p:notesMasterIdLst>
-    <p:notesMasterId r:id="rId25"/>
+    <p:notesMasterId r:id="rId26"/>
   </p:notesMasterIdLst>
   <p:sldIdLst>
     <p:sldId id="256" r:id="rId2"/>
@@ -19,23 +19,24 @@
     <p:sldId id="503" r:id="rId10"/>
     <p:sldId id="504" r:id="rId11"/>
     <p:sldId id="505" r:id="rId12"/>
-    <p:sldId id="507" r:id="rId13"/>
-    <p:sldId id="508" r:id="rId14"/>
-    <p:sldId id="509" r:id="rId15"/>
-    <p:sldId id="511" r:id="rId16"/>
-    <p:sldId id="512" r:id="rId17"/>
-    <p:sldId id="513" r:id="rId18"/>
-    <p:sldId id="514" r:id="rId19"/>
-    <p:sldId id="515" r:id="rId20"/>
-    <p:sldId id="506" r:id="rId21"/>
-    <p:sldId id="516" r:id="rId22"/>
-    <p:sldId id="517" r:id="rId23"/>
-    <p:sldId id="478" r:id="rId24"/>
+    <p:sldId id="519" r:id="rId13"/>
+    <p:sldId id="507" r:id="rId14"/>
+    <p:sldId id="508" r:id="rId15"/>
+    <p:sldId id="509" r:id="rId16"/>
+    <p:sldId id="511" r:id="rId17"/>
+    <p:sldId id="512" r:id="rId18"/>
+    <p:sldId id="513" r:id="rId19"/>
+    <p:sldId id="514" r:id="rId20"/>
+    <p:sldId id="515" r:id="rId21"/>
+    <p:sldId id="506" r:id="rId22"/>
+    <p:sldId id="516" r:id="rId23"/>
+    <p:sldId id="518" r:id="rId24"/>
+    <p:sldId id="478" r:id="rId25"/>
   </p:sldIdLst>
   <p:sldSz cx="12192000" cy="6858000"/>
   <p:notesSz cx="6858000" cy="9144000"/>
   <p:custDataLst>
-    <p:tags r:id="rId26"/>
+    <p:tags r:id="rId27"/>
   </p:custDataLst>
   <p:defaultTextStyle>
     <a:defPPr>
@@ -727,7 +728,7 @@
           <a:p>
             <a:fld id="{3678B995-4818-4CC4-9904-7C51E69FE1E0}" type="datetimeFigureOut">
               <a:rPr lang="zh-CN" altLang="en-US" smtClean="0"/>
-              <a:t>2023/11/30</a:t>
+              <a:t>2023/12/4</a:t>
             </a:fld>
             <a:endParaRPr lang="zh-CN" altLang="en-US"/>
           </a:p>
@@ -1320,7 +1321,7 @@
     </p:spTree>
     <p:extLst>
       <p:ext uri="{BB962C8B-B14F-4D97-AF65-F5344CB8AC3E}">
-        <p14:creationId xmlns:p14="http://schemas.microsoft.com/office/powerpoint/2010/main" val="3672188125"/>
+        <p14:creationId xmlns:p14="http://schemas.microsoft.com/office/powerpoint/2010/main" val="1778490201"/>
       </p:ext>
     </p:extLst>
   </p:cSld>
@@ -1404,7 +1405,7 @@
     </p:spTree>
     <p:extLst>
       <p:ext uri="{BB962C8B-B14F-4D97-AF65-F5344CB8AC3E}">
-        <p14:creationId xmlns:p14="http://schemas.microsoft.com/office/powerpoint/2010/main" val="2440692260"/>
+        <p14:creationId xmlns:p14="http://schemas.microsoft.com/office/powerpoint/2010/main" val="3672188125"/>
       </p:ext>
     </p:extLst>
   </p:cSld>
@@ -1488,7 +1489,7 @@
     </p:spTree>
     <p:extLst>
       <p:ext uri="{BB962C8B-B14F-4D97-AF65-F5344CB8AC3E}">
-        <p14:creationId xmlns:p14="http://schemas.microsoft.com/office/powerpoint/2010/main" val="366058530"/>
+        <p14:creationId xmlns:p14="http://schemas.microsoft.com/office/powerpoint/2010/main" val="2440692260"/>
       </p:ext>
     </p:extLst>
   </p:cSld>
@@ -1572,7 +1573,7 @@
     </p:spTree>
     <p:extLst>
       <p:ext uri="{BB962C8B-B14F-4D97-AF65-F5344CB8AC3E}">
-        <p14:creationId xmlns:p14="http://schemas.microsoft.com/office/powerpoint/2010/main" val="333129052"/>
+        <p14:creationId xmlns:p14="http://schemas.microsoft.com/office/powerpoint/2010/main" val="366058530"/>
       </p:ext>
     </p:extLst>
   </p:cSld>
@@ -1656,7 +1657,7 @@
     </p:spTree>
     <p:extLst>
       <p:ext uri="{BB962C8B-B14F-4D97-AF65-F5344CB8AC3E}">
-        <p14:creationId xmlns:p14="http://schemas.microsoft.com/office/powerpoint/2010/main" val="839975945"/>
+        <p14:creationId xmlns:p14="http://schemas.microsoft.com/office/powerpoint/2010/main" val="333129052"/>
       </p:ext>
     </p:extLst>
   </p:cSld>
@@ -1740,7 +1741,7 @@
     </p:spTree>
     <p:extLst>
       <p:ext uri="{BB962C8B-B14F-4D97-AF65-F5344CB8AC3E}">
-        <p14:creationId xmlns:p14="http://schemas.microsoft.com/office/powerpoint/2010/main" val="515962886"/>
+        <p14:creationId xmlns:p14="http://schemas.microsoft.com/office/powerpoint/2010/main" val="839975945"/>
       </p:ext>
     </p:extLst>
   </p:cSld>
@@ -1824,7 +1825,7 @@
     </p:spTree>
     <p:extLst>
       <p:ext uri="{BB962C8B-B14F-4D97-AF65-F5344CB8AC3E}">
-        <p14:creationId xmlns:p14="http://schemas.microsoft.com/office/powerpoint/2010/main" val="705130384"/>
+        <p14:creationId xmlns:p14="http://schemas.microsoft.com/office/powerpoint/2010/main" val="515962886"/>
       </p:ext>
     </p:extLst>
   </p:cSld>
@@ -1908,7 +1909,7 @@
     </p:spTree>
     <p:extLst>
       <p:ext uri="{BB962C8B-B14F-4D97-AF65-F5344CB8AC3E}">
-        <p14:creationId xmlns:p14="http://schemas.microsoft.com/office/powerpoint/2010/main" val="824126784"/>
+        <p14:creationId xmlns:p14="http://schemas.microsoft.com/office/powerpoint/2010/main" val="705130384"/>
       </p:ext>
     </p:extLst>
   </p:cSld>
@@ -2076,7 +2077,7 @@
     </p:spTree>
     <p:extLst>
       <p:ext uri="{BB962C8B-B14F-4D97-AF65-F5344CB8AC3E}">
-        <p14:creationId xmlns:p14="http://schemas.microsoft.com/office/powerpoint/2010/main" val="1778490201"/>
+        <p14:creationId xmlns:p14="http://schemas.microsoft.com/office/powerpoint/2010/main" val="824126784"/>
       </p:ext>
     </p:extLst>
   </p:cSld>
@@ -2160,7 +2161,7 @@
     </p:spTree>
     <p:extLst>
       <p:ext uri="{BB962C8B-B14F-4D97-AF65-F5344CB8AC3E}">
-        <p14:creationId xmlns:p14="http://schemas.microsoft.com/office/powerpoint/2010/main" val="3564942758"/>
+        <p14:creationId xmlns:p14="http://schemas.microsoft.com/office/powerpoint/2010/main" val="1778490201"/>
       </p:ext>
     </p:extLst>
   </p:cSld>
@@ -2244,7 +2245,7 @@
     </p:spTree>
     <p:extLst>
       <p:ext uri="{BB962C8B-B14F-4D97-AF65-F5344CB8AC3E}">
-        <p14:creationId xmlns:p14="http://schemas.microsoft.com/office/powerpoint/2010/main" val="1341276372"/>
+        <p14:creationId xmlns:p14="http://schemas.microsoft.com/office/powerpoint/2010/main" val="3564942758"/>
       </p:ext>
     </p:extLst>
   </p:cSld>
@@ -2298,6 +2299,90 @@
           <a:bodyPr/>
           <a:lstStyle/>
           <a:p>
+            <a:endParaRPr lang="en-US" altLang="zh-CN" dirty="0"/>
+          </a:p>
+        </p:txBody>
+      </p:sp>
+      <p:sp>
+        <p:nvSpPr>
+          <p:cNvPr id="4" name="灯片编号占位符 3"/>
+          <p:cNvSpPr>
+            <a:spLocks noGrp="1"/>
+          </p:cNvSpPr>
+          <p:nvPr>
+            <p:ph type="sldNum" sz="quarter" idx="10"/>
+          </p:nvPr>
+        </p:nvSpPr>
+        <p:spPr/>
+        <p:txBody>
+          <a:bodyPr/>
+          <a:lstStyle/>
+          <a:p>
+            <a:fld id="{324D6F74-634D-4233-BDBC-8BE3983B5CCB}" type="slidenum">
+              <a:rPr lang="zh-CN" altLang="en-US" smtClean="0"/>
+              <a:t>23</a:t>
+            </a:fld>
+            <a:endParaRPr lang="zh-CN" altLang="en-US"/>
+          </a:p>
+        </p:txBody>
+      </p:sp>
+    </p:spTree>
+    <p:extLst>
+      <p:ext uri="{BB962C8B-B14F-4D97-AF65-F5344CB8AC3E}">
+        <p14:creationId xmlns:p14="http://schemas.microsoft.com/office/powerpoint/2010/main" val="3769228016"/>
+      </p:ext>
+    </p:extLst>
+  </p:cSld>
+  <p:clrMapOvr>
+    <a:masterClrMapping/>
+  </p:clrMapOvr>
+</p:notes>
+</file>
+
+<file path=ppt/notesSlides/notesSlide24.xml><?xml version="1.0" encoding="utf-8"?>
+<p:notes xmlns:a="http://schemas.openxmlformats.org/drawingml/2006/main" xmlns:r="http://schemas.openxmlformats.org/officeDocument/2006/relationships" xmlns:p="http://schemas.openxmlformats.org/presentationml/2006/main">
+  <p:cSld>
+    <p:spTree>
+      <p:nvGrpSpPr>
+        <p:cNvPr id="1" name=""/>
+        <p:cNvGrpSpPr/>
+        <p:nvPr/>
+      </p:nvGrpSpPr>
+      <p:grpSpPr>
+        <a:xfrm>
+          <a:off x="0" y="0"/>
+          <a:ext cx="0" cy="0"/>
+          <a:chOff x="0" y="0"/>
+          <a:chExt cx="0" cy="0"/>
+        </a:xfrm>
+      </p:grpSpPr>
+      <p:sp>
+        <p:nvSpPr>
+          <p:cNvPr id="2" name="幻灯片图像占位符 1"/>
+          <p:cNvSpPr>
+            <a:spLocks noGrp="1" noRot="1" noChangeAspect="1"/>
+          </p:cNvSpPr>
+          <p:nvPr>
+            <p:ph type="sldImg"/>
+          </p:nvPr>
+        </p:nvSpPr>
+        <p:spPr/>
+      </p:sp>
+      <p:sp>
+        <p:nvSpPr>
+          <p:cNvPr id="3" name="备注占位符 2"/>
+          <p:cNvSpPr>
+            <a:spLocks noGrp="1"/>
+          </p:cNvSpPr>
+          <p:nvPr>
+            <p:ph type="body" idx="1"/>
+          </p:nvPr>
+        </p:nvSpPr>
+        <p:spPr/>
+        <p:txBody>
+          <a:bodyPr/>
+          <a:lstStyle/>
+          <a:p>
             <a:endParaRPr lang="zh-CN" altLang="en-US" dirty="0"/>
           </a:p>
         </p:txBody>
@@ -2319,7 +2404,7 @@
           <a:p>
             <a:fld id="{7DF969B2-FC8F-40E9-BEE9-914C18BA1C47}" type="slidenum">
               <a:rPr lang="zh-CN" altLang="en-US" smtClean="0"/>
-              <a:t>23</a:t>
+              <a:t>24</a:t>
             </a:fld>
             <a:endParaRPr lang="zh-CN" altLang="en-US"/>
           </a:p>
@@ -3055,7 +3140,7 @@
           <a:p>
             <a:fld id="{D997B5FA-0921-464F-AAE1-844C04324D75}" type="datetimeFigureOut">
               <a:rPr lang="zh-CN" altLang="en-US" smtClean="0"/>
-              <a:t>2023/11/30</a:t>
+              <a:t>2023/12/4</a:t>
             </a:fld>
             <a:endParaRPr lang="zh-CN" altLang="en-US"/>
           </a:p>
@@ -3231,7 +3316,7 @@
           <a:p>
             <a:fld id="{D997B5FA-0921-464F-AAE1-844C04324D75}" type="datetimeFigureOut">
               <a:rPr lang="zh-CN" altLang="en-US" smtClean="0"/>
-              <a:t>2023/11/30</a:t>
+              <a:t>2023/12/4</a:t>
             </a:fld>
             <a:endParaRPr lang="zh-CN" altLang="en-US"/>
           </a:p>
@@ -3417,7 +3502,7 @@
           <a:p>
             <a:fld id="{D997B5FA-0921-464F-AAE1-844C04324D75}" type="datetimeFigureOut">
               <a:rPr lang="zh-CN" altLang="en-US" smtClean="0"/>
-              <a:t>2023/11/30</a:t>
+              <a:t>2023/12/4</a:t>
             </a:fld>
             <a:endParaRPr lang="zh-CN" altLang="en-US"/>
           </a:p>
@@ -3631,7 +3716,7 @@
           <a:p>
             <a:fld id="{D997B5FA-0921-464F-AAE1-844C04324D75}" type="datetimeFigureOut">
               <a:rPr lang="zh-CN" altLang="en-US" smtClean="0"/>
-              <a:t>2023/11/30</a:t>
+              <a:t>2023/12/4</a:t>
             </a:fld>
             <a:endParaRPr lang="zh-CN" altLang="en-US"/>
           </a:p>
@@ -3884,7 +3969,7 @@
           <a:p>
             <a:fld id="{D997B5FA-0921-464F-AAE1-844C04324D75}" type="datetimeFigureOut">
               <a:rPr lang="zh-CN" altLang="en-US" smtClean="0"/>
-              <a:t>2023/11/30</a:t>
+              <a:t>2023/12/4</a:t>
             </a:fld>
             <a:endParaRPr lang="zh-CN" altLang="en-US"/>
           </a:p>
@@ -4121,7 +4206,7 @@
           <a:p>
             <a:fld id="{D997B5FA-0921-464F-AAE1-844C04324D75}" type="datetimeFigureOut">
               <a:rPr lang="zh-CN" altLang="en-US" smtClean="0"/>
-              <a:t>2023/11/30</a:t>
+              <a:t>2023/12/4</a:t>
             </a:fld>
             <a:endParaRPr lang="zh-CN" altLang="en-US"/>
           </a:p>
@@ -4493,7 +4578,7 @@
           <a:p>
             <a:fld id="{D997B5FA-0921-464F-AAE1-844C04324D75}" type="datetimeFigureOut">
               <a:rPr lang="zh-CN" altLang="en-US" smtClean="0"/>
-              <a:t>2023/11/30</a:t>
+              <a:t>2023/12/4</a:t>
             </a:fld>
             <a:endParaRPr lang="zh-CN" altLang="en-US"/>
           </a:p>
@@ -4618,7 +4703,7 @@
           <a:p>
             <a:fld id="{D997B5FA-0921-464F-AAE1-844C04324D75}" type="datetimeFigureOut">
               <a:rPr lang="zh-CN" altLang="en-US" smtClean="0"/>
-              <a:t>2023/11/30</a:t>
+              <a:t>2023/12/4</a:t>
             </a:fld>
             <a:endParaRPr lang="zh-CN" altLang="en-US"/>
           </a:p>
@@ -4721,7 +4806,7 @@
           <a:p>
             <a:fld id="{D997B5FA-0921-464F-AAE1-844C04324D75}" type="datetimeFigureOut">
               <a:rPr lang="zh-CN" altLang="en-US" smtClean="0"/>
-              <a:t>2023/11/30</a:t>
+              <a:t>2023/12/4</a:t>
             </a:fld>
             <a:endParaRPr lang="zh-CN" altLang="en-US"/>
           </a:p>
@@ -5004,7 +5089,7 @@
           <a:p>
             <a:fld id="{D997B5FA-0921-464F-AAE1-844C04324D75}" type="datetimeFigureOut">
               <a:rPr lang="zh-CN" altLang="en-US" smtClean="0"/>
-              <a:t>2023/11/30</a:t>
+              <a:t>2023/12/4</a:t>
             </a:fld>
             <a:endParaRPr lang="zh-CN" altLang="en-US"/>
           </a:p>
@@ -5264,7 +5349,7 @@
           <a:p>
             <a:fld id="{D997B5FA-0921-464F-AAE1-844C04324D75}" type="datetimeFigureOut">
               <a:rPr lang="zh-CN" altLang="en-US" smtClean="0"/>
-              <a:t>2023/11/30</a:t>
+              <a:t>2023/12/4</a:t>
             </a:fld>
             <a:endParaRPr lang="zh-CN" altLang="en-US"/>
           </a:p>
@@ -5483,7 +5568,7 @@
           <a:p>
             <a:fld id="{D997B5FA-0921-464F-AAE1-844C04324D75}" type="datetimeFigureOut">
               <a:rPr lang="zh-CN" altLang="en-US" smtClean="0"/>
-              <a:t>2023/11/30</a:t>
+              <a:t>2023/12/4</a:t>
             </a:fld>
             <a:endParaRPr lang="zh-CN" altLang="en-US"/>
           </a:p>
@@ -8350,6 +8435,1123 @@
 </file>
 
 <file path=ppt/slides/slide12.xml><?xml version="1.0" encoding="utf-8"?>
+<p:sld xmlns:a="http://schemas.openxmlformats.org/drawingml/2006/main" xmlns:r="http://schemas.openxmlformats.org/officeDocument/2006/relationships" xmlns:p="http://schemas.openxmlformats.org/presentationml/2006/main">
+  <p:cSld>
+    <p:spTree>
+      <p:nvGrpSpPr>
+        <p:cNvPr id="1" name=""/>
+        <p:cNvGrpSpPr/>
+        <p:nvPr/>
+      </p:nvGrpSpPr>
+      <p:grpSpPr>
+        <a:xfrm>
+          <a:off x="0" y="0"/>
+          <a:ext cx="0" cy="0"/>
+          <a:chOff x="0" y="0"/>
+          <a:chExt cx="0" cy="0"/>
+        </a:xfrm>
+      </p:grpSpPr>
+      <p:sp>
+        <p:nvSpPr>
+          <p:cNvPr id="52" name="Pentagon 6_1">
+            <a:extLst>
+              <a:ext uri="{FF2B5EF4-FFF2-40B4-BE49-F238E27FC236}">
+                <a16:creationId xmlns:a16="http://schemas.microsoft.com/office/drawing/2014/main" id="{AF00C5AC-1046-411F-939E-89D5936C785B}"/>
+              </a:ext>
+            </a:extLst>
+          </p:cNvPr>
+          <p:cNvSpPr/>
+          <p:nvPr/>
+        </p:nvSpPr>
+        <p:spPr>
+          <a:xfrm>
+            <a:off x="-1" y="531656"/>
+            <a:ext cx="1926771" cy="701648"/>
+          </a:xfrm>
+          <a:prstGeom prst="homePlate">
+            <a:avLst/>
+          </a:prstGeom>
+          <a:solidFill>
+            <a:srgbClr val="FADE40"/>
+          </a:solidFill>
+          <a:ln>
+            <a:noFill/>
+          </a:ln>
+        </p:spPr>
+        <p:style>
+          <a:lnRef idx="2">
+            <a:schemeClr val="accent1">
+              <a:shade val="50000"/>
+            </a:schemeClr>
+          </a:lnRef>
+          <a:fillRef idx="1">
+            <a:schemeClr val="accent1"/>
+          </a:fillRef>
+          <a:effectRef idx="0">
+            <a:schemeClr val="accent1"/>
+          </a:effectRef>
+          <a:fontRef idx="minor">
+            <a:schemeClr val="lt1"/>
+          </a:fontRef>
+        </p:style>
+        <p:txBody>
+          <a:bodyPr rtlCol="0" anchor="ctr"/>
+          <a:lstStyle/>
+          <a:p>
+            <a:pPr algn="ctr"/>
+            <a:endParaRPr lang="zh-CN" altLang="en-US"/>
+          </a:p>
+        </p:txBody>
+      </p:sp>
+      <p:sp>
+        <p:nvSpPr>
+          <p:cNvPr id="53" name="文本框 52">
+            <a:extLst>
+              <a:ext uri="{FF2B5EF4-FFF2-40B4-BE49-F238E27FC236}">
+                <a16:creationId xmlns:a16="http://schemas.microsoft.com/office/drawing/2014/main" id="{8699EC9A-81A9-4AD6-9962-57AA5A2F4CD8}"/>
+              </a:ext>
+            </a:extLst>
+          </p:cNvPr>
+          <p:cNvSpPr txBox="1"/>
+          <p:nvPr/>
+        </p:nvSpPr>
+        <p:spPr>
+          <a:xfrm>
+            <a:off x="42821" y="642567"/>
+            <a:ext cx="1595479" cy="479825"/>
+          </a:xfrm>
+          <a:prstGeom prst="rect">
+            <a:avLst/>
+          </a:prstGeom>
+          <a:noFill/>
+        </p:spPr>
+        <p:txBody>
+          <a:bodyPr wrap="square" rtlCol="0">
+            <a:spAutoFit/>
+          </a:bodyPr>
+          <a:lstStyle/>
+          <a:p>
+            <a:pPr algn="dist"/>
+            <a:r>
+              <a:rPr lang="en-US" altLang="zh-CN" sz="2400" dirty="0">
+                <a:solidFill>
+                  <a:srgbClr val="C00000"/>
+                </a:solidFill>
+                <a:latin typeface="Times New Roman" panose="02020603050405020304" pitchFamily="18" charset="0"/>
+                <a:ea typeface="思源黑体 CN Medium" panose="020B0600000000000000" pitchFamily="34" charset="-122"/>
+                <a:cs typeface="Times New Roman" panose="02020603050405020304" pitchFamily="18" charset="0"/>
+                <a:sym typeface="Arial" panose="020B0604020202020204" pitchFamily="34" charset="0"/>
+              </a:rPr>
+              <a:t>CPU</a:t>
+            </a:r>
+            <a:r>
+              <a:rPr lang="zh-CN" altLang="en-US" sz="2400" dirty="0">
+                <a:solidFill>
+                  <a:srgbClr val="C00000"/>
+                </a:solidFill>
+                <a:latin typeface="Times New Roman" panose="02020603050405020304" pitchFamily="18" charset="0"/>
+                <a:ea typeface="思源黑体 CN Medium" panose="020B0600000000000000" pitchFamily="34" charset="-122"/>
+                <a:cs typeface="Times New Roman" panose="02020603050405020304" pitchFamily="18" charset="0"/>
+                <a:sym typeface="Arial" panose="020B0604020202020204" pitchFamily="34" charset="0"/>
+              </a:rPr>
+              <a:t>设计</a:t>
+            </a:r>
+          </a:p>
+        </p:txBody>
+      </p:sp>
+      <p:sp>
+        <p:nvSpPr>
+          <p:cNvPr id="5" name="Pentagon 6_1">
+            <a:extLst>
+              <a:ext uri="{FF2B5EF4-FFF2-40B4-BE49-F238E27FC236}">
+                <a16:creationId xmlns:a16="http://schemas.microsoft.com/office/drawing/2014/main" id="{B2DEA907-69CA-1F7C-0719-3B1C4B3D0485}"/>
+              </a:ext>
+            </a:extLst>
+          </p:cNvPr>
+          <p:cNvSpPr/>
+          <p:nvPr/>
+        </p:nvSpPr>
+        <p:spPr>
+          <a:xfrm>
+            <a:off x="-1" y="531656"/>
+            <a:ext cx="1926771" cy="701648"/>
+          </a:xfrm>
+          <a:prstGeom prst="homePlate">
+            <a:avLst/>
+          </a:prstGeom>
+          <a:solidFill>
+            <a:srgbClr val="FADE40"/>
+          </a:solidFill>
+          <a:ln>
+            <a:noFill/>
+          </a:ln>
+        </p:spPr>
+        <p:style>
+          <a:lnRef idx="2">
+            <a:schemeClr val="accent1">
+              <a:shade val="50000"/>
+            </a:schemeClr>
+          </a:lnRef>
+          <a:fillRef idx="1">
+            <a:schemeClr val="accent1"/>
+          </a:fillRef>
+          <a:effectRef idx="0">
+            <a:schemeClr val="accent1"/>
+          </a:effectRef>
+          <a:fontRef idx="minor">
+            <a:schemeClr val="lt1"/>
+          </a:fontRef>
+        </p:style>
+        <p:txBody>
+          <a:bodyPr rtlCol="0" anchor="ctr"/>
+          <a:lstStyle/>
+          <a:p>
+            <a:pPr algn="ctr"/>
+            <a:endParaRPr lang="zh-CN" altLang="en-US"/>
+          </a:p>
+        </p:txBody>
+      </p:sp>
+      <p:sp>
+        <p:nvSpPr>
+          <p:cNvPr id="6" name="文本框 5">
+            <a:extLst>
+              <a:ext uri="{FF2B5EF4-FFF2-40B4-BE49-F238E27FC236}">
+                <a16:creationId xmlns:a16="http://schemas.microsoft.com/office/drawing/2014/main" id="{EEA72AD3-AE04-AC91-8BBE-AEC989717A4D}"/>
+              </a:ext>
+            </a:extLst>
+          </p:cNvPr>
+          <p:cNvSpPr txBox="1"/>
+          <p:nvPr/>
+        </p:nvSpPr>
+        <p:spPr>
+          <a:xfrm>
+            <a:off x="42819" y="711017"/>
+            <a:ext cx="1595479" cy="338554"/>
+          </a:xfrm>
+          <a:prstGeom prst="rect">
+            <a:avLst/>
+          </a:prstGeom>
+          <a:noFill/>
+        </p:spPr>
+        <p:txBody>
+          <a:bodyPr wrap="square" rtlCol="0">
+            <a:spAutoFit/>
+          </a:bodyPr>
+          <a:lstStyle/>
+          <a:p>
+            <a:pPr algn="dist"/>
+            <a:r>
+              <a:rPr lang="en-US" altLang="zh-CN" sz="1600" b="1" dirty="0">
+                <a:solidFill>
+                  <a:srgbClr val="C00000"/>
+                </a:solidFill>
+                <a:latin typeface="Times New Roman" panose="02020603050405020304" pitchFamily="18" charset="0"/>
+                <a:ea typeface="思源黑体 CN Medium" panose="020B0600000000000000" pitchFamily="34" charset="-122"/>
+                <a:cs typeface="Times New Roman" panose="02020603050405020304" pitchFamily="18" charset="0"/>
+                <a:sym typeface="Arial" panose="020B0604020202020204" pitchFamily="34" charset="0"/>
+              </a:rPr>
+              <a:t>Method</a:t>
+            </a:r>
+            <a:endParaRPr lang="zh-CN" altLang="en-US" sz="1600" b="1" dirty="0">
+              <a:solidFill>
+                <a:srgbClr val="C00000"/>
+              </a:solidFill>
+              <a:latin typeface="Times New Roman" panose="02020603050405020304" pitchFamily="18" charset="0"/>
+              <a:ea typeface="思源黑体 CN Medium" panose="020B0600000000000000" pitchFamily="34" charset="-122"/>
+              <a:cs typeface="Times New Roman" panose="02020603050405020304" pitchFamily="18" charset="0"/>
+              <a:sym typeface="Arial" panose="020B0604020202020204" pitchFamily="34" charset="0"/>
+            </a:endParaRPr>
+          </a:p>
+        </p:txBody>
+      </p:sp>
+      <p:sp>
+        <p:nvSpPr>
+          <p:cNvPr id="3" name="文本框 2">
+            <a:extLst>
+              <a:ext uri="{FF2B5EF4-FFF2-40B4-BE49-F238E27FC236}">
+                <a16:creationId xmlns:a16="http://schemas.microsoft.com/office/drawing/2014/main" id="{97FF22BB-C12B-B014-7393-AF5F709520F6}"/>
+              </a:ext>
+            </a:extLst>
+          </p:cNvPr>
+          <p:cNvSpPr txBox="1"/>
+          <p:nvPr/>
+        </p:nvSpPr>
+        <p:spPr>
+          <a:xfrm>
+            <a:off x="840560" y="1531296"/>
+            <a:ext cx="5255440" cy="5137432"/>
+          </a:xfrm>
+          <a:prstGeom prst="rect">
+            <a:avLst/>
+          </a:prstGeom>
+          <a:noFill/>
+        </p:spPr>
+        <p:txBody>
+          <a:bodyPr wrap="square" rtlCol="0">
+            <a:spAutoFit/>
+          </a:bodyPr>
+          <a:lstStyle/>
+          <a:p>
+            <a:pPr algn="just">
+              <a:lnSpc>
+                <a:spcPct val="150000"/>
+              </a:lnSpc>
+            </a:pPr>
+            <a:r>
+              <a:rPr lang="en-US" altLang="zh-CN" sz="1600" b="1" dirty="0">
+                <a:solidFill>
+                  <a:srgbClr val="263C88"/>
+                </a:solidFill>
+                <a:latin typeface="思源黑体 CN Heavy"/>
+                <a:ea typeface="思源黑体 CN Medium" panose="020B0600000000000000"/>
+                <a:cs typeface="Times New Roman" panose="02020603050405020304" pitchFamily="18" charset="0"/>
+              </a:rPr>
+              <a:t>Method</a:t>
+            </a:r>
+            <a:endParaRPr lang="en-US" altLang="zh-CN" sz="1200" b="1" dirty="0">
+              <a:solidFill>
+                <a:srgbClr val="263C88"/>
+              </a:solidFill>
+              <a:latin typeface="思源黑体 CN Heavy"/>
+              <a:ea typeface="思源黑体 CN Medium" panose="020B0600000000000000"/>
+              <a:cs typeface="Times New Roman" panose="02020603050405020304" pitchFamily="18" charset="0"/>
+            </a:endParaRPr>
+          </a:p>
+          <a:p>
+            <a:pPr marL="342900" indent="-342900" algn="just">
+              <a:lnSpc>
+                <a:spcPct val="150000"/>
+              </a:lnSpc>
+              <a:buFont typeface="Arial" panose="020B0604020202020204" pitchFamily="34" charset="0"/>
+              <a:buChar char="•"/>
+            </a:pPr>
+            <a:r>
+              <a:rPr lang="en-US" altLang="zh-CN" sz="1200" dirty="0">
+                <a:latin typeface="Times New Roman" panose="02020603050405020304" pitchFamily="18" charset="0"/>
+                <a:ea typeface="思源黑体 CN Medium" panose="020B0600000000000000"/>
+                <a:cs typeface="Times New Roman" panose="02020603050405020304" pitchFamily="18" charset="0"/>
+              </a:rPr>
+              <a:t>Combination of SVD and gradient information does work well but is computational demanding when adapted to LLMs. Thus, consider including LoRA for measuring parameters importance, inspired from </a:t>
+            </a:r>
+            <a:r>
+              <a:rPr lang="en-US" altLang="zh-CN" sz="1200" b="1" dirty="0">
+                <a:latin typeface="Times New Roman" panose="02020603050405020304" pitchFamily="18" charset="0"/>
+                <a:ea typeface="思源黑体 CN Medium" panose="020B0600000000000000"/>
+                <a:cs typeface="Times New Roman" panose="02020603050405020304" pitchFamily="18" charset="0"/>
+              </a:rPr>
+              <a:t>LoRAPrune</a:t>
+            </a:r>
+            <a:r>
+              <a:rPr lang="en-US" altLang="zh-CN" sz="1200" dirty="0">
+                <a:latin typeface="Times New Roman" panose="02020603050405020304" pitchFamily="18" charset="0"/>
+                <a:ea typeface="思源黑体 CN Medium" panose="020B0600000000000000"/>
+                <a:cs typeface="Times New Roman" panose="02020603050405020304" pitchFamily="18" charset="0"/>
+              </a:rPr>
+              <a:t>.</a:t>
+            </a:r>
+          </a:p>
+          <a:p>
+            <a:pPr lvl="1" algn="just">
+              <a:lnSpc>
+                <a:spcPct val="150000"/>
+              </a:lnSpc>
+            </a:pPr>
+            <a:endParaRPr lang="en-US" altLang="zh-CN" sz="1200" dirty="0">
+              <a:latin typeface="Times New Roman" panose="02020603050405020304" pitchFamily="18" charset="0"/>
+              <a:ea typeface="思源黑体 CN Medium" panose="020B0600000000000000"/>
+              <a:cs typeface="Times New Roman" panose="02020603050405020304" pitchFamily="18" charset="0"/>
+            </a:endParaRPr>
+          </a:p>
+          <a:p>
+            <a:pPr marL="342900" indent="-342900" algn="just">
+              <a:lnSpc>
+                <a:spcPct val="150000"/>
+              </a:lnSpc>
+              <a:buFont typeface="Arial" panose="020B0604020202020204" pitchFamily="34" charset="0"/>
+              <a:buChar char="•"/>
+            </a:pPr>
+            <a:r>
+              <a:rPr lang="en-US" altLang="zh-CN" sz="1200" dirty="0">
+                <a:latin typeface="Times New Roman" panose="02020603050405020304" pitchFamily="18" charset="0"/>
+                <a:ea typeface="思源黑体 CN Medium" panose="020B0600000000000000"/>
+                <a:cs typeface="Times New Roman" panose="02020603050405020304" pitchFamily="18" charset="0"/>
+              </a:rPr>
+              <a:t>Refine-tuning may be necessary but must be expensive when scaling SVD methods from BERT to LLMs. Since we have already introduced </a:t>
+            </a:r>
+            <a:r>
+              <a:rPr lang="en-US" altLang="zh-CN" sz="1200" b="1" dirty="0">
+                <a:latin typeface="Times New Roman" panose="02020603050405020304" pitchFamily="18" charset="0"/>
+                <a:ea typeface="思源黑体 CN Medium" panose="020B0600000000000000"/>
+                <a:cs typeface="Times New Roman" panose="02020603050405020304" pitchFamily="18" charset="0"/>
+              </a:rPr>
+              <a:t>LoRA</a:t>
+            </a:r>
+            <a:r>
+              <a:rPr lang="en-US" altLang="zh-CN" sz="1200" dirty="0">
+                <a:latin typeface="Times New Roman" panose="02020603050405020304" pitchFamily="18" charset="0"/>
+                <a:ea typeface="思源黑体 CN Medium" panose="020B0600000000000000"/>
+                <a:cs typeface="Times New Roman" panose="02020603050405020304" pitchFamily="18" charset="0"/>
+              </a:rPr>
+              <a:t>, why not using it as </a:t>
+            </a:r>
+            <a:r>
+              <a:rPr lang="en-US" altLang="zh-CN" sz="1200" b="1" dirty="0">
+                <a:latin typeface="Times New Roman" panose="02020603050405020304" pitchFamily="18" charset="0"/>
+                <a:ea typeface="思源黑体 CN Medium" panose="020B0600000000000000"/>
+                <a:cs typeface="Times New Roman" panose="02020603050405020304" pitchFamily="18" charset="0"/>
+              </a:rPr>
+              <a:t>dynamic compensation </a:t>
+            </a:r>
+            <a:r>
+              <a:rPr lang="en-US" altLang="zh-CN" sz="1200" dirty="0">
+                <a:latin typeface="Times New Roman" panose="02020603050405020304" pitchFamily="18" charset="0"/>
+                <a:ea typeface="思源黑体 CN Medium" panose="020B0600000000000000"/>
+                <a:cs typeface="Times New Roman" panose="02020603050405020304" pitchFamily="18" charset="0"/>
+              </a:rPr>
+              <a:t>when doing factorization. In this way, matrix factorization and refine-tuning can be performed simultaneously.</a:t>
+            </a:r>
+          </a:p>
+          <a:p>
+            <a:pPr marL="342900" indent="-342900" algn="just">
+              <a:lnSpc>
+                <a:spcPct val="150000"/>
+              </a:lnSpc>
+              <a:buFont typeface="Arial" panose="020B0604020202020204" pitchFamily="34" charset="0"/>
+              <a:buChar char="•"/>
+            </a:pPr>
+            <a:endParaRPr lang="en-US" altLang="zh-CN" sz="1200" dirty="0">
+              <a:latin typeface="Times New Roman" panose="02020603050405020304" pitchFamily="18" charset="0"/>
+              <a:ea typeface="思源黑体 CN Medium" panose="020B0600000000000000"/>
+              <a:cs typeface="Times New Roman" panose="02020603050405020304" pitchFamily="18" charset="0"/>
+            </a:endParaRPr>
+          </a:p>
+          <a:p>
+            <a:pPr marL="342900" indent="-342900" algn="just">
+              <a:lnSpc>
+                <a:spcPct val="150000"/>
+              </a:lnSpc>
+              <a:buFont typeface="Arial" panose="020B0604020202020204" pitchFamily="34" charset="0"/>
+              <a:buChar char="•"/>
+            </a:pPr>
+            <a:r>
+              <a:rPr lang="en-US" altLang="zh-CN" sz="1200" dirty="0">
+                <a:latin typeface="Times New Roman" panose="02020603050405020304" pitchFamily="18" charset="0"/>
+                <a:ea typeface="思源黑体 CN Medium" panose="020B0600000000000000"/>
+                <a:cs typeface="Times New Roman" panose="02020603050405020304" pitchFamily="18" charset="0"/>
+              </a:rPr>
+              <a:t>When applying the </a:t>
+            </a:r>
+            <a:r>
+              <a:rPr lang="en-US" altLang="zh-CN" sz="1200" b="1" dirty="0">
+                <a:latin typeface="Times New Roman" panose="02020603050405020304" pitchFamily="18" charset="0"/>
+                <a:ea typeface="思源黑体 CN Medium" panose="020B0600000000000000"/>
+                <a:cs typeface="Times New Roman" panose="02020603050405020304" pitchFamily="18" charset="0"/>
+              </a:rPr>
+              <a:t>second part</a:t>
+            </a:r>
+            <a:r>
+              <a:rPr lang="en-US" altLang="zh-CN" sz="1200" dirty="0">
+                <a:latin typeface="Times New Roman" panose="02020603050405020304" pitchFamily="18" charset="0"/>
+                <a:ea typeface="思源黑体 CN Medium" panose="020B0600000000000000"/>
+                <a:cs typeface="Times New Roman" panose="02020603050405020304" pitchFamily="18" charset="0"/>
+              </a:rPr>
+              <a:t>, it will </a:t>
+            </a:r>
+            <a:r>
+              <a:rPr lang="en-US" altLang="zh-CN" sz="1200" b="1" dirty="0">
+                <a:latin typeface="Times New Roman" panose="02020603050405020304" pitchFamily="18" charset="0"/>
+                <a:ea typeface="思源黑体 CN Medium" panose="020B0600000000000000"/>
+                <a:cs typeface="Times New Roman" panose="02020603050405020304" pitchFamily="18" charset="0"/>
+              </a:rPr>
+              <a:t>cause increase </a:t>
+            </a:r>
+            <a:r>
+              <a:rPr lang="en-US" altLang="zh-CN" sz="1200" dirty="0">
+                <a:latin typeface="Times New Roman" panose="02020603050405020304" pitchFamily="18" charset="0"/>
+                <a:ea typeface="思源黑体 CN Medium" panose="020B0600000000000000"/>
+                <a:cs typeface="Times New Roman" panose="02020603050405020304" pitchFamily="18" charset="0"/>
+              </a:rPr>
+              <a:t>in memory and time utilization as the full gradient is required for LoRA fine-tuning. Nevertheless, ideally, we can obtain a lightweight model that is 10%-param  of the original model with the computational cost similar to PEFT.</a:t>
+            </a:r>
+          </a:p>
+          <a:p>
+            <a:pPr algn="just">
+              <a:lnSpc>
+                <a:spcPct val="150000"/>
+              </a:lnSpc>
+            </a:pPr>
+            <a:endParaRPr lang="en-US" altLang="zh-CN" sz="1200" dirty="0">
+              <a:latin typeface="Times New Roman" panose="02020603050405020304" pitchFamily="18" charset="0"/>
+              <a:ea typeface="思源黑体 CN Medium" panose="020B0600000000000000"/>
+              <a:cs typeface="Times New Roman" panose="02020603050405020304" pitchFamily="18" charset="0"/>
+            </a:endParaRPr>
+          </a:p>
+          <a:p>
+            <a:pPr marL="342900" indent="-342900" algn="just">
+              <a:lnSpc>
+                <a:spcPct val="150000"/>
+              </a:lnSpc>
+              <a:buFont typeface="Arial" panose="020B0604020202020204" pitchFamily="34" charset="0"/>
+              <a:buChar char="•"/>
+            </a:pPr>
+            <a:r>
+              <a:rPr lang="en-US" altLang="zh-CN" sz="1200" dirty="0">
+                <a:latin typeface="Times New Roman" panose="02020603050405020304" pitchFamily="18" charset="0"/>
+                <a:ea typeface="思源黑体 CN Medium" panose="020B0600000000000000"/>
+                <a:cs typeface="Times New Roman" panose="02020603050405020304" pitchFamily="18" charset="0"/>
+              </a:rPr>
+              <a:t>To achieve higher compression ratio, we may conduct further experiments like QLoRA… Or we can even set the baseline at </a:t>
+            </a:r>
+            <a:r>
+              <a:rPr lang="en-US" altLang="zh-CN" sz="1200" b="1" dirty="0">
+                <a:latin typeface="Times New Roman" panose="02020603050405020304" pitchFamily="18" charset="0"/>
+                <a:ea typeface="思源黑体 CN Medium" panose="020B0600000000000000"/>
+                <a:cs typeface="Times New Roman" panose="02020603050405020304" pitchFamily="18" charset="0"/>
+              </a:rPr>
+              <a:t>FP16</a:t>
+            </a:r>
+            <a:r>
+              <a:rPr lang="en-US" altLang="zh-CN" sz="1200" dirty="0">
+                <a:latin typeface="Times New Roman" panose="02020603050405020304" pitchFamily="18" charset="0"/>
+                <a:ea typeface="思源黑体 CN Medium" panose="020B0600000000000000"/>
+                <a:cs typeface="Times New Roman" panose="02020603050405020304" pitchFamily="18" charset="0"/>
+              </a:rPr>
+              <a:t> since LLMs are not sensitive to data-width.</a:t>
+            </a:r>
+          </a:p>
+        </p:txBody>
+      </p:sp>
+      <p:sp>
+        <p:nvSpPr>
+          <p:cNvPr id="8" name="箭头: 下 7">
+            <a:extLst>
+              <a:ext uri="{FF2B5EF4-FFF2-40B4-BE49-F238E27FC236}">
+                <a16:creationId xmlns:a16="http://schemas.microsoft.com/office/drawing/2014/main" id="{603CA725-09A3-5EB1-8DB7-2B04C5F66BD4}"/>
+              </a:ext>
+            </a:extLst>
+          </p:cNvPr>
+          <p:cNvSpPr/>
+          <p:nvPr/>
+        </p:nvSpPr>
+        <p:spPr>
+          <a:xfrm>
+            <a:off x="8945224" y="531656"/>
+            <a:ext cx="300377" cy="5992526"/>
+          </a:xfrm>
+          <a:prstGeom prst="downArrow">
+            <a:avLst/>
+          </a:prstGeom>
+        </p:spPr>
+        <p:style>
+          <a:lnRef idx="2">
+            <a:schemeClr val="accent1">
+              <a:shade val="15000"/>
+            </a:schemeClr>
+          </a:lnRef>
+          <a:fillRef idx="1">
+            <a:schemeClr val="accent1"/>
+          </a:fillRef>
+          <a:effectRef idx="0">
+            <a:schemeClr val="accent1"/>
+          </a:effectRef>
+          <a:fontRef idx="minor">
+            <a:schemeClr val="lt1"/>
+          </a:fontRef>
+        </p:style>
+        <p:txBody>
+          <a:bodyPr rtlCol="0" anchor="ctr"/>
+          <a:lstStyle/>
+          <a:p>
+            <a:pPr algn="ctr"/>
+            <a:endParaRPr lang="zh-CN" altLang="en-US"/>
+          </a:p>
+        </p:txBody>
+      </p:sp>
+      <p:sp>
+        <p:nvSpPr>
+          <p:cNvPr id="9" name="文本框 8">
+            <a:extLst>
+              <a:ext uri="{FF2B5EF4-FFF2-40B4-BE49-F238E27FC236}">
+                <a16:creationId xmlns:a16="http://schemas.microsoft.com/office/drawing/2014/main" id="{743F300F-1ED6-B75C-74DF-F9BDFECBAB30}"/>
+              </a:ext>
+            </a:extLst>
+          </p:cNvPr>
+          <p:cNvSpPr txBox="1"/>
+          <p:nvPr/>
+        </p:nvSpPr>
+        <p:spPr>
+          <a:xfrm>
+            <a:off x="9206305" y="1122392"/>
+            <a:ext cx="2985695" cy="1612686"/>
+          </a:xfrm>
+          <a:prstGeom prst="rect">
+            <a:avLst/>
+          </a:prstGeom>
+          <a:noFill/>
+        </p:spPr>
+        <p:txBody>
+          <a:bodyPr wrap="square" rtlCol="0">
+            <a:spAutoFit/>
+          </a:bodyPr>
+          <a:lstStyle/>
+          <a:p>
+            <a:pPr algn="just">
+              <a:lnSpc>
+                <a:spcPct val="150000"/>
+              </a:lnSpc>
+            </a:pPr>
+            <a:r>
+              <a:rPr lang="en-US" altLang="zh-CN" sz="1200" b="1" dirty="0">
+                <a:solidFill>
+                  <a:srgbClr val="C00000"/>
+                </a:solidFill>
+                <a:latin typeface="思源黑体 CN Heavy"/>
+                <a:ea typeface="思源黑体 CN Medium" panose="020B0600000000000000"/>
+                <a:cs typeface="Times New Roman" panose="02020603050405020304" pitchFamily="18" charset="0"/>
+              </a:rPr>
+              <a:t>Step 1 : Weighted SVD Implementation</a:t>
+            </a:r>
+          </a:p>
+          <a:p>
+            <a:pPr marL="171450" indent="-171450" algn="just">
+              <a:lnSpc>
+                <a:spcPct val="150000"/>
+              </a:lnSpc>
+              <a:buFont typeface="Arial" panose="020B0604020202020204" pitchFamily="34" charset="0"/>
+              <a:buChar char="•"/>
+            </a:pPr>
+            <a:r>
+              <a:rPr lang="en-US" altLang="zh-CN" sz="1100" b="1" dirty="0">
+                <a:solidFill>
+                  <a:schemeClr val="bg1">
+                    <a:lumMod val="50000"/>
+                  </a:schemeClr>
+                </a:solidFill>
+                <a:latin typeface="思源黑体 CN Heavy"/>
+                <a:ea typeface="思源黑体 CN Medium" panose="020B0600000000000000"/>
+                <a:cs typeface="Times New Roman" panose="02020603050405020304" pitchFamily="18" charset="0"/>
+              </a:rPr>
+              <a:t>Considering the optimal objection in FWSVD</a:t>
+            </a:r>
+          </a:p>
+          <a:p>
+            <a:pPr marL="171450" indent="-171450" algn="just">
+              <a:lnSpc>
+                <a:spcPct val="150000"/>
+              </a:lnSpc>
+              <a:buFont typeface="Arial" panose="020B0604020202020204" pitchFamily="34" charset="0"/>
+              <a:buChar char="•"/>
+            </a:pPr>
+            <a:r>
+              <a:rPr lang="en-US" altLang="zh-CN" sz="1100" b="1" dirty="0">
+                <a:solidFill>
+                  <a:schemeClr val="bg1">
+                    <a:lumMod val="50000"/>
+                  </a:schemeClr>
+                </a:solidFill>
+                <a:latin typeface="思源黑体 CN Heavy"/>
+                <a:ea typeface="思源黑体 CN Medium" panose="020B0600000000000000"/>
+                <a:cs typeface="Times New Roman" panose="02020603050405020304" pitchFamily="18" charset="0"/>
+              </a:rPr>
+              <a:t>To simplify the problem, we follow the assumptions in FWSVD: the importance is row-wise instead of element-wise</a:t>
+            </a:r>
+          </a:p>
+          <a:p>
+            <a:pPr marL="171450" indent="-171450" algn="just">
+              <a:lnSpc>
+                <a:spcPct val="150000"/>
+              </a:lnSpc>
+              <a:buFont typeface="Arial" panose="020B0604020202020204" pitchFamily="34" charset="0"/>
+              <a:buChar char="•"/>
+            </a:pPr>
+            <a:r>
+              <a:rPr lang="en-US" altLang="zh-CN" sz="1100" b="1" dirty="0">
+                <a:solidFill>
+                  <a:schemeClr val="bg1">
+                    <a:lumMod val="50000"/>
+                  </a:schemeClr>
+                </a:solidFill>
+                <a:latin typeface="思源黑体 CN Heavy"/>
+                <a:ea typeface="思源黑体 CN Medium" panose="020B0600000000000000"/>
+                <a:cs typeface="Times New Roman" panose="02020603050405020304" pitchFamily="18" charset="0"/>
+              </a:rPr>
+              <a:t>Apply it on the LLM baseline</a:t>
+            </a:r>
+          </a:p>
+        </p:txBody>
+      </p:sp>
+      <p:sp>
+        <p:nvSpPr>
+          <p:cNvPr id="10" name="文本框 9">
+            <a:extLst>
+              <a:ext uri="{FF2B5EF4-FFF2-40B4-BE49-F238E27FC236}">
+                <a16:creationId xmlns:a16="http://schemas.microsoft.com/office/drawing/2014/main" id="{B9AFC80C-BC14-3163-3A7A-878CAD338916}"/>
+              </a:ext>
+            </a:extLst>
+          </p:cNvPr>
+          <p:cNvSpPr txBox="1"/>
+          <p:nvPr/>
+        </p:nvSpPr>
+        <p:spPr>
+          <a:xfrm>
+            <a:off x="6080943" y="2442431"/>
+            <a:ext cx="2903577" cy="847283"/>
+          </a:xfrm>
+          <a:prstGeom prst="rect">
+            <a:avLst/>
+          </a:prstGeom>
+          <a:noFill/>
+        </p:spPr>
+        <p:txBody>
+          <a:bodyPr wrap="square" rtlCol="0">
+            <a:spAutoFit/>
+          </a:bodyPr>
+          <a:lstStyle/>
+          <a:p>
+            <a:pPr>
+              <a:lnSpc>
+                <a:spcPct val="150000"/>
+              </a:lnSpc>
+            </a:pPr>
+            <a:r>
+              <a:rPr lang="en-US" altLang="zh-CN" sz="1200" b="1" dirty="0">
+                <a:solidFill>
+                  <a:srgbClr val="C00000"/>
+                </a:solidFill>
+                <a:latin typeface="思源黑体 CN Heavy"/>
+                <a:ea typeface="思源黑体 CN Medium" panose="020B0600000000000000"/>
+                <a:cs typeface="Times New Roman" panose="02020603050405020304" pitchFamily="18" charset="0"/>
+              </a:rPr>
+              <a:t>Step 2 : LoRA weighted strategy</a:t>
+            </a:r>
+          </a:p>
+          <a:p>
+            <a:pPr marL="171450" indent="-171450">
+              <a:lnSpc>
+                <a:spcPct val="150000"/>
+              </a:lnSpc>
+              <a:buFont typeface="Arial" panose="020B0604020202020204" pitchFamily="34" charset="0"/>
+              <a:buChar char="•"/>
+            </a:pPr>
+            <a:r>
+              <a:rPr lang="en-US" altLang="zh-CN" sz="1100" b="1" dirty="0">
+                <a:solidFill>
+                  <a:schemeClr val="bg1">
+                    <a:lumMod val="50000"/>
+                  </a:schemeClr>
+                </a:solidFill>
+                <a:latin typeface="思源黑体 CN Heavy"/>
+                <a:ea typeface="思源黑体 CN Medium" panose="020B0600000000000000"/>
+                <a:cs typeface="Times New Roman" panose="02020603050405020304" pitchFamily="18" charset="0"/>
+              </a:rPr>
+              <a:t>Change the importance measuring strategy in FWSVD to the presentation of LoRA</a:t>
+            </a:r>
+          </a:p>
+        </p:txBody>
+      </p:sp>
+      <p:sp>
+        <p:nvSpPr>
+          <p:cNvPr id="11" name="文本框 10">
+            <a:extLst>
+              <a:ext uri="{FF2B5EF4-FFF2-40B4-BE49-F238E27FC236}">
+                <a16:creationId xmlns:a16="http://schemas.microsoft.com/office/drawing/2014/main" id="{23728186-76FC-6C5A-4F65-305CA3CD129D}"/>
+              </a:ext>
+            </a:extLst>
+          </p:cNvPr>
+          <p:cNvSpPr txBox="1"/>
+          <p:nvPr/>
+        </p:nvSpPr>
+        <p:spPr>
+          <a:xfrm>
+            <a:off x="9206304" y="3676956"/>
+            <a:ext cx="2985696" cy="1358770"/>
+          </a:xfrm>
+          <a:prstGeom prst="rect">
+            <a:avLst/>
+          </a:prstGeom>
+          <a:noFill/>
+        </p:spPr>
+        <p:txBody>
+          <a:bodyPr wrap="square" rtlCol="0">
+            <a:spAutoFit/>
+          </a:bodyPr>
+          <a:lstStyle/>
+          <a:p>
+            <a:pPr>
+              <a:lnSpc>
+                <a:spcPct val="150000"/>
+              </a:lnSpc>
+            </a:pPr>
+            <a:r>
+              <a:rPr lang="en-US" altLang="zh-CN" sz="1200" b="1" dirty="0">
+                <a:solidFill>
+                  <a:srgbClr val="C00000"/>
+                </a:solidFill>
+                <a:latin typeface="思源黑体 CN Heavy"/>
+                <a:ea typeface="思源黑体 CN Medium" panose="020B0600000000000000"/>
+                <a:cs typeface="Times New Roman" panose="02020603050405020304" pitchFamily="18" charset="0"/>
+              </a:rPr>
+              <a:t>Step 3 : Utilize LoRA as compensation</a:t>
+            </a:r>
+          </a:p>
+          <a:p>
+            <a:pPr marL="171450" indent="-171450">
+              <a:lnSpc>
+                <a:spcPct val="150000"/>
+              </a:lnSpc>
+              <a:buFont typeface="Arial" panose="020B0604020202020204" pitchFamily="34" charset="0"/>
+              <a:buChar char="•"/>
+            </a:pPr>
+            <a:r>
+              <a:rPr lang="en-US" altLang="zh-CN" sz="1100" b="1" dirty="0">
+                <a:solidFill>
+                  <a:schemeClr val="bg1">
+                    <a:lumMod val="50000"/>
+                  </a:schemeClr>
+                </a:solidFill>
+                <a:latin typeface="思源黑体 CN Heavy"/>
+                <a:ea typeface="思源黑体 CN Medium" panose="020B0600000000000000"/>
+                <a:cs typeface="Times New Roman" panose="02020603050405020304" pitchFamily="18" charset="0"/>
+              </a:rPr>
+              <a:t>Take the LoRA updated in step 2 as the refine-tuning result for SVD factorization</a:t>
+            </a:r>
+          </a:p>
+          <a:p>
+            <a:pPr marL="171450" indent="-171450">
+              <a:lnSpc>
+                <a:spcPct val="150000"/>
+              </a:lnSpc>
+              <a:buFont typeface="Arial" panose="020B0604020202020204" pitchFamily="34" charset="0"/>
+              <a:buChar char="•"/>
+            </a:pPr>
+            <a:r>
+              <a:rPr lang="en-US" altLang="zh-CN" sz="1100" b="1" dirty="0">
+                <a:solidFill>
+                  <a:schemeClr val="bg1">
+                    <a:lumMod val="50000"/>
+                  </a:schemeClr>
+                </a:solidFill>
+                <a:latin typeface="思源黑体 CN Heavy"/>
+                <a:ea typeface="思源黑体 CN Medium" panose="020B0600000000000000"/>
+                <a:cs typeface="Times New Roman" panose="02020603050405020304" pitchFamily="18" charset="0"/>
+              </a:rPr>
+              <a:t>Whether or not doing this will depend on the performance after the previous steps.</a:t>
+            </a:r>
+          </a:p>
+        </p:txBody>
+      </p:sp>
+      <p:sp>
+        <p:nvSpPr>
+          <p:cNvPr id="12" name="文本框 11">
+            <a:extLst>
+              <a:ext uri="{FF2B5EF4-FFF2-40B4-BE49-F238E27FC236}">
+                <a16:creationId xmlns:a16="http://schemas.microsoft.com/office/drawing/2014/main" id="{582A2981-E3D5-0DB3-EDAC-EF7C9F24C206}"/>
+              </a:ext>
+            </a:extLst>
+          </p:cNvPr>
+          <p:cNvSpPr txBox="1"/>
+          <p:nvPr/>
+        </p:nvSpPr>
+        <p:spPr>
+          <a:xfrm>
+            <a:off x="6091276" y="373247"/>
+            <a:ext cx="2908300" cy="589072"/>
+          </a:xfrm>
+          <a:prstGeom prst="rect">
+            <a:avLst/>
+          </a:prstGeom>
+          <a:noFill/>
+        </p:spPr>
+        <p:txBody>
+          <a:bodyPr wrap="square" rtlCol="0">
+            <a:spAutoFit/>
+          </a:bodyPr>
+          <a:lstStyle/>
+          <a:p>
+            <a:pPr algn="r">
+              <a:lnSpc>
+                <a:spcPct val="150000"/>
+              </a:lnSpc>
+            </a:pPr>
+            <a:r>
+              <a:rPr lang="en-US" altLang="zh-CN" sz="2400" b="1" dirty="0">
+                <a:solidFill>
+                  <a:srgbClr val="C00000"/>
+                </a:solidFill>
+                <a:latin typeface="思源黑体 CN Heavy"/>
+                <a:ea typeface="思源黑体 CN Medium" panose="020B0600000000000000"/>
+                <a:cs typeface="Times New Roman" panose="02020603050405020304" pitchFamily="18" charset="0"/>
+              </a:rPr>
+              <a:t>Timeline</a:t>
+            </a:r>
+            <a:endParaRPr lang="en-US" altLang="zh-CN" sz="2000" b="1" dirty="0">
+              <a:solidFill>
+                <a:schemeClr val="bg1">
+                  <a:lumMod val="50000"/>
+                </a:schemeClr>
+              </a:solidFill>
+              <a:latin typeface="思源黑体 CN Heavy"/>
+              <a:ea typeface="思源黑体 CN Medium" panose="020B0600000000000000"/>
+              <a:cs typeface="Times New Roman" panose="02020603050405020304" pitchFamily="18" charset="0"/>
+            </a:endParaRPr>
+          </a:p>
+        </p:txBody>
+      </p:sp>
+      <p:sp>
+        <p:nvSpPr>
+          <p:cNvPr id="13" name="文本框 12">
+            <a:extLst>
+              <a:ext uri="{FF2B5EF4-FFF2-40B4-BE49-F238E27FC236}">
+                <a16:creationId xmlns:a16="http://schemas.microsoft.com/office/drawing/2014/main" id="{27485846-181C-FB03-814D-B902C96B89D8}"/>
+              </a:ext>
+            </a:extLst>
+          </p:cNvPr>
+          <p:cNvSpPr txBox="1"/>
+          <p:nvPr/>
+        </p:nvSpPr>
+        <p:spPr>
+          <a:xfrm>
+            <a:off x="6096000" y="4903062"/>
+            <a:ext cx="2903577" cy="847283"/>
+          </a:xfrm>
+          <a:prstGeom prst="rect">
+            <a:avLst/>
+          </a:prstGeom>
+          <a:noFill/>
+        </p:spPr>
+        <p:txBody>
+          <a:bodyPr wrap="square" rtlCol="0">
+            <a:spAutoFit/>
+          </a:bodyPr>
+          <a:lstStyle/>
+          <a:p>
+            <a:pPr>
+              <a:lnSpc>
+                <a:spcPct val="150000"/>
+              </a:lnSpc>
+            </a:pPr>
+            <a:r>
+              <a:rPr lang="en-US" altLang="zh-CN" sz="1200" b="1" dirty="0">
+                <a:solidFill>
+                  <a:srgbClr val="C00000"/>
+                </a:solidFill>
+                <a:latin typeface="思源黑体 CN Heavy"/>
+                <a:ea typeface="思源黑体 CN Medium" panose="020B0600000000000000"/>
+                <a:cs typeface="Times New Roman" panose="02020603050405020304" pitchFamily="18" charset="0"/>
+              </a:rPr>
+              <a:t>Step 4 : Further experiments</a:t>
+            </a:r>
+          </a:p>
+          <a:p>
+            <a:pPr marL="171450" indent="-171450">
+              <a:lnSpc>
+                <a:spcPct val="150000"/>
+              </a:lnSpc>
+              <a:buFont typeface="Arial" panose="020B0604020202020204" pitchFamily="34" charset="0"/>
+              <a:buChar char="•"/>
+            </a:pPr>
+            <a:r>
+              <a:rPr lang="en-US" altLang="zh-CN" sz="1100" b="1" dirty="0">
+                <a:solidFill>
+                  <a:schemeClr val="bg1">
+                    <a:lumMod val="50000"/>
+                  </a:schemeClr>
+                </a:solidFill>
+                <a:latin typeface="思源黑体 CN Heavy"/>
+                <a:ea typeface="思源黑体 CN Medium" panose="020B0600000000000000"/>
+                <a:cs typeface="Times New Roman" panose="02020603050405020304" pitchFamily="18" charset="0"/>
+              </a:rPr>
+              <a:t>Change the importance measuring strategy in FWSVD to the presentation of LoRA</a:t>
+            </a:r>
+          </a:p>
+        </p:txBody>
+      </p:sp>
+      <p:pic>
+        <p:nvPicPr>
+          <p:cNvPr id="15" name="图片 14" descr="画着卡通人物&#10;&#10;中度可信度描述已自动生成">
+            <a:extLst>
+              <a:ext uri="{FF2B5EF4-FFF2-40B4-BE49-F238E27FC236}">
+                <a16:creationId xmlns:a16="http://schemas.microsoft.com/office/drawing/2014/main" id="{E9C815F8-64B8-7E1C-2B73-BB3FF5DD578B}"/>
+              </a:ext>
+            </a:extLst>
+          </p:cNvPr>
+          <p:cNvPicPr>
+            <a:picLocks noChangeAspect="1"/>
+          </p:cNvPicPr>
+          <p:nvPr/>
+        </p:nvPicPr>
+        <p:blipFill>
+          <a:blip r:embed="rId3" cstate="print">
+            <a:extLst>
+              <a:ext uri="{28A0092B-C50C-407E-A947-70E740481C1C}">
+                <a14:useLocalDpi xmlns:a14="http://schemas.microsoft.com/office/drawing/2010/main" val="0"/>
+              </a:ext>
+            </a:extLst>
+          </a:blip>
+          <a:stretch>
+            <a:fillRect/>
+          </a:stretch>
+        </p:blipFill>
+        <p:spPr>
+          <a:xfrm>
+            <a:off x="6760609" y="3366418"/>
+            <a:ext cx="1504950" cy="275460"/>
+          </a:xfrm>
+          <a:prstGeom prst="rect">
+            <a:avLst/>
+          </a:prstGeom>
+        </p:spPr>
+      </p:pic>
+      <p:pic>
+        <p:nvPicPr>
+          <p:cNvPr id="17" name="图片 16" descr="文本, 信件&#10;&#10;描述已自动生成">
+            <a:extLst>
+              <a:ext uri="{FF2B5EF4-FFF2-40B4-BE49-F238E27FC236}">
+                <a16:creationId xmlns:a16="http://schemas.microsoft.com/office/drawing/2014/main" id="{C8EF78B9-D4F6-DA5C-7240-2318405E0E72}"/>
+              </a:ext>
+            </a:extLst>
+          </p:cNvPr>
+          <p:cNvPicPr>
+            <a:picLocks noChangeAspect="1"/>
+          </p:cNvPicPr>
+          <p:nvPr/>
+        </p:nvPicPr>
+        <p:blipFill>
+          <a:blip r:embed="rId4" cstate="print">
+            <a:extLst>
+              <a:ext uri="{28A0092B-C50C-407E-A947-70E740481C1C}">
+                <a14:useLocalDpi xmlns:a14="http://schemas.microsoft.com/office/drawing/2010/main" val="0"/>
+              </a:ext>
+            </a:extLst>
+          </a:blip>
+          <a:stretch>
+            <a:fillRect/>
+          </a:stretch>
+        </p:blipFill>
+        <p:spPr>
+          <a:xfrm>
+            <a:off x="6271812" y="3705378"/>
+            <a:ext cx="2457380" cy="670880"/>
+          </a:xfrm>
+          <a:prstGeom prst="rect">
+            <a:avLst/>
+          </a:prstGeom>
+        </p:spPr>
+      </p:pic>
+      <p:sp>
+        <p:nvSpPr>
+          <p:cNvPr id="2" name="文本框 1">
+            <a:extLst>
+              <a:ext uri="{FF2B5EF4-FFF2-40B4-BE49-F238E27FC236}">
+                <a16:creationId xmlns:a16="http://schemas.microsoft.com/office/drawing/2014/main" id="{EFC5C237-3156-36B3-F12C-48B5B56C9B55}"/>
+              </a:ext>
+            </a:extLst>
+          </p:cNvPr>
+          <p:cNvSpPr txBox="1"/>
+          <p:nvPr/>
+        </p:nvSpPr>
+        <p:spPr>
+          <a:xfrm>
+            <a:off x="6095999" y="926935"/>
+            <a:ext cx="2903577" cy="850041"/>
+          </a:xfrm>
+          <a:prstGeom prst="rect">
+            <a:avLst/>
+          </a:prstGeom>
+          <a:noFill/>
+        </p:spPr>
+        <p:txBody>
+          <a:bodyPr wrap="square" rtlCol="0">
+            <a:spAutoFit/>
+          </a:bodyPr>
+          <a:lstStyle/>
+          <a:p>
+            <a:pPr>
+              <a:lnSpc>
+                <a:spcPct val="150000"/>
+              </a:lnSpc>
+            </a:pPr>
+            <a:r>
+              <a:rPr lang="en-US" altLang="zh-CN" sz="1200" b="1" dirty="0">
+                <a:solidFill>
+                  <a:srgbClr val="C00000"/>
+                </a:solidFill>
+                <a:latin typeface="思源黑体 CN Heavy"/>
+                <a:ea typeface="思源黑体 CN Medium" panose="020B0600000000000000"/>
+                <a:cs typeface="Times New Roman" panose="02020603050405020304" pitchFamily="18" charset="0"/>
+              </a:rPr>
+              <a:t>Step 0 : Analysis of matrices</a:t>
+            </a:r>
+          </a:p>
+          <a:p>
+            <a:pPr marL="171450" indent="-171450">
+              <a:lnSpc>
+                <a:spcPct val="150000"/>
+              </a:lnSpc>
+              <a:buFont typeface="Arial" panose="020B0604020202020204" pitchFamily="34" charset="0"/>
+              <a:buChar char="•"/>
+            </a:pPr>
+            <a:r>
+              <a:rPr lang="en-US" altLang="zh-CN" sz="1100" b="1" dirty="0">
+                <a:solidFill>
+                  <a:schemeClr val="bg1">
+                    <a:lumMod val="50000"/>
+                  </a:schemeClr>
+                </a:solidFill>
+                <a:latin typeface="思源黑体 CN Heavy"/>
+                <a:ea typeface="思源黑体 CN Medium" panose="020B0600000000000000"/>
+                <a:cs typeface="Times New Roman" panose="02020603050405020304" pitchFamily="18" charset="0"/>
+              </a:rPr>
+              <a:t>Sample from the LLMs </a:t>
+            </a:r>
+            <a:r>
+              <a:rPr lang="en-US" altLang="zh-CN" sz="1100" b="1" dirty="0">
+                <a:solidFill>
+                  <a:schemeClr val="bg1">
+                    <a:lumMod val="50000"/>
+                  </a:schemeClr>
+                </a:solidFill>
+                <a:latin typeface="Times New Roman" panose="02020603050405020304" pitchFamily="18" charset="0"/>
+                <a:ea typeface="思源黑体 CN Medium" panose="020B0600000000000000"/>
+                <a:cs typeface="Times New Roman" panose="02020603050405020304" pitchFamily="18" charset="0"/>
+              </a:rPr>
+              <a:t>and analysis the numerical characteristics of matrices</a:t>
+            </a:r>
+            <a:endParaRPr lang="en-US" altLang="zh-CN" sz="1100" b="1" dirty="0">
+              <a:solidFill>
+                <a:schemeClr val="bg1">
+                  <a:lumMod val="50000"/>
+                </a:schemeClr>
+              </a:solidFill>
+              <a:latin typeface="思源黑体 CN Heavy"/>
+              <a:ea typeface="思源黑体 CN Medium" panose="020B0600000000000000"/>
+              <a:cs typeface="Times New Roman" panose="02020603050405020304" pitchFamily="18" charset="0"/>
+            </a:endParaRPr>
+          </a:p>
+        </p:txBody>
+      </p:sp>
+    </p:spTree>
+    <p:extLst>
+      <p:ext uri="{BB962C8B-B14F-4D97-AF65-F5344CB8AC3E}">
+        <p14:creationId xmlns:p14="http://schemas.microsoft.com/office/powerpoint/2010/main" val="3985985711"/>
+      </p:ext>
+    </p:extLst>
+  </p:cSld>
+  <p:clrMapOvr>
+    <a:masterClrMapping/>
+  </p:clrMapOvr>
+  <mc:AlternateContent xmlns:mc="http://schemas.openxmlformats.org/markup-compatibility/2006" xmlns:p14="http://schemas.microsoft.com/office/powerpoint/2010/main">
+    <mc:Choice Requires="p14">
+      <p:transition p14:dur="10" advTm="7188"/>
+    </mc:Choice>
+    <mc:Fallback xmlns="">
+      <p:transition advTm="7188"/>
+    </mc:Fallback>
+  </mc:AlternateContent>
+</p:sld>
+</file>
+
+<file path=ppt/slides/slide13.xml><?xml version="1.0" encoding="utf-8"?>
 <p:sld xmlns:a="http://schemas.openxmlformats.org/drawingml/2006/main" xmlns:r="http://schemas.openxmlformats.org/officeDocument/2006/relationships" xmlns:p="http://schemas.openxmlformats.org/presentationml/2006/main">
   <p:cSld>
     <p:spTree>
@@ -10471,7 +11673,7 @@
 </p:sld>
 </file>
 
-<file path=ppt/slides/slide13.xml><?xml version="1.0" encoding="utf-8"?>
+<file path=ppt/slides/slide14.xml><?xml version="1.0" encoding="utf-8"?>
 <p:sld xmlns:a="http://schemas.openxmlformats.org/drawingml/2006/main" xmlns:r="http://schemas.openxmlformats.org/officeDocument/2006/relationships" xmlns:p="http://schemas.openxmlformats.org/presentationml/2006/main">
   <p:cSld>
     <p:spTree>
@@ -11023,7 +12225,7 @@
 </p:sld>
 </file>
 
-<file path=ppt/slides/slide14.xml><?xml version="1.0" encoding="utf-8"?>
+<file path=ppt/slides/slide15.xml><?xml version="1.0" encoding="utf-8"?>
 <p:sld xmlns:a="http://schemas.openxmlformats.org/drawingml/2006/main" xmlns:r="http://schemas.openxmlformats.org/officeDocument/2006/relationships" xmlns:p="http://schemas.openxmlformats.org/presentationml/2006/main">
   <p:cSld>
     <p:spTree>
@@ -12137,7 +13339,7 @@
 </p:sld>
 </file>
 
-<file path=ppt/slides/slide15.xml><?xml version="1.0" encoding="utf-8"?>
+<file path=ppt/slides/slide16.xml><?xml version="1.0" encoding="utf-8"?>
 <p:sld xmlns:a="http://schemas.openxmlformats.org/drawingml/2006/main" xmlns:r="http://schemas.openxmlformats.org/officeDocument/2006/relationships" xmlns:p="http://schemas.openxmlformats.org/presentationml/2006/main">
   <p:cSld>
     <p:spTree>
@@ -12633,7 +13835,7 @@
 </p:sld>
 </file>
 
-<file path=ppt/slides/slide16.xml><?xml version="1.0" encoding="utf-8"?>
+<file path=ppt/slides/slide17.xml><?xml version="1.0" encoding="utf-8"?>
 <p:sld xmlns:a="http://schemas.openxmlformats.org/drawingml/2006/main" xmlns:r="http://schemas.openxmlformats.org/officeDocument/2006/relationships" xmlns:p="http://schemas.openxmlformats.org/presentationml/2006/main">
   <p:cSld>
     <p:spTree>
@@ -13345,7 +14547,7 @@
 </p:sld>
 </file>
 
-<file path=ppt/slides/slide17.xml><?xml version="1.0" encoding="utf-8"?>
+<file path=ppt/slides/slide18.xml><?xml version="1.0" encoding="utf-8"?>
 <p:sld xmlns:a="http://schemas.openxmlformats.org/drawingml/2006/main" xmlns:r="http://schemas.openxmlformats.org/officeDocument/2006/relationships" xmlns:p="http://schemas.openxmlformats.org/presentationml/2006/main">
   <p:cSld>
     <p:spTree>
@@ -13377,7 +14579,7 @@
         <p:spPr>
           <a:xfrm>
             <a:off x="840560" y="1531296"/>
-            <a:ext cx="5299867" cy="1813445"/>
+            <a:ext cx="5299867" cy="2084994"/>
           </a:xfrm>
           <a:prstGeom prst="rect">
             <a:avLst/>
@@ -13396,7 +14598,7 @@
               </a:lnSpc>
             </a:pPr>
             <a:r>
-              <a:rPr lang="en-US" altLang="zh-CN" sz="1600" b="1" dirty="0">
+              <a:rPr lang="en-US" altLang="zh-CN" b="1" dirty="0">
                 <a:solidFill>
                   <a:srgbClr val="263C88"/>
                 </a:solidFill>
@@ -13406,7 +14608,7 @@
               </a:rPr>
               <a:t>Important Results</a:t>
             </a:r>
-            <a:endParaRPr lang="en-US" altLang="zh-CN" sz="1200" b="1" dirty="0">
+            <a:endParaRPr lang="en-US" altLang="zh-CN" sz="1400" b="1" dirty="0">
               <a:solidFill>
                 <a:srgbClr val="263C88"/>
               </a:solidFill>
@@ -13424,7 +14626,7 @@
               <a:buChar char="•"/>
             </a:pPr>
             <a:r>
-              <a:rPr lang="en-US" altLang="zh-CN" sz="1200" dirty="0">
+              <a:rPr lang="en-US" altLang="zh-CN" sz="1400" dirty="0">
                 <a:latin typeface="Times New Roman" panose="02020603050405020304" pitchFamily="18" charset="0"/>
                 <a:ea typeface="思源黑体 CN Medium" panose="020B0600000000000000"/>
                 <a:cs typeface="Times New Roman" panose="02020603050405020304" pitchFamily="18" charset="0"/>
@@ -13440,7 +14642,7 @@
               <a:buFont typeface="Arial" panose="020B0604020202020204" pitchFamily="34" charset="0"/>
               <a:buChar char="•"/>
             </a:pPr>
-            <a:endParaRPr lang="en-US" altLang="zh-CN" sz="1200" dirty="0">
+            <a:endParaRPr lang="en-US" altLang="zh-CN" sz="1400" dirty="0">
               <a:latin typeface="Times New Roman" panose="02020603050405020304" pitchFamily="18" charset="0"/>
               <a:ea typeface="思源黑体 CN Medium" panose="020B0600000000000000"/>
               <a:cs typeface="Times New Roman" panose="02020603050405020304" pitchFamily="18" charset="0"/>
@@ -13455,7 +14657,7 @@
               <a:buChar char="•"/>
             </a:pPr>
             <a:r>
-              <a:rPr lang="en-US" altLang="zh-CN" sz="1200" dirty="0">
+              <a:rPr lang="en-US" altLang="zh-CN" sz="1400" dirty="0">
                 <a:latin typeface="Times New Roman" panose="02020603050405020304" pitchFamily="18" charset="0"/>
                 <a:ea typeface="思源黑体 CN Medium" panose="020B0600000000000000"/>
                 <a:cs typeface="Times New Roman" panose="02020603050405020304" pitchFamily="18" charset="0"/>
@@ -13471,7 +14673,7 @@
               <a:buFont typeface="Arial" panose="020B0604020202020204" pitchFamily="34" charset="0"/>
               <a:buChar char="•"/>
             </a:pPr>
-            <a:endParaRPr lang="en-US" altLang="zh-CN" sz="1200" b="1" dirty="0">
+            <a:endParaRPr lang="en-US" altLang="zh-CN" sz="1400" b="1" dirty="0">
               <a:latin typeface="Times New Roman" panose="02020603050405020304" pitchFamily="18" charset="0"/>
               <a:ea typeface="思源黑体 CN Medium" panose="020B0600000000000000"/>
               <a:cs typeface="Times New Roman" panose="02020603050405020304" pitchFamily="18" charset="0"/>
@@ -13486,14 +14688,14 @@
               <a:buChar char="•"/>
             </a:pPr>
             <a:r>
-              <a:rPr lang="en-US" altLang="zh-CN" sz="1200" dirty="0">
+              <a:rPr lang="en-US" altLang="zh-CN" sz="1400" dirty="0">
                 <a:latin typeface="Times New Roman" panose="02020603050405020304" pitchFamily="18" charset="0"/>
                 <a:ea typeface="思源黑体 CN Medium" panose="020B0600000000000000"/>
                 <a:cs typeface="Times New Roman" panose="02020603050405020304" pitchFamily="18" charset="0"/>
               </a:rPr>
               <a:t>Possible functional partitioning of different parameters of an LLM.</a:t>
             </a:r>
-            <a:endParaRPr lang="en-US" altLang="zh-CN" sz="1600" dirty="0">
+            <a:endParaRPr lang="en-US" altLang="zh-CN" dirty="0">
               <a:latin typeface="Times New Roman" panose="02020603050405020304" pitchFamily="18" charset="0"/>
               <a:ea typeface="思源黑体 CN Medium" panose="020B0600000000000000"/>
               <a:cs typeface="Times New Roman" panose="02020603050405020304" pitchFamily="18" charset="0"/>
@@ -13748,7 +14950,7 @@
 </p:sld>
 </file>
 
-<file path=ppt/slides/slide18.xml><?xml version="1.0" encoding="utf-8"?>
+<file path=ppt/slides/slide19.xml><?xml version="1.0" encoding="utf-8"?>
 <p:sld xmlns:a="http://schemas.openxmlformats.org/drawingml/2006/main" xmlns:r="http://schemas.openxmlformats.org/officeDocument/2006/relationships" xmlns:p="http://schemas.openxmlformats.org/presentationml/2006/main">
   <p:cSld>
     <p:spTree>
@@ -13780,7 +14982,7 @@
         <p:spPr>
           <a:xfrm>
             <a:off x="840561" y="1531296"/>
-            <a:ext cx="4379139" cy="2367443"/>
+            <a:ext cx="4379139" cy="3054491"/>
           </a:xfrm>
           <a:prstGeom prst="rect">
             <a:avLst/>
@@ -13799,7 +15001,7 @@
               </a:lnSpc>
             </a:pPr>
             <a:r>
-              <a:rPr lang="en-US" altLang="zh-CN" sz="1600" b="1" dirty="0">
+              <a:rPr lang="en-US" altLang="zh-CN" b="1" dirty="0">
                 <a:solidFill>
                   <a:srgbClr val="263C88"/>
                 </a:solidFill>
@@ -13809,7 +15011,7 @@
               </a:rPr>
               <a:t>Our experiments</a:t>
             </a:r>
-            <a:endParaRPr lang="en-US" altLang="zh-CN" sz="1200" b="1" dirty="0">
+            <a:endParaRPr lang="en-US" altLang="zh-CN" sz="1400" b="1" dirty="0">
               <a:solidFill>
                 <a:srgbClr val="263C88"/>
               </a:solidFill>
@@ -13827,7 +15029,7 @@
               <a:buChar char="•"/>
             </a:pPr>
             <a:r>
-              <a:rPr lang="en-US" altLang="zh-CN" sz="1200" dirty="0">
+              <a:rPr lang="en-US" altLang="zh-CN" sz="1400" dirty="0">
                 <a:latin typeface="Times New Roman" panose="02020603050405020304" pitchFamily="18" charset="0"/>
                 <a:ea typeface="思源黑体 CN Medium" panose="020B0600000000000000"/>
                 <a:cs typeface="Times New Roman" panose="02020603050405020304" pitchFamily="18" charset="0"/>
@@ -13843,7 +15045,7 @@
               <a:buFont typeface="Arial" panose="020B0604020202020204" pitchFamily="34" charset="0"/>
               <a:buChar char="•"/>
             </a:pPr>
-            <a:endParaRPr lang="en-US" altLang="zh-CN" sz="1200" dirty="0">
+            <a:endParaRPr lang="en-US" altLang="zh-CN" sz="1400" dirty="0">
               <a:latin typeface="Times New Roman" panose="02020603050405020304" pitchFamily="18" charset="0"/>
               <a:ea typeface="思源黑体 CN Medium" panose="020B0600000000000000"/>
               <a:cs typeface="Times New Roman" panose="02020603050405020304" pitchFamily="18" charset="0"/>
@@ -13858,7 +15060,7 @@
               <a:buChar char="•"/>
             </a:pPr>
             <a:r>
-              <a:rPr lang="en-US" altLang="zh-CN" sz="1200" dirty="0">
+              <a:rPr lang="en-US" altLang="zh-CN" sz="1400" dirty="0">
                 <a:latin typeface="Times New Roman" panose="02020603050405020304" pitchFamily="18" charset="0"/>
                 <a:ea typeface="思源黑体 CN Medium" panose="020B0600000000000000"/>
                 <a:cs typeface="Times New Roman" panose="02020603050405020304" pitchFamily="18" charset="0"/>
@@ -13874,7 +15076,7 @@
               <a:buFont typeface="Arial" panose="020B0604020202020204" pitchFamily="34" charset="0"/>
               <a:buChar char="•"/>
             </a:pPr>
-            <a:endParaRPr lang="en-US" altLang="zh-CN" sz="1200" dirty="0">
+            <a:endParaRPr lang="en-US" altLang="zh-CN" sz="1400" dirty="0">
               <a:latin typeface="Times New Roman" panose="02020603050405020304" pitchFamily="18" charset="0"/>
               <a:ea typeface="思源黑体 CN Medium" panose="020B0600000000000000"/>
               <a:cs typeface="Times New Roman" panose="02020603050405020304" pitchFamily="18" charset="0"/>
@@ -13889,7 +15091,7 @@
               <a:buChar char="•"/>
             </a:pPr>
             <a:r>
-              <a:rPr lang="en-US" altLang="zh-CN" sz="1200" dirty="0">
+              <a:rPr lang="en-US" altLang="zh-CN" sz="1400" dirty="0">
                 <a:latin typeface="Times New Roman" panose="02020603050405020304" pitchFamily="18" charset="0"/>
                 <a:ea typeface="思源黑体 CN Medium" panose="020B0600000000000000"/>
                 <a:cs typeface="Times New Roman" panose="02020603050405020304" pitchFamily="18" charset="0"/>
@@ -14061,7 +15263,7 @@
 </p:sld>
 </file>
 
-<file path=ppt/slides/slide19.xml><?xml version="1.0" encoding="utf-8"?>
+<file path=ppt/slides/slide2.xml><?xml version="1.0" encoding="utf-8"?>
 <p:sld xmlns:a="http://schemas.openxmlformats.org/drawingml/2006/main" xmlns:r="http://schemas.openxmlformats.org/officeDocument/2006/relationships" xmlns:p="http://schemas.openxmlformats.org/presentationml/2006/main">
   <p:cSld>
     <p:spTree>
@@ -14080,6 +15282,753 @@
       </p:grpSpPr>
       <p:sp>
         <p:nvSpPr>
+          <p:cNvPr id="3" name="文本框 2">
+            <a:extLst>
+              <a:ext uri="{FF2B5EF4-FFF2-40B4-BE49-F238E27FC236}">
+                <a16:creationId xmlns:a16="http://schemas.microsoft.com/office/drawing/2014/main" id="{4CF0D450-DA83-4655-BABE-7A2A6D787CF6}"/>
+              </a:ext>
+            </a:extLst>
+          </p:cNvPr>
+          <p:cNvSpPr txBox="1"/>
+          <p:nvPr/>
+        </p:nvSpPr>
+        <p:spPr>
+          <a:xfrm>
+            <a:off x="840560" y="1531296"/>
+            <a:ext cx="5255440" cy="3752437"/>
+          </a:xfrm>
+          <a:prstGeom prst="rect">
+            <a:avLst/>
+          </a:prstGeom>
+          <a:noFill/>
+        </p:spPr>
+        <p:txBody>
+          <a:bodyPr wrap="square" rtlCol="0">
+            <a:spAutoFit/>
+          </a:bodyPr>
+          <a:lstStyle/>
+          <a:p>
+            <a:pPr algn="just">
+              <a:lnSpc>
+                <a:spcPct val="150000"/>
+              </a:lnSpc>
+            </a:pPr>
+            <a:r>
+              <a:rPr lang="en-US" altLang="zh-CN" sz="1600" b="1" dirty="0">
+                <a:solidFill>
+                  <a:schemeClr val="bg1">
+                    <a:lumMod val="50000"/>
+                  </a:schemeClr>
+                </a:solidFill>
+                <a:latin typeface="思源黑体 CN Heavy"/>
+                <a:ea typeface="思源黑体 CN Medium" panose="020B0600000000000000"/>
+                <a:cs typeface="Times New Roman" panose="02020603050405020304" pitchFamily="18" charset="0"/>
+              </a:rPr>
+              <a:t>Methods</a:t>
+            </a:r>
+            <a:endParaRPr lang="en-US" altLang="zh-CN" sz="1200" b="1" dirty="0">
+              <a:latin typeface="思源黑体 CN Heavy"/>
+              <a:ea typeface="思源黑体 CN Medium" panose="020B0600000000000000"/>
+              <a:cs typeface="Times New Roman" panose="02020603050405020304" pitchFamily="18" charset="0"/>
+            </a:endParaRPr>
+          </a:p>
+          <a:p>
+            <a:pPr marL="342900" indent="-342900" algn="just">
+              <a:lnSpc>
+                <a:spcPct val="150000"/>
+              </a:lnSpc>
+              <a:buFont typeface="Arial" panose="020B0604020202020204" pitchFamily="34" charset="0"/>
+              <a:buChar char="•"/>
+            </a:pPr>
+            <a:r>
+              <a:rPr lang="en-US" altLang="zh-CN" sz="1200" dirty="0">
+                <a:latin typeface="Times New Roman" panose="02020603050405020304" pitchFamily="18" charset="0"/>
+                <a:ea typeface="思源黑体 CN Medium" panose="020B0600000000000000"/>
+                <a:cs typeface="Times New Roman" panose="02020603050405020304" pitchFamily="18" charset="0"/>
+              </a:rPr>
+              <a:t>Since</a:t>
+            </a:r>
+            <a:r>
+              <a:rPr lang="zh-CN" altLang="en-US" sz="1200" dirty="0">
+                <a:latin typeface="Times New Roman" panose="02020603050405020304" pitchFamily="18" charset="0"/>
+                <a:ea typeface="思源黑体 CN Medium" panose="020B0600000000000000"/>
+                <a:cs typeface="Times New Roman" panose="02020603050405020304" pitchFamily="18" charset="0"/>
+              </a:rPr>
+              <a:t> </a:t>
+            </a:r>
+            <a:r>
+              <a:rPr lang="en-US" altLang="zh-CN" sz="1200" dirty="0">
+                <a:latin typeface="Times New Roman" panose="02020603050405020304" pitchFamily="18" charset="0"/>
+                <a:ea typeface="思源黑体 CN Medium" panose="020B0600000000000000"/>
+                <a:cs typeface="Times New Roman" panose="02020603050405020304" pitchFamily="18" charset="0"/>
+              </a:rPr>
+              <a:t>the</a:t>
+            </a:r>
+            <a:r>
+              <a:rPr lang="zh-CN" altLang="en-US" sz="1200" dirty="0">
+                <a:latin typeface="Times New Roman" panose="02020603050405020304" pitchFamily="18" charset="0"/>
+                <a:ea typeface="思源黑体 CN Medium" panose="020B0600000000000000"/>
+                <a:cs typeface="Times New Roman" panose="02020603050405020304" pitchFamily="18" charset="0"/>
+              </a:rPr>
+              <a:t> </a:t>
+            </a:r>
+            <a:r>
+              <a:rPr lang="en-US" altLang="zh-CN" sz="1200" dirty="0">
+                <a:latin typeface="Times New Roman" panose="02020603050405020304" pitchFamily="18" charset="0"/>
+                <a:ea typeface="思源黑体 CN Medium" panose="020B0600000000000000"/>
+                <a:cs typeface="Times New Roman" panose="02020603050405020304" pitchFamily="18" charset="0"/>
+              </a:rPr>
+              <a:t>vocabulary</a:t>
+            </a:r>
+            <a:r>
+              <a:rPr lang="zh-CN" altLang="en-US" sz="1200" dirty="0">
+                <a:latin typeface="Times New Roman" panose="02020603050405020304" pitchFamily="18" charset="0"/>
+                <a:ea typeface="思源黑体 CN Medium" panose="020B0600000000000000"/>
+                <a:cs typeface="Times New Roman" panose="02020603050405020304" pitchFamily="18" charset="0"/>
+              </a:rPr>
+              <a:t> </a:t>
+            </a:r>
+            <a:r>
+              <a:rPr lang="en-US" altLang="zh-CN" sz="1200" dirty="0">
+                <a:latin typeface="Times New Roman" panose="02020603050405020304" pitchFamily="18" charset="0"/>
+                <a:ea typeface="思源黑体 CN Medium" panose="020B0600000000000000"/>
+                <a:cs typeface="Times New Roman" panose="02020603050405020304" pitchFamily="18" charset="0"/>
+              </a:rPr>
+              <a:t>of</a:t>
+            </a:r>
+            <a:r>
+              <a:rPr lang="zh-CN" altLang="en-US" sz="1200" dirty="0">
+                <a:latin typeface="Times New Roman" panose="02020603050405020304" pitchFamily="18" charset="0"/>
+                <a:ea typeface="思源黑体 CN Medium" panose="020B0600000000000000"/>
+                <a:cs typeface="Times New Roman" panose="02020603050405020304" pitchFamily="18" charset="0"/>
+              </a:rPr>
+              <a:t> </a:t>
+            </a:r>
+            <a:r>
+              <a:rPr lang="en-US" altLang="zh-CN" sz="1200" dirty="0">
+                <a:latin typeface="Times New Roman" panose="02020603050405020304" pitchFamily="18" charset="0"/>
+                <a:ea typeface="思源黑体 CN Medium" panose="020B0600000000000000"/>
+                <a:cs typeface="Times New Roman" panose="02020603050405020304" pitchFamily="18" charset="0"/>
+              </a:rPr>
+              <a:t>BERT</a:t>
+            </a:r>
+            <a:r>
+              <a:rPr lang="zh-CN" altLang="en-US" sz="1200" dirty="0">
+                <a:latin typeface="Times New Roman" panose="02020603050405020304" pitchFamily="18" charset="0"/>
+                <a:ea typeface="思源黑体 CN Medium" panose="020B0600000000000000"/>
+                <a:cs typeface="Times New Roman" panose="02020603050405020304" pitchFamily="18" charset="0"/>
+              </a:rPr>
+              <a:t> </a:t>
+            </a:r>
+            <a:r>
+              <a:rPr lang="en-US" altLang="zh-CN" sz="1200" dirty="0">
+                <a:latin typeface="Times New Roman" panose="02020603050405020304" pitchFamily="18" charset="0"/>
+                <a:ea typeface="思源黑体 CN Medium" panose="020B0600000000000000"/>
+                <a:cs typeface="Times New Roman" panose="02020603050405020304" pitchFamily="18" charset="0"/>
+              </a:rPr>
+              <a:t>is</a:t>
+            </a:r>
+            <a:r>
+              <a:rPr lang="zh-CN" altLang="en-US" sz="1200" dirty="0">
+                <a:latin typeface="Times New Roman" panose="02020603050405020304" pitchFamily="18" charset="0"/>
+                <a:ea typeface="思源黑体 CN Medium" panose="020B0600000000000000"/>
+                <a:cs typeface="Times New Roman" panose="02020603050405020304" pitchFamily="18" charset="0"/>
+              </a:rPr>
+              <a:t> </a:t>
+            </a:r>
+            <a:r>
+              <a:rPr lang="en-US" altLang="zh-CN" sz="1200" dirty="0">
+                <a:latin typeface="Times New Roman" panose="02020603050405020304" pitchFamily="18" charset="0"/>
+                <a:ea typeface="思源黑体 CN Medium" panose="020B0600000000000000"/>
+                <a:cs typeface="Times New Roman" panose="02020603050405020304" pitchFamily="18" charset="0"/>
+              </a:rPr>
+              <a:t>30,000,</a:t>
+            </a:r>
+            <a:r>
+              <a:rPr lang="zh-CN" altLang="en-US" sz="1200" dirty="0">
+                <a:latin typeface="Times New Roman" panose="02020603050405020304" pitchFamily="18" charset="0"/>
+                <a:ea typeface="思源黑体 CN Medium" panose="020B0600000000000000"/>
+                <a:cs typeface="Times New Roman" panose="02020603050405020304" pitchFamily="18" charset="0"/>
+              </a:rPr>
+              <a:t> </a:t>
+            </a:r>
+            <a:r>
+              <a:rPr lang="en-US" altLang="zh-CN" sz="1200" dirty="0">
+                <a:latin typeface="Times New Roman" panose="02020603050405020304" pitchFamily="18" charset="0"/>
+                <a:ea typeface="思源黑体 CN Medium" panose="020B0600000000000000"/>
+                <a:cs typeface="Times New Roman" panose="02020603050405020304" pitchFamily="18" charset="0"/>
+              </a:rPr>
+              <a:t>it is consuming to store the embedding layer as O(V x H). A fully connected layer is added after it to achieve O(V x E + E x H).</a:t>
+            </a:r>
+            <a:endParaRPr lang="en-US" altLang="zh-CN" sz="1200" b="1" dirty="0">
+              <a:latin typeface="Times New Roman" panose="02020603050405020304" pitchFamily="18" charset="0"/>
+              <a:ea typeface="思源黑体 CN Medium" panose="020B0600000000000000"/>
+              <a:cs typeface="Times New Roman" panose="02020603050405020304" pitchFamily="18" charset="0"/>
+            </a:endParaRPr>
+          </a:p>
+          <a:p>
+            <a:pPr algn="just">
+              <a:lnSpc>
+                <a:spcPct val="150000"/>
+              </a:lnSpc>
+            </a:pPr>
+            <a:r>
+              <a:rPr lang="en-US" altLang="zh-CN" sz="1600" b="1" dirty="0">
+                <a:solidFill>
+                  <a:schemeClr val="bg1">
+                    <a:lumMod val="50000"/>
+                  </a:schemeClr>
+                </a:solidFill>
+                <a:latin typeface="思源黑体 CN Heavy"/>
+                <a:ea typeface="思源黑体 CN Medium" panose="020B0600000000000000"/>
+                <a:cs typeface="Times New Roman" panose="02020603050405020304" pitchFamily="18" charset="0"/>
+              </a:rPr>
+              <a:t>Pros</a:t>
+            </a:r>
+            <a:endParaRPr lang="en-US" altLang="zh-CN" sz="1200" b="1" dirty="0">
+              <a:latin typeface="思源黑体 CN Heavy"/>
+              <a:ea typeface="思源黑体 CN Medium" panose="020B0600000000000000"/>
+              <a:cs typeface="Times New Roman" panose="02020603050405020304" pitchFamily="18" charset="0"/>
+            </a:endParaRPr>
+          </a:p>
+          <a:p>
+            <a:pPr marL="342900" indent="-342900" algn="just">
+              <a:lnSpc>
+                <a:spcPct val="150000"/>
+              </a:lnSpc>
+              <a:buFont typeface="Arial" panose="020B0604020202020204" pitchFamily="34" charset="0"/>
+              <a:buChar char="•"/>
+            </a:pPr>
+            <a:r>
+              <a:rPr lang="en-US" altLang="zh-CN" sz="1200" dirty="0">
+                <a:latin typeface="Times New Roman" panose="02020603050405020304" pitchFamily="18" charset="0"/>
+                <a:ea typeface="思源黑体 CN Medium" panose="020B0600000000000000"/>
+                <a:cs typeface="Times New Roman" panose="02020603050405020304" pitchFamily="18" charset="0"/>
+              </a:rPr>
+              <a:t>Untying the word embedding size E from the hidden layer size H. </a:t>
+            </a:r>
+          </a:p>
+          <a:p>
+            <a:pPr marL="342900" indent="-342900" algn="just">
+              <a:lnSpc>
+                <a:spcPct val="150000"/>
+              </a:lnSpc>
+              <a:buFont typeface="Arial" panose="020B0604020202020204" pitchFamily="34" charset="0"/>
+              <a:buChar char="•"/>
+            </a:pPr>
+            <a:r>
+              <a:rPr lang="en-US" altLang="zh-CN" sz="1200" b="1" dirty="0">
+                <a:latin typeface="Times New Roman" panose="02020603050405020304" pitchFamily="18" charset="0"/>
+                <a:ea typeface="思源黑体 CN Medium" panose="020B0600000000000000"/>
+                <a:cs typeface="Times New Roman" panose="02020603050405020304" pitchFamily="18" charset="0"/>
+              </a:rPr>
+              <a:t>23M</a:t>
+            </a:r>
+            <a:r>
+              <a:rPr lang="en-US" altLang="zh-CN" sz="1200" dirty="0">
+                <a:latin typeface="Times New Roman" panose="02020603050405020304" pitchFamily="18" charset="0"/>
+                <a:ea typeface="思源黑体 CN Medium" panose="020B0600000000000000"/>
+                <a:cs typeface="Times New Roman" panose="02020603050405020304" pitchFamily="18" charset="0"/>
+              </a:rPr>
+              <a:t> = 30,000 x 768 =&gt; 30,000 x 128 + 128 x 768 = </a:t>
+            </a:r>
+            <a:r>
+              <a:rPr lang="en-US" altLang="zh-CN" sz="1200" b="1" dirty="0">
+                <a:latin typeface="Times New Roman" panose="02020603050405020304" pitchFamily="18" charset="0"/>
+                <a:ea typeface="思源黑体 CN Medium" panose="020B0600000000000000"/>
+                <a:cs typeface="Times New Roman" panose="02020603050405020304" pitchFamily="18" charset="0"/>
+              </a:rPr>
+              <a:t>4M</a:t>
+            </a:r>
+            <a:r>
+              <a:rPr lang="en-US" altLang="zh-CN" sz="1200" dirty="0">
+                <a:latin typeface="Times New Roman" panose="02020603050405020304" pitchFamily="18" charset="0"/>
+                <a:ea typeface="思源黑体 CN Medium" panose="020B0600000000000000"/>
+                <a:cs typeface="Times New Roman" panose="02020603050405020304" pitchFamily="18" charset="0"/>
+              </a:rPr>
+              <a:t> </a:t>
+            </a:r>
+            <a:endParaRPr lang="en-US" altLang="zh-CN" sz="1600" b="1" dirty="0">
+              <a:latin typeface="Times New Roman" panose="02020603050405020304" pitchFamily="18" charset="0"/>
+              <a:ea typeface="思源黑体 CN Medium" panose="020B0600000000000000"/>
+              <a:cs typeface="Times New Roman" panose="02020603050405020304" pitchFamily="18" charset="0"/>
+            </a:endParaRPr>
+          </a:p>
+          <a:p>
+            <a:pPr algn="just">
+              <a:lnSpc>
+                <a:spcPct val="150000"/>
+              </a:lnSpc>
+            </a:pPr>
+            <a:r>
+              <a:rPr lang="en-US" altLang="zh-CN" sz="1600" b="1" dirty="0">
+                <a:solidFill>
+                  <a:schemeClr val="bg1">
+                    <a:lumMod val="50000"/>
+                  </a:schemeClr>
+                </a:solidFill>
+                <a:latin typeface="思源黑体 CN Heavy"/>
+                <a:ea typeface="思源黑体 CN Medium" panose="020B0600000000000000"/>
+                <a:cs typeface="Times New Roman" panose="02020603050405020304" pitchFamily="18" charset="0"/>
+              </a:rPr>
+              <a:t>Cons</a:t>
+            </a:r>
+            <a:endParaRPr lang="en-US" altLang="zh-CN" sz="1200" b="1" dirty="0">
+              <a:latin typeface="思源黑体 CN Heavy"/>
+              <a:ea typeface="思源黑体 CN Medium" panose="020B0600000000000000"/>
+              <a:cs typeface="Times New Roman" panose="02020603050405020304" pitchFamily="18" charset="0"/>
+            </a:endParaRPr>
+          </a:p>
+          <a:p>
+            <a:pPr marL="342900" indent="-342900" algn="just">
+              <a:lnSpc>
+                <a:spcPct val="150000"/>
+              </a:lnSpc>
+              <a:buFont typeface="Arial" panose="020B0604020202020204" pitchFamily="34" charset="0"/>
+              <a:buChar char="•"/>
+            </a:pPr>
+            <a:r>
+              <a:rPr lang="en-US" altLang="zh-CN" sz="1200" dirty="0">
+                <a:latin typeface="Times New Roman" panose="02020603050405020304" pitchFamily="18" charset="0"/>
+                <a:ea typeface="思源黑体 CN Medium" panose="020B0600000000000000"/>
+                <a:cs typeface="Times New Roman" panose="02020603050405020304" pitchFamily="18" charset="0"/>
+              </a:rPr>
+              <a:t>Only available in embedding layers. Refine-tuning is required.</a:t>
+            </a:r>
+            <a:endParaRPr lang="en-US" altLang="zh-CN" sz="1200" b="1" dirty="0">
+              <a:latin typeface="Times New Roman" panose="02020603050405020304" pitchFamily="18" charset="0"/>
+              <a:ea typeface="思源黑体 CN Medium" panose="020B0600000000000000"/>
+              <a:cs typeface="Times New Roman" panose="02020603050405020304" pitchFamily="18" charset="0"/>
+            </a:endParaRPr>
+          </a:p>
+          <a:p>
+            <a:pPr algn="just">
+              <a:lnSpc>
+                <a:spcPct val="150000"/>
+              </a:lnSpc>
+            </a:pPr>
+            <a:r>
+              <a:rPr lang="en-US" altLang="zh-CN" sz="1600" b="1" dirty="0">
+                <a:solidFill>
+                  <a:schemeClr val="bg1">
+                    <a:lumMod val="50000"/>
+                  </a:schemeClr>
+                </a:solidFill>
+                <a:latin typeface="思源黑体 CN Heavy"/>
+                <a:ea typeface="思源黑体 CN Medium" panose="020B0600000000000000"/>
+                <a:cs typeface="Times New Roman" panose="02020603050405020304" pitchFamily="18" charset="0"/>
+              </a:rPr>
+              <a:t>Experiment</a:t>
+            </a:r>
+            <a:endParaRPr lang="en-US" altLang="zh-CN" sz="1200" b="1" dirty="0">
+              <a:latin typeface="思源黑体 CN Heavy"/>
+              <a:ea typeface="思源黑体 CN Medium" panose="020B0600000000000000"/>
+              <a:cs typeface="Times New Roman" panose="02020603050405020304" pitchFamily="18" charset="0"/>
+            </a:endParaRPr>
+          </a:p>
+          <a:p>
+            <a:pPr marL="342900" indent="-342900" algn="just">
+              <a:lnSpc>
+                <a:spcPct val="150000"/>
+              </a:lnSpc>
+              <a:buFont typeface="Arial" panose="020B0604020202020204" pitchFamily="34" charset="0"/>
+              <a:buChar char="•"/>
+            </a:pPr>
+            <a:r>
+              <a:rPr lang="en-US" altLang="zh-CN" sz="1200" b="1" dirty="0">
+                <a:latin typeface="Times New Roman" panose="02020603050405020304" pitchFamily="18" charset="0"/>
+                <a:ea typeface="思源黑体 CN Medium" panose="020B0600000000000000"/>
+                <a:cs typeface="Times New Roman" panose="02020603050405020304" pitchFamily="18" charset="0"/>
+              </a:rPr>
+              <a:t>Compression</a:t>
+            </a:r>
+            <a:r>
+              <a:rPr lang="zh-CN" altLang="en-US" sz="1200" b="1" dirty="0">
+                <a:latin typeface="Times New Roman" panose="02020603050405020304" pitchFamily="18" charset="0"/>
+                <a:ea typeface="思源黑体 CN Medium" panose="020B0600000000000000"/>
+                <a:cs typeface="Times New Roman" panose="02020603050405020304" pitchFamily="18" charset="0"/>
+              </a:rPr>
+              <a:t> </a:t>
+            </a:r>
+            <a:r>
+              <a:rPr lang="en-US" altLang="zh-CN" sz="1200" b="1" dirty="0">
+                <a:latin typeface="Times New Roman" panose="02020603050405020304" pitchFamily="18" charset="0"/>
+                <a:ea typeface="思源黑体 CN Medium" panose="020B0600000000000000"/>
+                <a:cs typeface="Times New Roman" panose="02020603050405020304" pitchFamily="18" charset="0"/>
+              </a:rPr>
+              <a:t>ratio: 10%+ </a:t>
+            </a:r>
+            <a:r>
+              <a:rPr lang="en-US" altLang="zh-CN" sz="1200" dirty="0">
+                <a:latin typeface="Times New Roman" panose="02020603050405020304" pitchFamily="18" charset="0"/>
+                <a:ea typeface="思源黑体 CN Medium" panose="020B0600000000000000"/>
+                <a:cs typeface="Times New Roman" panose="02020603050405020304" pitchFamily="18" charset="0"/>
+              </a:rPr>
+              <a:t>reduction in parameters of BERT series.</a:t>
+            </a:r>
+            <a:endParaRPr lang="en-US" altLang="zh-CN" sz="1200" b="1" dirty="0">
+              <a:latin typeface="Times New Roman" panose="02020603050405020304" pitchFamily="18" charset="0"/>
+              <a:ea typeface="思源黑体 CN Medium" panose="020B0600000000000000"/>
+              <a:cs typeface="Times New Roman" panose="02020603050405020304" pitchFamily="18" charset="0"/>
+            </a:endParaRPr>
+          </a:p>
+          <a:p>
+            <a:pPr marL="342900" indent="-342900" algn="just">
+              <a:lnSpc>
+                <a:spcPct val="150000"/>
+              </a:lnSpc>
+              <a:buFont typeface="Arial" panose="020B0604020202020204" pitchFamily="34" charset="0"/>
+              <a:buChar char="•"/>
+            </a:pPr>
+            <a:r>
+              <a:rPr lang="en-US" altLang="zh-CN" sz="1200" dirty="0">
+                <a:latin typeface="Times New Roman" panose="02020603050405020304" pitchFamily="18" charset="0"/>
+                <a:ea typeface="思源黑体 CN Medium" panose="020B0600000000000000"/>
+                <a:cs typeface="Times New Roman" panose="02020603050405020304" pitchFamily="18" charset="0"/>
+              </a:rPr>
+              <a:t>Performance: No ablation experiment.</a:t>
+            </a:r>
+          </a:p>
+        </p:txBody>
+      </p:sp>
+      <p:sp>
+        <p:nvSpPr>
+          <p:cNvPr id="52" name="Pentagon 6_1">
+            <a:extLst>
+              <a:ext uri="{FF2B5EF4-FFF2-40B4-BE49-F238E27FC236}">
+                <a16:creationId xmlns:a16="http://schemas.microsoft.com/office/drawing/2014/main" id="{AF00C5AC-1046-411F-939E-89D5936C785B}"/>
+              </a:ext>
+            </a:extLst>
+          </p:cNvPr>
+          <p:cNvSpPr/>
+          <p:nvPr/>
+        </p:nvSpPr>
+        <p:spPr>
+          <a:xfrm>
+            <a:off x="-1" y="531656"/>
+            <a:ext cx="1926771" cy="701648"/>
+          </a:xfrm>
+          <a:prstGeom prst="homePlate">
+            <a:avLst/>
+          </a:prstGeom>
+          <a:solidFill>
+            <a:srgbClr val="FADE40"/>
+          </a:solidFill>
+          <a:ln>
+            <a:noFill/>
+          </a:ln>
+        </p:spPr>
+        <p:style>
+          <a:lnRef idx="2">
+            <a:schemeClr val="accent1">
+              <a:shade val="50000"/>
+            </a:schemeClr>
+          </a:lnRef>
+          <a:fillRef idx="1">
+            <a:schemeClr val="accent1"/>
+          </a:fillRef>
+          <a:effectRef idx="0">
+            <a:schemeClr val="accent1"/>
+          </a:effectRef>
+          <a:fontRef idx="minor">
+            <a:schemeClr val="lt1"/>
+          </a:fontRef>
+        </p:style>
+        <p:txBody>
+          <a:bodyPr rtlCol="0" anchor="ctr"/>
+          <a:lstStyle/>
+          <a:p>
+            <a:pPr algn="ctr"/>
+            <a:endParaRPr lang="zh-CN" altLang="en-US"/>
+          </a:p>
+        </p:txBody>
+      </p:sp>
+      <p:sp>
+        <p:nvSpPr>
+          <p:cNvPr id="53" name="文本框 52">
+            <a:extLst>
+              <a:ext uri="{FF2B5EF4-FFF2-40B4-BE49-F238E27FC236}">
+                <a16:creationId xmlns:a16="http://schemas.microsoft.com/office/drawing/2014/main" id="{8699EC9A-81A9-4AD6-9962-57AA5A2F4CD8}"/>
+              </a:ext>
+            </a:extLst>
+          </p:cNvPr>
+          <p:cNvSpPr txBox="1"/>
+          <p:nvPr/>
+        </p:nvSpPr>
+        <p:spPr>
+          <a:xfrm>
+            <a:off x="42821" y="642567"/>
+            <a:ext cx="1595479" cy="479825"/>
+          </a:xfrm>
+          <a:prstGeom prst="rect">
+            <a:avLst/>
+          </a:prstGeom>
+          <a:noFill/>
+        </p:spPr>
+        <p:txBody>
+          <a:bodyPr wrap="square" rtlCol="0">
+            <a:spAutoFit/>
+          </a:bodyPr>
+          <a:lstStyle/>
+          <a:p>
+            <a:pPr algn="dist"/>
+            <a:r>
+              <a:rPr lang="en-US" altLang="zh-CN" sz="2400" dirty="0">
+                <a:solidFill>
+                  <a:srgbClr val="C00000"/>
+                </a:solidFill>
+                <a:latin typeface="Times New Roman" panose="02020603050405020304" pitchFamily="18" charset="0"/>
+                <a:ea typeface="思源黑体 CN Medium" panose="020B0600000000000000" pitchFamily="34" charset="-122"/>
+                <a:cs typeface="Times New Roman" panose="02020603050405020304" pitchFamily="18" charset="0"/>
+                <a:sym typeface="Arial" panose="020B0604020202020204" pitchFamily="34" charset="0"/>
+              </a:rPr>
+              <a:t>CPU</a:t>
+            </a:r>
+            <a:r>
+              <a:rPr lang="zh-CN" altLang="en-US" sz="2400" dirty="0">
+                <a:solidFill>
+                  <a:srgbClr val="C00000"/>
+                </a:solidFill>
+                <a:latin typeface="Times New Roman" panose="02020603050405020304" pitchFamily="18" charset="0"/>
+                <a:ea typeface="思源黑体 CN Medium" panose="020B0600000000000000" pitchFamily="34" charset="-122"/>
+                <a:cs typeface="Times New Roman" panose="02020603050405020304" pitchFamily="18" charset="0"/>
+                <a:sym typeface="Arial" panose="020B0604020202020204" pitchFamily="34" charset="0"/>
+              </a:rPr>
+              <a:t>设计</a:t>
+            </a:r>
+          </a:p>
+        </p:txBody>
+      </p:sp>
+      <p:sp>
+        <p:nvSpPr>
+          <p:cNvPr id="5" name="Pentagon 6_1">
+            <a:extLst>
+              <a:ext uri="{FF2B5EF4-FFF2-40B4-BE49-F238E27FC236}">
+                <a16:creationId xmlns:a16="http://schemas.microsoft.com/office/drawing/2014/main" id="{B2DEA907-69CA-1F7C-0719-3B1C4B3D0485}"/>
+              </a:ext>
+            </a:extLst>
+          </p:cNvPr>
+          <p:cNvSpPr/>
+          <p:nvPr/>
+        </p:nvSpPr>
+        <p:spPr>
+          <a:xfrm>
+            <a:off x="-1" y="531656"/>
+            <a:ext cx="1926771" cy="701648"/>
+          </a:xfrm>
+          <a:prstGeom prst="homePlate">
+            <a:avLst/>
+          </a:prstGeom>
+          <a:solidFill>
+            <a:srgbClr val="FADE40"/>
+          </a:solidFill>
+          <a:ln>
+            <a:noFill/>
+          </a:ln>
+        </p:spPr>
+        <p:style>
+          <a:lnRef idx="2">
+            <a:schemeClr val="accent1">
+              <a:shade val="50000"/>
+            </a:schemeClr>
+          </a:lnRef>
+          <a:fillRef idx="1">
+            <a:schemeClr val="accent1"/>
+          </a:fillRef>
+          <a:effectRef idx="0">
+            <a:schemeClr val="accent1"/>
+          </a:effectRef>
+          <a:fontRef idx="minor">
+            <a:schemeClr val="lt1"/>
+          </a:fontRef>
+        </p:style>
+        <p:txBody>
+          <a:bodyPr rtlCol="0" anchor="ctr"/>
+          <a:lstStyle/>
+          <a:p>
+            <a:pPr algn="ctr"/>
+            <a:endParaRPr lang="zh-CN" altLang="en-US"/>
+          </a:p>
+        </p:txBody>
+      </p:sp>
+      <p:sp>
+        <p:nvSpPr>
+          <p:cNvPr id="6" name="文本框 5">
+            <a:extLst>
+              <a:ext uri="{FF2B5EF4-FFF2-40B4-BE49-F238E27FC236}">
+                <a16:creationId xmlns:a16="http://schemas.microsoft.com/office/drawing/2014/main" id="{EEA72AD3-AE04-AC91-8BBE-AEC989717A4D}"/>
+              </a:ext>
+            </a:extLst>
+          </p:cNvPr>
+          <p:cNvSpPr txBox="1"/>
+          <p:nvPr/>
+        </p:nvSpPr>
+        <p:spPr>
+          <a:xfrm>
+            <a:off x="42820" y="713203"/>
+            <a:ext cx="1595479" cy="338554"/>
+          </a:xfrm>
+          <a:prstGeom prst="rect">
+            <a:avLst/>
+          </a:prstGeom>
+          <a:noFill/>
+        </p:spPr>
+        <p:txBody>
+          <a:bodyPr wrap="square" rtlCol="0">
+            <a:spAutoFit/>
+          </a:bodyPr>
+          <a:lstStyle/>
+          <a:p>
+            <a:pPr algn="dist"/>
+            <a:r>
+              <a:rPr lang="en-US" altLang="zh-CN" sz="1600" b="1" dirty="0">
+                <a:solidFill>
+                  <a:srgbClr val="C00000"/>
+                </a:solidFill>
+                <a:latin typeface="Times New Roman" panose="02020603050405020304" pitchFamily="18" charset="0"/>
+                <a:ea typeface="思源黑体 CN Medium" panose="020B0600000000000000" pitchFamily="34" charset="-122"/>
+                <a:cs typeface="Times New Roman" panose="02020603050405020304" pitchFamily="18" charset="0"/>
+                <a:sym typeface="Arial" panose="020B0604020202020204" pitchFamily="34" charset="0"/>
+              </a:rPr>
+              <a:t>ALBERT</a:t>
+            </a:r>
+            <a:endParaRPr lang="zh-CN" altLang="en-US" sz="1600" b="1" dirty="0">
+              <a:solidFill>
+                <a:srgbClr val="C00000"/>
+              </a:solidFill>
+              <a:latin typeface="Times New Roman" panose="02020603050405020304" pitchFamily="18" charset="0"/>
+              <a:ea typeface="思源黑体 CN Medium" panose="020B0600000000000000" pitchFamily="34" charset="-122"/>
+              <a:cs typeface="Times New Roman" panose="02020603050405020304" pitchFamily="18" charset="0"/>
+              <a:sym typeface="Arial" panose="020B0604020202020204" pitchFamily="34" charset="0"/>
+            </a:endParaRPr>
+          </a:p>
+        </p:txBody>
+      </p:sp>
+      <p:pic>
+        <p:nvPicPr>
+          <p:cNvPr id="4" name="图片 3" descr="图示&#10;&#10;描述已自动生成">
+            <a:extLst>
+              <a:ext uri="{FF2B5EF4-FFF2-40B4-BE49-F238E27FC236}">
+                <a16:creationId xmlns:a16="http://schemas.microsoft.com/office/drawing/2014/main" id="{A4B5A884-1466-236C-AF59-9621C73EDD4C}"/>
+              </a:ext>
+            </a:extLst>
+          </p:cNvPr>
+          <p:cNvPicPr>
+            <a:picLocks noChangeAspect="1"/>
+          </p:cNvPicPr>
+          <p:nvPr/>
+        </p:nvPicPr>
+        <p:blipFill>
+          <a:blip r:embed="rId3">
+            <a:extLst>
+              <a:ext uri="{28A0092B-C50C-407E-A947-70E740481C1C}">
+                <a14:useLocalDpi xmlns:a14="http://schemas.microsoft.com/office/drawing/2010/main" val="0"/>
+              </a:ext>
+            </a:extLst>
+          </a:blip>
+          <a:stretch>
+            <a:fillRect/>
+          </a:stretch>
+        </p:blipFill>
+        <p:spPr>
+          <a:xfrm>
+            <a:off x="7196694" y="1888007"/>
+            <a:ext cx="3081985" cy="3081985"/>
+          </a:xfrm>
+          <a:prstGeom prst="rect">
+            <a:avLst/>
+          </a:prstGeom>
+        </p:spPr>
+      </p:pic>
+      <p:sp>
+        <p:nvSpPr>
+          <p:cNvPr id="10" name="文本框 9">
+            <a:extLst>
+              <a:ext uri="{FF2B5EF4-FFF2-40B4-BE49-F238E27FC236}">
+                <a16:creationId xmlns:a16="http://schemas.microsoft.com/office/drawing/2014/main" id="{E36ADF51-A0F2-882B-CF05-DDB4B97F1B30}"/>
+              </a:ext>
+            </a:extLst>
+          </p:cNvPr>
+          <p:cNvSpPr txBox="1"/>
+          <p:nvPr/>
+        </p:nvSpPr>
+        <p:spPr>
+          <a:xfrm>
+            <a:off x="840559" y="6524182"/>
+            <a:ext cx="9353550" cy="246221"/>
+          </a:xfrm>
+          <a:prstGeom prst="rect">
+            <a:avLst/>
+          </a:prstGeom>
+          <a:noFill/>
+        </p:spPr>
+        <p:txBody>
+          <a:bodyPr wrap="square" rtlCol="0">
+            <a:spAutoFit/>
+          </a:bodyPr>
+          <a:lstStyle/>
+          <a:p>
+            <a:r>
+              <a:rPr lang="en-US" altLang="zh-CN" sz="1000" i="0" dirty="0">
+                <a:solidFill>
+                  <a:srgbClr val="000000"/>
+                </a:solidFill>
+                <a:effectLst/>
+                <a:latin typeface="Lucida Grande"/>
+                <a:hlinkClick r:id="rId4"/>
+              </a:rPr>
+              <a:t>ALBERT: A Lite BERT for Self-supervised Learning of Language Representations (2020 ICLR)</a:t>
+            </a:r>
+            <a:endParaRPr lang="en-US" altLang="zh-CN" sz="1000" i="0" dirty="0">
+              <a:solidFill>
+                <a:srgbClr val="000000"/>
+              </a:solidFill>
+              <a:effectLst/>
+              <a:latin typeface="Lucida Grande"/>
+            </a:endParaRPr>
+          </a:p>
+        </p:txBody>
+      </p:sp>
+    </p:spTree>
+    <p:extLst>
+      <p:ext uri="{BB962C8B-B14F-4D97-AF65-F5344CB8AC3E}">
+        <p14:creationId xmlns:p14="http://schemas.microsoft.com/office/powerpoint/2010/main" val="4100598"/>
+      </p:ext>
+    </p:extLst>
+  </p:cSld>
+  <p:clrMapOvr>
+    <a:masterClrMapping/>
+  </p:clrMapOvr>
+  <mc:AlternateContent xmlns:mc="http://schemas.openxmlformats.org/markup-compatibility/2006" xmlns:p14="http://schemas.microsoft.com/office/powerpoint/2010/main">
+    <mc:Choice Requires="p14">
+      <p:transition p14:dur="10" advTm="7188"/>
+    </mc:Choice>
+    <mc:Fallback xmlns="">
+      <p:transition advTm="7188"/>
+    </mc:Fallback>
+  </mc:AlternateContent>
+</p:sld>
+</file>
+
+<file path=ppt/slides/slide20.xml><?xml version="1.0" encoding="utf-8"?>
+<p:sld xmlns:a="http://schemas.openxmlformats.org/drawingml/2006/main" xmlns:r="http://schemas.openxmlformats.org/officeDocument/2006/relationships" xmlns:p="http://schemas.openxmlformats.org/presentationml/2006/main">
+  <p:cSld>
+    <p:spTree>
+      <p:nvGrpSpPr>
+        <p:cNvPr id="1" name=""/>
+        <p:cNvGrpSpPr/>
+        <p:nvPr/>
+      </p:nvGrpSpPr>
+      <p:grpSpPr>
+        <a:xfrm>
+          <a:off x="0" y="0"/>
+          <a:ext cx="0" cy="0"/>
+          <a:chOff x="0" y="0"/>
+          <a:chExt cx="0" cy="0"/>
+        </a:xfrm>
+      </p:grpSpPr>
+      <p:sp>
+        <p:nvSpPr>
           <p:cNvPr id="4" name="文本框 3">
             <a:extLst>
               <a:ext uri="{FF2B5EF4-FFF2-40B4-BE49-F238E27FC236}">
@@ -14093,7 +16042,7 @@
         <p:spPr>
           <a:xfrm>
             <a:off x="840561" y="1531296"/>
-            <a:ext cx="4180561" cy="2644442"/>
+            <a:ext cx="4180561" cy="3377656"/>
           </a:xfrm>
           <a:prstGeom prst="rect">
             <a:avLst/>
@@ -14112,7 +16061,7 @@
               </a:lnSpc>
             </a:pPr>
             <a:r>
-              <a:rPr lang="en-US" altLang="zh-CN" sz="1600" b="1" dirty="0">
+              <a:rPr lang="en-US" altLang="zh-CN" b="1" dirty="0">
                 <a:solidFill>
                   <a:srgbClr val="263C88"/>
                 </a:solidFill>
@@ -14122,7 +16071,7 @@
               </a:rPr>
               <a:t>Our experiments</a:t>
             </a:r>
-            <a:endParaRPr lang="en-US" altLang="zh-CN" sz="1200" b="1" dirty="0">
+            <a:endParaRPr lang="en-US" altLang="zh-CN" sz="1400" b="1" dirty="0">
               <a:solidFill>
                 <a:srgbClr val="263C88"/>
               </a:solidFill>
@@ -14140,7 +16089,7 @@
               <a:buChar char="•"/>
             </a:pPr>
             <a:r>
-              <a:rPr lang="en-US" altLang="zh-CN" sz="1200" dirty="0">
+              <a:rPr lang="en-US" altLang="zh-CN" sz="1400" dirty="0">
                 <a:latin typeface="Times New Roman" panose="02020603050405020304" pitchFamily="18" charset="0"/>
                 <a:ea typeface="思源黑体 CN Medium" panose="020B0600000000000000"/>
                 <a:cs typeface="Times New Roman" panose="02020603050405020304" pitchFamily="18" charset="0"/>
@@ -14156,7 +16105,7 @@
               <a:buFont typeface="Arial" panose="020B0604020202020204" pitchFamily="34" charset="0"/>
               <a:buChar char="•"/>
             </a:pPr>
-            <a:endParaRPr lang="en-US" altLang="zh-CN" sz="1200" dirty="0">
+            <a:endParaRPr lang="en-US" altLang="zh-CN" sz="1400" dirty="0">
               <a:latin typeface="Times New Roman" panose="02020603050405020304" pitchFamily="18" charset="0"/>
               <a:ea typeface="思源黑体 CN Medium" panose="020B0600000000000000"/>
               <a:cs typeface="Times New Roman" panose="02020603050405020304" pitchFamily="18" charset="0"/>
@@ -14171,7 +16120,7 @@
               <a:buChar char="•"/>
             </a:pPr>
             <a:r>
-              <a:rPr lang="en-US" altLang="zh-CN" sz="1200" dirty="0">
+              <a:rPr lang="en-US" altLang="zh-CN" sz="1400" dirty="0">
                 <a:latin typeface="Times New Roman" panose="02020603050405020304" pitchFamily="18" charset="0"/>
                 <a:ea typeface="思源黑体 CN Medium" panose="020B0600000000000000"/>
                 <a:cs typeface="Times New Roman" panose="02020603050405020304" pitchFamily="18" charset="0"/>
@@ -14187,7 +16136,7 @@
               <a:buFont typeface="Arial" panose="020B0604020202020204" pitchFamily="34" charset="0"/>
               <a:buChar char="•"/>
             </a:pPr>
-            <a:endParaRPr lang="en-US" altLang="zh-CN" sz="1200" dirty="0">
+            <a:endParaRPr lang="en-US" altLang="zh-CN" sz="1400" dirty="0">
               <a:latin typeface="Times New Roman" panose="02020603050405020304" pitchFamily="18" charset="0"/>
               <a:ea typeface="思源黑体 CN Medium" panose="020B0600000000000000"/>
               <a:cs typeface="Times New Roman" panose="02020603050405020304" pitchFamily="18" charset="0"/>
@@ -14202,7 +16151,7 @@
               <a:buChar char="•"/>
             </a:pPr>
             <a:r>
-              <a:rPr lang="en-US" altLang="zh-CN" sz="1200" dirty="0">
+              <a:rPr lang="en-US" altLang="zh-CN" sz="1400" dirty="0">
                 <a:latin typeface="Times New Roman" panose="02020603050405020304" pitchFamily="18" charset="0"/>
                 <a:ea typeface="思源黑体 CN Medium" panose="020B0600000000000000"/>
                 <a:cs typeface="Times New Roman" panose="02020603050405020304" pitchFamily="18" charset="0"/>
@@ -14374,7 +16323,7 @@
 </p:sld>
 </file>
 
-<file path=ppt/slides/slide2.xml><?xml version="1.0" encoding="utf-8"?>
+<file path=ppt/slides/slide21.xml><?xml version="1.0" encoding="utf-8"?>
 <p:sld xmlns:a="http://schemas.openxmlformats.org/drawingml/2006/main" xmlns:r="http://schemas.openxmlformats.org/officeDocument/2006/relationships" xmlns:p="http://schemas.openxmlformats.org/presentationml/2006/main">
   <p:cSld>
     <p:spTree>
@@ -14391,417 +16340,6 @@
           <a:chExt cx="0" cy="0"/>
         </a:xfrm>
       </p:grpSpPr>
-      <p:sp>
-        <p:nvSpPr>
-          <p:cNvPr id="3" name="文本框 2">
-            <a:extLst>
-              <a:ext uri="{FF2B5EF4-FFF2-40B4-BE49-F238E27FC236}">
-                <a16:creationId xmlns:a16="http://schemas.microsoft.com/office/drawing/2014/main" id="{4CF0D450-DA83-4655-BABE-7A2A6D787CF6}"/>
-              </a:ext>
-            </a:extLst>
-          </p:cNvPr>
-          <p:cNvSpPr txBox="1"/>
-          <p:nvPr/>
-        </p:nvSpPr>
-        <p:spPr>
-          <a:xfrm>
-            <a:off x="840560" y="1531296"/>
-            <a:ext cx="5255440" cy="3752437"/>
-          </a:xfrm>
-          <a:prstGeom prst="rect">
-            <a:avLst/>
-          </a:prstGeom>
-          <a:noFill/>
-        </p:spPr>
-        <p:txBody>
-          <a:bodyPr wrap="square" rtlCol="0">
-            <a:spAutoFit/>
-          </a:bodyPr>
-          <a:lstStyle/>
-          <a:p>
-            <a:pPr algn="just">
-              <a:lnSpc>
-                <a:spcPct val="150000"/>
-              </a:lnSpc>
-            </a:pPr>
-            <a:r>
-              <a:rPr lang="en-US" altLang="zh-CN" sz="1600" b="1" dirty="0">
-                <a:solidFill>
-                  <a:schemeClr val="bg1">
-                    <a:lumMod val="50000"/>
-                  </a:schemeClr>
-                </a:solidFill>
-                <a:latin typeface="思源黑体 CN Heavy"/>
-                <a:ea typeface="思源黑体 CN Medium" panose="020B0600000000000000"/>
-                <a:cs typeface="Times New Roman" panose="02020603050405020304" pitchFamily="18" charset="0"/>
-              </a:rPr>
-              <a:t>Methods</a:t>
-            </a:r>
-            <a:endParaRPr lang="en-US" altLang="zh-CN" sz="1200" b="1" dirty="0">
-              <a:latin typeface="思源黑体 CN Heavy"/>
-              <a:ea typeface="思源黑体 CN Medium" panose="020B0600000000000000"/>
-              <a:cs typeface="Times New Roman" panose="02020603050405020304" pitchFamily="18" charset="0"/>
-            </a:endParaRPr>
-          </a:p>
-          <a:p>
-            <a:pPr marL="342900" indent="-342900" algn="just">
-              <a:lnSpc>
-                <a:spcPct val="150000"/>
-              </a:lnSpc>
-              <a:buFont typeface="Arial" panose="020B0604020202020204" pitchFamily="34" charset="0"/>
-              <a:buChar char="•"/>
-            </a:pPr>
-            <a:r>
-              <a:rPr lang="en-US" altLang="zh-CN" sz="1200" dirty="0">
-                <a:latin typeface="Times New Roman" panose="02020603050405020304" pitchFamily="18" charset="0"/>
-                <a:ea typeface="思源黑体 CN Medium" panose="020B0600000000000000"/>
-                <a:cs typeface="Times New Roman" panose="02020603050405020304" pitchFamily="18" charset="0"/>
-              </a:rPr>
-              <a:t>Since</a:t>
-            </a:r>
-            <a:r>
-              <a:rPr lang="zh-CN" altLang="en-US" sz="1200" dirty="0">
-                <a:latin typeface="Times New Roman" panose="02020603050405020304" pitchFamily="18" charset="0"/>
-                <a:ea typeface="思源黑体 CN Medium" panose="020B0600000000000000"/>
-                <a:cs typeface="Times New Roman" panose="02020603050405020304" pitchFamily="18" charset="0"/>
-              </a:rPr>
-              <a:t> </a:t>
-            </a:r>
-            <a:r>
-              <a:rPr lang="en-US" altLang="zh-CN" sz="1200" dirty="0">
-                <a:latin typeface="Times New Roman" panose="02020603050405020304" pitchFamily="18" charset="0"/>
-                <a:ea typeface="思源黑体 CN Medium" panose="020B0600000000000000"/>
-                <a:cs typeface="Times New Roman" panose="02020603050405020304" pitchFamily="18" charset="0"/>
-              </a:rPr>
-              <a:t>the</a:t>
-            </a:r>
-            <a:r>
-              <a:rPr lang="zh-CN" altLang="en-US" sz="1200" dirty="0">
-                <a:latin typeface="Times New Roman" panose="02020603050405020304" pitchFamily="18" charset="0"/>
-                <a:ea typeface="思源黑体 CN Medium" panose="020B0600000000000000"/>
-                <a:cs typeface="Times New Roman" panose="02020603050405020304" pitchFamily="18" charset="0"/>
-              </a:rPr>
-              <a:t> </a:t>
-            </a:r>
-            <a:r>
-              <a:rPr lang="en-US" altLang="zh-CN" sz="1200" dirty="0">
-                <a:latin typeface="Times New Roman" panose="02020603050405020304" pitchFamily="18" charset="0"/>
-                <a:ea typeface="思源黑体 CN Medium" panose="020B0600000000000000"/>
-                <a:cs typeface="Times New Roman" panose="02020603050405020304" pitchFamily="18" charset="0"/>
-              </a:rPr>
-              <a:t>vocabulary</a:t>
-            </a:r>
-            <a:r>
-              <a:rPr lang="zh-CN" altLang="en-US" sz="1200" dirty="0">
-                <a:latin typeface="Times New Roman" panose="02020603050405020304" pitchFamily="18" charset="0"/>
-                <a:ea typeface="思源黑体 CN Medium" panose="020B0600000000000000"/>
-                <a:cs typeface="Times New Roman" panose="02020603050405020304" pitchFamily="18" charset="0"/>
-              </a:rPr>
-              <a:t> </a:t>
-            </a:r>
-            <a:r>
-              <a:rPr lang="en-US" altLang="zh-CN" sz="1200" dirty="0">
-                <a:latin typeface="Times New Roman" panose="02020603050405020304" pitchFamily="18" charset="0"/>
-                <a:ea typeface="思源黑体 CN Medium" panose="020B0600000000000000"/>
-                <a:cs typeface="Times New Roman" panose="02020603050405020304" pitchFamily="18" charset="0"/>
-              </a:rPr>
-              <a:t>of</a:t>
-            </a:r>
-            <a:r>
-              <a:rPr lang="zh-CN" altLang="en-US" sz="1200" dirty="0">
-                <a:latin typeface="Times New Roman" panose="02020603050405020304" pitchFamily="18" charset="0"/>
-                <a:ea typeface="思源黑体 CN Medium" panose="020B0600000000000000"/>
-                <a:cs typeface="Times New Roman" panose="02020603050405020304" pitchFamily="18" charset="0"/>
-              </a:rPr>
-              <a:t> </a:t>
-            </a:r>
-            <a:r>
-              <a:rPr lang="en-US" altLang="zh-CN" sz="1200" dirty="0">
-                <a:latin typeface="Times New Roman" panose="02020603050405020304" pitchFamily="18" charset="0"/>
-                <a:ea typeface="思源黑体 CN Medium" panose="020B0600000000000000"/>
-                <a:cs typeface="Times New Roman" panose="02020603050405020304" pitchFamily="18" charset="0"/>
-              </a:rPr>
-              <a:t>BERT</a:t>
-            </a:r>
-            <a:r>
-              <a:rPr lang="zh-CN" altLang="en-US" sz="1200" dirty="0">
-                <a:latin typeface="Times New Roman" panose="02020603050405020304" pitchFamily="18" charset="0"/>
-                <a:ea typeface="思源黑体 CN Medium" panose="020B0600000000000000"/>
-                <a:cs typeface="Times New Roman" panose="02020603050405020304" pitchFamily="18" charset="0"/>
-              </a:rPr>
-              <a:t> </a:t>
-            </a:r>
-            <a:r>
-              <a:rPr lang="en-US" altLang="zh-CN" sz="1200" dirty="0">
-                <a:latin typeface="Times New Roman" panose="02020603050405020304" pitchFamily="18" charset="0"/>
-                <a:ea typeface="思源黑体 CN Medium" panose="020B0600000000000000"/>
-                <a:cs typeface="Times New Roman" panose="02020603050405020304" pitchFamily="18" charset="0"/>
-              </a:rPr>
-              <a:t>is</a:t>
-            </a:r>
-            <a:r>
-              <a:rPr lang="zh-CN" altLang="en-US" sz="1200" dirty="0">
-                <a:latin typeface="Times New Roman" panose="02020603050405020304" pitchFamily="18" charset="0"/>
-                <a:ea typeface="思源黑体 CN Medium" panose="020B0600000000000000"/>
-                <a:cs typeface="Times New Roman" panose="02020603050405020304" pitchFamily="18" charset="0"/>
-              </a:rPr>
-              <a:t> </a:t>
-            </a:r>
-            <a:r>
-              <a:rPr lang="en-US" altLang="zh-CN" sz="1200" dirty="0">
-                <a:latin typeface="Times New Roman" panose="02020603050405020304" pitchFamily="18" charset="0"/>
-                <a:ea typeface="思源黑体 CN Medium" panose="020B0600000000000000"/>
-                <a:cs typeface="Times New Roman" panose="02020603050405020304" pitchFamily="18" charset="0"/>
-              </a:rPr>
-              <a:t>30,000,</a:t>
-            </a:r>
-            <a:r>
-              <a:rPr lang="zh-CN" altLang="en-US" sz="1200" dirty="0">
-                <a:latin typeface="Times New Roman" panose="02020603050405020304" pitchFamily="18" charset="0"/>
-                <a:ea typeface="思源黑体 CN Medium" panose="020B0600000000000000"/>
-                <a:cs typeface="Times New Roman" panose="02020603050405020304" pitchFamily="18" charset="0"/>
-              </a:rPr>
-              <a:t> </a:t>
-            </a:r>
-            <a:r>
-              <a:rPr lang="en-US" altLang="zh-CN" sz="1200" dirty="0">
-                <a:latin typeface="Times New Roman" panose="02020603050405020304" pitchFamily="18" charset="0"/>
-                <a:ea typeface="思源黑体 CN Medium" panose="020B0600000000000000"/>
-                <a:cs typeface="Times New Roman" panose="02020603050405020304" pitchFamily="18" charset="0"/>
-              </a:rPr>
-              <a:t>it is consuming to store the embedding layer as O(V x H). A fully connected layer is added after it to achieve O(V x E + E x H).</a:t>
-            </a:r>
-            <a:endParaRPr lang="en-US" altLang="zh-CN" sz="1200" b="1" dirty="0">
-              <a:latin typeface="Times New Roman" panose="02020603050405020304" pitchFamily="18" charset="0"/>
-              <a:ea typeface="思源黑体 CN Medium" panose="020B0600000000000000"/>
-              <a:cs typeface="Times New Roman" panose="02020603050405020304" pitchFamily="18" charset="0"/>
-            </a:endParaRPr>
-          </a:p>
-          <a:p>
-            <a:pPr algn="just">
-              <a:lnSpc>
-                <a:spcPct val="150000"/>
-              </a:lnSpc>
-            </a:pPr>
-            <a:r>
-              <a:rPr lang="en-US" altLang="zh-CN" sz="1600" b="1" dirty="0">
-                <a:solidFill>
-                  <a:schemeClr val="bg1">
-                    <a:lumMod val="50000"/>
-                  </a:schemeClr>
-                </a:solidFill>
-                <a:latin typeface="思源黑体 CN Heavy"/>
-                <a:ea typeface="思源黑体 CN Medium" panose="020B0600000000000000"/>
-                <a:cs typeface="Times New Roman" panose="02020603050405020304" pitchFamily="18" charset="0"/>
-              </a:rPr>
-              <a:t>Pros</a:t>
-            </a:r>
-            <a:endParaRPr lang="en-US" altLang="zh-CN" sz="1200" b="1" dirty="0">
-              <a:latin typeface="思源黑体 CN Heavy"/>
-              <a:ea typeface="思源黑体 CN Medium" panose="020B0600000000000000"/>
-              <a:cs typeface="Times New Roman" panose="02020603050405020304" pitchFamily="18" charset="0"/>
-            </a:endParaRPr>
-          </a:p>
-          <a:p>
-            <a:pPr marL="342900" indent="-342900" algn="just">
-              <a:lnSpc>
-                <a:spcPct val="150000"/>
-              </a:lnSpc>
-              <a:buFont typeface="Arial" panose="020B0604020202020204" pitchFamily="34" charset="0"/>
-              <a:buChar char="•"/>
-            </a:pPr>
-            <a:r>
-              <a:rPr lang="en-US" altLang="zh-CN" sz="1200" dirty="0">
-                <a:latin typeface="Times New Roman" panose="02020603050405020304" pitchFamily="18" charset="0"/>
-                <a:ea typeface="思源黑体 CN Medium" panose="020B0600000000000000"/>
-                <a:cs typeface="Times New Roman" panose="02020603050405020304" pitchFamily="18" charset="0"/>
-              </a:rPr>
-              <a:t>Untying the word embedding size E from the hidden layer size H. </a:t>
-            </a:r>
-          </a:p>
-          <a:p>
-            <a:pPr marL="342900" indent="-342900" algn="just">
-              <a:lnSpc>
-                <a:spcPct val="150000"/>
-              </a:lnSpc>
-              <a:buFont typeface="Arial" panose="020B0604020202020204" pitchFamily="34" charset="0"/>
-              <a:buChar char="•"/>
-            </a:pPr>
-            <a:r>
-              <a:rPr lang="en-US" altLang="zh-CN" sz="1200" b="1" dirty="0">
-                <a:latin typeface="Times New Roman" panose="02020603050405020304" pitchFamily="18" charset="0"/>
-                <a:ea typeface="思源黑体 CN Medium" panose="020B0600000000000000"/>
-                <a:cs typeface="Times New Roman" panose="02020603050405020304" pitchFamily="18" charset="0"/>
-              </a:rPr>
-              <a:t>23M</a:t>
-            </a:r>
-            <a:r>
-              <a:rPr lang="en-US" altLang="zh-CN" sz="1200" dirty="0">
-                <a:latin typeface="Times New Roman" panose="02020603050405020304" pitchFamily="18" charset="0"/>
-                <a:ea typeface="思源黑体 CN Medium" panose="020B0600000000000000"/>
-                <a:cs typeface="Times New Roman" panose="02020603050405020304" pitchFamily="18" charset="0"/>
-              </a:rPr>
-              <a:t> = 30,000 x 768 =&gt; 30,000 x 128 + 128 x 768 = </a:t>
-            </a:r>
-            <a:r>
-              <a:rPr lang="en-US" altLang="zh-CN" sz="1200" b="1" dirty="0">
-                <a:latin typeface="Times New Roman" panose="02020603050405020304" pitchFamily="18" charset="0"/>
-                <a:ea typeface="思源黑体 CN Medium" panose="020B0600000000000000"/>
-                <a:cs typeface="Times New Roman" panose="02020603050405020304" pitchFamily="18" charset="0"/>
-              </a:rPr>
-              <a:t>4M</a:t>
-            </a:r>
-            <a:r>
-              <a:rPr lang="en-US" altLang="zh-CN" sz="1200" dirty="0">
-                <a:latin typeface="Times New Roman" panose="02020603050405020304" pitchFamily="18" charset="0"/>
-                <a:ea typeface="思源黑体 CN Medium" panose="020B0600000000000000"/>
-                <a:cs typeface="Times New Roman" panose="02020603050405020304" pitchFamily="18" charset="0"/>
-              </a:rPr>
-              <a:t> </a:t>
-            </a:r>
-            <a:endParaRPr lang="en-US" altLang="zh-CN" sz="1600" b="1" dirty="0">
-              <a:latin typeface="Times New Roman" panose="02020603050405020304" pitchFamily="18" charset="0"/>
-              <a:ea typeface="思源黑体 CN Medium" panose="020B0600000000000000"/>
-              <a:cs typeface="Times New Roman" panose="02020603050405020304" pitchFamily="18" charset="0"/>
-            </a:endParaRPr>
-          </a:p>
-          <a:p>
-            <a:pPr algn="just">
-              <a:lnSpc>
-                <a:spcPct val="150000"/>
-              </a:lnSpc>
-            </a:pPr>
-            <a:r>
-              <a:rPr lang="en-US" altLang="zh-CN" sz="1600" b="1" dirty="0">
-                <a:solidFill>
-                  <a:schemeClr val="bg1">
-                    <a:lumMod val="50000"/>
-                  </a:schemeClr>
-                </a:solidFill>
-                <a:latin typeface="思源黑体 CN Heavy"/>
-                <a:ea typeface="思源黑体 CN Medium" panose="020B0600000000000000"/>
-                <a:cs typeface="Times New Roman" panose="02020603050405020304" pitchFamily="18" charset="0"/>
-              </a:rPr>
-              <a:t>Cons</a:t>
-            </a:r>
-            <a:endParaRPr lang="en-US" altLang="zh-CN" sz="1200" b="1" dirty="0">
-              <a:latin typeface="思源黑体 CN Heavy"/>
-              <a:ea typeface="思源黑体 CN Medium" panose="020B0600000000000000"/>
-              <a:cs typeface="Times New Roman" panose="02020603050405020304" pitchFamily="18" charset="0"/>
-            </a:endParaRPr>
-          </a:p>
-          <a:p>
-            <a:pPr marL="342900" indent="-342900" algn="just">
-              <a:lnSpc>
-                <a:spcPct val="150000"/>
-              </a:lnSpc>
-              <a:buFont typeface="Arial" panose="020B0604020202020204" pitchFamily="34" charset="0"/>
-              <a:buChar char="•"/>
-            </a:pPr>
-            <a:r>
-              <a:rPr lang="en-US" altLang="zh-CN" sz="1200" dirty="0">
-                <a:latin typeface="Times New Roman" panose="02020603050405020304" pitchFamily="18" charset="0"/>
-                <a:ea typeface="思源黑体 CN Medium" panose="020B0600000000000000"/>
-                <a:cs typeface="Times New Roman" panose="02020603050405020304" pitchFamily="18" charset="0"/>
-              </a:rPr>
-              <a:t>Only available in embedding layers. Refine-tuning is required.</a:t>
-            </a:r>
-            <a:endParaRPr lang="en-US" altLang="zh-CN" sz="1200" b="1" dirty="0">
-              <a:latin typeface="Times New Roman" panose="02020603050405020304" pitchFamily="18" charset="0"/>
-              <a:ea typeface="思源黑体 CN Medium" panose="020B0600000000000000"/>
-              <a:cs typeface="Times New Roman" panose="02020603050405020304" pitchFamily="18" charset="0"/>
-            </a:endParaRPr>
-          </a:p>
-          <a:p>
-            <a:pPr algn="just">
-              <a:lnSpc>
-                <a:spcPct val="150000"/>
-              </a:lnSpc>
-            </a:pPr>
-            <a:r>
-              <a:rPr lang="en-US" altLang="zh-CN" sz="1600" b="1" dirty="0">
-                <a:solidFill>
-                  <a:schemeClr val="bg1">
-                    <a:lumMod val="50000"/>
-                  </a:schemeClr>
-                </a:solidFill>
-                <a:latin typeface="思源黑体 CN Heavy"/>
-                <a:ea typeface="思源黑体 CN Medium" panose="020B0600000000000000"/>
-                <a:cs typeface="Times New Roman" panose="02020603050405020304" pitchFamily="18" charset="0"/>
-              </a:rPr>
-              <a:t>Experiment</a:t>
-            </a:r>
-            <a:endParaRPr lang="en-US" altLang="zh-CN" sz="1200" b="1" dirty="0">
-              <a:latin typeface="思源黑体 CN Heavy"/>
-              <a:ea typeface="思源黑体 CN Medium" panose="020B0600000000000000"/>
-              <a:cs typeface="Times New Roman" panose="02020603050405020304" pitchFamily="18" charset="0"/>
-            </a:endParaRPr>
-          </a:p>
-          <a:p>
-            <a:pPr marL="342900" indent="-342900" algn="just">
-              <a:lnSpc>
-                <a:spcPct val="150000"/>
-              </a:lnSpc>
-              <a:buFont typeface="Arial" panose="020B0604020202020204" pitchFamily="34" charset="0"/>
-              <a:buChar char="•"/>
-            </a:pPr>
-            <a:r>
-              <a:rPr lang="en-US" altLang="zh-CN" sz="1200" b="1" dirty="0">
-                <a:latin typeface="Times New Roman" panose="02020603050405020304" pitchFamily="18" charset="0"/>
-                <a:ea typeface="思源黑体 CN Medium" panose="020B0600000000000000"/>
-                <a:cs typeface="Times New Roman" panose="02020603050405020304" pitchFamily="18" charset="0"/>
-              </a:rPr>
-              <a:t>Compression</a:t>
-            </a:r>
-            <a:r>
-              <a:rPr lang="zh-CN" altLang="en-US" sz="1200" b="1" dirty="0">
-                <a:latin typeface="Times New Roman" panose="02020603050405020304" pitchFamily="18" charset="0"/>
-                <a:ea typeface="思源黑体 CN Medium" panose="020B0600000000000000"/>
-                <a:cs typeface="Times New Roman" panose="02020603050405020304" pitchFamily="18" charset="0"/>
-              </a:rPr>
-              <a:t> </a:t>
-            </a:r>
-            <a:r>
-              <a:rPr lang="en-US" altLang="zh-CN" sz="1200" b="1" dirty="0">
-                <a:latin typeface="Times New Roman" panose="02020603050405020304" pitchFamily="18" charset="0"/>
-                <a:ea typeface="思源黑体 CN Medium" panose="020B0600000000000000"/>
-                <a:cs typeface="Times New Roman" panose="02020603050405020304" pitchFamily="18" charset="0"/>
-              </a:rPr>
-              <a:t>ratio: 10%+ </a:t>
-            </a:r>
-            <a:r>
-              <a:rPr lang="en-US" altLang="zh-CN" sz="1200" dirty="0">
-                <a:latin typeface="Times New Roman" panose="02020603050405020304" pitchFamily="18" charset="0"/>
-                <a:ea typeface="思源黑体 CN Medium" panose="020B0600000000000000"/>
-                <a:cs typeface="Times New Roman" panose="02020603050405020304" pitchFamily="18" charset="0"/>
-              </a:rPr>
-              <a:t>reduction in parameters of BERT series.</a:t>
-            </a:r>
-            <a:endParaRPr lang="en-US" altLang="zh-CN" sz="1200" b="1" dirty="0">
-              <a:latin typeface="Times New Roman" panose="02020603050405020304" pitchFamily="18" charset="0"/>
-              <a:ea typeface="思源黑体 CN Medium" panose="020B0600000000000000"/>
-              <a:cs typeface="Times New Roman" panose="02020603050405020304" pitchFamily="18" charset="0"/>
-            </a:endParaRPr>
-          </a:p>
-          <a:p>
-            <a:pPr marL="342900" indent="-342900" algn="just">
-              <a:lnSpc>
-                <a:spcPct val="150000"/>
-              </a:lnSpc>
-              <a:buFont typeface="Arial" panose="020B0604020202020204" pitchFamily="34" charset="0"/>
-              <a:buChar char="•"/>
-            </a:pPr>
-            <a:r>
-              <a:rPr lang="en-US" altLang="zh-CN" sz="1200" dirty="0">
-                <a:latin typeface="Times New Roman" panose="02020603050405020304" pitchFamily="18" charset="0"/>
-                <a:ea typeface="思源黑体 CN Medium" panose="020B0600000000000000"/>
-                <a:cs typeface="Times New Roman" panose="02020603050405020304" pitchFamily="18" charset="0"/>
-              </a:rPr>
-              <a:t>Performance: No ablation experiment.</a:t>
-            </a:r>
-          </a:p>
-        </p:txBody>
-      </p:sp>
       <p:sp>
         <p:nvSpPr>
           <p:cNvPr id="52" name="Pentagon 6_1">
@@ -14976,342 +16514,6 @@
         </p:nvSpPr>
         <p:spPr>
           <a:xfrm>
-            <a:off x="42820" y="713203"/>
-            <a:ext cx="1595479" cy="338554"/>
-          </a:xfrm>
-          <a:prstGeom prst="rect">
-            <a:avLst/>
-          </a:prstGeom>
-          <a:noFill/>
-        </p:spPr>
-        <p:txBody>
-          <a:bodyPr wrap="square" rtlCol="0">
-            <a:spAutoFit/>
-          </a:bodyPr>
-          <a:lstStyle/>
-          <a:p>
-            <a:pPr algn="dist"/>
-            <a:r>
-              <a:rPr lang="en-US" altLang="zh-CN" sz="1600" b="1" dirty="0">
-                <a:solidFill>
-                  <a:srgbClr val="C00000"/>
-                </a:solidFill>
-                <a:latin typeface="Times New Roman" panose="02020603050405020304" pitchFamily="18" charset="0"/>
-                <a:ea typeface="思源黑体 CN Medium" panose="020B0600000000000000" pitchFamily="34" charset="-122"/>
-                <a:cs typeface="Times New Roman" panose="02020603050405020304" pitchFamily="18" charset="0"/>
-                <a:sym typeface="Arial" panose="020B0604020202020204" pitchFamily="34" charset="0"/>
-              </a:rPr>
-              <a:t>ALBERT</a:t>
-            </a:r>
-            <a:endParaRPr lang="zh-CN" altLang="en-US" sz="1600" b="1" dirty="0">
-              <a:solidFill>
-                <a:srgbClr val="C00000"/>
-              </a:solidFill>
-              <a:latin typeface="Times New Roman" panose="02020603050405020304" pitchFamily="18" charset="0"/>
-              <a:ea typeface="思源黑体 CN Medium" panose="020B0600000000000000" pitchFamily="34" charset="-122"/>
-              <a:cs typeface="Times New Roman" panose="02020603050405020304" pitchFamily="18" charset="0"/>
-              <a:sym typeface="Arial" panose="020B0604020202020204" pitchFamily="34" charset="0"/>
-            </a:endParaRPr>
-          </a:p>
-        </p:txBody>
-      </p:sp>
-      <p:pic>
-        <p:nvPicPr>
-          <p:cNvPr id="4" name="图片 3" descr="图示&#10;&#10;描述已自动生成">
-            <a:extLst>
-              <a:ext uri="{FF2B5EF4-FFF2-40B4-BE49-F238E27FC236}">
-                <a16:creationId xmlns:a16="http://schemas.microsoft.com/office/drawing/2014/main" id="{A4B5A884-1466-236C-AF59-9621C73EDD4C}"/>
-              </a:ext>
-            </a:extLst>
-          </p:cNvPr>
-          <p:cNvPicPr>
-            <a:picLocks noChangeAspect="1"/>
-          </p:cNvPicPr>
-          <p:nvPr/>
-        </p:nvPicPr>
-        <p:blipFill>
-          <a:blip r:embed="rId3">
-            <a:extLst>
-              <a:ext uri="{28A0092B-C50C-407E-A947-70E740481C1C}">
-                <a14:useLocalDpi xmlns:a14="http://schemas.microsoft.com/office/drawing/2010/main" val="0"/>
-              </a:ext>
-            </a:extLst>
-          </a:blip>
-          <a:stretch>
-            <a:fillRect/>
-          </a:stretch>
-        </p:blipFill>
-        <p:spPr>
-          <a:xfrm>
-            <a:off x="7196694" y="1888007"/>
-            <a:ext cx="3081985" cy="3081985"/>
-          </a:xfrm>
-          <a:prstGeom prst="rect">
-            <a:avLst/>
-          </a:prstGeom>
-        </p:spPr>
-      </p:pic>
-      <p:sp>
-        <p:nvSpPr>
-          <p:cNvPr id="10" name="文本框 9">
-            <a:extLst>
-              <a:ext uri="{FF2B5EF4-FFF2-40B4-BE49-F238E27FC236}">
-                <a16:creationId xmlns:a16="http://schemas.microsoft.com/office/drawing/2014/main" id="{E36ADF51-A0F2-882B-CF05-DDB4B97F1B30}"/>
-              </a:ext>
-            </a:extLst>
-          </p:cNvPr>
-          <p:cNvSpPr txBox="1"/>
-          <p:nvPr/>
-        </p:nvSpPr>
-        <p:spPr>
-          <a:xfrm>
-            <a:off x="840559" y="6524182"/>
-            <a:ext cx="9353550" cy="246221"/>
-          </a:xfrm>
-          <a:prstGeom prst="rect">
-            <a:avLst/>
-          </a:prstGeom>
-          <a:noFill/>
-        </p:spPr>
-        <p:txBody>
-          <a:bodyPr wrap="square" rtlCol="0">
-            <a:spAutoFit/>
-          </a:bodyPr>
-          <a:lstStyle/>
-          <a:p>
-            <a:r>
-              <a:rPr lang="en-US" altLang="zh-CN" sz="1000" i="0" dirty="0">
-                <a:solidFill>
-                  <a:srgbClr val="000000"/>
-                </a:solidFill>
-                <a:effectLst/>
-                <a:latin typeface="Lucida Grande"/>
-                <a:hlinkClick r:id="rId4"/>
-              </a:rPr>
-              <a:t>ALBERT: A Lite BERT for Self-supervised Learning of Language Representations (2020 ICLR)</a:t>
-            </a:r>
-            <a:endParaRPr lang="en-US" altLang="zh-CN" sz="1000" i="0" dirty="0">
-              <a:solidFill>
-                <a:srgbClr val="000000"/>
-              </a:solidFill>
-              <a:effectLst/>
-              <a:latin typeface="Lucida Grande"/>
-            </a:endParaRPr>
-          </a:p>
-        </p:txBody>
-      </p:sp>
-    </p:spTree>
-    <p:extLst>
-      <p:ext uri="{BB962C8B-B14F-4D97-AF65-F5344CB8AC3E}">
-        <p14:creationId xmlns:p14="http://schemas.microsoft.com/office/powerpoint/2010/main" val="4100598"/>
-      </p:ext>
-    </p:extLst>
-  </p:cSld>
-  <p:clrMapOvr>
-    <a:masterClrMapping/>
-  </p:clrMapOvr>
-  <mc:AlternateContent xmlns:mc="http://schemas.openxmlformats.org/markup-compatibility/2006" xmlns:p14="http://schemas.microsoft.com/office/powerpoint/2010/main">
-    <mc:Choice Requires="p14">
-      <p:transition p14:dur="10" advTm="7188"/>
-    </mc:Choice>
-    <mc:Fallback xmlns="">
-      <p:transition advTm="7188"/>
-    </mc:Fallback>
-  </mc:AlternateContent>
-</p:sld>
-</file>
-
-<file path=ppt/slides/slide20.xml><?xml version="1.0" encoding="utf-8"?>
-<p:sld xmlns:a="http://schemas.openxmlformats.org/drawingml/2006/main" xmlns:r="http://schemas.openxmlformats.org/officeDocument/2006/relationships" xmlns:p="http://schemas.openxmlformats.org/presentationml/2006/main">
-  <p:cSld>
-    <p:spTree>
-      <p:nvGrpSpPr>
-        <p:cNvPr id="1" name=""/>
-        <p:cNvGrpSpPr/>
-        <p:nvPr/>
-      </p:nvGrpSpPr>
-      <p:grpSpPr>
-        <a:xfrm>
-          <a:off x="0" y="0"/>
-          <a:ext cx="0" cy="0"/>
-          <a:chOff x="0" y="0"/>
-          <a:chExt cx="0" cy="0"/>
-        </a:xfrm>
-      </p:grpSpPr>
-      <p:sp>
-        <p:nvSpPr>
-          <p:cNvPr id="52" name="Pentagon 6_1">
-            <a:extLst>
-              <a:ext uri="{FF2B5EF4-FFF2-40B4-BE49-F238E27FC236}">
-                <a16:creationId xmlns:a16="http://schemas.microsoft.com/office/drawing/2014/main" id="{AF00C5AC-1046-411F-939E-89D5936C785B}"/>
-              </a:ext>
-            </a:extLst>
-          </p:cNvPr>
-          <p:cNvSpPr/>
-          <p:nvPr/>
-        </p:nvSpPr>
-        <p:spPr>
-          <a:xfrm>
-            <a:off x="-1" y="531656"/>
-            <a:ext cx="1926771" cy="701648"/>
-          </a:xfrm>
-          <a:prstGeom prst="homePlate">
-            <a:avLst/>
-          </a:prstGeom>
-          <a:solidFill>
-            <a:srgbClr val="FADE40"/>
-          </a:solidFill>
-          <a:ln>
-            <a:noFill/>
-          </a:ln>
-        </p:spPr>
-        <p:style>
-          <a:lnRef idx="2">
-            <a:schemeClr val="accent1">
-              <a:shade val="50000"/>
-            </a:schemeClr>
-          </a:lnRef>
-          <a:fillRef idx="1">
-            <a:schemeClr val="accent1"/>
-          </a:fillRef>
-          <a:effectRef idx="0">
-            <a:schemeClr val="accent1"/>
-          </a:effectRef>
-          <a:fontRef idx="minor">
-            <a:schemeClr val="lt1"/>
-          </a:fontRef>
-        </p:style>
-        <p:txBody>
-          <a:bodyPr rtlCol="0" anchor="ctr"/>
-          <a:lstStyle/>
-          <a:p>
-            <a:pPr algn="ctr"/>
-            <a:endParaRPr lang="zh-CN" altLang="en-US"/>
-          </a:p>
-        </p:txBody>
-      </p:sp>
-      <p:sp>
-        <p:nvSpPr>
-          <p:cNvPr id="53" name="文本框 52">
-            <a:extLst>
-              <a:ext uri="{FF2B5EF4-FFF2-40B4-BE49-F238E27FC236}">
-                <a16:creationId xmlns:a16="http://schemas.microsoft.com/office/drawing/2014/main" id="{8699EC9A-81A9-4AD6-9962-57AA5A2F4CD8}"/>
-              </a:ext>
-            </a:extLst>
-          </p:cNvPr>
-          <p:cNvSpPr txBox="1"/>
-          <p:nvPr/>
-        </p:nvSpPr>
-        <p:spPr>
-          <a:xfrm>
-            <a:off x="42821" y="642567"/>
-            <a:ext cx="1595479" cy="479825"/>
-          </a:xfrm>
-          <a:prstGeom prst="rect">
-            <a:avLst/>
-          </a:prstGeom>
-          <a:noFill/>
-        </p:spPr>
-        <p:txBody>
-          <a:bodyPr wrap="square" rtlCol="0">
-            <a:spAutoFit/>
-          </a:bodyPr>
-          <a:lstStyle/>
-          <a:p>
-            <a:pPr algn="dist"/>
-            <a:r>
-              <a:rPr lang="en-US" altLang="zh-CN" sz="2400" dirty="0">
-                <a:solidFill>
-                  <a:srgbClr val="C00000"/>
-                </a:solidFill>
-                <a:latin typeface="Times New Roman" panose="02020603050405020304" pitchFamily="18" charset="0"/>
-                <a:ea typeface="思源黑体 CN Medium" panose="020B0600000000000000" pitchFamily="34" charset="-122"/>
-                <a:cs typeface="Times New Roman" panose="02020603050405020304" pitchFamily="18" charset="0"/>
-                <a:sym typeface="Arial" panose="020B0604020202020204" pitchFamily="34" charset="0"/>
-              </a:rPr>
-              <a:t>CPU</a:t>
-            </a:r>
-            <a:r>
-              <a:rPr lang="zh-CN" altLang="en-US" sz="2400" dirty="0">
-                <a:solidFill>
-                  <a:srgbClr val="C00000"/>
-                </a:solidFill>
-                <a:latin typeface="Times New Roman" panose="02020603050405020304" pitchFamily="18" charset="0"/>
-                <a:ea typeface="思源黑体 CN Medium" panose="020B0600000000000000" pitchFamily="34" charset="-122"/>
-                <a:cs typeface="Times New Roman" panose="02020603050405020304" pitchFamily="18" charset="0"/>
-                <a:sym typeface="Arial" panose="020B0604020202020204" pitchFamily="34" charset="0"/>
-              </a:rPr>
-              <a:t>设计</a:t>
-            </a:r>
-          </a:p>
-        </p:txBody>
-      </p:sp>
-      <p:sp>
-        <p:nvSpPr>
-          <p:cNvPr id="5" name="Pentagon 6_1">
-            <a:extLst>
-              <a:ext uri="{FF2B5EF4-FFF2-40B4-BE49-F238E27FC236}">
-                <a16:creationId xmlns:a16="http://schemas.microsoft.com/office/drawing/2014/main" id="{B2DEA907-69CA-1F7C-0719-3B1C4B3D0485}"/>
-              </a:ext>
-            </a:extLst>
-          </p:cNvPr>
-          <p:cNvSpPr/>
-          <p:nvPr/>
-        </p:nvSpPr>
-        <p:spPr>
-          <a:xfrm>
-            <a:off x="-1" y="531656"/>
-            <a:ext cx="1926771" cy="701648"/>
-          </a:xfrm>
-          <a:prstGeom prst="homePlate">
-            <a:avLst/>
-          </a:prstGeom>
-          <a:solidFill>
-            <a:srgbClr val="FADE40"/>
-          </a:solidFill>
-          <a:ln>
-            <a:noFill/>
-          </a:ln>
-        </p:spPr>
-        <p:style>
-          <a:lnRef idx="2">
-            <a:schemeClr val="accent1">
-              <a:shade val="50000"/>
-            </a:schemeClr>
-          </a:lnRef>
-          <a:fillRef idx="1">
-            <a:schemeClr val="accent1"/>
-          </a:fillRef>
-          <a:effectRef idx="0">
-            <a:schemeClr val="accent1"/>
-          </a:effectRef>
-          <a:fontRef idx="minor">
-            <a:schemeClr val="lt1"/>
-          </a:fontRef>
-        </p:style>
-        <p:txBody>
-          <a:bodyPr rtlCol="0" anchor="ctr"/>
-          <a:lstStyle/>
-          <a:p>
-            <a:pPr algn="ctr"/>
-            <a:endParaRPr lang="zh-CN" altLang="en-US"/>
-          </a:p>
-        </p:txBody>
-      </p:sp>
-      <p:sp>
-        <p:nvSpPr>
-          <p:cNvPr id="6" name="文本框 5">
-            <a:extLst>
-              <a:ext uri="{FF2B5EF4-FFF2-40B4-BE49-F238E27FC236}">
-                <a16:creationId xmlns:a16="http://schemas.microsoft.com/office/drawing/2014/main" id="{EEA72AD3-AE04-AC91-8BBE-AEC989717A4D}"/>
-              </a:ext>
-            </a:extLst>
-          </p:cNvPr>
-          <p:cNvSpPr txBox="1"/>
-          <p:nvPr/>
-        </p:nvSpPr>
-        <p:spPr>
-          <a:xfrm>
             <a:off x="-13971" y="713202"/>
             <a:ext cx="1595479" cy="338554"/>
           </a:xfrm>
@@ -15393,7 +16595,7 @@
                 <a:ea typeface="思源黑体 CN Medium" panose="020B0600000000000000"/>
                 <a:cs typeface="Times New Roman" panose="02020603050405020304" pitchFamily="18" charset="0"/>
               </a:rPr>
-              <a:t>Language Modeling: also a downstream task</a:t>
+              <a:t>Language Modeling: as a downstream task</a:t>
             </a:r>
             <a:endParaRPr lang="en-US" altLang="zh-CN" sz="1400" b="1" dirty="0">
               <a:solidFill>
@@ -15460,7 +16662,7 @@
                 <a:ea typeface="思源黑体 CN Medium" panose="020B0600000000000000"/>
                 <a:cs typeface="Times New Roman" panose="02020603050405020304" pitchFamily="18" charset="0"/>
               </a:rPr>
-              <a:t>Language modeling possess the same characteristics:</a:t>
+              <a:t>Language modeling is Low-rank friendly:</a:t>
             </a:r>
           </a:p>
           <a:p>
@@ -15626,20 +16828,12 @@
               <a:buChar char="•"/>
             </a:pPr>
             <a:r>
-              <a:rPr lang="en-US" altLang="zh-CN" sz="1400" dirty="0" err="1">
-                <a:latin typeface="Times New Roman" panose="02020603050405020304" pitchFamily="18" charset="0"/>
-                <a:ea typeface="思源黑体 CN Medium" panose="020B0600000000000000"/>
-                <a:cs typeface="Times New Roman" panose="02020603050405020304" pitchFamily="18" charset="0"/>
-              </a:rPr>
-              <a:t>Wikitext</a:t>
-            </a:r>
-            <a:r>
               <a:rPr lang="en-US" altLang="zh-CN" sz="1400" dirty="0">
                 <a:latin typeface="Times New Roman" panose="02020603050405020304" pitchFamily="18" charset="0"/>
                 <a:ea typeface="思源黑体 CN Medium" panose="020B0600000000000000"/>
                 <a:cs typeface="Times New Roman" panose="02020603050405020304" pitchFamily="18" charset="0"/>
               </a:rPr>
-              <a:t> -&gt; PPL</a:t>
+              <a:t>Wikitext -&gt; PPL</a:t>
             </a:r>
           </a:p>
           <a:p>
@@ -15960,7 +17154,7 @@
         </p:blipFill>
         <p:spPr>
           <a:xfrm>
-            <a:off x="9694010" y="5033350"/>
+            <a:off x="9580116" y="5657100"/>
             <a:ext cx="1357275" cy="267400"/>
           </a:xfrm>
           <a:prstGeom prst="rect">
@@ -15996,7 +17190,7 @@
         </p:blipFill>
         <p:spPr>
           <a:xfrm>
-            <a:off x="8111930" y="5056352"/>
+            <a:off x="7998036" y="5680102"/>
             <a:ext cx="1275451" cy="275756"/>
           </a:xfrm>
           <a:prstGeom prst="rect">
@@ -16032,7 +17226,7 @@
         </p:blipFill>
         <p:spPr>
           <a:xfrm>
-            <a:off x="8812020" y="4708358"/>
+            <a:off x="8698126" y="5332108"/>
             <a:ext cx="1560628" cy="275756"/>
           </a:xfrm>
           <a:prstGeom prst="rect">
@@ -16068,7 +17262,7 @@
         </p:blipFill>
         <p:spPr>
           <a:xfrm>
-            <a:off x="8673774" y="5465807"/>
+            <a:off x="8559880" y="6089557"/>
             <a:ext cx="1837119" cy="275755"/>
           </a:xfrm>
           <a:prstGeom prst="rect">
@@ -16080,548 +17274,6 @@
     <p:extLst>
       <p:ext uri="{BB962C8B-B14F-4D97-AF65-F5344CB8AC3E}">
         <p14:creationId xmlns:p14="http://schemas.microsoft.com/office/powerpoint/2010/main" val="2122774103"/>
-      </p:ext>
-    </p:extLst>
-  </p:cSld>
-  <p:clrMapOvr>
-    <a:masterClrMapping/>
-  </p:clrMapOvr>
-  <mc:AlternateContent xmlns:mc="http://schemas.openxmlformats.org/markup-compatibility/2006" xmlns:p14="http://schemas.microsoft.com/office/powerpoint/2010/main">
-    <mc:Choice Requires="p14">
-      <p:transition p14:dur="10" advTm="7188"/>
-    </mc:Choice>
-    <mc:Fallback xmlns="">
-      <p:transition advTm="7188"/>
-    </mc:Fallback>
-  </mc:AlternateContent>
-</p:sld>
-</file>
-
-<file path=ppt/slides/slide21.xml><?xml version="1.0" encoding="utf-8"?>
-<p:sld xmlns:a="http://schemas.openxmlformats.org/drawingml/2006/main" xmlns:r="http://schemas.openxmlformats.org/officeDocument/2006/relationships" xmlns:p="http://schemas.openxmlformats.org/presentationml/2006/main">
-  <p:cSld>
-    <p:spTree>
-      <p:nvGrpSpPr>
-        <p:cNvPr id="1" name=""/>
-        <p:cNvGrpSpPr/>
-        <p:nvPr/>
-      </p:nvGrpSpPr>
-      <p:grpSpPr>
-        <a:xfrm>
-          <a:off x="0" y="0"/>
-          <a:ext cx="0" cy="0"/>
-          <a:chOff x="0" y="0"/>
-          <a:chExt cx="0" cy="0"/>
-        </a:xfrm>
-      </p:grpSpPr>
-      <p:sp>
-        <p:nvSpPr>
-          <p:cNvPr id="2" name="Pentagon 6_1">
-            <a:extLst>
-              <a:ext uri="{FF2B5EF4-FFF2-40B4-BE49-F238E27FC236}">
-                <a16:creationId xmlns:a16="http://schemas.microsoft.com/office/drawing/2014/main" id="{6F6AF14B-DC95-BBA1-3483-8DF3507C9A41}"/>
-              </a:ext>
-            </a:extLst>
-          </p:cNvPr>
-          <p:cNvSpPr/>
-          <p:nvPr/>
-        </p:nvSpPr>
-        <p:spPr>
-          <a:xfrm>
-            <a:off x="-1" y="531656"/>
-            <a:ext cx="1926771" cy="701648"/>
-          </a:xfrm>
-          <a:prstGeom prst="homePlate">
-            <a:avLst/>
-          </a:prstGeom>
-          <a:solidFill>
-            <a:srgbClr val="FADE40"/>
-          </a:solidFill>
-          <a:ln>
-            <a:noFill/>
-          </a:ln>
-        </p:spPr>
-        <p:style>
-          <a:lnRef idx="2">
-            <a:schemeClr val="accent1">
-              <a:shade val="50000"/>
-            </a:schemeClr>
-          </a:lnRef>
-          <a:fillRef idx="1">
-            <a:schemeClr val="accent1"/>
-          </a:fillRef>
-          <a:effectRef idx="0">
-            <a:schemeClr val="accent1"/>
-          </a:effectRef>
-          <a:fontRef idx="minor">
-            <a:schemeClr val="lt1"/>
-          </a:fontRef>
-        </p:style>
-        <p:txBody>
-          <a:bodyPr rtlCol="0" anchor="ctr"/>
-          <a:lstStyle/>
-          <a:p>
-            <a:pPr algn="ctr"/>
-            <a:endParaRPr lang="zh-CN" altLang="en-US"/>
-          </a:p>
-        </p:txBody>
-      </p:sp>
-      <p:sp>
-        <p:nvSpPr>
-          <p:cNvPr id="3" name="文本框 2">
-            <a:extLst>
-              <a:ext uri="{FF2B5EF4-FFF2-40B4-BE49-F238E27FC236}">
-                <a16:creationId xmlns:a16="http://schemas.microsoft.com/office/drawing/2014/main" id="{5F7F1F8E-AB93-6BB9-5EA3-7F2C864B05D5}"/>
-              </a:ext>
-            </a:extLst>
-          </p:cNvPr>
-          <p:cNvSpPr txBox="1"/>
-          <p:nvPr/>
-        </p:nvSpPr>
-        <p:spPr>
-          <a:xfrm>
-            <a:off x="0" y="713203"/>
-            <a:ext cx="1587500" cy="338554"/>
-          </a:xfrm>
-          <a:prstGeom prst="rect">
-            <a:avLst/>
-          </a:prstGeom>
-          <a:noFill/>
-        </p:spPr>
-        <p:txBody>
-          <a:bodyPr wrap="square" rtlCol="0">
-            <a:spAutoFit/>
-          </a:bodyPr>
-          <a:lstStyle/>
-          <a:p>
-            <a:pPr algn="dist"/>
-            <a:r>
-              <a:rPr lang="en-US" altLang="zh-CN" sz="1600" b="1" dirty="0">
-                <a:solidFill>
-                  <a:srgbClr val="C00000"/>
-                </a:solidFill>
-                <a:latin typeface="Times New Roman" panose="02020603050405020304" pitchFamily="18" charset="0"/>
-                <a:ea typeface="思源黑体 CN Medium" panose="020B0600000000000000" pitchFamily="34" charset="-122"/>
-                <a:cs typeface="Times New Roman" panose="02020603050405020304" pitchFamily="18" charset="0"/>
-                <a:sym typeface="Arial" panose="020B0604020202020204" pitchFamily="34" charset="0"/>
-              </a:rPr>
-              <a:t>Baseline</a:t>
-            </a:r>
-            <a:endParaRPr lang="zh-CN" altLang="en-US" sz="1600" b="1" dirty="0">
-              <a:solidFill>
-                <a:srgbClr val="C00000"/>
-              </a:solidFill>
-              <a:latin typeface="Times New Roman" panose="02020603050405020304" pitchFamily="18" charset="0"/>
-              <a:ea typeface="思源黑体 CN Medium" panose="020B0600000000000000" pitchFamily="34" charset="-122"/>
-              <a:cs typeface="Times New Roman" panose="02020603050405020304" pitchFamily="18" charset="0"/>
-              <a:sym typeface="Arial" panose="020B0604020202020204" pitchFamily="34" charset="0"/>
-            </a:endParaRPr>
-          </a:p>
-        </p:txBody>
-      </p:sp>
-      <p:graphicFrame>
-        <p:nvGraphicFramePr>
-          <p:cNvPr id="7" name="表格 6">
-            <a:extLst>
-              <a:ext uri="{FF2B5EF4-FFF2-40B4-BE49-F238E27FC236}">
-                <a16:creationId xmlns:a16="http://schemas.microsoft.com/office/drawing/2014/main" id="{47F91746-55D9-FA08-B88A-7479D0BED54A}"/>
-              </a:ext>
-            </a:extLst>
-          </p:cNvPr>
-          <p:cNvGraphicFramePr>
-            <a:graphicFrameLocks noGrp="1"/>
-          </p:cNvGraphicFramePr>
-          <p:nvPr>
-            <p:extLst>
-              <p:ext uri="{D42A27DB-BD31-4B8C-83A1-F6EECF244321}">
-                <p14:modId xmlns:p14="http://schemas.microsoft.com/office/powerpoint/2010/main" val="2274355990"/>
-              </p:ext>
-            </p:extLst>
-          </p:nvPr>
-        </p:nvGraphicFramePr>
-        <p:xfrm>
-          <a:off x="2032000" y="4093100"/>
-          <a:ext cx="8127999" cy="1854200"/>
-        </p:xfrm>
-        <a:graphic>
-          <a:graphicData uri="http://schemas.openxmlformats.org/drawingml/2006/table">
-            <a:tbl>
-              <a:tblPr firstRow="1" bandRow="1">
-                <a:tableStyleId>{5C22544A-7EE6-4342-B048-85BDC9FD1C3A}</a:tableStyleId>
-              </a:tblPr>
-              <a:tblGrid>
-                <a:gridCol w="2709333">
-                  <a:extLst>
-                    <a:ext uri="{9D8B030D-6E8A-4147-A177-3AD203B41FA5}">
-                      <a16:colId xmlns:a16="http://schemas.microsoft.com/office/drawing/2014/main" val="1889339593"/>
-                    </a:ext>
-                  </a:extLst>
-                </a:gridCol>
-                <a:gridCol w="2709333">
-                  <a:extLst>
-                    <a:ext uri="{9D8B030D-6E8A-4147-A177-3AD203B41FA5}">
-                      <a16:colId xmlns:a16="http://schemas.microsoft.com/office/drawing/2014/main" val="3494814320"/>
-                    </a:ext>
-                  </a:extLst>
-                </a:gridCol>
-                <a:gridCol w="2709333">
-                  <a:extLst>
-                    <a:ext uri="{9D8B030D-6E8A-4147-A177-3AD203B41FA5}">
-                      <a16:colId xmlns:a16="http://schemas.microsoft.com/office/drawing/2014/main" val="1781831808"/>
-                    </a:ext>
-                  </a:extLst>
-                </a:gridCol>
-              </a:tblGrid>
-              <a:tr h="370840">
-                <a:tc>
-                  <a:txBody>
-                    <a:bodyPr/>
-                    <a:lstStyle/>
-                    <a:p>
-                      <a:pPr algn="ctr"/>
-                      <a:r>
-                        <a:rPr lang="en-US" altLang="zh-CN" dirty="0"/>
-                        <a:t>Compression rate</a:t>
-                      </a:r>
-                      <a:endParaRPr lang="zh-CN" altLang="en-US" dirty="0"/>
-                    </a:p>
-                  </a:txBody>
-                  <a:tcPr/>
-                </a:tc>
-                <a:tc>
-                  <a:txBody>
-                    <a:bodyPr/>
-                    <a:lstStyle/>
-                    <a:p>
-                      <a:pPr algn="ctr"/>
-                      <a:r>
-                        <a:rPr lang="en-US" altLang="zh-CN" dirty="0"/>
-                        <a:t>SVD</a:t>
-                      </a:r>
-                      <a:endParaRPr lang="zh-CN" altLang="en-US" dirty="0"/>
-                    </a:p>
-                  </a:txBody>
-                  <a:tcPr/>
-                </a:tc>
-                <a:tc>
-                  <a:txBody>
-                    <a:bodyPr/>
-                    <a:lstStyle/>
-                    <a:p>
-                      <a:pPr algn="ctr"/>
-                      <a:r>
-                        <a:rPr lang="en-US" altLang="zh-CN" dirty="0"/>
-                        <a:t>FWSVD</a:t>
-                      </a:r>
-                      <a:endParaRPr lang="zh-CN" altLang="en-US" dirty="0"/>
-                    </a:p>
-                  </a:txBody>
-                  <a:tcPr/>
-                </a:tc>
-                <a:extLst>
-                  <a:ext uri="{0D108BD9-81ED-4DB2-BD59-A6C34878D82A}">
-                    <a16:rowId xmlns:a16="http://schemas.microsoft.com/office/drawing/2014/main" val="129511553"/>
-                  </a:ext>
-                </a:extLst>
-              </a:tr>
-              <a:tr h="370840">
-                <a:tc>
-                  <a:txBody>
-                    <a:bodyPr/>
-                    <a:lstStyle/>
-                    <a:p>
-                      <a:pPr algn="ctr"/>
-                      <a:r>
-                        <a:rPr lang="en-US" altLang="zh-CN" dirty="0"/>
-                        <a:t>dense</a:t>
-                      </a:r>
-                      <a:endParaRPr lang="zh-CN" altLang="en-US" dirty="0"/>
-                    </a:p>
-                  </a:txBody>
-                  <a:tcPr/>
-                </a:tc>
-                <a:tc>
-                  <a:txBody>
-                    <a:bodyPr/>
-                    <a:lstStyle/>
-                    <a:p>
-                      <a:pPr algn="ctr"/>
-                      <a:r>
-                        <a:rPr lang="en-US" altLang="zh-CN" dirty="0"/>
-                        <a:t>13.04</a:t>
-                      </a:r>
-                      <a:endParaRPr lang="zh-CN" altLang="en-US" dirty="0"/>
-                    </a:p>
-                  </a:txBody>
-                  <a:tcPr/>
-                </a:tc>
-                <a:tc>
-                  <a:txBody>
-                    <a:bodyPr/>
-                    <a:lstStyle/>
-                    <a:p>
-                      <a:pPr algn="ctr"/>
-                      <a:r>
-                        <a:rPr lang="en-US" altLang="zh-CN" dirty="0"/>
-                        <a:t>13.04</a:t>
-                      </a:r>
-                      <a:endParaRPr lang="zh-CN" altLang="en-US" dirty="0"/>
-                    </a:p>
-                  </a:txBody>
-                  <a:tcPr/>
-                </a:tc>
-                <a:extLst>
-                  <a:ext uri="{0D108BD9-81ED-4DB2-BD59-A6C34878D82A}">
-                    <a16:rowId xmlns:a16="http://schemas.microsoft.com/office/drawing/2014/main" val="2108281302"/>
-                  </a:ext>
-                </a:extLst>
-              </a:tr>
-              <a:tr h="370840">
-                <a:tc>
-                  <a:txBody>
-                    <a:bodyPr/>
-                    <a:lstStyle/>
-                    <a:p>
-                      <a:pPr algn="ctr"/>
-                      <a:r>
-                        <a:rPr lang="en-US" altLang="zh-CN" dirty="0"/>
-                        <a:t>50%</a:t>
-                      </a:r>
-                      <a:endParaRPr lang="zh-CN" altLang="en-US" dirty="0"/>
-                    </a:p>
-                  </a:txBody>
-                  <a:tcPr/>
-                </a:tc>
-                <a:tc>
-                  <a:txBody>
-                    <a:bodyPr/>
-                    <a:lstStyle/>
-                    <a:p>
-                      <a:pPr algn="ctr"/>
-                      <a:r>
-                        <a:rPr lang="en-US" altLang="zh-CN" dirty="0"/>
-                        <a:t>23099.70</a:t>
-                      </a:r>
-                      <a:endParaRPr lang="zh-CN" altLang="en-US" dirty="0"/>
-                    </a:p>
-                  </a:txBody>
-                  <a:tcPr/>
-                </a:tc>
-                <a:tc>
-                  <a:txBody>
-                    <a:bodyPr/>
-                    <a:lstStyle/>
-                    <a:p>
-                      <a:endParaRPr lang="zh-CN" altLang="en-US"/>
-                    </a:p>
-                  </a:txBody>
-                  <a:tcPr/>
-                </a:tc>
-                <a:extLst>
-                  <a:ext uri="{0D108BD9-81ED-4DB2-BD59-A6C34878D82A}">
-                    <a16:rowId xmlns:a16="http://schemas.microsoft.com/office/drawing/2014/main" val="1543581184"/>
-                  </a:ext>
-                </a:extLst>
-              </a:tr>
-              <a:tr h="370840">
-                <a:tc>
-                  <a:txBody>
-                    <a:bodyPr/>
-                    <a:lstStyle/>
-                    <a:p>
-                      <a:pPr algn="ctr"/>
-                      <a:r>
-                        <a:rPr lang="en-US" altLang="zh-CN" dirty="0"/>
-                        <a:t>80%</a:t>
-                      </a:r>
-                      <a:endParaRPr lang="zh-CN" altLang="en-US" dirty="0"/>
-                    </a:p>
-                  </a:txBody>
-                  <a:tcPr/>
-                </a:tc>
-                <a:tc>
-                  <a:txBody>
-                    <a:bodyPr/>
-                    <a:lstStyle/>
-                    <a:p>
-                      <a:pPr algn="ctr"/>
-                      <a:r>
-                        <a:rPr lang="en-US" altLang="zh-CN" dirty="0"/>
-                        <a:t>36811.17</a:t>
-                      </a:r>
-                      <a:endParaRPr lang="zh-CN" altLang="en-US" dirty="0"/>
-                    </a:p>
-                  </a:txBody>
-                  <a:tcPr/>
-                </a:tc>
-                <a:tc>
-                  <a:txBody>
-                    <a:bodyPr/>
-                    <a:lstStyle/>
-                    <a:p>
-                      <a:endParaRPr lang="zh-CN" altLang="en-US"/>
-                    </a:p>
-                  </a:txBody>
-                  <a:tcPr/>
-                </a:tc>
-                <a:extLst>
-                  <a:ext uri="{0D108BD9-81ED-4DB2-BD59-A6C34878D82A}">
-                    <a16:rowId xmlns:a16="http://schemas.microsoft.com/office/drawing/2014/main" val="3080816044"/>
-                  </a:ext>
-                </a:extLst>
-              </a:tr>
-              <a:tr h="370840">
-                <a:tc>
-                  <a:txBody>
-                    <a:bodyPr/>
-                    <a:lstStyle/>
-                    <a:p>
-                      <a:pPr algn="ctr"/>
-                      <a:r>
-                        <a:rPr lang="en-US" altLang="zh-CN" dirty="0"/>
-                        <a:t>90%</a:t>
-                      </a:r>
-                      <a:endParaRPr lang="zh-CN" altLang="en-US" dirty="0"/>
-                    </a:p>
-                  </a:txBody>
-                  <a:tcPr/>
-                </a:tc>
-                <a:tc>
-                  <a:txBody>
-                    <a:bodyPr/>
-                    <a:lstStyle/>
-                    <a:p>
-                      <a:pPr algn="ctr"/>
-                      <a:r>
-                        <a:rPr lang="en-US" altLang="zh-CN" dirty="0"/>
-                        <a:t>39157.23</a:t>
-                      </a:r>
-                      <a:endParaRPr lang="zh-CN" altLang="en-US" dirty="0"/>
-                    </a:p>
-                  </a:txBody>
-                  <a:tcPr/>
-                </a:tc>
-                <a:tc>
-                  <a:txBody>
-                    <a:bodyPr/>
-                    <a:lstStyle/>
-                    <a:p>
-                      <a:endParaRPr lang="zh-CN" altLang="en-US" dirty="0"/>
-                    </a:p>
-                  </a:txBody>
-                  <a:tcPr/>
-                </a:tc>
-                <a:extLst>
-                  <a:ext uri="{0D108BD9-81ED-4DB2-BD59-A6C34878D82A}">
-                    <a16:rowId xmlns:a16="http://schemas.microsoft.com/office/drawing/2014/main" val="1501657841"/>
-                  </a:ext>
-                </a:extLst>
-              </a:tr>
-            </a:tbl>
-          </a:graphicData>
-        </a:graphic>
-      </p:graphicFrame>
-      <p:sp>
-        <p:nvSpPr>
-          <p:cNvPr id="4" name="文本框 3">
-            <a:extLst>
-              <a:ext uri="{FF2B5EF4-FFF2-40B4-BE49-F238E27FC236}">
-                <a16:creationId xmlns:a16="http://schemas.microsoft.com/office/drawing/2014/main" id="{101406BB-233C-B1D1-3F8B-F5A384A80C5E}"/>
-              </a:ext>
-            </a:extLst>
-          </p:cNvPr>
-          <p:cNvSpPr txBox="1"/>
-          <p:nvPr/>
-        </p:nvSpPr>
-        <p:spPr>
-          <a:xfrm>
-            <a:off x="840560" y="1531296"/>
-            <a:ext cx="5979340" cy="1115498"/>
-          </a:xfrm>
-          <a:prstGeom prst="rect">
-            <a:avLst/>
-          </a:prstGeom>
-          <a:noFill/>
-        </p:spPr>
-        <p:txBody>
-          <a:bodyPr wrap="square" rtlCol="0">
-            <a:spAutoFit/>
-          </a:bodyPr>
-          <a:lstStyle/>
-          <a:p>
-            <a:pPr algn="just">
-              <a:lnSpc>
-                <a:spcPct val="150000"/>
-              </a:lnSpc>
-            </a:pPr>
-            <a:r>
-              <a:rPr lang="en-US" altLang="zh-CN" b="1" dirty="0">
-                <a:solidFill>
-                  <a:srgbClr val="263C88"/>
-                </a:solidFill>
-                <a:latin typeface="思源黑体 CN Heavy"/>
-                <a:ea typeface="思源黑体 CN Medium" panose="020B0600000000000000"/>
-                <a:cs typeface="Times New Roman" panose="02020603050405020304" pitchFamily="18" charset="0"/>
-              </a:rPr>
-              <a:t>Llama2-7B </a:t>
-            </a:r>
-            <a:endParaRPr lang="en-US" altLang="zh-CN" sz="1400" b="1" dirty="0">
-              <a:solidFill>
-                <a:srgbClr val="263C88"/>
-              </a:solidFill>
-              <a:latin typeface="思源黑体 CN Heavy"/>
-              <a:ea typeface="思源黑体 CN Medium" panose="020B0600000000000000"/>
-              <a:cs typeface="Times New Roman" panose="02020603050405020304" pitchFamily="18" charset="0"/>
-            </a:endParaRPr>
-          </a:p>
-          <a:p>
-            <a:pPr marL="342900" indent="-342900" algn="just">
-              <a:lnSpc>
-                <a:spcPct val="150000"/>
-              </a:lnSpc>
-              <a:buFont typeface="Arial" panose="020B0604020202020204" pitchFamily="34" charset="0"/>
-              <a:buChar char="•"/>
-            </a:pPr>
-            <a:r>
-              <a:rPr lang="en-US" altLang="zh-CN" sz="1400" dirty="0" err="1">
-                <a:latin typeface="Times New Roman" panose="02020603050405020304" pitchFamily="18" charset="0"/>
-                <a:ea typeface="思源黑体 CN Medium" panose="020B0600000000000000"/>
-                <a:cs typeface="Times New Roman" panose="02020603050405020304" pitchFamily="18" charset="0"/>
-              </a:rPr>
-              <a:t>Wikitext</a:t>
-            </a:r>
-            <a:r>
-              <a:rPr lang="en-US" altLang="zh-CN" sz="1400" dirty="0">
-                <a:latin typeface="Times New Roman" panose="02020603050405020304" pitchFamily="18" charset="0"/>
-                <a:ea typeface="思源黑体 CN Medium" panose="020B0600000000000000"/>
-                <a:cs typeface="Times New Roman" panose="02020603050405020304" pitchFamily="18" charset="0"/>
-              </a:rPr>
-              <a:t>: PPL</a:t>
-            </a:r>
-          </a:p>
-          <a:p>
-            <a:pPr marL="800100" lvl="1" indent="-342900" algn="just">
-              <a:lnSpc>
-                <a:spcPct val="150000"/>
-              </a:lnSpc>
-              <a:buFont typeface="Arial" panose="020B0604020202020204" pitchFamily="34" charset="0"/>
-              <a:buChar char="•"/>
-            </a:pPr>
-            <a:r>
-              <a:rPr lang="en-US" altLang="zh-CN" sz="1400" dirty="0">
-                <a:latin typeface="Times New Roman" panose="02020603050405020304" pitchFamily="18" charset="0"/>
-                <a:ea typeface="思源黑体 CN Medium" panose="020B0600000000000000"/>
-                <a:cs typeface="Times New Roman" panose="02020603050405020304" pitchFamily="18" charset="0"/>
-              </a:rPr>
-              <a:t>Low rank features show during finetuning: efficient</a:t>
-            </a:r>
-          </a:p>
-        </p:txBody>
-      </p:sp>
-    </p:spTree>
-    <p:extLst>
-      <p:ext uri="{BB962C8B-B14F-4D97-AF65-F5344CB8AC3E}">
-        <p14:creationId xmlns:p14="http://schemas.microsoft.com/office/powerpoint/2010/main" val="1582585654"/>
       </p:ext>
     </p:extLst>
   </p:cSld>
@@ -16658,187 +17310,6 @@
       </p:grpSpPr>
       <p:sp>
         <p:nvSpPr>
-          <p:cNvPr id="4" name="文本框 3">
-            <a:extLst>
-              <a:ext uri="{FF2B5EF4-FFF2-40B4-BE49-F238E27FC236}">
-                <a16:creationId xmlns:a16="http://schemas.microsoft.com/office/drawing/2014/main" id="{80313EDE-64CD-94ED-C9F8-AB5C5B2CC161}"/>
-              </a:ext>
-            </a:extLst>
-          </p:cNvPr>
-          <p:cNvSpPr txBox="1"/>
-          <p:nvPr/>
-        </p:nvSpPr>
-        <p:spPr>
-          <a:xfrm>
-            <a:off x="840561" y="1531296"/>
-            <a:ext cx="4180561" cy="3475439"/>
-          </a:xfrm>
-          <a:prstGeom prst="rect">
-            <a:avLst/>
-          </a:prstGeom>
-          <a:noFill/>
-        </p:spPr>
-        <p:txBody>
-          <a:bodyPr wrap="square" rtlCol="0">
-            <a:spAutoFit/>
-          </a:bodyPr>
-          <a:lstStyle/>
-          <a:p>
-            <a:pPr algn="just">
-              <a:lnSpc>
-                <a:spcPct val="150000"/>
-              </a:lnSpc>
-            </a:pPr>
-            <a:r>
-              <a:rPr lang="en-US" altLang="zh-CN" sz="1600" b="1" dirty="0">
-                <a:solidFill>
-                  <a:srgbClr val="263C88"/>
-                </a:solidFill>
-                <a:latin typeface="思源黑体 CN Heavy"/>
-                <a:ea typeface="思源黑体 CN Medium" panose="020B0600000000000000"/>
-                <a:cs typeface="Times New Roman" panose="02020603050405020304" pitchFamily="18" charset="0"/>
-              </a:rPr>
-              <a:t>Domain-wise SVD Framework</a:t>
-            </a:r>
-          </a:p>
-          <a:p>
-            <a:pPr marL="342900" indent="-342900" algn="just">
-              <a:lnSpc>
-                <a:spcPct val="150000"/>
-              </a:lnSpc>
-              <a:buFont typeface="Arial" panose="020B0604020202020204" pitchFamily="34" charset="0"/>
-              <a:buChar char="•"/>
-            </a:pPr>
-            <a:r>
-              <a:rPr lang="en-US" altLang="zh-CN" sz="1200" dirty="0">
-                <a:latin typeface="Times New Roman" panose="02020603050405020304" pitchFamily="18" charset="0"/>
-                <a:ea typeface="思源黑体 CN Medium" panose="020B0600000000000000"/>
-                <a:cs typeface="Times New Roman" panose="02020603050405020304" pitchFamily="18" charset="0"/>
-              </a:rPr>
-              <a:t>Solving the problem of fine-grained remaining weights by targeting at certain task.</a:t>
-            </a:r>
-          </a:p>
-          <a:p>
-            <a:pPr marL="342900" indent="-342900" algn="just">
-              <a:lnSpc>
-                <a:spcPct val="150000"/>
-              </a:lnSpc>
-              <a:buFont typeface="Arial" panose="020B0604020202020204" pitchFamily="34" charset="0"/>
-              <a:buChar char="•"/>
-            </a:pPr>
-            <a:endParaRPr lang="en-US" altLang="zh-CN" sz="1200" dirty="0">
-              <a:latin typeface="Times New Roman" panose="02020603050405020304" pitchFamily="18" charset="0"/>
-              <a:ea typeface="思源黑体 CN Medium" panose="020B0600000000000000"/>
-              <a:cs typeface="Times New Roman" panose="02020603050405020304" pitchFamily="18" charset="0"/>
-            </a:endParaRPr>
-          </a:p>
-          <a:p>
-            <a:pPr marL="342900" indent="-342900" algn="just">
-              <a:lnSpc>
-                <a:spcPct val="150000"/>
-              </a:lnSpc>
-              <a:buFont typeface="Arial" panose="020B0604020202020204" pitchFamily="34" charset="0"/>
-              <a:buChar char="•"/>
-            </a:pPr>
-            <a:r>
-              <a:rPr lang="en-US" altLang="zh-CN" sz="1200" dirty="0">
-                <a:latin typeface="Times New Roman" panose="02020603050405020304" pitchFamily="18" charset="0"/>
-                <a:ea typeface="思源黑体 CN Medium" panose="020B0600000000000000"/>
-                <a:cs typeface="Times New Roman" panose="02020603050405020304" pitchFamily="18" charset="0"/>
-              </a:rPr>
-              <a:t>Implementation of SVD plugin to interface with </a:t>
-            </a:r>
-            <a:r>
-              <a:rPr lang="en-US" altLang="zh-CN" sz="1200" dirty="0" err="1">
-                <a:latin typeface="Times New Roman" panose="02020603050405020304" pitchFamily="18" charset="0"/>
-                <a:ea typeface="思源黑体 CN Medium" panose="020B0600000000000000"/>
-                <a:cs typeface="Times New Roman" panose="02020603050405020304" pitchFamily="18" charset="0"/>
-              </a:rPr>
-              <a:t>huggingface</a:t>
-            </a:r>
-            <a:r>
-              <a:rPr lang="en-US" altLang="zh-CN" sz="1200" dirty="0">
-                <a:latin typeface="Times New Roman" panose="02020603050405020304" pitchFamily="18" charset="0"/>
-                <a:ea typeface="思源黑体 CN Medium" panose="020B0600000000000000"/>
-                <a:cs typeface="Times New Roman" panose="02020603050405020304" pitchFamily="18" charset="0"/>
-              </a:rPr>
-              <a:t> API.</a:t>
-            </a:r>
-          </a:p>
-          <a:p>
-            <a:pPr marL="342900" indent="-342900" algn="just">
-              <a:lnSpc>
-                <a:spcPct val="150000"/>
-              </a:lnSpc>
-              <a:buFont typeface="Arial" panose="020B0604020202020204" pitchFamily="34" charset="0"/>
-              <a:buChar char="•"/>
-            </a:pPr>
-            <a:endParaRPr lang="en-US" altLang="zh-CN" sz="1200" dirty="0">
-              <a:latin typeface="Times New Roman" panose="02020603050405020304" pitchFamily="18" charset="0"/>
-              <a:ea typeface="思源黑体 CN Medium" panose="020B0600000000000000"/>
-              <a:cs typeface="Times New Roman" panose="02020603050405020304" pitchFamily="18" charset="0"/>
-            </a:endParaRPr>
-          </a:p>
-          <a:p>
-            <a:pPr marL="342900" indent="-342900" algn="just">
-              <a:lnSpc>
-                <a:spcPct val="150000"/>
-              </a:lnSpc>
-              <a:buFont typeface="Arial" panose="020B0604020202020204" pitchFamily="34" charset="0"/>
-              <a:buChar char="•"/>
-            </a:pPr>
-            <a:r>
-              <a:rPr lang="en-US" altLang="zh-CN" sz="1200" dirty="0">
-                <a:latin typeface="Times New Roman" panose="02020603050405020304" pitchFamily="18" charset="0"/>
-                <a:ea typeface="思源黑体 CN Medium" panose="020B0600000000000000"/>
-                <a:cs typeface="Times New Roman" panose="02020603050405020304" pitchFamily="18" charset="0"/>
-              </a:rPr>
-              <a:t>Conduct experiments on several tasks, such as QA, Long text NLU, Few-shot.</a:t>
-            </a:r>
-          </a:p>
-          <a:p>
-            <a:pPr marL="342900" indent="-342900" algn="just">
-              <a:lnSpc>
-                <a:spcPct val="150000"/>
-              </a:lnSpc>
-              <a:buFont typeface="Arial" panose="020B0604020202020204" pitchFamily="34" charset="0"/>
-              <a:buChar char="•"/>
-            </a:pPr>
-            <a:endParaRPr lang="en-US" altLang="zh-CN" sz="1200" dirty="0">
-              <a:latin typeface="Times New Roman" panose="02020603050405020304" pitchFamily="18" charset="0"/>
-              <a:ea typeface="思源黑体 CN Medium" panose="020B0600000000000000"/>
-              <a:cs typeface="Times New Roman" panose="02020603050405020304" pitchFamily="18" charset="0"/>
-            </a:endParaRPr>
-          </a:p>
-          <a:p>
-            <a:pPr marL="342900" indent="-342900" algn="just">
-              <a:lnSpc>
-                <a:spcPct val="150000"/>
-              </a:lnSpc>
-              <a:buFont typeface="Arial" panose="020B0604020202020204" pitchFamily="34" charset="0"/>
-              <a:buChar char="•"/>
-            </a:pPr>
-            <a:r>
-              <a:rPr lang="en-US" altLang="zh-CN" sz="1200" b="1" dirty="0">
-                <a:latin typeface="Times New Roman" panose="02020603050405020304" pitchFamily="18" charset="0"/>
-                <a:ea typeface="思源黑体 CN Medium" panose="020B0600000000000000"/>
-                <a:cs typeface="Times New Roman" panose="02020603050405020304" pitchFamily="18" charset="0"/>
-              </a:rPr>
-              <a:t>Reduced redundancy in PEFT: </a:t>
-            </a:r>
-            <a:r>
-              <a:rPr lang="en-US" altLang="zh-CN" sz="1200" dirty="0">
-                <a:latin typeface="Times New Roman" panose="02020603050405020304" pitchFamily="18" charset="0"/>
-                <a:ea typeface="思源黑体 CN Medium" panose="020B0600000000000000"/>
-                <a:cs typeface="Times New Roman" panose="02020603050405020304" pitchFamily="18" charset="0"/>
-              </a:rPr>
-              <a:t>Adapt to different domains by combining rather than stacking.</a:t>
-            </a:r>
-          </a:p>
-        </p:txBody>
-      </p:sp>
-      <p:sp>
-        <p:nvSpPr>
           <p:cNvPr id="2" name="Pentagon 6_1">
             <a:extLst>
               <a:ext uri="{FF2B5EF4-FFF2-40B4-BE49-F238E27FC236}">
@@ -16928,7 +17399,7 @@
                 <a:cs typeface="Times New Roman" panose="02020603050405020304" pitchFamily="18" charset="0"/>
                 <a:sym typeface="Arial" panose="020B0604020202020204" pitchFamily="34" charset="0"/>
               </a:rPr>
-              <a:t>Future Work</a:t>
+              <a:t>Baseline</a:t>
             </a:r>
             <a:endParaRPr lang="zh-CN" altLang="en-US" sz="1600" b="1" dirty="0">
               <a:solidFill>
@@ -16944,563 +17415,295 @@
       </p:sp>
       <p:sp>
         <p:nvSpPr>
-          <p:cNvPr id="5" name="矩形: 圆角 4">
+          <p:cNvPr id="4" name="文本框 3">
             <a:extLst>
               <a:ext uri="{FF2B5EF4-FFF2-40B4-BE49-F238E27FC236}">
-                <a16:creationId xmlns:a16="http://schemas.microsoft.com/office/drawing/2014/main" id="{C79F63A5-B3B2-5FDE-D608-3FB1E3F51D1D}"/>
+                <a16:creationId xmlns:a16="http://schemas.microsoft.com/office/drawing/2014/main" id="{101406BB-233C-B1D1-3F8B-F5A384A80C5E}"/>
               </a:ext>
             </a:extLst>
           </p:cNvPr>
-          <p:cNvSpPr/>
+          <p:cNvSpPr txBox="1"/>
           <p:nvPr/>
         </p:nvSpPr>
         <p:spPr>
           <a:xfrm>
-            <a:off x="6229350" y="1682750"/>
-            <a:ext cx="1498600" cy="419100"/>
+            <a:off x="840560" y="1531296"/>
+            <a:ext cx="4684176" cy="1981568"/>
           </a:xfrm>
-          <a:prstGeom prst="roundRect">
+          <a:prstGeom prst="rect">
+            <a:avLst/>
+          </a:prstGeom>
+          <a:noFill/>
+        </p:spPr>
+        <p:txBody>
+          <a:bodyPr wrap="square" rtlCol="0">
+            <a:spAutoFit/>
+          </a:bodyPr>
+          <a:lstStyle/>
+          <a:p>
+            <a:pPr algn="just">
+              <a:lnSpc>
+                <a:spcPct val="150000"/>
+              </a:lnSpc>
+            </a:pPr>
+            <a:r>
+              <a:rPr lang="en-US" altLang="zh-CN" b="1" dirty="0">
+                <a:solidFill>
+                  <a:srgbClr val="263C88"/>
+                </a:solidFill>
+                <a:latin typeface="思源黑体 CN Heavy"/>
+                <a:ea typeface="思源黑体 CN Medium" panose="020B0600000000000000"/>
+                <a:cs typeface="Times New Roman" panose="02020603050405020304" pitchFamily="18" charset="0"/>
+              </a:rPr>
+              <a:t>LLaMA2 </a:t>
+            </a:r>
+            <a:endParaRPr lang="en-US" altLang="zh-CN" sz="1400" b="1" dirty="0">
+              <a:solidFill>
+                <a:srgbClr val="263C88"/>
+              </a:solidFill>
+              <a:latin typeface="思源黑体 CN Heavy"/>
+              <a:ea typeface="思源黑体 CN Medium" panose="020B0600000000000000"/>
+              <a:cs typeface="Times New Roman" panose="02020603050405020304" pitchFamily="18" charset="0"/>
+            </a:endParaRPr>
+          </a:p>
+          <a:p>
+            <a:pPr marL="342900" indent="-342900" algn="just">
+              <a:lnSpc>
+                <a:spcPct val="150000"/>
+              </a:lnSpc>
+              <a:buFont typeface="Arial" panose="020B0604020202020204" pitchFamily="34" charset="0"/>
+              <a:buChar char="•"/>
+            </a:pPr>
+            <a:r>
+              <a:rPr lang="en-US" altLang="zh-CN" sz="1600" dirty="0">
+                <a:latin typeface="Times New Roman" panose="02020603050405020304" pitchFamily="18" charset="0"/>
+                <a:ea typeface="思源黑体 CN Medium" panose="020B0600000000000000"/>
+                <a:cs typeface="Times New Roman" panose="02020603050405020304" pitchFamily="18" charset="0"/>
+              </a:rPr>
+              <a:t>Wikitext: PPL</a:t>
+            </a:r>
+          </a:p>
+          <a:p>
+            <a:pPr marL="800100" lvl="1" indent="-342900" algn="just">
+              <a:lnSpc>
+                <a:spcPct val="150000"/>
+              </a:lnSpc>
+              <a:buFont typeface="Arial" panose="020B0604020202020204" pitchFamily="34" charset="0"/>
+              <a:buChar char="•"/>
+            </a:pPr>
+            <a:r>
+              <a:rPr lang="en-US" altLang="zh-CN" sz="1600" dirty="0">
+                <a:latin typeface="Times New Roman" panose="02020603050405020304" pitchFamily="18" charset="0"/>
+                <a:ea typeface="思源黑体 CN Medium" panose="020B0600000000000000"/>
+                <a:cs typeface="Times New Roman" panose="02020603050405020304" pitchFamily="18" charset="0"/>
+              </a:rPr>
+              <a:t>Sequence length = 2048</a:t>
+            </a:r>
+          </a:p>
+          <a:p>
+            <a:pPr marL="800100" lvl="1" indent="-342900" algn="just">
+              <a:lnSpc>
+                <a:spcPct val="150000"/>
+              </a:lnSpc>
+              <a:buFont typeface="Arial" panose="020B0604020202020204" pitchFamily="34" charset="0"/>
+              <a:buChar char="•"/>
+            </a:pPr>
+            <a:r>
+              <a:rPr lang="en-US" altLang="zh-CN" sz="1600" dirty="0" err="1">
+                <a:latin typeface="Times New Roman" panose="02020603050405020304" pitchFamily="18" charset="0"/>
+                <a:ea typeface="思源黑体 CN Medium" panose="020B0600000000000000"/>
+                <a:cs typeface="Times New Roman" panose="02020603050405020304" pitchFamily="18" charset="0"/>
+              </a:rPr>
+              <a:t>torch.svd_lowrank</a:t>
+            </a:r>
+            <a:endParaRPr lang="en-US" altLang="zh-CN" sz="1600" dirty="0">
+              <a:latin typeface="Times New Roman" panose="02020603050405020304" pitchFamily="18" charset="0"/>
+              <a:ea typeface="思源黑体 CN Medium" panose="020B0600000000000000"/>
+              <a:cs typeface="Times New Roman" panose="02020603050405020304" pitchFamily="18" charset="0"/>
+            </a:endParaRPr>
+          </a:p>
+          <a:p>
+            <a:pPr marL="800100" lvl="1" indent="-342900" algn="just">
+              <a:lnSpc>
+                <a:spcPct val="150000"/>
+              </a:lnSpc>
+              <a:buFont typeface="Arial" panose="020B0604020202020204" pitchFamily="34" charset="0"/>
+              <a:buChar char="•"/>
+            </a:pPr>
+            <a:r>
+              <a:rPr lang="en-US" altLang="zh-CN" sz="1600" dirty="0">
+                <a:latin typeface="Times New Roman" panose="02020603050405020304" pitchFamily="18" charset="0"/>
+                <a:ea typeface="思源黑体 CN Medium" panose="020B0600000000000000"/>
+                <a:cs typeface="Times New Roman" panose="02020603050405020304" pitchFamily="18" charset="0"/>
+              </a:rPr>
+              <a:t>Fp16 inference</a:t>
+            </a:r>
+          </a:p>
+        </p:txBody>
+      </p:sp>
+      <p:pic>
+        <p:nvPicPr>
+          <p:cNvPr id="12" name="图片 11" descr="表格&#10;&#10;描述已自动生成">
+            <a:extLst>
+              <a:ext uri="{FF2B5EF4-FFF2-40B4-BE49-F238E27FC236}">
+                <a16:creationId xmlns:a16="http://schemas.microsoft.com/office/drawing/2014/main" id="{CE2DB848-EDEE-E3B3-2C55-642CF3A2F392}"/>
+              </a:ext>
+            </a:extLst>
+          </p:cNvPr>
+          <p:cNvPicPr>
+            <a:picLocks noChangeAspect="1"/>
+          </p:cNvPicPr>
+          <p:nvPr/>
+        </p:nvPicPr>
+        <p:blipFill>
+          <a:blip r:embed="rId3" cstate="print">
+            <a:extLst>
+              <a:ext uri="{28A0092B-C50C-407E-A947-70E740481C1C}">
+                <a14:useLocalDpi xmlns:a14="http://schemas.microsoft.com/office/drawing/2010/main" val="0"/>
+              </a:ext>
+            </a:extLst>
+          </a:blip>
+          <a:stretch>
+            <a:fillRect/>
+          </a:stretch>
+        </p:blipFill>
+        <p:spPr>
+          <a:xfrm>
+            <a:off x="7344137" y="1699880"/>
+            <a:ext cx="4558496" cy="2656366"/>
+          </a:xfrm>
+          <a:prstGeom prst="rect">
             <a:avLst/>
           </a:prstGeom>
         </p:spPr>
-        <p:style>
-          <a:lnRef idx="1">
-            <a:schemeClr val="accent3"/>
-          </a:lnRef>
-          <a:fillRef idx="2">
-            <a:schemeClr val="accent3"/>
-          </a:fillRef>
-          <a:effectRef idx="1">
-            <a:schemeClr val="accent3"/>
-          </a:effectRef>
-          <a:fontRef idx="minor">
-            <a:schemeClr val="dk1"/>
-          </a:fontRef>
-        </p:style>
-        <p:txBody>
-          <a:bodyPr rtlCol="0" anchor="ctr"/>
-          <a:lstStyle/>
-          <a:p>
-            <a:pPr algn="ctr"/>
-            <a:r>
-              <a:rPr lang="en-US" altLang="zh-CN" dirty="0"/>
-              <a:t>Raw model</a:t>
-            </a:r>
-            <a:endParaRPr lang="zh-CN" altLang="en-US" dirty="0"/>
-          </a:p>
-        </p:txBody>
-      </p:sp>
-      <p:sp>
-        <p:nvSpPr>
-          <p:cNvPr id="6" name="矩形: 圆角 5">
+      </p:pic>
+      <p:sp>
+        <p:nvSpPr>
+          <p:cNvPr id="5" name="文本框 4">
             <a:extLst>
               <a:ext uri="{FF2B5EF4-FFF2-40B4-BE49-F238E27FC236}">
-                <a16:creationId xmlns:a16="http://schemas.microsoft.com/office/drawing/2014/main" id="{F5916AEC-4085-3E76-0890-F0235BC09598}"/>
+                <a16:creationId xmlns:a16="http://schemas.microsoft.com/office/drawing/2014/main" id="{89DD1FE2-8B63-BFEB-614F-0D18AA2D82AF}"/>
               </a:ext>
             </a:extLst>
           </p:cNvPr>
-          <p:cNvSpPr/>
+          <p:cNvSpPr txBox="1"/>
           <p:nvPr/>
         </p:nvSpPr>
         <p:spPr>
           <a:xfrm>
-            <a:off x="9632950" y="1682750"/>
-            <a:ext cx="1498600" cy="2178050"/>
+            <a:off x="840560" y="4356246"/>
+            <a:ext cx="6776093" cy="1940916"/>
           </a:xfrm>
-          <a:prstGeom prst="roundRect">
+          <a:prstGeom prst="rect">
             <a:avLst/>
           </a:prstGeom>
+          <a:noFill/>
         </p:spPr>
-        <p:style>
-          <a:lnRef idx="1">
-            <a:schemeClr val="accent5"/>
-          </a:lnRef>
-          <a:fillRef idx="2">
-            <a:schemeClr val="accent5"/>
-          </a:fillRef>
-          <a:effectRef idx="1">
-            <a:schemeClr val="accent5"/>
-          </a:effectRef>
-          <a:fontRef idx="minor">
-            <a:schemeClr val="dk1"/>
-          </a:fontRef>
-        </p:style>
-        <p:txBody>
-          <a:bodyPr rtlCol="0" anchor="ctr"/>
+        <p:txBody>
+          <a:bodyPr wrap="square" rtlCol="0">
+            <a:spAutoFit/>
+          </a:bodyPr>
           <a:lstStyle/>
           <a:p>
-            <a:pPr algn="ctr"/>
-            <a:r>
-              <a:rPr lang="en-US" altLang="zh-CN" dirty="0"/>
-              <a:t>SVD Plugin</a:t>
-            </a:r>
-            <a:endParaRPr lang="zh-CN" altLang="en-US" dirty="0"/>
-          </a:p>
-        </p:txBody>
-      </p:sp>
-      <p:cxnSp>
-        <p:nvCxnSpPr>
-          <p:cNvPr id="8" name="直接箭头连接符 7">
-            <a:extLst>
-              <a:ext uri="{FF2B5EF4-FFF2-40B4-BE49-F238E27FC236}">
-                <a16:creationId xmlns:a16="http://schemas.microsoft.com/office/drawing/2014/main" id="{BCEC8D48-F1A8-94A1-EE68-4C6F25FCC9BC}"/>
-              </a:ext>
-            </a:extLst>
-          </p:cNvPr>
-          <p:cNvCxnSpPr>
-            <a:cxnSpLocks/>
-            <a:stCxn id="5" idx="3"/>
-          </p:cNvCxnSpPr>
-          <p:nvPr/>
-        </p:nvCxnSpPr>
-        <p:spPr>
-          <a:xfrm>
-            <a:off x="7727950" y="1892300"/>
-            <a:ext cx="1905000" cy="0"/>
-          </a:xfrm>
-          <a:prstGeom prst="straightConnector1">
-            <a:avLst/>
-          </a:prstGeom>
-          <a:ln>
-            <a:tailEnd type="triangle"/>
-          </a:ln>
-        </p:spPr>
-        <p:style>
-          <a:lnRef idx="1">
-            <a:schemeClr val="accent1"/>
-          </a:lnRef>
-          <a:fillRef idx="0">
-            <a:schemeClr val="accent1"/>
-          </a:fillRef>
-          <a:effectRef idx="0">
-            <a:schemeClr val="accent1"/>
-          </a:effectRef>
-          <a:fontRef idx="minor">
-            <a:schemeClr val="tx1"/>
-          </a:fontRef>
-        </p:style>
-      </p:cxnSp>
-      <p:sp>
-        <p:nvSpPr>
-          <p:cNvPr id="9" name="矩形: 圆角 8">
-            <a:extLst>
-              <a:ext uri="{FF2B5EF4-FFF2-40B4-BE49-F238E27FC236}">
-                <a16:creationId xmlns:a16="http://schemas.microsoft.com/office/drawing/2014/main" id="{46F6442C-89BE-7E31-850E-7B424614D072}"/>
-              </a:ext>
-            </a:extLst>
-          </p:cNvPr>
-          <p:cNvSpPr/>
-          <p:nvPr/>
-        </p:nvSpPr>
-        <p:spPr>
-          <a:xfrm>
-            <a:off x="7867650" y="415755"/>
-            <a:ext cx="1498600" cy="933450"/>
-          </a:xfrm>
-          <a:prstGeom prst="roundRect">
-            <a:avLst/>
-          </a:prstGeom>
-        </p:spPr>
-        <p:style>
-          <a:lnRef idx="1">
-            <a:schemeClr val="accent5"/>
-          </a:lnRef>
-          <a:fillRef idx="2">
-            <a:schemeClr val="accent5"/>
-          </a:fillRef>
-          <a:effectRef idx="1">
-            <a:schemeClr val="accent5"/>
-          </a:effectRef>
-          <a:fontRef idx="minor">
-            <a:schemeClr val="dk1"/>
-          </a:fontRef>
-        </p:style>
-        <p:txBody>
-          <a:bodyPr rtlCol="0" anchor="ctr"/>
-          <a:lstStyle/>
-          <a:p>
-            <a:pPr algn="ctr"/>
-            <a:r>
-              <a:rPr lang="en-US" altLang="zh-CN" dirty="0"/>
-              <a:t>Target domain</a:t>
-            </a:r>
-            <a:endParaRPr lang="zh-CN" altLang="en-US" dirty="0"/>
-          </a:p>
-        </p:txBody>
-      </p:sp>
-      <p:cxnSp>
-        <p:nvCxnSpPr>
-          <p:cNvPr id="12" name="直接箭头连接符 11">
-            <a:extLst>
-              <a:ext uri="{FF2B5EF4-FFF2-40B4-BE49-F238E27FC236}">
-                <a16:creationId xmlns:a16="http://schemas.microsoft.com/office/drawing/2014/main" id="{4D860865-C497-056F-052A-9B6B95AE2C1C}"/>
-              </a:ext>
-            </a:extLst>
-          </p:cNvPr>
-          <p:cNvCxnSpPr>
-            <a:cxnSpLocks/>
-            <a:stCxn id="9" idx="2"/>
-          </p:cNvCxnSpPr>
-          <p:nvPr/>
-        </p:nvCxnSpPr>
-        <p:spPr>
-          <a:xfrm>
-            <a:off x="8616950" y="1349205"/>
-            <a:ext cx="0" cy="543095"/>
-          </a:xfrm>
-          <a:prstGeom prst="straightConnector1">
-            <a:avLst/>
-          </a:prstGeom>
-          <a:ln>
-            <a:solidFill>
-              <a:srgbClr val="C00000"/>
-            </a:solidFill>
-            <a:tailEnd type="triangle"/>
-          </a:ln>
-        </p:spPr>
-        <p:style>
-          <a:lnRef idx="1">
-            <a:schemeClr val="accent1"/>
-          </a:lnRef>
-          <a:fillRef idx="0">
-            <a:schemeClr val="accent1"/>
-          </a:fillRef>
-          <a:effectRef idx="0">
-            <a:schemeClr val="accent1"/>
-          </a:effectRef>
-          <a:fontRef idx="minor">
-            <a:schemeClr val="tx1"/>
-          </a:fontRef>
-        </p:style>
-      </p:cxnSp>
-      <p:sp>
-        <p:nvSpPr>
-          <p:cNvPr id="14" name="矩形: 圆角 13">
-            <a:extLst>
-              <a:ext uri="{FF2B5EF4-FFF2-40B4-BE49-F238E27FC236}">
-                <a16:creationId xmlns:a16="http://schemas.microsoft.com/office/drawing/2014/main" id="{2B4D93AB-1BF5-80C4-B40E-112758D8ED61}"/>
-              </a:ext>
-            </a:extLst>
-          </p:cNvPr>
-          <p:cNvSpPr/>
-          <p:nvPr/>
-        </p:nvSpPr>
-        <p:spPr>
-          <a:xfrm>
-            <a:off x="6229350" y="2978150"/>
-            <a:ext cx="1498600" cy="882650"/>
-          </a:xfrm>
-          <a:prstGeom prst="roundRect">
-            <a:avLst/>
-          </a:prstGeom>
-        </p:spPr>
-        <p:style>
-          <a:lnRef idx="1">
-            <a:schemeClr val="accent3"/>
-          </a:lnRef>
-          <a:fillRef idx="2">
-            <a:schemeClr val="accent3"/>
-          </a:fillRef>
-          <a:effectRef idx="1">
-            <a:schemeClr val="accent3"/>
-          </a:effectRef>
-          <a:fontRef idx="minor">
-            <a:schemeClr val="dk1"/>
-          </a:fontRef>
-        </p:style>
-        <p:txBody>
-          <a:bodyPr rtlCol="0" anchor="ctr"/>
-          <a:lstStyle/>
-          <a:p>
-            <a:pPr algn="ctr"/>
-            <a:r>
-              <a:rPr lang="en-US" altLang="zh-CN" dirty="0"/>
-              <a:t>LM model</a:t>
-            </a:r>
-            <a:endParaRPr lang="zh-CN" altLang="en-US" dirty="0"/>
-          </a:p>
-        </p:txBody>
-      </p:sp>
-      <p:cxnSp>
-        <p:nvCxnSpPr>
-          <p:cNvPr id="16" name="直接箭头连接符 15">
-            <a:extLst>
-              <a:ext uri="{FF2B5EF4-FFF2-40B4-BE49-F238E27FC236}">
-                <a16:creationId xmlns:a16="http://schemas.microsoft.com/office/drawing/2014/main" id="{4BA3733C-01CA-E46E-99F9-67CAE58E0A3F}"/>
-              </a:ext>
-            </a:extLst>
-          </p:cNvPr>
-          <p:cNvCxnSpPr>
-            <a:cxnSpLocks/>
-            <a:endCxn id="14" idx="3"/>
-          </p:cNvCxnSpPr>
-          <p:nvPr/>
-        </p:nvCxnSpPr>
-        <p:spPr>
-          <a:xfrm flipH="1" flipV="1">
-            <a:off x="7727950" y="3419475"/>
-            <a:ext cx="1905000" cy="9525"/>
-          </a:xfrm>
-          <a:prstGeom prst="straightConnector1">
-            <a:avLst/>
-          </a:prstGeom>
-          <a:ln>
-            <a:tailEnd type="triangle"/>
-          </a:ln>
-        </p:spPr>
-        <p:style>
-          <a:lnRef idx="1">
-            <a:schemeClr val="accent1"/>
-          </a:lnRef>
-          <a:fillRef idx="0">
-            <a:schemeClr val="accent1"/>
-          </a:fillRef>
-          <a:effectRef idx="0">
-            <a:schemeClr val="accent1"/>
-          </a:effectRef>
-          <a:fontRef idx="minor">
-            <a:schemeClr val="tx1"/>
-          </a:fontRef>
-        </p:style>
-      </p:cxnSp>
-      <p:sp>
-        <p:nvSpPr>
-          <p:cNvPr id="18" name="矩形: 圆角 17">
-            <a:extLst>
-              <a:ext uri="{FF2B5EF4-FFF2-40B4-BE49-F238E27FC236}">
-                <a16:creationId xmlns:a16="http://schemas.microsoft.com/office/drawing/2014/main" id="{FBB62DAA-42BB-9663-2D2D-0488C0345DBE}"/>
-              </a:ext>
-            </a:extLst>
-          </p:cNvPr>
-          <p:cNvSpPr/>
-          <p:nvPr/>
-        </p:nvSpPr>
-        <p:spPr>
-          <a:xfrm>
-            <a:off x="5276850" y="5357811"/>
-            <a:ext cx="3403600" cy="619124"/>
-          </a:xfrm>
-          <a:prstGeom prst="roundRect">
-            <a:avLst/>
-          </a:prstGeom>
-        </p:spPr>
-        <p:style>
-          <a:lnRef idx="1">
-            <a:schemeClr val="accent3"/>
-          </a:lnRef>
-          <a:fillRef idx="2">
-            <a:schemeClr val="accent3"/>
-          </a:fillRef>
-          <a:effectRef idx="1">
-            <a:schemeClr val="accent3"/>
-          </a:effectRef>
-          <a:fontRef idx="minor">
-            <a:schemeClr val="dk1"/>
-          </a:fontRef>
-        </p:style>
-        <p:txBody>
-          <a:bodyPr rtlCol="0" anchor="ctr"/>
-          <a:lstStyle/>
-          <a:p>
-            <a:pPr algn="ctr"/>
-            <a:r>
-              <a:rPr lang="en-US" altLang="zh-CN" dirty="0"/>
-              <a:t>Re-finetune and Deployment</a:t>
-            </a:r>
-          </a:p>
-          <a:p>
-            <a:pPr algn="ctr"/>
-            <a:r>
-              <a:rPr lang="en-US" altLang="zh-CN" sz="1200" dirty="0"/>
-              <a:t>To be improved</a:t>
-            </a:r>
-          </a:p>
-        </p:txBody>
-      </p:sp>
-      <p:cxnSp>
-        <p:nvCxnSpPr>
-          <p:cNvPr id="20" name="直接箭头连接符 19">
-            <a:extLst>
-              <a:ext uri="{FF2B5EF4-FFF2-40B4-BE49-F238E27FC236}">
-                <a16:creationId xmlns:a16="http://schemas.microsoft.com/office/drawing/2014/main" id="{C73CDCA7-DCAA-CE14-DED8-294E0CE72A11}"/>
-              </a:ext>
-            </a:extLst>
-          </p:cNvPr>
-          <p:cNvCxnSpPr>
-            <a:cxnSpLocks/>
-            <a:stCxn id="14" idx="2"/>
-            <a:endCxn id="18" idx="0"/>
-          </p:cNvCxnSpPr>
-          <p:nvPr/>
-        </p:nvCxnSpPr>
-        <p:spPr>
-          <a:xfrm>
-            <a:off x="6978650" y="3860800"/>
-            <a:ext cx="0" cy="1497011"/>
-          </a:xfrm>
-          <a:prstGeom prst="straightConnector1">
-            <a:avLst/>
-          </a:prstGeom>
-          <a:ln>
-            <a:tailEnd type="triangle"/>
-          </a:ln>
-        </p:spPr>
-        <p:style>
-          <a:lnRef idx="1">
-            <a:schemeClr val="accent1"/>
-          </a:lnRef>
-          <a:fillRef idx="0">
-            <a:schemeClr val="accent1"/>
-          </a:fillRef>
-          <a:effectRef idx="0">
-            <a:schemeClr val="accent1"/>
-          </a:effectRef>
-          <a:fontRef idx="minor">
-            <a:schemeClr val="tx1"/>
-          </a:fontRef>
-        </p:style>
-      </p:cxnSp>
-      <p:sp>
-        <p:nvSpPr>
-          <p:cNvPr id="25" name="矩形: 圆角 24">
-            <a:extLst>
-              <a:ext uri="{FF2B5EF4-FFF2-40B4-BE49-F238E27FC236}">
-                <a16:creationId xmlns:a16="http://schemas.microsoft.com/office/drawing/2014/main" id="{87A0BBE8-B651-3E81-78F9-731394263BEB}"/>
-              </a:ext>
-            </a:extLst>
-          </p:cNvPr>
-          <p:cNvSpPr/>
-          <p:nvPr/>
-        </p:nvSpPr>
-        <p:spPr>
-          <a:xfrm>
-            <a:off x="9247327" y="5357811"/>
-            <a:ext cx="2265221" cy="609599"/>
-          </a:xfrm>
-          <a:prstGeom prst="roundRect">
-            <a:avLst/>
-          </a:prstGeom>
-        </p:spPr>
-        <p:style>
-          <a:lnRef idx="1">
-            <a:schemeClr val="accent3"/>
-          </a:lnRef>
-          <a:fillRef idx="2">
-            <a:schemeClr val="accent3"/>
-          </a:fillRef>
-          <a:effectRef idx="1">
-            <a:schemeClr val="accent3"/>
-          </a:effectRef>
-          <a:fontRef idx="minor">
-            <a:schemeClr val="dk1"/>
-          </a:fontRef>
-        </p:style>
-        <p:txBody>
-          <a:bodyPr rtlCol="0" anchor="ctr"/>
-          <a:lstStyle/>
-          <a:p>
-            <a:pPr algn="ctr"/>
-            <a:r>
-              <a:rPr lang="en-US" altLang="zh-CN" dirty="0"/>
-              <a:t>Domain wise model</a:t>
-            </a:r>
-            <a:endParaRPr lang="zh-CN" altLang="en-US" dirty="0"/>
-          </a:p>
-        </p:txBody>
-      </p:sp>
-      <p:cxnSp>
-        <p:nvCxnSpPr>
-          <p:cNvPr id="27" name="直接箭头连接符 26">
-            <a:extLst>
-              <a:ext uri="{FF2B5EF4-FFF2-40B4-BE49-F238E27FC236}">
-                <a16:creationId xmlns:a16="http://schemas.microsoft.com/office/drawing/2014/main" id="{3895A2BD-21A7-1270-35DE-2DD912BA086E}"/>
-              </a:ext>
-            </a:extLst>
-          </p:cNvPr>
-          <p:cNvCxnSpPr>
-            <a:cxnSpLocks/>
-            <a:stCxn id="6" idx="2"/>
-            <a:endCxn id="25" idx="0"/>
-          </p:cNvCxnSpPr>
-          <p:nvPr/>
-        </p:nvCxnSpPr>
-        <p:spPr>
-          <a:xfrm flipH="1">
-            <a:off x="10379938" y="3860800"/>
-            <a:ext cx="2312" cy="1497011"/>
-          </a:xfrm>
-          <a:prstGeom prst="straightConnector1">
-            <a:avLst/>
-          </a:prstGeom>
-          <a:ln>
-            <a:solidFill>
-              <a:srgbClr val="C00000"/>
-            </a:solidFill>
-            <a:tailEnd type="triangle"/>
-          </a:ln>
-        </p:spPr>
-        <p:style>
-          <a:lnRef idx="1">
-            <a:schemeClr val="accent1"/>
-          </a:lnRef>
-          <a:fillRef idx="0">
-            <a:schemeClr val="accent1"/>
-          </a:fillRef>
-          <a:effectRef idx="0">
-            <a:schemeClr val="accent1"/>
-          </a:effectRef>
-          <a:fontRef idx="minor">
-            <a:schemeClr val="tx1"/>
-          </a:fontRef>
-        </p:style>
-      </p:cxnSp>
-      <p:cxnSp>
-        <p:nvCxnSpPr>
-          <p:cNvPr id="30" name="直接箭头连接符 29">
-            <a:extLst>
-              <a:ext uri="{FF2B5EF4-FFF2-40B4-BE49-F238E27FC236}">
-                <a16:creationId xmlns:a16="http://schemas.microsoft.com/office/drawing/2014/main" id="{81AED21F-C598-E0CD-47AB-B52F79087A48}"/>
-              </a:ext>
-            </a:extLst>
-          </p:cNvPr>
-          <p:cNvCxnSpPr>
-            <a:cxnSpLocks/>
-            <a:stCxn id="25" idx="1"/>
-            <a:endCxn id="18" idx="3"/>
-          </p:cNvCxnSpPr>
-          <p:nvPr/>
-        </p:nvCxnSpPr>
-        <p:spPr>
-          <a:xfrm flipH="1">
-            <a:off x="8680450" y="5662611"/>
-            <a:ext cx="566877" cy="4762"/>
-          </a:xfrm>
-          <a:prstGeom prst="straightConnector1">
-            <a:avLst/>
-          </a:prstGeom>
-          <a:ln>
-            <a:tailEnd type="triangle"/>
-          </a:ln>
-        </p:spPr>
-        <p:style>
-          <a:lnRef idx="1">
-            <a:schemeClr val="accent1"/>
-          </a:lnRef>
-          <a:fillRef idx="0">
-            <a:schemeClr val="accent1"/>
-          </a:fillRef>
-          <a:effectRef idx="0">
-            <a:schemeClr val="accent1"/>
-          </a:effectRef>
-          <a:fontRef idx="minor">
-            <a:schemeClr val="tx1"/>
-          </a:fontRef>
-        </p:style>
-      </p:cxnSp>
+            <a:pPr algn="just">
+              <a:lnSpc>
+                <a:spcPct val="150000"/>
+              </a:lnSpc>
+            </a:pPr>
+            <a:r>
+              <a:rPr lang="en-US" altLang="zh-CN" b="1" dirty="0">
+                <a:solidFill>
+                  <a:srgbClr val="263C88"/>
+                </a:solidFill>
+                <a:latin typeface="思源黑体 CN Heavy"/>
+                <a:ea typeface="思源黑体 CN Medium" panose="020B0600000000000000"/>
+                <a:cs typeface="Times New Roman" panose="02020603050405020304" pitchFamily="18" charset="0"/>
+              </a:rPr>
+              <a:t>Computational Efficiency </a:t>
+            </a:r>
+          </a:p>
+          <a:p>
+            <a:pPr marL="342900" indent="-342900" algn="just">
+              <a:lnSpc>
+                <a:spcPct val="150000"/>
+              </a:lnSpc>
+              <a:buFont typeface="Arial" panose="020B0604020202020204" pitchFamily="34" charset="0"/>
+              <a:buChar char="•"/>
+            </a:pPr>
+            <a:r>
+              <a:rPr lang="en-US" altLang="zh-CN" sz="1600" dirty="0">
+                <a:latin typeface="Times New Roman" panose="02020603050405020304" pitchFamily="18" charset="0"/>
+                <a:ea typeface="思源黑体 CN Medium" panose="020B0600000000000000"/>
+                <a:cs typeface="Times New Roman" panose="02020603050405020304" pitchFamily="18" charset="0"/>
+              </a:rPr>
+              <a:t>Hard to obtain fisher information</a:t>
+            </a:r>
+          </a:p>
+          <a:p>
+            <a:pPr marL="800100" lvl="1" indent="-342900" algn="just">
+              <a:lnSpc>
+                <a:spcPct val="150000"/>
+              </a:lnSpc>
+              <a:buFont typeface="Arial" panose="020B0604020202020204" pitchFamily="34" charset="0"/>
+              <a:buChar char="•"/>
+            </a:pPr>
+            <a:r>
+              <a:rPr lang="en-US" altLang="zh-CN" sz="1600" dirty="0">
+                <a:latin typeface="Times New Roman" panose="02020603050405020304" pitchFamily="18" charset="0"/>
+                <a:ea typeface="思源黑体 CN Medium" panose="020B0600000000000000"/>
+                <a:cs typeface="Times New Roman" panose="02020603050405020304" pitchFamily="18" charset="0"/>
+              </a:rPr>
+              <a:t>Forward + backward: 7B half model -&gt; 30GB+ </a:t>
+            </a:r>
+            <a:r>
+              <a:rPr lang="en-US" altLang="zh-CN" sz="1600" b="1" dirty="0">
+                <a:latin typeface="Times New Roman" panose="02020603050405020304" pitchFamily="18" charset="0"/>
+                <a:ea typeface="思源黑体 CN Medium" panose="020B0600000000000000"/>
+                <a:cs typeface="Times New Roman" panose="02020603050405020304" pitchFamily="18" charset="0"/>
+              </a:rPr>
+              <a:t>memory footprint</a:t>
+            </a:r>
+          </a:p>
+          <a:p>
+            <a:pPr marL="342900" indent="-342900" algn="just">
+              <a:lnSpc>
+                <a:spcPct val="150000"/>
+              </a:lnSpc>
+              <a:buFont typeface="Arial" panose="020B0604020202020204" pitchFamily="34" charset="0"/>
+              <a:buChar char="•"/>
+            </a:pPr>
+            <a:r>
+              <a:rPr lang="en-US" altLang="zh-CN" sz="1600" dirty="0">
+                <a:latin typeface="Times New Roman" panose="02020603050405020304" pitchFamily="18" charset="0"/>
+                <a:ea typeface="思源黑体 CN Medium" panose="020B0600000000000000"/>
+                <a:cs typeface="Times New Roman" panose="02020603050405020304" pitchFamily="18" charset="0"/>
+              </a:rPr>
+              <a:t>Well pre-trained model, small gradient values, some salient ones</a:t>
+            </a:r>
+          </a:p>
+          <a:p>
+            <a:pPr marL="800100" lvl="1" indent="-342900" algn="just">
+              <a:lnSpc>
+                <a:spcPct val="150000"/>
+              </a:lnSpc>
+              <a:buFont typeface="Arial" panose="020B0604020202020204" pitchFamily="34" charset="0"/>
+              <a:buChar char="•"/>
+            </a:pPr>
+            <a:r>
+              <a:rPr lang="en-US" altLang="zh-CN" sz="1600" dirty="0">
+                <a:latin typeface="Times New Roman" panose="02020603050405020304" pitchFamily="18" charset="0"/>
+                <a:ea typeface="思源黑体 CN Medium" panose="020B0600000000000000"/>
+                <a:cs typeface="Times New Roman" panose="02020603050405020304" pitchFamily="18" charset="0"/>
+              </a:rPr>
+              <a:t>Fp32 is necessary for gradient storage</a:t>
+            </a:r>
+          </a:p>
+        </p:txBody>
+      </p:sp>
     </p:spTree>
     <p:extLst>
       <p:ext uri="{BB962C8B-B14F-4D97-AF65-F5344CB8AC3E}">
-        <p14:creationId xmlns:p14="http://schemas.microsoft.com/office/powerpoint/2010/main" val="886462598"/>
+        <p14:creationId xmlns:p14="http://schemas.microsoft.com/office/powerpoint/2010/main" val="1582585654"/>
       </p:ext>
     </p:extLst>
   </p:cSld>
@@ -17519,6 +17722,357 @@
 </file>
 
 <file path=ppt/slides/slide23.xml><?xml version="1.0" encoding="utf-8"?>
+<p:sld xmlns:a="http://schemas.openxmlformats.org/drawingml/2006/main" xmlns:r="http://schemas.openxmlformats.org/officeDocument/2006/relationships" xmlns:p="http://schemas.openxmlformats.org/presentationml/2006/main">
+  <p:cSld>
+    <p:spTree>
+      <p:nvGrpSpPr>
+        <p:cNvPr id="1" name=""/>
+        <p:cNvGrpSpPr/>
+        <p:nvPr/>
+      </p:nvGrpSpPr>
+      <p:grpSpPr>
+        <a:xfrm>
+          <a:off x="0" y="0"/>
+          <a:ext cx="0" cy="0"/>
+          <a:chOff x="0" y="0"/>
+          <a:chExt cx="0" cy="0"/>
+        </a:xfrm>
+      </p:grpSpPr>
+      <p:sp>
+        <p:nvSpPr>
+          <p:cNvPr id="2" name="Pentagon 6_1">
+            <a:extLst>
+              <a:ext uri="{FF2B5EF4-FFF2-40B4-BE49-F238E27FC236}">
+                <a16:creationId xmlns:a16="http://schemas.microsoft.com/office/drawing/2014/main" id="{6F6AF14B-DC95-BBA1-3483-8DF3507C9A41}"/>
+              </a:ext>
+            </a:extLst>
+          </p:cNvPr>
+          <p:cNvSpPr/>
+          <p:nvPr/>
+        </p:nvSpPr>
+        <p:spPr>
+          <a:xfrm>
+            <a:off x="-1" y="531656"/>
+            <a:ext cx="1926771" cy="701648"/>
+          </a:xfrm>
+          <a:prstGeom prst="homePlate">
+            <a:avLst/>
+          </a:prstGeom>
+          <a:solidFill>
+            <a:srgbClr val="FADE40"/>
+          </a:solidFill>
+          <a:ln>
+            <a:noFill/>
+          </a:ln>
+        </p:spPr>
+        <p:style>
+          <a:lnRef idx="2">
+            <a:schemeClr val="accent1">
+              <a:shade val="50000"/>
+            </a:schemeClr>
+          </a:lnRef>
+          <a:fillRef idx="1">
+            <a:schemeClr val="accent1"/>
+          </a:fillRef>
+          <a:effectRef idx="0">
+            <a:schemeClr val="accent1"/>
+          </a:effectRef>
+          <a:fontRef idx="minor">
+            <a:schemeClr val="lt1"/>
+          </a:fontRef>
+        </p:style>
+        <p:txBody>
+          <a:bodyPr rtlCol="0" anchor="ctr"/>
+          <a:lstStyle/>
+          <a:p>
+            <a:pPr algn="ctr"/>
+            <a:endParaRPr lang="zh-CN" altLang="en-US"/>
+          </a:p>
+        </p:txBody>
+      </p:sp>
+      <p:sp>
+        <p:nvSpPr>
+          <p:cNvPr id="3" name="文本框 2">
+            <a:extLst>
+              <a:ext uri="{FF2B5EF4-FFF2-40B4-BE49-F238E27FC236}">
+                <a16:creationId xmlns:a16="http://schemas.microsoft.com/office/drawing/2014/main" id="{5F7F1F8E-AB93-6BB9-5EA3-7F2C864B05D5}"/>
+              </a:ext>
+            </a:extLst>
+          </p:cNvPr>
+          <p:cNvSpPr txBox="1"/>
+          <p:nvPr/>
+        </p:nvSpPr>
+        <p:spPr>
+          <a:xfrm>
+            <a:off x="0" y="713203"/>
+            <a:ext cx="1587500" cy="338554"/>
+          </a:xfrm>
+          <a:prstGeom prst="rect">
+            <a:avLst/>
+          </a:prstGeom>
+          <a:noFill/>
+        </p:spPr>
+        <p:txBody>
+          <a:bodyPr wrap="square" rtlCol="0">
+            <a:spAutoFit/>
+          </a:bodyPr>
+          <a:lstStyle/>
+          <a:p>
+            <a:pPr algn="dist"/>
+            <a:r>
+              <a:rPr lang="en-US" altLang="zh-CN" sz="1600" b="1" dirty="0">
+                <a:solidFill>
+                  <a:srgbClr val="C00000"/>
+                </a:solidFill>
+                <a:latin typeface="Times New Roman" panose="02020603050405020304" pitchFamily="18" charset="0"/>
+                <a:ea typeface="思源黑体 CN Medium" panose="020B0600000000000000" pitchFamily="34" charset="-122"/>
+                <a:cs typeface="Times New Roman" panose="02020603050405020304" pitchFamily="18" charset="0"/>
+                <a:sym typeface="Arial" panose="020B0604020202020204" pitchFamily="34" charset="0"/>
+              </a:rPr>
+              <a:t>Findings</a:t>
+            </a:r>
+            <a:endParaRPr lang="zh-CN" altLang="en-US" sz="1600" b="1" dirty="0">
+              <a:solidFill>
+                <a:srgbClr val="C00000"/>
+              </a:solidFill>
+              <a:latin typeface="Times New Roman" panose="02020603050405020304" pitchFamily="18" charset="0"/>
+              <a:ea typeface="思源黑体 CN Medium" panose="020B0600000000000000" pitchFamily="34" charset="-122"/>
+              <a:cs typeface="Times New Roman" panose="02020603050405020304" pitchFamily="18" charset="0"/>
+              <a:sym typeface="Arial" panose="020B0604020202020204" pitchFamily="34" charset="0"/>
+            </a:endParaRPr>
+          </a:p>
+        </p:txBody>
+      </p:sp>
+      <p:sp>
+        <p:nvSpPr>
+          <p:cNvPr id="5" name="文本框 4">
+            <a:extLst>
+              <a:ext uri="{FF2B5EF4-FFF2-40B4-BE49-F238E27FC236}">
+                <a16:creationId xmlns:a16="http://schemas.microsoft.com/office/drawing/2014/main" id="{3E3BA734-327F-9C38-2E41-8C9A96D5320B}"/>
+              </a:ext>
+            </a:extLst>
+          </p:cNvPr>
+          <p:cNvSpPr txBox="1"/>
+          <p:nvPr/>
+        </p:nvSpPr>
+        <p:spPr>
+          <a:xfrm>
+            <a:off x="793750" y="1414851"/>
+            <a:ext cx="7099673" cy="2310248"/>
+          </a:xfrm>
+          <a:prstGeom prst="rect">
+            <a:avLst/>
+          </a:prstGeom>
+          <a:noFill/>
+        </p:spPr>
+        <p:txBody>
+          <a:bodyPr wrap="square" rtlCol="0">
+            <a:spAutoFit/>
+          </a:bodyPr>
+          <a:lstStyle/>
+          <a:p>
+            <a:pPr algn="just">
+              <a:lnSpc>
+                <a:spcPct val="150000"/>
+              </a:lnSpc>
+            </a:pPr>
+            <a:r>
+              <a:rPr lang="en-US" altLang="zh-CN" b="1" dirty="0">
+                <a:solidFill>
+                  <a:srgbClr val="263C88"/>
+                </a:solidFill>
+                <a:latin typeface="思源黑体 CN Heavy"/>
+                <a:ea typeface="思源黑体 CN Medium" panose="020B0600000000000000"/>
+                <a:cs typeface="Times New Roman" panose="02020603050405020304" pitchFamily="18" charset="0"/>
+              </a:rPr>
+              <a:t>Fine-grained Importance Evaluation </a:t>
+            </a:r>
+            <a:endParaRPr lang="en-US" altLang="zh-CN" sz="1400" b="1" dirty="0">
+              <a:solidFill>
+                <a:srgbClr val="263C88"/>
+              </a:solidFill>
+              <a:latin typeface="思源黑体 CN Heavy"/>
+              <a:ea typeface="思源黑体 CN Medium" panose="020B0600000000000000"/>
+              <a:cs typeface="Times New Roman" panose="02020603050405020304" pitchFamily="18" charset="0"/>
+            </a:endParaRPr>
+          </a:p>
+          <a:p>
+            <a:pPr marL="342900" indent="-342900" algn="just">
+              <a:lnSpc>
+                <a:spcPct val="150000"/>
+              </a:lnSpc>
+              <a:buFont typeface="Arial" panose="020B0604020202020204" pitchFamily="34" charset="0"/>
+              <a:buChar char="•"/>
+            </a:pPr>
+            <a:r>
+              <a:rPr lang="en-US" altLang="zh-CN" sz="1600" dirty="0">
+                <a:latin typeface="Times New Roman" panose="02020603050405020304" pitchFamily="18" charset="0"/>
+                <a:ea typeface="思源黑体 CN Medium" panose="020B0600000000000000"/>
+                <a:cs typeface="Times New Roman" panose="02020603050405020304" pitchFamily="18" charset="0"/>
+              </a:rPr>
+              <a:t>FWSVD, LPAF: </a:t>
+            </a:r>
+            <a:r>
+              <a:rPr lang="en-US" altLang="zh-CN" sz="1600" b="1" dirty="0">
+                <a:latin typeface="Times New Roman" panose="02020603050405020304" pitchFamily="18" charset="0"/>
+                <a:ea typeface="思源黑体 CN Medium" panose="020B0600000000000000"/>
+                <a:cs typeface="Times New Roman" panose="02020603050405020304" pitchFamily="18" charset="0"/>
+              </a:rPr>
+              <a:t>larger gradient </a:t>
+            </a:r>
+            <a:r>
+              <a:rPr lang="en-US" altLang="zh-CN" sz="1600" dirty="0">
+                <a:latin typeface="Times New Roman" panose="02020603050405020304" pitchFamily="18" charset="0"/>
+                <a:ea typeface="思源黑体 CN Medium" panose="020B0600000000000000"/>
+                <a:cs typeface="Times New Roman" panose="02020603050405020304" pitchFamily="18" charset="0"/>
+              </a:rPr>
+              <a:t>on downstream dataset -&gt; to be remained</a:t>
+            </a:r>
+          </a:p>
+          <a:p>
+            <a:pPr marL="800100" lvl="1" indent="-342900" algn="just">
+              <a:lnSpc>
+                <a:spcPct val="150000"/>
+              </a:lnSpc>
+              <a:buFont typeface="Arial" panose="020B0604020202020204" pitchFamily="34" charset="0"/>
+              <a:buChar char="•"/>
+            </a:pPr>
+            <a:r>
+              <a:rPr lang="en-US" altLang="zh-CN" sz="1600" dirty="0">
+                <a:latin typeface="Times New Roman" panose="02020603050405020304" pitchFamily="18" charset="0"/>
+                <a:ea typeface="思源黑体 CN Medium" panose="020B0600000000000000"/>
+                <a:cs typeface="Times New Roman" panose="02020603050405020304" pitchFamily="18" charset="0"/>
+              </a:rPr>
+              <a:t>But we need a general base model </a:t>
+            </a:r>
+          </a:p>
+          <a:p>
+            <a:pPr marL="800100" lvl="1" indent="-342900" algn="just">
+              <a:lnSpc>
+                <a:spcPct val="150000"/>
+              </a:lnSpc>
+              <a:buFont typeface="Arial" panose="020B0604020202020204" pitchFamily="34" charset="0"/>
+              <a:buChar char="•"/>
+            </a:pPr>
+            <a:r>
+              <a:rPr lang="en-US" altLang="zh-CN" sz="1600" dirty="0">
+                <a:latin typeface="Times New Roman" panose="02020603050405020304" pitchFamily="18" charset="0"/>
+                <a:ea typeface="思源黑体 CN Medium" panose="020B0600000000000000"/>
+                <a:cs typeface="Times New Roman" panose="02020603050405020304" pitchFamily="18" charset="0"/>
+              </a:rPr>
+              <a:t>Directly multiplying importance with weights leads to re-finetuning</a:t>
+            </a:r>
+          </a:p>
+          <a:p>
+            <a:pPr marL="342900" indent="-342900" algn="just">
+              <a:lnSpc>
+                <a:spcPct val="150000"/>
+              </a:lnSpc>
+              <a:buFont typeface="Arial" panose="020B0604020202020204" pitchFamily="34" charset="0"/>
+              <a:buChar char="•"/>
+            </a:pPr>
+            <a:r>
+              <a:rPr lang="en-US" altLang="zh-CN" sz="1600" dirty="0">
+                <a:latin typeface="Times New Roman" panose="02020603050405020304" pitchFamily="18" charset="0"/>
+                <a:ea typeface="思源黑体 CN Medium" panose="020B0600000000000000"/>
+                <a:cs typeface="Times New Roman" panose="02020603050405020304" pitchFamily="18" charset="0"/>
+              </a:rPr>
+              <a:t>CLR: elements with </a:t>
+            </a:r>
+            <a:r>
+              <a:rPr lang="en-US" altLang="zh-CN" sz="1600" b="1" dirty="0">
+                <a:latin typeface="Times New Roman" panose="02020603050405020304" pitchFamily="18" charset="0"/>
+                <a:ea typeface="思源黑体 CN Medium" panose="020B0600000000000000"/>
+                <a:cs typeface="Times New Roman" panose="02020603050405020304" pitchFamily="18" charset="0"/>
+              </a:rPr>
+              <a:t>less variants </a:t>
+            </a:r>
+            <a:r>
+              <a:rPr lang="en-US" altLang="zh-CN" sz="1600" dirty="0">
+                <a:latin typeface="Times New Roman" panose="02020603050405020304" pitchFamily="18" charset="0"/>
+                <a:ea typeface="思源黑体 CN Medium" panose="020B0600000000000000"/>
+                <a:cs typeface="Times New Roman" panose="02020603050405020304" pitchFamily="18" charset="0"/>
+              </a:rPr>
+              <a:t>during multi-domain finetuning are important</a:t>
+            </a:r>
+          </a:p>
+          <a:p>
+            <a:pPr marL="800100" lvl="1" indent="-342900" algn="just">
+              <a:lnSpc>
+                <a:spcPct val="150000"/>
+              </a:lnSpc>
+              <a:buFont typeface="Arial" panose="020B0604020202020204" pitchFamily="34" charset="0"/>
+              <a:buChar char="•"/>
+            </a:pPr>
+            <a:r>
+              <a:rPr lang="en-US" altLang="zh-CN" sz="1600" dirty="0">
+                <a:latin typeface="Times New Roman" panose="02020603050405020304" pitchFamily="18" charset="0"/>
+                <a:ea typeface="思源黑体 CN Medium" panose="020B0600000000000000"/>
+                <a:cs typeface="Times New Roman" panose="02020603050405020304" pitchFamily="18" charset="0"/>
+              </a:rPr>
+              <a:t>Core language region -&gt; general ability of language modeling</a:t>
+            </a:r>
+          </a:p>
+        </p:txBody>
+      </p:sp>
+      <p:pic>
+        <p:nvPicPr>
+          <p:cNvPr id="9" name="图片 8" descr="图示&#10;&#10;描述已自动生成">
+            <a:extLst>
+              <a:ext uri="{FF2B5EF4-FFF2-40B4-BE49-F238E27FC236}">
+                <a16:creationId xmlns:a16="http://schemas.microsoft.com/office/drawing/2014/main" id="{06085EA6-1C70-A2CC-4DC4-B78DAC40F9DF}"/>
+              </a:ext>
+            </a:extLst>
+          </p:cNvPr>
+          <p:cNvPicPr>
+            <a:picLocks noChangeAspect="1"/>
+          </p:cNvPicPr>
+          <p:nvPr/>
+        </p:nvPicPr>
+        <p:blipFill>
+          <a:blip r:embed="rId3" cstate="print">
+            <a:extLst>
+              <a:ext uri="{28A0092B-C50C-407E-A947-70E740481C1C}">
+                <a14:useLocalDpi xmlns:a14="http://schemas.microsoft.com/office/drawing/2010/main" val="0"/>
+              </a:ext>
+            </a:extLst>
+          </a:blip>
+          <a:stretch>
+            <a:fillRect/>
+          </a:stretch>
+        </p:blipFill>
+        <p:spPr>
+          <a:xfrm>
+            <a:off x="2694508" y="3678800"/>
+            <a:ext cx="6802984" cy="3179200"/>
+          </a:xfrm>
+          <a:prstGeom prst="rect">
+            <a:avLst/>
+          </a:prstGeom>
+        </p:spPr>
+      </p:pic>
+    </p:spTree>
+    <p:extLst>
+      <p:ext uri="{BB962C8B-B14F-4D97-AF65-F5344CB8AC3E}">
+        <p14:creationId xmlns:p14="http://schemas.microsoft.com/office/powerpoint/2010/main" val="1725115798"/>
+      </p:ext>
+    </p:extLst>
+  </p:cSld>
+  <p:clrMapOvr>
+    <a:masterClrMapping/>
+  </p:clrMapOvr>
+  <mc:AlternateContent xmlns:mc="http://schemas.openxmlformats.org/markup-compatibility/2006" xmlns:p14="http://schemas.microsoft.com/office/powerpoint/2010/main">
+    <mc:Choice Requires="p14">
+      <p:transition p14:dur="10" advTm="7188"/>
+    </mc:Choice>
+    <mc:Fallback xmlns="">
+      <p:transition advTm="7188"/>
+    </mc:Fallback>
+  </mc:AlternateContent>
+</p:sld>
+</file>
+
+<file path=ppt/slides/slide24.xml><?xml version="1.0" encoding="utf-8"?>
 <p:sld xmlns:a="http://schemas.openxmlformats.org/drawingml/2006/main" xmlns:r="http://schemas.openxmlformats.org/officeDocument/2006/relationships" xmlns:p="http://schemas.openxmlformats.org/presentationml/2006/main">
   <p:cSld>
     <p:spTree>

--- a/docs/Matrix Factorization & LLM Compression.pptx
+++ b/docs/Matrix Factorization & LLM Compression.pptx
@@ -5,7 +5,7 @@
     <p:sldMasterId id="2147483648" r:id="rId1"/>
   </p:sldMasterIdLst>
   <p:notesMasterIdLst>
-    <p:notesMasterId r:id="rId26"/>
+    <p:notesMasterId r:id="rId27"/>
   </p:notesMasterIdLst>
   <p:sldIdLst>
     <p:sldId id="256" r:id="rId2"/>
@@ -31,12 +31,13 @@
     <p:sldId id="506" r:id="rId22"/>
     <p:sldId id="516" r:id="rId23"/>
     <p:sldId id="518" r:id="rId24"/>
-    <p:sldId id="478" r:id="rId25"/>
+    <p:sldId id="520" r:id="rId25"/>
+    <p:sldId id="478" r:id="rId26"/>
   </p:sldIdLst>
   <p:sldSz cx="12192000" cy="6858000"/>
   <p:notesSz cx="6858000" cy="9144000"/>
   <p:custDataLst>
-    <p:tags r:id="rId27"/>
+    <p:tags r:id="rId28"/>
   </p:custDataLst>
   <p:defaultTextStyle>
     <a:defPPr>
@@ -728,7 +729,7 @@
           <a:p>
             <a:fld id="{3678B995-4818-4CC4-9904-7C51E69FE1E0}" type="datetimeFigureOut">
               <a:rPr lang="zh-CN" altLang="en-US" smtClean="0"/>
-              <a:t>2023/12/4</a:t>
+              <a:t>2023/12/9</a:t>
             </a:fld>
             <a:endParaRPr lang="zh-CN" altLang="en-US"/>
           </a:p>
@@ -2383,6 +2384,90 @@
           <a:bodyPr/>
           <a:lstStyle/>
           <a:p>
+            <a:endParaRPr lang="en-US" altLang="zh-CN" dirty="0"/>
+          </a:p>
+        </p:txBody>
+      </p:sp>
+      <p:sp>
+        <p:nvSpPr>
+          <p:cNvPr id="4" name="灯片编号占位符 3"/>
+          <p:cNvSpPr>
+            <a:spLocks noGrp="1"/>
+          </p:cNvSpPr>
+          <p:nvPr>
+            <p:ph type="sldNum" sz="quarter" idx="10"/>
+          </p:nvPr>
+        </p:nvSpPr>
+        <p:spPr/>
+        <p:txBody>
+          <a:bodyPr/>
+          <a:lstStyle/>
+          <a:p>
+            <a:fld id="{324D6F74-634D-4233-BDBC-8BE3983B5CCB}" type="slidenum">
+              <a:rPr lang="zh-CN" altLang="en-US" smtClean="0"/>
+              <a:t>24</a:t>
+            </a:fld>
+            <a:endParaRPr lang="zh-CN" altLang="en-US"/>
+          </a:p>
+        </p:txBody>
+      </p:sp>
+    </p:spTree>
+    <p:extLst>
+      <p:ext uri="{BB962C8B-B14F-4D97-AF65-F5344CB8AC3E}">
+        <p14:creationId xmlns:p14="http://schemas.microsoft.com/office/powerpoint/2010/main" val="3060757736"/>
+      </p:ext>
+    </p:extLst>
+  </p:cSld>
+  <p:clrMapOvr>
+    <a:masterClrMapping/>
+  </p:clrMapOvr>
+</p:notes>
+</file>
+
+<file path=ppt/notesSlides/notesSlide25.xml><?xml version="1.0" encoding="utf-8"?>
+<p:notes xmlns:a="http://schemas.openxmlformats.org/drawingml/2006/main" xmlns:r="http://schemas.openxmlformats.org/officeDocument/2006/relationships" xmlns:p="http://schemas.openxmlformats.org/presentationml/2006/main">
+  <p:cSld>
+    <p:spTree>
+      <p:nvGrpSpPr>
+        <p:cNvPr id="1" name=""/>
+        <p:cNvGrpSpPr/>
+        <p:nvPr/>
+      </p:nvGrpSpPr>
+      <p:grpSpPr>
+        <a:xfrm>
+          <a:off x="0" y="0"/>
+          <a:ext cx="0" cy="0"/>
+          <a:chOff x="0" y="0"/>
+          <a:chExt cx="0" cy="0"/>
+        </a:xfrm>
+      </p:grpSpPr>
+      <p:sp>
+        <p:nvSpPr>
+          <p:cNvPr id="2" name="幻灯片图像占位符 1"/>
+          <p:cNvSpPr>
+            <a:spLocks noGrp="1" noRot="1" noChangeAspect="1"/>
+          </p:cNvSpPr>
+          <p:nvPr>
+            <p:ph type="sldImg"/>
+          </p:nvPr>
+        </p:nvSpPr>
+        <p:spPr/>
+      </p:sp>
+      <p:sp>
+        <p:nvSpPr>
+          <p:cNvPr id="3" name="备注占位符 2"/>
+          <p:cNvSpPr>
+            <a:spLocks noGrp="1"/>
+          </p:cNvSpPr>
+          <p:nvPr>
+            <p:ph type="body" idx="1"/>
+          </p:nvPr>
+        </p:nvSpPr>
+        <p:spPr/>
+        <p:txBody>
+          <a:bodyPr/>
+          <a:lstStyle/>
+          <a:p>
             <a:endParaRPr lang="zh-CN" altLang="en-US" dirty="0"/>
           </a:p>
         </p:txBody>
@@ -2404,7 +2489,7 @@
           <a:p>
             <a:fld id="{7DF969B2-FC8F-40E9-BEE9-914C18BA1C47}" type="slidenum">
               <a:rPr lang="zh-CN" altLang="en-US" smtClean="0"/>
-              <a:t>24</a:t>
+              <a:t>25</a:t>
             </a:fld>
             <a:endParaRPr lang="zh-CN" altLang="en-US"/>
           </a:p>
@@ -3140,7 +3225,7 @@
           <a:p>
             <a:fld id="{D997B5FA-0921-464F-AAE1-844C04324D75}" type="datetimeFigureOut">
               <a:rPr lang="zh-CN" altLang="en-US" smtClean="0"/>
-              <a:t>2023/12/4</a:t>
+              <a:t>2023/12/9</a:t>
             </a:fld>
             <a:endParaRPr lang="zh-CN" altLang="en-US"/>
           </a:p>
@@ -3316,7 +3401,7 @@
           <a:p>
             <a:fld id="{D997B5FA-0921-464F-AAE1-844C04324D75}" type="datetimeFigureOut">
               <a:rPr lang="zh-CN" altLang="en-US" smtClean="0"/>
-              <a:t>2023/12/4</a:t>
+              <a:t>2023/12/9</a:t>
             </a:fld>
             <a:endParaRPr lang="zh-CN" altLang="en-US"/>
           </a:p>
@@ -3502,7 +3587,7 @@
           <a:p>
             <a:fld id="{D997B5FA-0921-464F-AAE1-844C04324D75}" type="datetimeFigureOut">
               <a:rPr lang="zh-CN" altLang="en-US" smtClean="0"/>
-              <a:t>2023/12/4</a:t>
+              <a:t>2023/12/9</a:t>
             </a:fld>
             <a:endParaRPr lang="zh-CN" altLang="en-US"/>
           </a:p>
@@ -3716,7 +3801,7 @@
           <a:p>
             <a:fld id="{D997B5FA-0921-464F-AAE1-844C04324D75}" type="datetimeFigureOut">
               <a:rPr lang="zh-CN" altLang="en-US" smtClean="0"/>
-              <a:t>2023/12/4</a:t>
+              <a:t>2023/12/9</a:t>
             </a:fld>
             <a:endParaRPr lang="zh-CN" altLang="en-US"/>
           </a:p>
@@ -3969,7 +4054,7 @@
           <a:p>
             <a:fld id="{D997B5FA-0921-464F-AAE1-844C04324D75}" type="datetimeFigureOut">
               <a:rPr lang="zh-CN" altLang="en-US" smtClean="0"/>
-              <a:t>2023/12/4</a:t>
+              <a:t>2023/12/9</a:t>
             </a:fld>
             <a:endParaRPr lang="zh-CN" altLang="en-US"/>
           </a:p>
@@ -4206,7 +4291,7 @@
           <a:p>
             <a:fld id="{D997B5FA-0921-464F-AAE1-844C04324D75}" type="datetimeFigureOut">
               <a:rPr lang="zh-CN" altLang="en-US" smtClean="0"/>
-              <a:t>2023/12/4</a:t>
+              <a:t>2023/12/9</a:t>
             </a:fld>
             <a:endParaRPr lang="zh-CN" altLang="en-US"/>
           </a:p>
@@ -4578,7 +4663,7 @@
           <a:p>
             <a:fld id="{D997B5FA-0921-464F-AAE1-844C04324D75}" type="datetimeFigureOut">
               <a:rPr lang="zh-CN" altLang="en-US" smtClean="0"/>
-              <a:t>2023/12/4</a:t>
+              <a:t>2023/12/9</a:t>
             </a:fld>
             <a:endParaRPr lang="zh-CN" altLang="en-US"/>
           </a:p>
@@ -4703,7 +4788,7 @@
           <a:p>
             <a:fld id="{D997B5FA-0921-464F-AAE1-844C04324D75}" type="datetimeFigureOut">
               <a:rPr lang="zh-CN" altLang="en-US" smtClean="0"/>
-              <a:t>2023/12/4</a:t>
+              <a:t>2023/12/9</a:t>
             </a:fld>
             <a:endParaRPr lang="zh-CN" altLang="en-US"/>
           </a:p>
@@ -4806,7 +4891,7 @@
           <a:p>
             <a:fld id="{D997B5FA-0921-464F-AAE1-844C04324D75}" type="datetimeFigureOut">
               <a:rPr lang="zh-CN" altLang="en-US" smtClean="0"/>
-              <a:t>2023/12/4</a:t>
+              <a:t>2023/12/9</a:t>
             </a:fld>
             <a:endParaRPr lang="zh-CN" altLang="en-US"/>
           </a:p>
@@ -5089,7 +5174,7 @@
           <a:p>
             <a:fld id="{D997B5FA-0921-464F-AAE1-844C04324D75}" type="datetimeFigureOut">
               <a:rPr lang="zh-CN" altLang="en-US" smtClean="0"/>
-              <a:t>2023/12/4</a:t>
+              <a:t>2023/12/9</a:t>
             </a:fld>
             <a:endParaRPr lang="zh-CN" altLang="en-US"/>
           </a:p>
@@ -5349,7 +5434,7 @@
           <a:p>
             <a:fld id="{D997B5FA-0921-464F-AAE1-844C04324D75}" type="datetimeFigureOut">
               <a:rPr lang="zh-CN" altLang="en-US" smtClean="0"/>
-              <a:t>2023/12/4</a:t>
+              <a:t>2023/12/9</a:t>
             </a:fld>
             <a:endParaRPr lang="zh-CN" altLang="en-US"/>
           </a:p>
@@ -5568,7 +5653,7 @@
           <a:p>
             <a:fld id="{D997B5FA-0921-464F-AAE1-844C04324D75}" type="datetimeFigureOut">
               <a:rPr lang="zh-CN" altLang="en-US" smtClean="0"/>
-              <a:t>2023/12/4</a:t>
+              <a:t>2023/12/9</a:t>
             </a:fld>
             <a:endParaRPr lang="zh-CN" altLang="en-US"/>
           </a:p>
@@ -9811,7 +9896,7 @@
           <p:nvPr>
             <p:extLst>
               <p:ext uri="{D42A27DB-BD31-4B8C-83A1-F6EECF244321}">
-                <p14:modId xmlns:p14="http://schemas.microsoft.com/office/powerpoint/2010/main" val="207521508"/>
+                <p14:modId xmlns:p14="http://schemas.microsoft.com/office/powerpoint/2010/main" val="3631097294"/>
               </p:ext>
             </p:extLst>
           </p:nvPr>
@@ -10072,25 +10157,14 @@
                     <a:p>
                       <a:pPr algn="ctr" fontAlgn="ctr"/>
                       <a:r>
-                        <a:rPr lang="en-US" sz="1100" u="none" strike="noStrike" dirty="0">
+                        <a:rPr lang="en-US" altLang="zh-CN" sz="1100" u="none" strike="noStrike" dirty="0">
                           <a:effectLst/>
                           <a:latin typeface="Times New Roman" panose="02020603050405020304" pitchFamily="18" charset="0"/>
                           <a:cs typeface="Times New Roman" panose="02020603050405020304" pitchFamily="18" charset="0"/>
                         </a:rPr>
-                        <a:t>Quantize when training</a:t>
+                        <a:t>Data Aware Quantization</a:t>
                       </a:r>
-                    </a:p>
-                    <a:p>
-                      <a:pPr algn="ctr" fontAlgn="ctr"/>
-                      <a:r>
-                        <a:rPr lang="en-US" sz="1100" u="none" strike="noStrike" dirty="0">
-                          <a:effectLst/>
-                          <a:latin typeface="Times New Roman" panose="02020603050405020304" pitchFamily="18" charset="0"/>
-                          <a:cs typeface="Times New Roman" panose="02020603050405020304" pitchFamily="18" charset="0"/>
-                        </a:rPr>
-                        <a:t>or with datasets  </a:t>
-                      </a:r>
-                      <a:endParaRPr lang="en-US" sz="1100" b="0" i="0" u="none" strike="noStrike" dirty="0">
+                      <a:endParaRPr lang="en-US" altLang="zh-CN" sz="1100" b="0" i="0" u="none" strike="noStrike" dirty="0">
                         <a:solidFill>
                           <a:srgbClr val="000000"/>
                         </a:solidFill>
@@ -18089,6 +18163,1685 @@
           <a:chExt cx="0" cy="0"/>
         </a:xfrm>
       </p:grpSpPr>
+      <p:graphicFrame>
+        <p:nvGraphicFramePr>
+          <p:cNvPr id="4" name="表格 3">
+            <a:extLst>
+              <a:ext uri="{FF2B5EF4-FFF2-40B4-BE49-F238E27FC236}">
+                <a16:creationId xmlns:a16="http://schemas.microsoft.com/office/drawing/2014/main" id="{EE512A53-202A-469D-D223-51C0E077E1D7}"/>
+              </a:ext>
+            </a:extLst>
+          </p:cNvPr>
+          <p:cNvGraphicFramePr>
+            <a:graphicFrameLocks noGrp="1"/>
+          </p:cNvGraphicFramePr>
+          <p:nvPr>
+            <p:extLst>
+              <p:ext uri="{D42A27DB-BD31-4B8C-83A1-F6EECF244321}">
+                <p14:modId xmlns:p14="http://schemas.microsoft.com/office/powerpoint/2010/main" val="3651351340"/>
+              </p:ext>
+            </p:extLst>
+          </p:nvPr>
+        </p:nvGraphicFramePr>
+        <p:xfrm>
+          <a:off x="0" y="165836"/>
+          <a:ext cx="12191998" cy="5743039"/>
+        </p:xfrm>
+        <a:graphic>
+          <a:graphicData uri="http://schemas.openxmlformats.org/drawingml/2006/table">
+            <a:tbl>
+              <a:tblPr>
+                <a:tableStyleId>{5C22544A-7EE6-4342-B048-85BDC9FD1C3A}</a:tableStyleId>
+              </a:tblPr>
+              <a:tblGrid>
+                <a:gridCol w="1741714">
+                  <a:extLst>
+                    <a:ext uri="{9D8B030D-6E8A-4147-A177-3AD203B41FA5}">
+                      <a16:colId xmlns:a16="http://schemas.microsoft.com/office/drawing/2014/main" val="1731850980"/>
+                    </a:ext>
+                  </a:extLst>
+                </a:gridCol>
+                <a:gridCol w="1741714">
+                  <a:extLst>
+                    <a:ext uri="{9D8B030D-6E8A-4147-A177-3AD203B41FA5}">
+                      <a16:colId xmlns:a16="http://schemas.microsoft.com/office/drawing/2014/main" val="348257844"/>
+                    </a:ext>
+                  </a:extLst>
+                </a:gridCol>
+                <a:gridCol w="1741714">
+                  <a:extLst>
+                    <a:ext uri="{9D8B030D-6E8A-4147-A177-3AD203B41FA5}">
+                      <a16:colId xmlns:a16="http://schemas.microsoft.com/office/drawing/2014/main" val="1561192765"/>
+                    </a:ext>
+                  </a:extLst>
+                </a:gridCol>
+                <a:gridCol w="1741714">
+                  <a:extLst>
+                    <a:ext uri="{9D8B030D-6E8A-4147-A177-3AD203B41FA5}">
+                      <a16:colId xmlns:a16="http://schemas.microsoft.com/office/drawing/2014/main" val="1191218242"/>
+                    </a:ext>
+                  </a:extLst>
+                </a:gridCol>
+                <a:gridCol w="1741714">
+                  <a:extLst>
+                    <a:ext uri="{9D8B030D-6E8A-4147-A177-3AD203B41FA5}">
+                      <a16:colId xmlns:a16="http://schemas.microsoft.com/office/drawing/2014/main" val="1483446697"/>
+                    </a:ext>
+                  </a:extLst>
+                </a:gridCol>
+                <a:gridCol w="1741714">
+                  <a:extLst>
+                    <a:ext uri="{9D8B030D-6E8A-4147-A177-3AD203B41FA5}">
+                      <a16:colId xmlns:a16="http://schemas.microsoft.com/office/drawing/2014/main" val="3440635302"/>
+                    </a:ext>
+                  </a:extLst>
+                </a:gridCol>
+                <a:gridCol w="1741714">
+                  <a:extLst>
+                    <a:ext uri="{9D8B030D-6E8A-4147-A177-3AD203B41FA5}">
+                      <a16:colId xmlns:a16="http://schemas.microsoft.com/office/drawing/2014/main" val="3632904485"/>
+                    </a:ext>
+                  </a:extLst>
+                </a:gridCol>
+              </a:tblGrid>
+              <a:tr h="717880">
+                <a:tc rowSpan="2">
+                  <a:txBody>
+                    <a:bodyPr/>
+                    <a:lstStyle/>
+                    <a:p>
+                      <a:pPr algn="ctr" fontAlgn="ctr"/>
+                      <a:r>
+                        <a:rPr lang="en-US" sz="1100" b="1" u="none" strike="noStrike" dirty="0">
+                          <a:effectLst/>
+                        </a:rPr>
+                        <a:t>Methods</a:t>
+                      </a:r>
+                      <a:endParaRPr lang="en-US" sz="1100" b="1" i="0" u="none" strike="noStrike" dirty="0">
+                        <a:solidFill>
+                          <a:srgbClr val="000000"/>
+                        </a:solidFill>
+                        <a:effectLst/>
+                        <a:latin typeface="等线" panose="02010600030101010101" pitchFamily="2" charset="-122"/>
+                        <a:ea typeface="等线" panose="02010600030101010101" pitchFamily="2" charset="-122"/>
+                      </a:endParaRPr>
+                    </a:p>
+                  </a:txBody>
+                  <a:tcPr marL="6350" marR="6350" marT="6350" marB="0" anchor="ctr"/>
+                </a:tc>
+                <a:tc gridSpan="2">
+                  <a:txBody>
+                    <a:bodyPr/>
+                    <a:lstStyle/>
+                    <a:p>
+                      <a:pPr algn="ctr" fontAlgn="ctr"/>
+                      <a:r>
+                        <a:rPr lang="en-US" sz="1100" b="1" u="none" strike="noStrike" dirty="0">
+                          <a:effectLst/>
+                        </a:rPr>
+                        <a:t>Quantization🔥</a:t>
+                      </a:r>
+                      <a:endParaRPr lang="en-US" sz="1100" b="1" i="0" u="none" strike="noStrike" dirty="0">
+                        <a:solidFill>
+                          <a:srgbClr val="000000"/>
+                        </a:solidFill>
+                        <a:effectLst/>
+                        <a:latin typeface="等线" panose="02010600030101010101" pitchFamily="2" charset="-122"/>
+                        <a:ea typeface="等线" panose="02010600030101010101" pitchFamily="2" charset="-122"/>
+                      </a:endParaRPr>
+                    </a:p>
+                  </a:txBody>
+                  <a:tcPr marL="6350" marR="6350" marT="6350" marB="0" anchor="ctr"/>
+                </a:tc>
+                <a:tc hMerge="1">
+                  <a:txBody>
+                    <a:bodyPr/>
+                    <a:lstStyle/>
+                    <a:p>
+                      <a:endParaRPr lang="zh-CN" altLang="en-US"/>
+                    </a:p>
+                  </a:txBody>
+                  <a:tcPr/>
+                </a:tc>
+                <a:tc>
+                  <a:txBody>
+                    <a:bodyPr/>
+                    <a:lstStyle/>
+                    <a:p>
+                      <a:pPr algn="ctr" fontAlgn="ctr"/>
+                      <a:r>
+                        <a:rPr lang="en-US" sz="1100" b="1" u="none" strike="noStrike" dirty="0">
+                          <a:effectLst/>
+                        </a:rPr>
+                        <a:t>Knowledge Distillation</a:t>
+                      </a:r>
+                      <a:endParaRPr lang="en-US" sz="1100" b="1" i="0" u="none" strike="noStrike" dirty="0">
+                        <a:solidFill>
+                          <a:srgbClr val="000000"/>
+                        </a:solidFill>
+                        <a:effectLst/>
+                        <a:latin typeface="等线" panose="02010600030101010101" pitchFamily="2" charset="-122"/>
+                        <a:ea typeface="等线" panose="02010600030101010101" pitchFamily="2" charset="-122"/>
+                      </a:endParaRPr>
+                    </a:p>
+                  </a:txBody>
+                  <a:tcPr marL="6350" marR="6350" marT="6350" marB="0" anchor="ctr"/>
+                </a:tc>
+                <a:tc gridSpan="2">
+                  <a:txBody>
+                    <a:bodyPr/>
+                    <a:lstStyle/>
+                    <a:p>
+                      <a:pPr algn="ctr" fontAlgn="ctr"/>
+                      <a:r>
+                        <a:rPr lang="en-US" sz="1100" b="1" u="none" strike="noStrike" dirty="0">
+                          <a:effectLst/>
+                        </a:rPr>
+                        <a:t>Pruning</a:t>
+                      </a:r>
+                      <a:endParaRPr lang="en-US" sz="1100" b="1" i="0" u="none" strike="noStrike" dirty="0">
+                        <a:solidFill>
+                          <a:srgbClr val="000000"/>
+                        </a:solidFill>
+                        <a:effectLst/>
+                        <a:latin typeface="等线" panose="02010600030101010101" pitchFamily="2" charset="-122"/>
+                        <a:ea typeface="等线" panose="02010600030101010101" pitchFamily="2" charset="-122"/>
+                      </a:endParaRPr>
+                    </a:p>
+                  </a:txBody>
+                  <a:tcPr marL="6350" marR="6350" marT="6350" marB="0" anchor="ctr"/>
+                </a:tc>
+                <a:tc hMerge="1">
+                  <a:txBody>
+                    <a:bodyPr/>
+                    <a:lstStyle/>
+                    <a:p>
+                      <a:endParaRPr lang="zh-CN" altLang="en-US"/>
+                    </a:p>
+                  </a:txBody>
+                  <a:tcPr/>
+                </a:tc>
+                <a:tc>
+                  <a:txBody>
+                    <a:bodyPr/>
+                    <a:lstStyle/>
+                    <a:p>
+                      <a:pPr algn="ctr" fontAlgn="ctr"/>
+                      <a:r>
+                        <a:rPr lang="en-US" sz="1100" b="1" u="none" strike="noStrike" dirty="0">
+                          <a:effectLst/>
+                        </a:rPr>
+                        <a:t>Low-rank approximation</a:t>
+                      </a:r>
+                      <a:endParaRPr lang="en-US" sz="1100" b="1" i="0" u="none" strike="noStrike" dirty="0">
+                        <a:solidFill>
+                          <a:srgbClr val="000000"/>
+                        </a:solidFill>
+                        <a:effectLst/>
+                        <a:latin typeface="等线" panose="02010600030101010101" pitchFamily="2" charset="-122"/>
+                        <a:ea typeface="等线" panose="02010600030101010101" pitchFamily="2" charset="-122"/>
+                      </a:endParaRPr>
+                    </a:p>
+                  </a:txBody>
+                  <a:tcPr marL="6350" marR="6350" marT="6350" marB="0" anchor="ctr"/>
+                </a:tc>
+                <a:extLst>
+                  <a:ext uri="{0D108BD9-81ED-4DB2-BD59-A6C34878D82A}">
+                    <a16:rowId xmlns:a16="http://schemas.microsoft.com/office/drawing/2014/main" val="3922282330"/>
+                  </a:ext>
+                </a:extLst>
+              </a:tr>
+              <a:tr h="717880">
+                <a:tc vMerge="1">
+                  <a:txBody>
+                    <a:bodyPr/>
+                    <a:lstStyle/>
+                    <a:p>
+                      <a:pPr algn="ctr" fontAlgn="ctr"/>
+                      <a:endParaRPr lang="zh-CN" altLang="en-US" sz="1100" b="1" i="0" u="none" strike="noStrike" dirty="0">
+                        <a:solidFill>
+                          <a:srgbClr val="000000"/>
+                        </a:solidFill>
+                        <a:effectLst/>
+                        <a:latin typeface="等线" panose="02010600030101010101" pitchFamily="2" charset="-122"/>
+                        <a:ea typeface="等线" panose="02010600030101010101" pitchFamily="2" charset="-122"/>
+                      </a:endParaRPr>
+                    </a:p>
+                  </a:txBody>
+                  <a:tcPr marL="6350" marR="6350" marT="6350" marB="0" anchor="ctr"/>
+                </a:tc>
+                <a:tc>
+                  <a:txBody>
+                    <a:bodyPr/>
+                    <a:lstStyle/>
+                    <a:p>
+                      <a:pPr algn="ctr" fontAlgn="ctr"/>
+                      <a:r>
+                        <a:rPr lang="en-US" sz="1100" b="0" i="0" u="none" strike="noStrike" dirty="0">
+                          <a:solidFill>
+                            <a:srgbClr val="000000"/>
+                          </a:solidFill>
+                          <a:effectLst/>
+                          <a:latin typeface="Times New Roman" panose="02020603050405020304" pitchFamily="18" charset="0"/>
+                          <a:ea typeface="等线" panose="02010600030101010101" pitchFamily="2" charset="-122"/>
+                          <a:cs typeface="Times New Roman" panose="02020603050405020304" pitchFamily="18" charset="0"/>
+                        </a:rPr>
+                        <a:t>PTQ</a:t>
+                      </a:r>
+                    </a:p>
+                  </a:txBody>
+                  <a:tcPr marL="6350" marR="6350" marT="6350" marB="0" anchor="ctr"/>
+                </a:tc>
+                <a:tc>
+                  <a:txBody>
+                    <a:bodyPr/>
+                    <a:lstStyle/>
+                    <a:p>
+                      <a:pPr algn="ctr" fontAlgn="ctr"/>
+                      <a:r>
+                        <a:rPr lang="en-US" sz="1100" u="none" strike="noStrike" dirty="0">
+                          <a:effectLst/>
+                          <a:latin typeface="Times New Roman" panose="02020603050405020304" pitchFamily="18" charset="0"/>
+                          <a:cs typeface="Times New Roman" panose="02020603050405020304" pitchFamily="18" charset="0"/>
+                        </a:rPr>
+                        <a:t>Data Aware Quantization  </a:t>
+                      </a:r>
+                      <a:endParaRPr lang="en-US" sz="1100" b="0" i="0" u="none" strike="noStrike" dirty="0">
+                        <a:solidFill>
+                          <a:srgbClr val="000000"/>
+                        </a:solidFill>
+                        <a:effectLst/>
+                        <a:latin typeface="Times New Roman" panose="02020603050405020304" pitchFamily="18" charset="0"/>
+                        <a:ea typeface="等线" panose="02010600030101010101" pitchFamily="2" charset="-122"/>
+                        <a:cs typeface="Times New Roman" panose="02020603050405020304" pitchFamily="18" charset="0"/>
+                      </a:endParaRPr>
+                    </a:p>
+                  </a:txBody>
+                  <a:tcPr marL="6350" marR="6350" marT="6350" marB="0" anchor="ctr"/>
+                </a:tc>
+                <a:tc>
+                  <a:txBody>
+                    <a:bodyPr/>
+                    <a:lstStyle/>
+                    <a:p>
+                      <a:pPr algn="ctr" fontAlgn="ctr"/>
+                      <a:r>
+                        <a:rPr lang="en-US" altLang="zh-CN" sz="1100" b="0" i="0" u="none" strike="noStrike" dirty="0">
+                          <a:solidFill>
+                            <a:srgbClr val="000000"/>
+                          </a:solidFill>
+                          <a:effectLst/>
+                          <a:latin typeface="Times New Roman" panose="02020603050405020304" pitchFamily="18" charset="0"/>
+                          <a:ea typeface="等线" panose="02010600030101010101" pitchFamily="2" charset="-122"/>
+                          <a:cs typeface="Times New Roman" panose="02020603050405020304" pitchFamily="18" charset="0"/>
+                        </a:rPr>
+                        <a:t>KD</a:t>
+                      </a:r>
+                      <a:endParaRPr lang="zh-CN" altLang="en-US" sz="1100" b="0" i="0" u="none" strike="noStrike" dirty="0">
+                        <a:solidFill>
+                          <a:srgbClr val="000000"/>
+                        </a:solidFill>
+                        <a:effectLst/>
+                        <a:latin typeface="Times New Roman" panose="02020603050405020304" pitchFamily="18" charset="0"/>
+                        <a:ea typeface="等线" panose="02010600030101010101" pitchFamily="2" charset="-122"/>
+                        <a:cs typeface="Times New Roman" panose="02020603050405020304" pitchFamily="18" charset="0"/>
+                      </a:endParaRPr>
+                    </a:p>
+                  </a:txBody>
+                  <a:tcPr marL="6350" marR="6350" marT="6350" marB="0" anchor="ctr"/>
+                </a:tc>
+                <a:tc>
+                  <a:txBody>
+                    <a:bodyPr/>
+                    <a:lstStyle/>
+                    <a:p>
+                      <a:pPr algn="ctr" fontAlgn="ctr"/>
+                      <a:r>
+                        <a:rPr lang="en-US" sz="1100" u="none" strike="noStrike" dirty="0">
+                          <a:effectLst/>
+                          <a:latin typeface="Times New Roman" panose="02020603050405020304" pitchFamily="18" charset="0"/>
+                          <a:cs typeface="Times New Roman" panose="02020603050405020304" pitchFamily="18" charset="0"/>
+                        </a:rPr>
+                        <a:t>Structured</a:t>
+                      </a:r>
+                      <a:endParaRPr lang="en-US" sz="1100" b="0" i="0" u="none" strike="noStrike" dirty="0">
+                        <a:solidFill>
+                          <a:srgbClr val="000000"/>
+                        </a:solidFill>
+                        <a:effectLst/>
+                        <a:latin typeface="Times New Roman" panose="02020603050405020304" pitchFamily="18" charset="0"/>
+                        <a:ea typeface="等线" panose="02010600030101010101" pitchFamily="2" charset="-122"/>
+                        <a:cs typeface="Times New Roman" panose="02020603050405020304" pitchFamily="18" charset="0"/>
+                      </a:endParaRPr>
+                    </a:p>
+                  </a:txBody>
+                  <a:tcPr marL="6350" marR="6350" marT="6350" marB="0" anchor="ctr"/>
+                </a:tc>
+                <a:tc>
+                  <a:txBody>
+                    <a:bodyPr/>
+                    <a:lstStyle/>
+                    <a:p>
+                      <a:pPr algn="ctr" fontAlgn="ctr"/>
+                      <a:r>
+                        <a:rPr lang="en-US" sz="1100" u="none" strike="noStrike" dirty="0">
+                          <a:effectLst/>
+                          <a:latin typeface="Times New Roman" panose="02020603050405020304" pitchFamily="18" charset="0"/>
+                          <a:cs typeface="Times New Roman" panose="02020603050405020304" pitchFamily="18" charset="0"/>
+                        </a:rPr>
+                        <a:t>Unstructured🔥</a:t>
+                      </a:r>
+                      <a:endParaRPr lang="en-US" sz="1100" b="0" i="0" u="none" strike="noStrike" dirty="0">
+                        <a:solidFill>
+                          <a:srgbClr val="000000"/>
+                        </a:solidFill>
+                        <a:effectLst/>
+                        <a:latin typeface="Times New Roman" panose="02020603050405020304" pitchFamily="18" charset="0"/>
+                        <a:ea typeface="等线" panose="02010600030101010101" pitchFamily="2" charset="-122"/>
+                        <a:cs typeface="Times New Roman" panose="02020603050405020304" pitchFamily="18" charset="0"/>
+                      </a:endParaRPr>
+                    </a:p>
+                  </a:txBody>
+                  <a:tcPr marL="6350" marR="6350" marT="6350" marB="0" anchor="ctr"/>
+                </a:tc>
+                <a:tc>
+                  <a:txBody>
+                    <a:bodyPr/>
+                    <a:lstStyle/>
+                    <a:p>
+                      <a:pPr marL="0" marR="0" lvl="0" indent="0" algn="ctr" defTabSz="914400" rtl="0" eaLnBrk="1" fontAlgn="ctr" latinLnBrk="0" hangingPunct="1">
+                        <a:lnSpc>
+                          <a:spcPct val="100000"/>
+                        </a:lnSpc>
+                        <a:spcBef>
+                          <a:spcPts val="0"/>
+                        </a:spcBef>
+                        <a:spcAft>
+                          <a:spcPts val="0"/>
+                        </a:spcAft>
+                        <a:buClrTx/>
+                        <a:buSzTx/>
+                        <a:buFontTx/>
+                        <a:buNone/>
+                        <a:tabLst/>
+                        <a:defRPr/>
+                      </a:pPr>
+                      <a:r>
+                        <a:rPr lang="en-US" altLang="zh-CN" sz="1100" u="none" strike="noStrike" dirty="0">
+                          <a:effectLst/>
+                          <a:latin typeface="Times New Roman" panose="02020603050405020304" pitchFamily="18" charset="0"/>
+                          <a:cs typeface="Times New Roman" panose="02020603050405020304" pitchFamily="18" charset="0"/>
+                        </a:rPr>
+                        <a:t>unknown</a:t>
+                      </a:r>
+                      <a:endParaRPr lang="en-US" altLang="zh-CN" sz="1100" b="0" i="0" u="none" strike="noStrike" dirty="0">
+                        <a:solidFill>
+                          <a:srgbClr val="000000"/>
+                        </a:solidFill>
+                        <a:effectLst/>
+                        <a:latin typeface="Times New Roman" panose="02020603050405020304" pitchFamily="18" charset="0"/>
+                        <a:ea typeface="等线" panose="02010600030101010101" pitchFamily="2" charset="-122"/>
+                        <a:cs typeface="Times New Roman" panose="02020603050405020304" pitchFamily="18" charset="0"/>
+                      </a:endParaRPr>
+                    </a:p>
+                  </a:txBody>
+                  <a:tcPr marL="6350" marR="6350" marT="6350" marB="0" anchor="ctr"/>
+                </a:tc>
+                <a:extLst>
+                  <a:ext uri="{0D108BD9-81ED-4DB2-BD59-A6C34878D82A}">
+                    <a16:rowId xmlns:a16="http://schemas.microsoft.com/office/drawing/2014/main" val="1607029208"/>
+                  </a:ext>
+                </a:extLst>
+              </a:tr>
+              <a:tr h="717880">
+                <a:tc>
+                  <a:txBody>
+                    <a:bodyPr/>
+                    <a:lstStyle/>
+                    <a:p>
+                      <a:pPr algn="ctr" fontAlgn="ctr"/>
+                      <a:r>
+                        <a:rPr lang="en-US" sz="1100" b="1" u="none" strike="noStrike" dirty="0">
+                          <a:effectLst/>
+                        </a:rPr>
+                        <a:t>Paper</a:t>
+                      </a:r>
+                      <a:endParaRPr lang="en-US" sz="1100" b="1" i="0" u="none" strike="noStrike" dirty="0">
+                        <a:solidFill>
+                          <a:srgbClr val="000000"/>
+                        </a:solidFill>
+                        <a:effectLst/>
+                        <a:latin typeface="等线" panose="02010600030101010101" pitchFamily="2" charset="-122"/>
+                        <a:ea typeface="等线" panose="02010600030101010101" pitchFamily="2" charset="-122"/>
+                      </a:endParaRPr>
+                    </a:p>
+                  </a:txBody>
+                  <a:tcPr marL="6350" marR="6350" marT="6350" marB="0" anchor="ctr"/>
+                </a:tc>
+                <a:tc>
+                  <a:txBody>
+                    <a:bodyPr/>
+                    <a:lstStyle/>
+                    <a:p>
+                      <a:pPr algn="ctr" fontAlgn="ctr"/>
+                      <a:r>
+                        <a:rPr lang="en-US" sz="1100" u="none" strike="noStrike" dirty="0">
+                          <a:effectLst/>
+                          <a:latin typeface="Times New Roman" panose="02020603050405020304" pitchFamily="18" charset="0"/>
+                          <a:cs typeface="Times New Roman" panose="02020603050405020304" pitchFamily="18" charset="0"/>
+                        </a:rPr>
+                        <a:t>Widely used in industry</a:t>
+                      </a:r>
+                      <a:endParaRPr lang="en-US" sz="1100" b="0" i="0" u="none" strike="noStrike" dirty="0">
+                        <a:solidFill>
+                          <a:srgbClr val="000000"/>
+                        </a:solidFill>
+                        <a:effectLst/>
+                        <a:latin typeface="Times New Roman" panose="02020603050405020304" pitchFamily="18" charset="0"/>
+                        <a:ea typeface="等线" panose="02010600030101010101" pitchFamily="2" charset="-122"/>
+                        <a:cs typeface="Times New Roman" panose="02020603050405020304" pitchFamily="18" charset="0"/>
+                      </a:endParaRPr>
+                    </a:p>
+                  </a:txBody>
+                  <a:tcPr marL="6350" marR="6350" marT="6350" marB="0" anchor="ctr"/>
+                </a:tc>
+                <a:tc>
+                  <a:txBody>
+                    <a:bodyPr/>
+                    <a:lstStyle/>
+                    <a:p>
+                      <a:pPr algn="ctr" fontAlgn="ctr"/>
+                      <a:r>
+                        <a:rPr lang="en-US" sz="1100" u="none" strike="noStrike" dirty="0">
+                          <a:effectLst/>
+                          <a:latin typeface="Times New Roman" panose="02020603050405020304" pitchFamily="18" charset="0"/>
+                          <a:cs typeface="Times New Roman" panose="02020603050405020304" pitchFamily="18" charset="0"/>
+                        </a:rPr>
+                        <a:t>AWQ</a:t>
+                      </a:r>
+                    </a:p>
+                    <a:p>
+                      <a:pPr algn="ctr" fontAlgn="ctr"/>
+                      <a:r>
+                        <a:rPr lang="en-US" sz="800" b="0" i="0" u="none" strike="noStrike" dirty="0">
+                          <a:solidFill>
+                            <a:srgbClr val="000000"/>
+                          </a:solidFill>
+                          <a:effectLst/>
+                          <a:latin typeface="Times New Roman" panose="02020603050405020304" pitchFamily="18" charset="0"/>
+                          <a:ea typeface="等线" panose="02010600030101010101" pitchFamily="2" charset="-122"/>
+                          <a:cs typeface="Times New Roman" panose="02020603050405020304" pitchFamily="18" charset="0"/>
+                        </a:rPr>
+                        <a:t>(MIT, SJTU, THU)</a:t>
+                      </a:r>
+                    </a:p>
+                  </a:txBody>
+                  <a:tcPr marL="6350" marR="6350" marT="6350" marB="0" anchor="ctr"/>
+                </a:tc>
+                <a:tc>
+                  <a:txBody>
+                    <a:bodyPr/>
+                    <a:lstStyle/>
+                    <a:p>
+                      <a:pPr algn="ctr" fontAlgn="ctr"/>
+                      <a:r>
+                        <a:rPr lang="en-US" altLang="zh-CN" sz="1100" b="0" i="0" u="none" strike="noStrike" dirty="0">
+                          <a:solidFill>
+                            <a:srgbClr val="000000"/>
+                          </a:solidFill>
+                          <a:effectLst/>
+                          <a:latin typeface="Times New Roman" panose="02020603050405020304" pitchFamily="18" charset="0"/>
+                          <a:ea typeface="等线" panose="02010600030101010101" pitchFamily="2" charset="-122"/>
+                          <a:cs typeface="Times New Roman" panose="02020603050405020304" pitchFamily="18" charset="0"/>
+                        </a:rPr>
+                        <a:t>MINILLM</a:t>
+                      </a:r>
+                    </a:p>
+                    <a:p>
+                      <a:pPr marL="0" marR="0" lvl="0" indent="0" algn="ctr" defTabSz="914400" rtl="0" eaLnBrk="1" fontAlgn="ctr" latinLnBrk="0" hangingPunct="1">
+                        <a:lnSpc>
+                          <a:spcPct val="100000"/>
+                        </a:lnSpc>
+                        <a:spcBef>
+                          <a:spcPts val="0"/>
+                        </a:spcBef>
+                        <a:spcAft>
+                          <a:spcPts val="0"/>
+                        </a:spcAft>
+                        <a:buClrTx/>
+                        <a:buSzTx/>
+                        <a:buFontTx/>
+                        <a:buNone/>
+                        <a:tabLst/>
+                        <a:defRPr/>
+                      </a:pPr>
+                      <a:r>
+                        <a:rPr lang="en-US" altLang="zh-CN" sz="800" b="0" i="0" u="none" strike="noStrike" dirty="0">
+                          <a:solidFill>
+                            <a:srgbClr val="000000"/>
+                          </a:solidFill>
+                          <a:effectLst/>
+                          <a:latin typeface="Times New Roman" panose="02020603050405020304" pitchFamily="18" charset="0"/>
+                          <a:ea typeface="等线" panose="02010600030101010101" pitchFamily="2" charset="-122"/>
+                          <a:cs typeface="Times New Roman" panose="02020603050405020304" pitchFamily="18" charset="0"/>
+                        </a:rPr>
+                        <a:t>(</a:t>
+                      </a:r>
+                      <a:r>
+                        <a:rPr lang="en-US" altLang="zh-CN" sz="800" b="0" i="0" u="none" strike="noStrike" dirty="0" err="1">
+                          <a:solidFill>
+                            <a:srgbClr val="000000"/>
+                          </a:solidFill>
+                          <a:effectLst/>
+                          <a:latin typeface="Times New Roman" panose="02020603050405020304" pitchFamily="18" charset="0"/>
+                          <a:ea typeface="等线" panose="02010600030101010101" pitchFamily="2" charset="-122"/>
+                          <a:cs typeface="Times New Roman" panose="02020603050405020304" pitchFamily="18" charset="0"/>
+                        </a:rPr>
+                        <a:t>CoAI</a:t>
+                      </a:r>
+                      <a:r>
+                        <a:rPr lang="en-US" altLang="zh-CN" sz="800" b="0" i="0" u="none" strike="noStrike" dirty="0">
+                          <a:solidFill>
+                            <a:srgbClr val="000000"/>
+                          </a:solidFill>
+                          <a:effectLst/>
+                          <a:latin typeface="Times New Roman" panose="02020603050405020304" pitchFamily="18" charset="0"/>
+                          <a:ea typeface="等线" panose="02010600030101010101" pitchFamily="2" charset="-122"/>
+                          <a:cs typeface="Times New Roman" panose="02020603050405020304" pitchFamily="18" charset="0"/>
+                        </a:rPr>
+                        <a:t>, THU)</a:t>
+                      </a:r>
+                    </a:p>
+                  </a:txBody>
+                  <a:tcPr marL="6350" marR="6350" marT="6350" marB="0" anchor="ctr"/>
+                </a:tc>
+                <a:tc>
+                  <a:txBody>
+                    <a:bodyPr/>
+                    <a:lstStyle/>
+                    <a:p>
+                      <a:pPr algn="ctr" fontAlgn="ctr"/>
+                      <a:r>
+                        <a:rPr lang="en-US" altLang="zh-CN" sz="1100" b="0" i="0" u="none" strike="noStrike" dirty="0" err="1">
+                          <a:solidFill>
+                            <a:srgbClr val="000000"/>
+                          </a:solidFill>
+                          <a:effectLst/>
+                          <a:latin typeface="Times New Roman" panose="02020603050405020304" pitchFamily="18" charset="0"/>
+                          <a:ea typeface="等线" panose="02010600030101010101" pitchFamily="2" charset="-122"/>
+                          <a:cs typeface="Times New Roman" panose="02020603050405020304" pitchFamily="18" charset="0"/>
+                        </a:rPr>
+                        <a:t>LLMPruner</a:t>
+                      </a:r>
+                      <a:endParaRPr lang="en-US" altLang="zh-CN" sz="1100" b="0" i="0" u="none" strike="noStrike" dirty="0">
+                        <a:solidFill>
+                          <a:srgbClr val="000000"/>
+                        </a:solidFill>
+                        <a:effectLst/>
+                        <a:latin typeface="Times New Roman" panose="02020603050405020304" pitchFamily="18" charset="0"/>
+                        <a:ea typeface="等线" panose="02010600030101010101" pitchFamily="2" charset="-122"/>
+                        <a:cs typeface="Times New Roman" panose="02020603050405020304" pitchFamily="18" charset="0"/>
+                      </a:endParaRPr>
+                    </a:p>
+                    <a:p>
+                      <a:pPr algn="ctr" fontAlgn="ctr"/>
+                      <a:r>
+                        <a:rPr lang="en-US" altLang="zh-CN" sz="800" b="0" i="0" u="none" strike="noStrike" dirty="0">
+                          <a:solidFill>
+                            <a:srgbClr val="000000"/>
+                          </a:solidFill>
+                          <a:effectLst/>
+                          <a:latin typeface="Times New Roman" panose="02020603050405020304" pitchFamily="18" charset="0"/>
+                          <a:ea typeface="等线" panose="02010600030101010101" pitchFamily="2" charset="-122"/>
+                          <a:cs typeface="Times New Roman" panose="02020603050405020304" pitchFamily="18" charset="0"/>
+                        </a:rPr>
+                        <a:t>(NUS)</a:t>
+                      </a:r>
+                      <a:endParaRPr lang="zh-CN" altLang="en-US" sz="800" b="0" i="0" u="none" strike="noStrike" dirty="0">
+                        <a:solidFill>
+                          <a:srgbClr val="000000"/>
+                        </a:solidFill>
+                        <a:effectLst/>
+                        <a:latin typeface="Times New Roman" panose="02020603050405020304" pitchFamily="18" charset="0"/>
+                        <a:ea typeface="等线" panose="02010600030101010101" pitchFamily="2" charset="-122"/>
+                        <a:cs typeface="Times New Roman" panose="02020603050405020304" pitchFamily="18" charset="0"/>
+                      </a:endParaRPr>
+                    </a:p>
+                  </a:txBody>
+                  <a:tcPr marL="6350" marR="6350" marT="6350" marB="0" anchor="ctr"/>
+                </a:tc>
+                <a:tc>
+                  <a:txBody>
+                    <a:bodyPr/>
+                    <a:lstStyle/>
+                    <a:p>
+                      <a:pPr algn="ctr" fontAlgn="ctr"/>
+                      <a:r>
+                        <a:rPr lang="en-US" altLang="zh-CN" sz="1100" b="0" i="0" u="none" strike="noStrike" dirty="0" err="1">
+                          <a:solidFill>
+                            <a:srgbClr val="000000"/>
+                          </a:solidFill>
+                          <a:effectLst/>
+                          <a:latin typeface="Times New Roman" panose="02020603050405020304" pitchFamily="18" charset="0"/>
+                          <a:ea typeface="等线" panose="02010600030101010101" pitchFamily="2" charset="-122"/>
+                          <a:cs typeface="Times New Roman" panose="02020603050405020304" pitchFamily="18" charset="0"/>
+                        </a:rPr>
+                        <a:t>SparseGPT</a:t>
+                      </a:r>
+                      <a:endParaRPr lang="zh-CN" altLang="en-US" sz="1100" b="0" i="0" u="none" strike="noStrike" dirty="0">
+                        <a:solidFill>
+                          <a:srgbClr val="000000"/>
+                        </a:solidFill>
+                        <a:effectLst/>
+                        <a:latin typeface="Times New Roman" panose="02020603050405020304" pitchFamily="18" charset="0"/>
+                        <a:ea typeface="等线" panose="02010600030101010101" pitchFamily="2" charset="-122"/>
+                        <a:cs typeface="Times New Roman" panose="02020603050405020304" pitchFamily="18" charset="0"/>
+                      </a:endParaRPr>
+                    </a:p>
+                  </a:txBody>
+                  <a:tcPr marL="6350" marR="6350" marT="6350" marB="0" anchor="ctr"/>
+                </a:tc>
+                <a:tc>
+                  <a:txBody>
+                    <a:bodyPr/>
+                    <a:lstStyle/>
+                    <a:p>
+                      <a:pPr marL="0" marR="0" lvl="0" indent="0" algn="ctr" defTabSz="914400" rtl="0" eaLnBrk="1" fontAlgn="ctr" latinLnBrk="0" hangingPunct="1">
+                        <a:lnSpc>
+                          <a:spcPct val="100000"/>
+                        </a:lnSpc>
+                        <a:spcBef>
+                          <a:spcPts val="0"/>
+                        </a:spcBef>
+                        <a:spcAft>
+                          <a:spcPts val="0"/>
+                        </a:spcAft>
+                        <a:buClrTx/>
+                        <a:buSzTx/>
+                        <a:buFontTx/>
+                        <a:buNone/>
+                        <a:tabLst/>
+                        <a:defRPr/>
+                      </a:pPr>
+                      <a:r>
+                        <a:rPr lang="en-US" altLang="zh-CN" sz="1100" u="none" strike="noStrike" dirty="0">
+                          <a:effectLst/>
+                          <a:latin typeface="Times New Roman" panose="02020603050405020304" pitchFamily="18" charset="0"/>
+                          <a:cs typeface="Times New Roman" panose="02020603050405020304" pitchFamily="18" charset="0"/>
+                        </a:rPr>
+                        <a:t>unknown</a:t>
+                      </a:r>
+                      <a:endParaRPr lang="en-US" altLang="zh-CN" sz="1100" b="0" i="0" u="none" strike="noStrike" dirty="0">
+                        <a:solidFill>
+                          <a:srgbClr val="000000"/>
+                        </a:solidFill>
+                        <a:effectLst/>
+                        <a:latin typeface="Times New Roman" panose="02020603050405020304" pitchFamily="18" charset="0"/>
+                        <a:ea typeface="等线" panose="02010600030101010101" pitchFamily="2" charset="-122"/>
+                        <a:cs typeface="Times New Roman" panose="02020603050405020304" pitchFamily="18" charset="0"/>
+                      </a:endParaRPr>
+                    </a:p>
+                  </a:txBody>
+                  <a:tcPr marL="6350" marR="6350" marT="6350" marB="0" anchor="ctr"/>
+                </a:tc>
+                <a:extLst>
+                  <a:ext uri="{0D108BD9-81ED-4DB2-BD59-A6C34878D82A}">
+                    <a16:rowId xmlns:a16="http://schemas.microsoft.com/office/drawing/2014/main" val="2704564241"/>
+                  </a:ext>
+                </a:extLst>
+              </a:tr>
+              <a:tr h="717880">
+                <a:tc>
+                  <a:txBody>
+                    <a:bodyPr/>
+                    <a:lstStyle/>
+                    <a:p>
+                      <a:pPr algn="ctr" fontAlgn="ctr"/>
+                      <a:r>
+                        <a:rPr lang="en-US" sz="1100" b="1" u="none" strike="noStrike" dirty="0">
+                          <a:effectLst/>
+                        </a:rPr>
+                        <a:t>Compression ratio</a:t>
+                      </a:r>
+                      <a:endParaRPr lang="en-US" sz="1100" b="1" i="0" u="none" strike="noStrike" dirty="0">
+                        <a:solidFill>
+                          <a:srgbClr val="000000"/>
+                        </a:solidFill>
+                        <a:effectLst/>
+                        <a:latin typeface="等线" panose="02010600030101010101" pitchFamily="2" charset="-122"/>
+                        <a:ea typeface="等线" panose="02010600030101010101" pitchFamily="2" charset="-122"/>
+                      </a:endParaRPr>
+                    </a:p>
+                  </a:txBody>
+                  <a:tcPr marL="6350" marR="6350" marT="6350" marB="0" anchor="ctr"/>
+                </a:tc>
+                <a:tc>
+                  <a:txBody>
+                    <a:bodyPr/>
+                    <a:lstStyle/>
+                    <a:p>
+                      <a:pPr algn="ctr" fontAlgn="ctr"/>
+                      <a:r>
+                        <a:rPr lang="en-US" sz="1100" u="none" strike="noStrike" dirty="0">
+                          <a:effectLst/>
+                          <a:latin typeface="Times New Roman" panose="02020603050405020304" pitchFamily="18" charset="0"/>
+                          <a:cs typeface="Times New Roman" panose="02020603050405020304" pitchFamily="18" charset="0"/>
+                        </a:rPr>
+                        <a:t>50% </a:t>
+                      </a:r>
+                    </a:p>
+                    <a:p>
+                      <a:pPr algn="ctr" fontAlgn="ctr"/>
+                      <a:r>
+                        <a:rPr lang="en-US" sz="1100" u="none" strike="noStrike" dirty="0">
+                          <a:effectLst/>
+                          <a:latin typeface="Times New Roman" panose="02020603050405020304" pitchFamily="18" charset="0"/>
+                          <a:cs typeface="Times New Roman" panose="02020603050405020304" pitchFamily="18" charset="0"/>
+                        </a:rPr>
+                        <a:t>(fp32-&gt;fp16)</a:t>
+                      </a:r>
+                      <a:endParaRPr lang="en-US" sz="1100" b="0" i="0" u="none" strike="noStrike" dirty="0">
+                        <a:solidFill>
+                          <a:srgbClr val="000000"/>
+                        </a:solidFill>
+                        <a:effectLst/>
+                        <a:latin typeface="Times New Roman" panose="02020603050405020304" pitchFamily="18" charset="0"/>
+                        <a:ea typeface="等线" panose="02010600030101010101" pitchFamily="2" charset="-122"/>
+                        <a:cs typeface="Times New Roman" panose="02020603050405020304" pitchFamily="18" charset="0"/>
+                      </a:endParaRPr>
+                    </a:p>
+                  </a:txBody>
+                  <a:tcPr marL="6350" marR="6350" marT="6350" marB="0" anchor="ctr"/>
+                </a:tc>
+                <a:tc>
+                  <a:txBody>
+                    <a:bodyPr/>
+                    <a:lstStyle/>
+                    <a:p>
+                      <a:pPr algn="ctr" fontAlgn="ctr"/>
+                      <a:r>
+                        <a:rPr lang="en-US" sz="1100" u="none" strike="noStrike" dirty="0">
+                          <a:effectLst/>
+                          <a:latin typeface="Times New Roman" panose="02020603050405020304" pitchFamily="18" charset="0"/>
+                          <a:cs typeface="Times New Roman" panose="02020603050405020304" pitchFamily="18" charset="0"/>
+                        </a:rPr>
+                        <a:t>90% </a:t>
+                      </a:r>
+                    </a:p>
+                    <a:p>
+                      <a:pPr algn="ctr" fontAlgn="ctr"/>
+                      <a:r>
+                        <a:rPr lang="en-US" sz="1100" u="none" strike="noStrike" dirty="0">
+                          <a:effectLst/>
+                          <a:latin typeface="Times New Roman" panose="02020603050405020304" pitchFamily="18" charset="0"/>
+                          <a:cs typeface="Times New Roman" panose="02020603050405020304" pitchFamily="18" charset="0"/>
+                        </a:rPr>
+                        <a:t>(fp32-&gt;int4)</a:t>
+                      </a:r>
+                      <a:endParaRPr lang="en-US" sz="1100" b="0" i="0" u="none" strike="noStrike" dirty="0">
+                        <a:solidFill>
+                          <a:srgbClr val="000000"/>
+                        </a:solidFill>
+                        <a:effectLst/>
+                        <a:latin typeface="Times New Roman" panose="02020603050405020304" pitchFamily="18" charset="0"/>
+                        <a:ea typeface="等线" panose="02010600030101010101" pitchFamily="2" charset="-122"/>
+                        <a:cs typeface="Times New Roman" panose="02020603050405020304" pitchFamily="18" charset="0"/>
+                      </a:endParaRPr>
+                    </a:p>
+                  </a:txBody>
+                  <a:tcPr marL="6350" marR="6350" marT="6350" marB="0" anchor="ctr"/>
+                </a:tc>
+                <a:tc>
+                  <a:txBody>
+                    <a:bodyPr/>
+                    <a:lstStyle/>
+                    <a:p>
+                      <a:pPr algn="ctr" fontAlgn="ctr"/>
+                      <a:r>
+                        <a:rPr lang="en-US" altLang="zh-CN" sz="1100" b="0" i="0" u="none" strike="noStrike" dirty="0">
+                          <a:solidFill>
+                            <a:srgbClr val="000000"/>
+                          </a:solidFill>
+                          <a:effectLst/>
+                          <a:latin typeface="Times New Roman" panose="02020603050405020304" pitchFamily="18" charset="0"/>
+                          <a:ea typeface="等线" panose="02010600030101010101" pitchFamily="2" charset="-122"/>
+                          <a:cs typeface="Times New Roman" panose="02020603050405020304" pitchFamily="18" charset="0"/>
+                        </a:rPr>
+                        <a:t>50%</a:t>
+                      </a:r>
+                      <a:endParaRPr lang="zh-CN" altLang="en-US" sz="1100" b="0" i="0" u="none" strike="noStrike" dirty="0">
+                        <a:solidFill>
+                          <a:srgbClr val="000000"/>
+                        </a:solidFill>
+                        <a:effectLst/>
+                        <a:latin typeface="Times New Roman" panose="02020603050405020304" pitchFamily="18" charset="0"/>
+                        <a:ea typeface="等线" panose="02010600030101010101" pitchFamily="2" charset="-122"/>
+                        <a:cs typeface="Times New Roman" panose="02020603050405020304" pitchFamily="18" charset="0"/>
+                      </a:endParaRPr>
+                    </a:p>
+                  </a:txBody>
+                  <a:tcPr marL="6350" marR="6350" marT="6350" marB="0" anchor="ctr"/>
+                </a:tc>
+                <a:tc>
+                  <a:txBody>
+                    <a:bodyPr/>
+                    <a:lstStyle/>
+                    <a:p>
+                      <a:pPr algn="ctr" fontAlgn="ctr"/>
+                      <a:r>
+                        <a:rPr lang="en-US" altLang="zh-CN" sz="1100" b="0" i="0" u="none" strike="noStrike" dirty="0">
+                          <a:solidFill>
+                            <a:srgbClr val="000000"/>
+                          </a:solidFill>
+                          <a:effectLst/>
+                          <a:latin typeface="Times New Roman" panose="02020603050405020304" pitchFamily="18" charset="0"/>
+                          <a:ea typeface="等线" panose="02010600030101010101" pitchFamily="2" charset="-122"/>
+                          <a:cs typeface="Times New Roman" panose="02020603050405020304" pitchFamily="18" charset="0"/>
+                        </a:rPr>
+                        <a:t>20%</a:t>
+                      </a:r>
+                      <a:endParaRPr lang="zh-CN" altLang="en-US" sz="1100" b="0" i="0" u="none" strike="noStrike" dirty="0">
+                        <a:solidFill>
+                          <a:srgbClr val="000000"/>
+                        </a:solidFill>
+                        <a:effectLst/>
+                        <a:latin typeface="Times New Roman" panose="02020603050405020304" pitchFamily="18" charset="0"/>
+                        <a:ea typeface="等线" panose="02010600030101010101" pitchFamily="2" charset="-122"/>
+                        <a:cs typeface="Times New Roman" panose="02020603050405020304" pitchFamily="18" charset="0"/>
+                      </a:endParaRPr>
+                    </a:p>
+                  </a:txBody>
+                  <a:tcPr marL="6350" marR="6350" marT="6350" marB="0" anchor="ctr"/>
+                </a:tc>
+                <a:tc>
+                  <a:txBody>
+                    <a:bodyPr/>
+                    <a:lstStyle/>
+                    <a:p>
+                      <a:pPr algn="ctr" fontAlgn="ctr"/>
+                      <a:r>
+                        <a:rPr lang="en-US" altLang="zh-CN" sz="1100" b="0" i="0" u="none" strike="noStrike" dirty="0">
+                          <a:solidFill>
+                            <a:srgbClr val="000000"/>
+                          </a:solidFill>
+                          <a:effectLst/>
+                          <a:latin typeface="Times New Roman" panose="02020603050405020304" pitchFamily="18" charset="0"/>
+                          <a:ea typeface="等线" panose="02010600030101010101" pitchFamily="2" charset="-122"/>
+                          <a:cs typeface="Times New Roman" panose="02020603050405020304" pitchFamily="18" charset="0"/>
+                        </a:rPr>
+                        <a:t>50~60%</a:t>
+                      </a:r>
+                      <a:endParaRPr lang="zh-CN" altLang="en-US" sz="1100" b="0" i="0" u="none" strike="noStrike" dirty="0">
+                        <a:solidFill>
+                          <a:srgbClr val="000000"/>
+                        </a:solidFill>
+                        <a:effectLst/>
+                        <a:latin typeface="Times New Roman" panose="02020603050405020304" pitchFamily="18" charset="0"/>
+                        <a:ea typeface="等线" panose="02010600030101010101" pitchFamily="2" charset="-122"/>
+                        <a:cs typeface="Times New Roman" panose="02020603050405020304" pitchFamily="18" charset="0"/>
+                      </a:endParaRPr>
+                    </a:p>
+                  </a:txBody>
+                  <a:tcPr marL="6350" marR="6350" marT="6350" marB="0" anchor="ctr"/>
+                </a:tc>
+                <a:tc>
+                  <a:txBody>
+                    <a:bodyPr/>
+                    <a:lstStyle/>
+                    <a:p>
+                      <a:pPr algn="ctr" fontAlgn="ctr"/>
+                      <a:r>
+                        <a:rPr lang="en-US" sz="1100" u="none" strike="noStrike" dirty="0">
+                          <a:effectLst/>
+                          <a:latin typeface="Times New Roman" panose="02020603050405020304" pitchFamily="18" charset="0"/>
+                          <a:cs typeface="Times New Roman" panose="02020603050405020304" pitchFamily="18" charset="0"/>
+                        </a:rPr>
+                        <a:t>unknown</a:t>
+                      </a:r>
+                      <a:endParaRPr lang="en-US" sz="1100" b="0" i="0" u="none" strike="noStrike" dirty="0">
+                        <a:solidFill>
+                          <a:srgbClr val="000000"/>
+                        </a:solidFill>
+                        <a:effectLst/>
+                        <a:latin typeface="Times New Roman" panose="02020603050405020304" pitchFamily="18" charset="0"/>
+                        <a:ea typeface="等线" panose="02010600030101010101" pitchFamily="2" charset="-122"/>
+                        <a:cs typeface="Times New Roman" panose="02020603050405020304" pitchFamily="18" charset="0"/>
+                      </a:endParaRPr>
+                    </a:p>
+                  </a:txBody>
+                  <a:tcPr marL="6350" marR="6350" marT="6350" marB="0" anchor="ctr"/>
+                </a:tc>
+                <a:extLst>
+                  <a:ext uri="{0D108BD9-81ED-4DB2-BD59-A6C34878D82A}">
+                    <a16:rowId xmlns:a16="http://schemas.microsoft.com/office/drawing/2014/main" val="2902183221"/>
+                  </a:ext>
+                </a:extLst>
+              </a:tr>
+              <a:tr h="1435759">
+                <a:tc>
+                  <a:txBody>
+                    <a:bodyPr/>
+                    <a:lstStyle/>
+                    <a:p>
+                      <a:pPr algn="ctr" fontAlgn="ctr"/>
+                      <a:r>
+                        <a:rPr lang="en-US" sz="1100" b="1" u="none" strike="noStrike" dirty="0">
+                          <a:effectLst/>
+                        </a:rPr>
+                        <a:t>Speedup</a:t>
+                      </a:r>
+                      <a:endParaRPr lang="en-US" sz="1100" b="1" i="0" u="none" strike="noStrike" dirty="0">
+                        <a:solidFill>
+                          <a:srgbClr val="000000"/>
+                        </a:solidFill>
+                        <a:effectLst/>
+                        <a:latin typeface="等线" panose="02010600030101010101" pitchFamily="2" charset="-122"/>
+                        <a:ea typeface="等线" panose="02010600030101010101" pitchFamily="2" charset="-122"/>
+                      </a:endParaRPr>
+                    </a:p>
+                  </a:txBody>
+                  <a:tcPr marL="6350" marR="6350" marT="6350" marB="0" anchor="ctr"/>
+                </a:tc>
+                <a:tc>
+                  <a:txBody>
+                    <a:bodyPr/>
+                    <a:lstStyle/>
+                    <a:p>
+                      <a:pPr algn="ctr" fontAlgn="ctr"/>
+                      <a:r>
+                        <a:rPr lang="en-US" sz="1100" u="none" strike="noStrike" dirty="0">
+                          <a:effectLst/>
+                          <a:latin typeface="Times New Roman" panose="02020603050405020304" pitchFamily="18" charset="0"/>
+                          <a:cs typeface="Times New Roman" panose="02020603050405020304" pitchFamily="18" charset="0"/>
+                        </a:rPr>
+                        <a:t>Little more than 2x</a:t>
+                      </a:r>
+                    </a:p>
+                    <a:p>
+                      <a:pPr algn="ctr" fontAlgn="ctr"/>
+                      <a:r>
+                        <a:rPr lang="en-US" sz="1100" u="none" strike="noStrike" dirty="0">
+                          <a:effectLst/>
+                          <a:latin typeface="Times New Roman" panose="02020603050405020304" pitchFamily="18" charset="0"/>
+                          <a:cs typeface="Times New Roman" panose="02020603050405020304" pitchFamily="18" charset="0"/>
+                        </a:rPr>
+                        <a:t>(use fp16</a:t>
+                      </a:r>
+                      <a:r>
+                        <a:rPr lang="zh-CN" altLang="en-US" sz="1100" u="none" strike="noStrike" dirty="0">
+                          <a:effectLst/>
+                          <a:latin typeface="Times New Roman" panose="02020603050405020304" pitchFamily="18" charset="0"/>
+                          <a:cs typeface="Times New Roman" panose="02020603050405020304" pitchFamily="18" charset="0"/>
+                        </a:rPr>
+                        <a:t> </a:t>
+                      </a:r>
+                      <a:r>
+                        <a:rPr lang="en-US" altLang="zh-CN" sz="1100" u="none" strike="noStrike" dirty="0">
+                          <a:effectLst/>
+                          <a:latin typeface="Times New Roman" panose="02020603050405020304" pitchFamily="18" charset="0"/>
+                          <a:cs typeface="Times New Roman" panose="02020603050405020304" pitchFamily="18" charset="0"/>
+                        </a:rPr>
+                        <a:t>for</a:t>
+                      </a:r>
+                      <a:r>
+                        <a:rPr lang="zh-CN" altLang="en-US" sz="1100" u="none" strike="noStrike" dirty="0">
+                          <a:effectLst/>
+                          <a:latin typeface="Times New Roman" panose="02020603050405020304" pitchFamily="18" charset="0"/>
+                          <a:cs typeface="Times New Roman" panose="02020603050405020304" pitchFamily="18" charset="0"/>
+                        </a:rPr>
+                        <a:t> </a:t>
+                      </a:r>
+                      <a:r>
+                        <a:rPr lang="en-US" altLang="zh-CN" sz="1100" u="none" strike="noStrike" dirty="0">
+                          <a:effectLst/>
+                          <a:latin typeface="Times New Roman" panose="02020603050405020304" pitchFamily="18" charset="0"/>
+                          <a:cs typeface="Times New Roman" panose="02020603050405020304" pitchFamily="18" charset="0"/>
+                        </a:rPr>
+                        <a:t>inference</a:t>
+                      </a:r>
+                      <a:r>
+                        <a:rPr lang="en-US" sz="1100" u="none" strike="noStrike" dirty="0">
+                          <a:effectLst/>
+                          <a:latin typeface="Times New Roman" panose="02020603050405020304" pitchFamily="18" charset="0"/>
+                          <a:cs typeface="Times New Roman" panose="02020603050405020304" pitchFamily="18" charset="0"/>
+                        </a:rPr>
+                        <a:t>)</a:t>
+                      </a:r>
+                      <a:endParaRPr lang="en-US" sz="1100" b="0" i="0" u="none" strike="noStrike" dirty="0">
+                        <a:solidFill>
+                          <a:srgbClr val="000000"/>
+                        </a:solidFill>
+                        <a:effectLst/>
+                        <a:latin typeface="Times New Roman" panose="02020603050405020304" pitchFamily="18" charset="0"/>
+                        <a:ea typeface="等线" panose="02010600030101010101" pitchFamily="2" charset="-122"/>
+                        <a:cs typeface="Times New Roman" panose="02020603050405020304" pitchFamily="18" charset="0"/>
+                      </a:endParaRPr>
+                    </a:p>
+                  </a:txBody>
+                  <a:tcPr marL="6350" marR="6350" marT="6350" marB="0" anchor="ctr"/>
+                </a:tc>
+                <a:tc>
+                  <a:txBody>
+                    <a:bodyPr/>
+                    <a:lstStyle/>
+                    <a:p>
+                      <a:pPr algn="ctr" fontAlgn="ctr"/>
+                      <a:r>
+                        <a:rPr lang="en-US" sz="1100" u="none" strike="noStrike" dirty="0">
+                          <a:effectLst/>
+                          <a:latin typeface="Times New Roman" panose="02020603050405020304" pitchFamily="18" charset="0"/>
+                          <a:cs typeface="Times New Roman" panose="02020603050405020304" pitchFamily="18" charset="0"/>
+                        </a:rPr>
+                        <a:t>1.5x</a:t>
+                      </a:r>
+                    </a:p>
+                    <a:p>
+                      <a:pPr algn="ctr" fontAlgn="ctr"/>
+                      <a:r>
+                        <a:rPr lang="en-US" sz="1100" u="none" strike="noStrike" dirty="0">
+                          <a:effectLst/>
+                          <a:latin typeface="Times New Roman" panose="02020603050405020304" pitchFamily="18" charset="0"/>
+                          <a:cs typeface="Times New Roman" panose="02020603050405020304" pitchFamily="18" charset="0"/>
+                        </a:rPr>
+                        <a:t>(compared with fp16)</a:t>
+                      </a:r>
+                      <a:endParaRPr lang="en-US" sz="1100" b="0" i="0" u="none" strike="noStrike" dirty="0">
+                        <a:solidFill>
+                          <a:srgbClr val="000000"/>
+                        </a:solidFill>
+                        <a:effectLst/>
+                        <a:latin typeface="Times New Roman" panose="02020603050405020304" pitchFamily="18" charset="0"/>
+                        <a:ea typeface="等线" panose="02010600030101010101" pitchFamily="2" charset="-122"/>
+                        <a:cs typeface="Times New Roman" panose="02020603050405020304" pitchFamily="18" charset="0"/>
+                      </a:endParaRPr>
+                    </a:p>
+                  </a:txBody>
+                  <a:tcPr marL="6350" marR="6350" marT="6350" marB="0" anchor="ctr"/>
+                </a:tc>
+                <a:tc>
+                  <a:txBody>
+                    <a:bodyPr/>
+                    <a:lstStyle/>
+                    <a:p>
+                      <a:pPr algn="ctr" fontAlgn="ctr"/>
+                      <a:r>
+                        <a:rPr lang="en-US" altLang="zh-CN" sz="1100" b="0" i="0" u="none" strike="noStrike" dirty="0">
+                          <a:solidFill>
+                            <a:srgbClr val="000000"/>
+                          </a:solidFill>
+                          <a:effectLst/>
+                          <a:latin typeface="Times New Roman" panose="02020603050405020304" pitchFamily="18" charset="0"/>
+                          <a:ea typeface="等线" panose="02010600030101010101" pitchFamily="2" charset="-122"/>
+                          <a:cs typeface="Times New Roman" panose="02020603050405020304" pitchFamily="18" charset="0"/>
+                        </a:rPr>
+                        <a:t>Not mentioned</a:t>
+                      </a:r>
+                      <a:endParaRPr lang="zh-CN" altLang="en-US" sz="1100" b="0" i="0" u="none" strike="noStrike" dirty="0">
+                        <a:solidFill>
+                          <a:srgbClr val="000000"/>
+                        </a:solidFill>
+                        <a:effectLst/>
+                        <a:latin typeface="Times New Roman" panose="02020603050405020304" pitchFamily="18" charset="0"/>
+                        <a:ea typeface="等线" panose="02010600030101010101" pitchFamily="2" charset="-122"/>
+                        <a:cs typeface="Times New Roman" panose="02020603050405020304" pitchFamily="18" charset="0"/>
+                      </a:endParaRPr>
+                    </a:p>
+                  </a:txBody>
+                  <a:tcPr marL="6350" marR="6350" marT="6350" marB="0" anchor="ctr"/>
+                </a:tc>
+                <a:tc>
+                  <a:txBody>
+                    <a:bodyPr/>
+                    <a:lstStyle/>
+                    <a:p>
+                      <a:pPr algn="ctr" fontAlgn="ctr"/>
+                      <a:r>
+                        <a:rPr lang="en-US" altLang="zh-CN" sz="1100" b="0" i="0" u="none" strike="noStrike" dirty="0">
+                          <a:solidFill>
+                            <a:srgbClr val="000000"/>
+                          </a:solidFill>
+                          <a:effectLst/>
+                          <a:latin typeface="Times New Roman" panose="02020603050405020304" pitchFamily="18" charset="0"/>
+                          <a:ea typeface="等线" panose="02010600030101010101" pitchFamily="2" charset="-122"/>
+                          <a:cs typeface="Times New Roman" panose="02020603050405020304" pitchFamily="18" charset="0"/>
+                        </a:rPr>
+                        <a:t>Not mentioned</a:t>
+                      </a:r>
+                      <a:endParaRPr lang="zh-CN" altLang="en-US" sz="1100" b="0" i="0" u="none" strike="noStrike" dirty="0">
+                        <a:solidFill>
+                          <a:srgbClr val="000000"/>
+                        </a:solidFill>
+                        <a:effectLst/>
+                        <a:latin typeface="Times New Roman" panose="02020603050405020304" pitchFamily="18" charset="0"/>
+                        <a:ea typeface="等线" panose="02010600030101010101" pitchFamily="2" charset="-122"/>
+                        <a:cs typeface="Times New Roman" panose="02020603050405020304" pitchFamily="18" charset="0"/>
+                      </a:endParaRPr>
+                    </a:p>
+                  </a:txBody>
+                  <a:tcPr marL="6350" marR="6350" marT="6350" marB="0" anchor="ctr"/>
+                </a:tc>
+                <a:tc>
+                  <a:txBody>
+                    <a:bodyPr/>
+                    <a:lstStyle/>
+                    <a:p>
+                      <a:pPr algn="ctr" fontAlgn="ctr"/>
+                      <a:r>
+                        <a:rPr lang="en-US" altLang="zh-CN" sz="1100" b="0" i="0" u="none" strike="noStrike" dirty="0">
+                          <a:solidFill>
+                            <a:srgbClr val="000000"/>
+                          </a:solidFill>
+                          <a:effectLst/>
+                          <a:latin typeface="Times New Roman" panose="02020603050405020304" pitchFamily="18" charset="0"/>
+                          <a:ea typeface="等线" panose="02010600030101010101" pitchFamily="2" charset="-122"/>
+                          <a:cs typeface="Times New Roman" panose="02020603050405020304" pitchFamily="18" charset="0"/>
+                        </a:rPr>
+                        <a:t>Supports are essential from framework and hardware</a:t>
+                      </a:r>
+                      <a:endParaRPr lang="zh-CN" altLang="en-US" sz="1100" b="0" i="0" u="none" strike="noStrike" dirty="0">
+                        <a:solidFill>
+                          <a:srgbClr val="000000"/>
+                        </a:solidFill>
+                        <a:effectLst/>
+                        <a:latin typeface="Times New Roman" panose="02020603050405020304" pitchFamily="18" charset="0"/>
+                        <a:ea typeface="等线" panose="02010600030101010101" pitchFamily="2" charset="-122"/>
+                        <a:cs typeface="Times New Roman" panose="02020603050405020304" pitchFamily="18" charset="0"/>
+                      </a:endParaRPr>
+                    </a:p>
+                  </a:txBody>
+                  <a:tcPr marL="6350" marR="6350" marT="6350" marB="0" anchor="ctr"/>
+                </a:tc>
+                <a:tc>
+                  <a:txBody>
+                    <a:bodyPr/>
+                    <a:lstStyle/>
+                    <a:p>
+                      <a:pPr algn="ctr" fontAlgn="ctr"/>
+                      <a:r>
+                        <a:rPr lang="en-US" sz="1100" u="none" strike="noStrike" dirty="0">
+                          <a:effectLst/>
+                          <a:latin typeface="Times New Roman" panose="02020603050405020304" pitchFamily="18" charset="0"/>
+                          <a:cs typeface="Times New Roman" panose="02020603050405020304" pitchFamily="18" charset="0"/>
+                        </a:rPr>
+                        <a:t>unknown</a:t>
+                      </a:r>
+                      <a:endParaRPr lang="en-US" sz="1100" b="0" i="0" u="none" strike="noStrike" dirty="0">
+                        <a:solidFill>
+                          <a:srgbClr val="000000"/>
+                        </a:solidFill>
+                        <a:effectLst/>
+                        <a:latin typeface="Times New Roman" panose="02020603050405020304" pitchFamily="18" charset="0"/>
+                        <a:ea typeface="等线" panose="02010600030101010101" pitchFamily="2" charset="-122"/>
+                        <a:cs typeface="Times New Roman" panose="02020603050405020304" pitchFamily="18" charset="0"/>
+                      </a:endParaRPr>
+                    </a:p>
+                  </a:txBody>
+                  <a:tcPr marL="6350" marR="6350" marT="6350" marB="0" anchor="ctr"/>
+                </a:tc>
+                <a:extLst>
+                  <a:ext uri="{0D108BD9-81ED-4DB2-BD59-A6C34878D82A}">
+                    <a16:rowId xmlns:a16="http://schemas.microsoft.com/office/drawing/2014/main" val="214238783"/>
+                  </a:ext>
+                </a:extLst>
+              </a:tr>
+              <a:tr h="717880">
+                <a:tc>
+                  <a:txBody>
+                    <a:bodyPr/>
+                    <a:lstStyle/>
+                    <a:p>
+                      <a:pPr algn="ctr" fontAlgn="ctr"/>
+                      <a:r>
+                        <a:rPr lang="en-US" sz="1100" b="1" u="none" strike="noStrike" dirty="0">
+                          <a:effectLst/>
+                        </a:rPr>
+                        <a:t>Performance</a:t>
+                      </a:r>
+                      <a:endParaRPr lang="en-US" sz="1100" b="1" i="0" u="none" strike="noStrike" dirty="0">
+                        <a:solidFill>
+                          <a:srgbClr val="000000"/>
+                        </a:solidFill>
+                        <a:effectLst/>
+                        <a:latin typeface="等线" panose="02010600030101010101" pitchFamily="2" charset="-122"/>
+                        <a:ea typeface="等线" panose="02010600030101010101" pitchFamily="2" charset="-122"/>
+                      </a:endParaRPr>
+                    </a:p>
+                  </a:txBody>
+                  <a:tcPr marL="6350" marR="6350" marT="6350" marB="0" anchor="ctr"/>
+                </a:tc>
+                <a:tc>
+                  <a:txBody>
+                    <a:bodyPr/>
+                    <a:lstStyle/>
+                    <a:p>
+                      <a:pPr algn="ctr" fontAlgn="ctr"/>
+                      <a:r>
+                        <a:rPr lang="en-US" sz="1100" b="0" i="0" u="none" strike="noStrike" dirty="0">
+                          <a:solidFill>
+                            <a:srgbClr val="000000"/>
+                          </a:solidFill>
+                          <a:effectLst/>
+                          <a:latin typeface="Times New Roman" panose="02020603050405020304" pitchFamily="18" charset="0"/>
+                          <a:ea typeface="等线" panose="02010600030101010101" pitchFamily="2" charset="-122"/>
+                          <a:cs typeface="Times New Roman" panose="02020603050405020304" pitchFamily="18" charset="0"/>
+                        </a:rPr>
+                        <a:t>Little influence, </a:t>
+                      </a:r>
+                    </a:p>
+                    <a:p>
+                      <a:pPr algn="ctr" fontAlgn="ctr"/>
+                      <a:r>
+                        <a:rPr lang="en-US" sz="1100" b="0" i="0" u="none" strike="noStrike" dirty="0">
+                          <a:solidFill>
+                            <a:srgbClr val="000000"/>
+                          </a:solidFill>
+                          <a:effectLst/>
+                          <a:latin typeface="Times New Roman" panose="02020603050405020304" pitchFamily="18" charset="0"/>
+                          <a:ea typeface="等线" panose="02010600030101010101" pitchFamily="2" charset="-122"/>
+                          <a:cs typeface="Times New Roman" panose="02020603050405020304" pitchFamily="18" charset="0"/>
+                        </a:rPr>
+                        <a:t>can be ignored.</a:t>
+                      </a:r>
+                    </a:p>
+                  </a:txBody>
+                  <a:tcPr marL="6350" marR="6350" marT="6350" marB="0" anchor="ctr"/>
+                </a:tc>
+                <a:tc>
+                  <a:txBody>
+                    <a:bodyPr/>
+                    <a:lstStyle/>
+                    <a:p>
+                      <a:pPr algn="ctr" fontAlgn="ctr"/>
+                      <a:r>
+                        <a:rPr lang="en-US" altLang="zh-CN" sz="1100" b="0" i="0" u="none" strike="noStrike" dirty="0">
+                          <a:solidFill>
+                            <a:srgbClr val="000000"/>
+                          </a:solidFill>
+                          <a:effectLst/>
+                          <a:latin typeface="Times New Roman" panose="02020603050405020304" pitchFamily="18" charset="0"/>
+                          <a:ea typeface="等线" panose="02010600030101010101" pitchFamily="2" charset="-122"/>
+                          <a:cs typeface="Times New Roman" panose="02020603050405020304" pitchFamily="18" charset="0"/>
+                        </a:rPr>
+                        <a:t>Nearly the same as fp16 on PPL </a:t>
+                      </a:r>
+                      <a:endParaRPr lang="zh-CN" altLang="en-US" sz="1100" b="0" i="0" u="none" strike="noStrike" dirty="0">
+                        <a:solidFill>
+                          <a:srgbClr val="000000"/>
+                        </a:solidFill>
+                        <a:effectLst/>
+                        <a:latin typeface="Times New Roman" panose="02020603050405020304" pitchFamily="18" charset="0"/>
+                        <a:ea typeface="等线" panose="02010600030101010101" pitchFamily="2" charset="-122"/>
+                        <a:cs typeface="Times New Roman" panose="02020603050405020304" pitchFamily="18" charset="0"/>
+                      </a:endParaRPr>
+                    </a:p>
+                  </a:txBody>
+                  <a:tcPr marL="6350" marR="6350" marT="6350" marB="0" anchor="ctr"/>
+                </a:tc>
+                <a:tc>
+                  <a:txBody>
+                    <a:bodyPr/>
+                    <a:lstStyle/>
+                    <a:p>
+                      <a:pPr algn="ctr" fontAlgn="ctr"/>
+                      <a:r>
+                        <a:rPr lang="en-US" altLang="zh-CN" sz="1100" b="0" i="0" u="none" strike="noStrike" dirty="0">
+                          <a:solidFill>
+                            <a:srgbClr val="000000"/>
+                          </a:solidFill>
+                          <a:effectLst/>
+                          <a:latin typeface="Times New Roman" panose="02020603050405020304" pitchFamily="18" charset="0"/>
+                          <a:ea typeface="等线" panose="02010600030101010101" pitchFamily="2" charset="-122"/>
+                          <a:cs typeface="Times New Roman" panose="02020603050405020304" pitchFamily="18" charset="0"/>
+                        </a:rPr>
+                        <a:t>2~3 points drop of feedback from GPT4</a:t>
+                      </a:r>
+                      <a:endParaRPr lang="zh-CN" altLang="en-US" sz="1100" b="0" i="0" u="none" strike="noStrike" dirty="0">
+                        <a:solidFill>
+                          <a:srgbClr val="000000"/>
+                        </a:solidFill>
+                        <a:effectLst/>
+                        <a:latin typeface="Times New Roman" panose="02020603050405020304" pitchFamily="18" charset="0"/>
+                        <a:ea typeface="等线" panose="02010600030101010101" pitchFamily="2" charset="-122"/>
+                        <a:cs typeface="Times New Roman" panose="02020603050405020304" pitchFamily="18" charset="0"/>
+                      </a:endParaRPr>
+                    </a:p>
+                  </a:txBody>
+                  <a:tcPr marL="6350" marR="6350" marT="6350" marB="0" anchor="ctr"/>
+                </a:tc>
+                <a:tc>
+                  <a:txBody>
+                    <a:bodyPr/>
+                    <a:lstStyle/>
+                    <a:p>
+                      <a:pPr algn="ctr" fontAlgn="ctr"/>
+                      <a:r>
+                        <a:rPr lang="en-US" altLang="zh-CN" sz="1100" b="0" i="0" u="none" strike="noStrike" dirty="0">
+                          <a:solidFill>
+                            <a:srgbClr val="000000"/>
+                          </a:solidFill>
+                          <a:effectLst/>
+                          <a:latin typeface="Times New Roman" panose="02020603050405020304" pitchFamily="18" charset="0"/>
+                          <a:ea typeface="等线" panose="02010600030101010101" pitchFamily="2" charset="-122"/>
+                          <a:cs typeface="Times New Roman" panose="02020603050405020304" pitchFamily="18" charset="0"/>
+                        </a:rPr>
+                        <a:t>10% drop on zero-shot</a:t>
+                      </a:r>
+                      <a:endParaRPr lang="zh-CN" altLang="en-US" sz="1100" b="0" i="0" u="none" strike="noStrike" dirty="0">
+                        <a:solidFill>
+                          <a:srgbClr val="000000"/>
+                        </a:solidFill>
+                        <a:effectLst/>
+                        <a:latin typeface="Times New Roman" panose="02020603050405020304" pitchFamily="18" charset="0"/>
+                        <a:ea typeface="等线" panose="02010600030101010101" pitchFamily="2" charset="-122"/>
+                        <a:cs typeface="Times New Roman" panose="02020603050405020304" pitchFamily="18" charset="0"/>
+                      </a:endParaRPr>
+                    </a:p>
+                  </a:txBody>
+                  <a:tcPr marL="6350" marR="6350" marT="6350" marB="0" anchor="ctr"/>
+                </a:tc>
+                <a:tc>
+                  <a:txBody>
+                    <a:bodyPr/>
+                    <a:lstStyle/>
+                    <a:p>
+                      <a:pPr algn="ctr" fontAlgn="ctr"/>
+                      <a:r>
+                        <a:rPr lang="en-US" altLang="zh-CN" sz="1100" b="0" i="0" u="none" strike="noStrike" dirty="0">
+                          <a:solidFill>
+                            <a:srgbClr val="000000"/>
+                          </a:solidFill>
+                          <a:effectLst/>
+                          <a:latin typeface="Times New Roman" panose="02020603050405020304" pitchFamily="18" charset="0"/>
+                          <a:ea typeface="等线" panose="02010600030101010101" pitchFamily="2" charset="-122"/>
+                          <a:cs typeface="Times New Roman" panose="02020603050405020304" pitchFamily="18" charset="0"/>
+                        </a:rPr>
+                        <a:t>Little drop on some few-shot tasks</a:t>
+                      </a:r>
+                      <a:endParaRPr lang="zh-CN" altLang="en-US" sz="1100" b="0" i="0" u="none" strike="noStrike" dirty="0">
+                        <a:solidFill>
+                          <a:srgbClr val="000000"/>
+                        </a:solidFill>
+                        <a:effectLst/>
+                        <a:latin typeface="Times New Roman" panose="02020603050405020304" pitchFamily="18" charset="0"/>
+                        <a:ea typeface="等线" panose="02010600030101010101" pitchFamily="2" charset="-122"/>
+                        <a:cs typeface="Times New Roman" panose="02020603050405020304" pitchFamily="18" charset="0"/>
+                      </a:endParaRPr>
+                    </a:p>
+                  </a:txBody>
+                  <a:tcPr marL="6350" marR="6350" marT="6350" marB="0" anchor="ctr"/>
+                </a:tc>
+                <a:tc>
+                  <a:txBody>
+                    <a:bodyPr/>
+                    <a:lstStyle/>
+                    <a:p>
+                      <a:pPr algn="ctr" fontAlgn="ctr"/>
+                      <a:r>
+                        <a:rPr lang="en-US" sz="1100" u="none" strike="noStrike" dirty="0">
+                          <a:effectLst/>
+                          <a:latin typeface="Times New Roman" panose="02020603050405020304" pitchFamily="18" charset="0"/>
+                          <a:cs typeface="Times New Roman" panose="02020603050405020304" pitchFamily="18" charset="0"/>
+                        </a:rPr>
+                        <a:t>unknown</a:t>
+                      </a:r>
+                      <a:endParaRPr lang="en-US" sz="1100" b="0" i="0" u="none" strike="noStrike" dirty="0">
+                        <a:solidFill>
+                          <a:srgbClr val="000000"/>
+                        </a:solidFill>
+                        <a:effectLst/>
+                        <a:latin typeface="Times New Roman" panose="02020603050405020304" pitchFamily="18" charset="0"/>
+                        <a:ea typeface="等线" panose="02010600030101010101" pitchFamily="2" charset="-122"/>
+                        <a:cs typeface="Times New Roman" panose="02020603050405020304" pitchFamily="18" charset="0"/>
+                      </a:endParaRPr>
+                    </a:p>
+                  </a:txBody>
+                  <a:tcPr marL="6350" marR="6350" marT="6350" marB="0" anchor="ctr"/>
+                </a:tc>
+                <a:extLst>
+                  <a:ext uri="{0D108BD9-81ED-4DB2-BD59-A6C34878D82A}">
+                    <a16:rowId xmlns:a16="http://schemas.microsoft.com/office/drawing/2014/main" val="197232267"/>
+                  </a:ext>
+                </a:extLst>
+              </a:tr>
+              <a:tr h="717880">
+                <a:tc>
+                  <a:txBody>
+                    <a:bodyPr/>
+                    <a:lstStyle/>
+                    <a:p>
+                      <a:pPr algn="ctr" fontAlgn="ctr"/>
+                      <a:r>
+                        <a:rPr lang="en-US" sz="1100" b="1" u="none" strike="noStrike" dirty="0">
+                          <a:effectLst/>
+                        </a:rPr>
+                        <a:t>Note</a:t>
+                      </a:r>
+                      <a:endParaRPr lang="en-US" sz="1100" b="1" i="0" u="none" strike="noStrike" dirty="0">
+                        <a:solidFill>
+                          <a:srgbClr val="000000"/>
+                        </a:solidFill>
+                        <a:effectLst/>
+                        <a:latin typeface="等线" panose="02010600030101010101" pitchFamily="2" charset="-122"/>
+                        <a:ea typeface="等线" panose="02010600030101010101" pitchFamily="2" charset="-122"/>
+                      </a:endParaRPr>
+                    </a:p>
+                  </a:txBody>
+                  <a:tcPr marL="6350" marR="6350" marT="6350" marB="0" anchor="ctr"/>
+                </a:tc>
+                <a:tc>
+                  <a:txBody>
+                    <a:bodyPr/>
+                    <a:lstStyle/>
+                    <a:p>
+                      <a:pPr algn="ctr" fontAlgn="ctr"/>
+                      <a:r>
+                        <a:rPr lang="en-US" sz="1100" u="none" strike="noStrike">
+                          <a:effectLst/>
+                          <a:latin typeface="Times New Roman" panose="02020603050405020304" pitchFamily="18" charset="0"/>
+                          <a:cs typeface="Times New Roman" panose="02020603050405020304" pitchFamily="18" charset="0"/>
+                        </a:rPr>
+                        <a:t>Widely used in industry</a:t>
+                      </a:r>
+                      <a:endParaRPr lang="en-US" sz="1100" b="0" i="0" u="none" strike="noStrike">
+                        <a:solidFill>
+                          <a:srgbClr val="000000"/>
+                        </a:solidFill>
+                        <a:effectLst/>
+                        <a:latin typeface="Times New Roman" panose="02020603050405020304" pitchFamily="18" charset="0"/>
+                        <a:ea typeface="等线" panose="02010600030101010101" pitchFamily="2" charset="-122"/>
+                        <a:cs typeface="Times New Roman" panose="02020603050405020304" pitchFamily="18" charset="0"/>
+                      </a:endParaRPr>
+                    </a:p>
+                  </a:txBody>
+                  <a:tcPr marL="6350" marR="6350" marT="6350" marB="0" anchor="ctr"/>
+                </a:tc>
+                <a:tc>
+                  <a:txBody>
+                    <a:bodyPr/>
+                    <a:lstStyle/>
+                    <a:p>
+                      <a:pPr algn="ctr" fontAlgn="ctr"/>
+                      <a:r>
+                        <a:rPr lang="en-US" altLang="zh-CN" sz="1100" b="0" i="0" u="none" strike="noStrike" dirty="0">
+                          <a:solidFill>
+                            <a:srgbClr val="000000"/>
+                          </a:solidFill>
+                          <a:effectLst/>
+                          <a:latin typeface="Times New Roman" panose="02020603050405020304" pitchFamily="18" charset="0"/>
+                          <a:ea typeface="等线" panose="02010600030101010101" pitchFamily="2" charset="-122"/>
+                          <a:cs typeface="Times New Roman" panose="02020603050405020304" pitchFamily="18" charset="0"/>
+                        </a:rPr>
+                        <a:t>Practical performance remains testing</a:t>
+                      </a:r>
+                      <a:endParaRPr lang="zh-CN" altLang="en-US" sz="1100" b="0" i="0" u="none" strike="noStrike" dirty="0">
+                        <a:solidFill>
+                          <a:srgbClr val="000000"/>
+                        </a:solidFill>
+                        <a:effectLst/>
+                        <a:latin typeface="Times New Roman" panose="02020603050405020304" pitchFamily="18" charset="0"/>
+                        <a:ea typeface="等线" panose="02010600030101010101" pitchFamily="2" charset="-122"/>
+                        <a:cs typeface="Times New Roman" panose="02020603050405020304" pitchFamily="18" charset="0"/>
+                      </a:endParaRPr>
+                    </a:p>
+                  </a:txBody>
+                  <a:tcPr marL="6350" marR="6350" marT="6350" marB="0" anchor="ctr"/>
+                </a:tc>
+                <a:tc>
+                  <a:txBody>
+                    <a:bodyPr/>
+                    <a:lstStyle/>
+                    <a:p>
+                      <a:pPr algn="ctr" fontAlgn="ctr"/>
+                      <a:endParaRPr lang="zh-CN" altLang="en-US" sz="1100" b="0" i="0" u="none" strike="noStrike" dirty="0">
+                        <a:solidFill>
+                          <a:srgbClr val="000000"/>
+                        </a:solidFill>
+                        <a:effectLst/>
+                        <a:latin typeface="Times New Roman" panose="02020603050405020304" pitchFamily="18" charset="0"/>
+                        <a:ea typeface="等线" panose="02010600030101010101" pitchFamily="2" charset="-122"/>
+                        <a:cs typeface="Times New Roman" panose="02020603050405020304" pitchFamily="18" charset="0"/>
+                      </a:endParaRPr>
+                    </a:p>
+                  </a:txBody>
+                  <a:tcPr marL="6350" marR="6350" marT="6350" marB="0" anchor="ctr"/>
+                </a:tc>
+                <a:tc>
+                  <a:txBody>
+                    <a:bodyPr/>
+                    <a:lstStyle/>
+                    <a:p>
+                      <a:pPr algn="ctr" fontAlgn="ctr"/>
+                      <a:r>
+                        <a:rPr lang="en-US" altLang="zh-CN" sz="1100" b="0" i="0" u="none" strike="noStrike" dirty="0" err="1">
+                          <a:solidFill>
+                            <a:srgbClr val="000000"/>
+                          </a:solidFill>
+                          <a:effectLst/>
+                          <a:latin typeface="Times New Roman" panose="02020603050405020304" pitchFamily="18" charset="0"/>
+                          <a:ea typeface="等线" panose="02010600030101010101" pitchFamily="2" charset="-122"/>
+                          <a:cs typeface="Times New Roman" panose="02020603050405020304" pitchFamily="18" charset="0"/>
+                        </a:rPr>
+                        <a:t>Unexpectly</a:t>
+                      </a:r>
+                      <a:r>
+                        <a:rPr lang="en-US" altLang="zh-CN" sz="1100" b="0" i="0" u="none" strike="noStrike" dirty="0">
+                          <a:solidFill>
+                            <a:srgbClr val="000000"/>
+                          </a:solidFill>
+                          <a:effectLst/>
+                          <a:latin typeface="Times New Roman" panose="02020603050405020304" pitchFamily="18" charset="0"/>
+                          <a:ea typeface="等线" panose="02010600030101010101" pitchFamily="2" charset="-122"/>
+                          <a:cs typeface="Times New Roman" panose="02020603050405020304" pitchFamily="18" charset="0"/>
+                        </a:rPr>
+                        <a:t> obtain increase on some tasks</a:t>
+                      </a:r>
+                      <a:endParaRPr lang="zh-CN" altLang="en-US" sz="1100" b="0" i="0" u="none" strike="noStrike" dirty="0">
+                        <a:solidFill>
+                          <a:srgbClr val="000000"/>
+                        </a:solidFill>
+                        <a:effectLst/>
+                        <a:latin typeface="Times New Roman" panose="02020603050405020304" pitchFamily="18" charset="0"/>
+                        <a:ea typeface="等线" panose="02010600030101010101" pitchFamily="2" charset="-122"/>
+                        <a:cs typeface="Times New Roman" panose="02020603050405020304" pitchFamily="18" charset="0"/>
+                      </a:endParaRPr>
+                    </a:p>
+                  </a:txBody>
+                  <a:tcPr marL="6350" marR="6350" marT="6350" marB="0" anchor="ctr"/>
+                </a:tc>
+                <a:tc>
+                  <a:txBody>
+                    <a:bodyPr/>
+                    <a:lstStyle/>
+                    <a:p>
+                      <a:pPr algn="ctr" fontAlgn="ctr"/>
+                      <a:endParaRPr lang="zh-CN" altLang="en-US" sz="1100" b="0" i="0" u="none" strike="noStrike">
+                        <a:solidFill>
+                          <a:srgbClr val="000000"/>
+                        </a:solidFill>
+                        <a:effectLst/>
+                        <a:latin typeface="Times New Roman" panose="02020603050405020304" pitchFamily="18" charset="0"/>
+                        <a:ea typeface="等线" panose="02010600030101010101" pitchFamily="2" charset="-122"/>
+                        <a:cs typeface="Times New Roman" panose="02020603050405020304" pitchFamily="18" charset="0"/>
+                      </a:endParaRPr>
+                    </a:p>
+                  </a:txBody>
+                  <a:tcPr marL="6350" marR="6350" marT="6350" marB="0" anchor="ctr"/>
+                </a:tc>
+                <a:tc>
+                  <a:txBody>
+                    <a:bodyPr/>
+                    <a:lstStyle/>
+                    <a:p>
+                      <a:pPr algn="ctr" fontAlgn="ctr"/>
+                      <a:r>
+                        <a:rPr lang="en-US" sz="1100" u="none" strike="noStrike" dirty="0">
+                          <a:effectLst/>
+                          <a:latin typeface="Times New Roman" panose="02020603050405020304" pitchFamily="18" charset="0"/>
+                          <a:cs typeface="Times New Roman" panose="02020603050405020304" pitchFamily="18" charset="0"/>
+                        </a:rPr>
+                        <a:t>unknown</a:t>
+                      </a:r>
+                      <a:endParaRPr lang="en-US" sz="1100" b="0" i="0" u="none" strike="noStrike" dirty="0">
+                        <a:solidFill>
+                          <a:srgbClr val="000000"/>
+                        </a:solidFill>
+                        <a:effectLst/>
+                        <a:latin typeface="Times New Roman" panose="02020603050405020304" pitchFamily="18" charset="0"/>
+                        <a:ea typeface="等线" panose="02010600030101010101" pitchFamily="2" charset="-122"/>
+                        <a:cs typeface="Times New Roman" panose="02020603050405020304" pitchFamily="18" charset="0"/>
+                      </a:endParaRPr>
+                    </a:p>
+                  </a:txBody>
+                  <a:tcPr marL="6350" marR="6350" marT="6350" marB="0" anchor="ctr"/>
+                </a:tc>
+                <a:extLst>
+                  <a:ext uri="{0D108BD9-81ED-4DB2-BD59-A6C34878D82A}">
+                    <a16:rowId xmlns:a16="http://schemas.microsoft.com/office/drawing/2014/main" val="2992260467"/>
+                  </a:ext>
+                </a:extLst>
+              </a:tr>
+            </a:tbl>
+          </a:graphicData>
+        </a:graphic>
+      </p:graphicFrame>
+    </p:spTree>
+    <p:extLst>
+      <p:ext uri="{BB962C8B-B14F-4D97-AF65-F5344CB8AC3E}">
+        <p14:creationId xmlns:p14="http://schemas.microsoft.com/office/powerpoint/2010/main" val="1835318528"/>
+      </p:ext>
+    </p:extLst>
+  </p:cSld>
+  <p:clrMapOvr>
+    <a:masterClrMapping/>
+  </p:clrMapOvr>
+  <mc:AlternateContent xmlns:mc="http://schemas.openxmlformats.org/markup-compatibility/2006" xmlns:p14="http://schemas.microsoft.com/office/powerpoint/2010/main">
+    <mc:Choice Requires="p14">
+      <p:transition p14:dur="10" advTm="7188"/>
+    </mc:Choice>
+    <mc:Fallback xmlns="">
+      <p:transition advTm="7188"/>
+    </mc:Fallback>
+  </mc:AlternateContent>
+</p:sld>
+</file>
+
+<file path=ppt/slides/slide25.xml><?xml version="1.0" encoding="utf-8"?>
+<p:sld xmlns:a="http://schemas.openxmlformats.org/drawingml/2006/main" xmlns:r="http://schemas.openxmlformats.org/officeDocument/2006/relationships" xmlns:p="http://schemas.openxmlformats.org/presentationml/2006/main">
+  <p:cSld>
+    <p:spTree>
+      <p:nvGrpSpPr>
+        <p:cNvPr id="1" name=""/>
+        <p:cNvGrpSpPr/>
+        <p:nvPr/>
+      </p:nvGrpSpPr>
+      <p:grpSpPr>
+        <a:xfrm>
+          <a:off x="0" y="0"/>
+          <a:ext cx="0" cy="0"/>
+          <a:chOff x="0" y="0"/>
+          <a:chExt cx="0" cy="0"/>
+        </a:xfrm>
+      </p:grpSpPr>
       <p:sp>
         <p:nvSpPr>
           <p:cNvPr id="25" name="等腰三角形 24">
